--- a/I Due Moschettieri.pptx
+++ b/I Due Moschettieri.pptx
@@ -7,6 +7,13 @@
   <p:sldIdLst>
     <p:sldId id="257" r:id="rId2"/>
     <p:sldId id="258" r:id="rId3"/>
+    <p:sldId id="259" r:id="rId4"/>
+    <p:sldId id="261" r:id="rId5"/>
+    <p:sldId id="260" r:id="rId6"/>
+    <p:sldId id="262" r:id="rId7"/>
+    <p:sldId id="263" r:id="rId8"/>
+    <p:sldId id="264" r:id="rId9"/>
+    <p:sldId id="265" r:id="rId10"/>
   </p:sldIdLst>
   <p:sldSz cx="12192000" cy="6858000"/>
   <p:notesSz cx="6858000" cy="9144000"/>
@@ -105,6 +112,11 @@
       </a:defRPr>
     </a:lvl9pPr>
   </p:defaultTextStyle>
+  <p:extLst>
+    <p:ext uri="{EFAFB233-063F-42B5-8137-9DF3F51BA10A}">
+      <p15:sldGuideLst xmlns:p15="http://schemas.microsoft.com/office/powerpoint/2012/main"/>
+    </p:ext>
+  </p:extLst>
 </p:presentation>
 </file>
 
@@ -257,7 +269,7 @@
           <a:p>
             <a:fld id="{1EFCC690-7CBF-47E6-BE6E-0EC1C9E624CE}" type="datetimeFigureOut">
               <a:rPr lang="it-IT" smtClean="0"/>
-              <a:t>01/05/2023</a:t>
+              <a:t>02/05/2023</a:t>
             </a:fld>
             <a:endParaRPr lang="it-IT"/>
           </a:p>
@@ -457,7 +469,7 @@
           <a:p>
             <a:fld id="{1EFCC690-7CBF-47E6-BE6E-0EC1C9E624CE}" type="datetimeFigureOut">
               <a:rPr lang="it-IT" smtClean="0"/>
-              <a:t>01/05/2023</a:t>
+              <a:t>02/05/2023</a:t>
             </a:fld>
             <a:endParaRPr lang="it-IT"/>
           </a:p>
@@ -667,7 +679,7 @@
           <a:p>
             <a:fld id="{1EFCC690-7CBF-47E6-BE6E-0EC1C9E624CE}" type="datetimeFigureOut">
               <a:rPr lang="it-IT" smtClean="0"/>
-              <a:t>01/05/2023</a:t>
+              <a:t>02/05/2023</a:t>
             </a:fld>
             <a:endParaRPr lang="it-IT"/>
           </a:p>
@@ -867,7 +879,7 @@
           <a:p>
             <a:fld id="{1EFCC690-7CBF-47E6-BE6E-0EC1C9E624CE}" type="datetimeFigureOut">
               <a:rPr lang="it-IT" smtClean="0"/>
-              <a:t>01/05/2023</a:t>
+              <a:t>02/05/2023</a:t>
             </a:fld>
             <a:endParaRPr lang="it-IT"/>
           </a:p>
@@ -1143,7 +1155,7 @@
           <a:p>
             <a:fld id="{1EFCC690-7CBF-47E6-BE6E-0EC1C9E624CE}" type="datetimeFigureOut">
               <a:rPr lang="it-IT" smtClean="0"/>
-              <a:t>01/05/2023</a:t>
+              <a:t>02/05/2023</a:t>
             </a:fld>
             <a:endParaRPr lang="it-IT"/>
           </a:p>
@@ -1411,7 +1423,7 @@
           <a:p>
             <a:fld id="{1EFCC690-7CBF-47E6-BE6E-0EC1C9E624CE}" type="datetimeFigureOut">
               <a:rPr lang="it-IT" smtClean="0"/>
-              <a:t>01/05/2023</a:t>
+              <a:t>02/05/2023</a:t>
             </a:fld>
             <a:endParaRPr lang="it-IT"/>
           </a:p>
@@ -1826,7 +1838,7 @@
           <a:p>
             <a:fld id="{1EFCC690-7CBF-47E6-BE6E-0EC1C9E624CE}" type="datetimeFigureOut">
               <a:rPr lang="it-IT" smtClean="0"/>
-              <a:t>01/05/2023</a:t>
+              <a:t>02/05/2023</a:t>
             </a:fld>
             <a:endParaRPr lang="it-IT"/>
           </a:p>
@@ -1968,7 +1980,7 @@
           <a:p>
             <a:fld id="{1EFCC690-7CBF-47E6-BE6E-0EC1C9E624CE}" type="datetimeFigureOut">
               <a:rPr lang="it-IT" smtClean="0"/>
-              <a:t>01/05/2023</a:t>
+              <a:t>02/05/2023</a:t>
             </a:fld>
             <a:endParaRPr lang="it-IT"/>
           </a:p>
@@ -2081,7 +2093,7 @@
           <a:p>
             <a:fld id="{1EFCC690-7CBF-47E6-BE6E-0EC1C9E624CE}" type="datetimeFigureOut">
               <a:rPr lang="it-IT" smtClean="0"/>
-              <a:t>01/05/2023</a:t>
+              <a:t>02/05/2023</a:t>
             </a:fld>
             <a:endParaRPr lang="it-IT"/>
           </a:p>
@@ -2394,7 +2406,7 @@
           <a:p>
             <a:fld id="{1EFCC690-7CBF-47E6-BE6E-0EC1C9E624CE}" type="datetimeFigureOut">
               <a:rPr lang="it-IT" smtClean="0"/>
-              <a:t>01/05/2023</a:t>
+              <a:t>02/05/2023</a:t>
             </a:fld>
             <a:endParaRPr lang="it-IT"/>
           </a:p>
@@ -2683,7 +2695,7 @@
           <a:p>
             <a:fld id="{1EFCC690-7CBF-47E6-BE6E-0EC1C9E624CE}" type="datetimeFigureOut">
               <a:rPr lang="it-IT" smtClean="0"/>
-              <a:t>01/05/2023</a:t>
+              <a:t>02/05/2023</a:t>
             </a:fld>
             <a:endParaRPr lang="it-IT"/>
           </a:p>
@@ -2926,7 +2938,7 @@
           <a:p>
             <a:fld id="{1EFCC690-7CBF-47E6-BE6E-0EC1C9E624CE}" type="datetimeFigureOut">
               <a:rPr lang="it-IT" smtClean="0"/>
-              <a:t>01/05/2023</a:t>
+              <a:t>02/05/2023</a:t>
             </a:fld>
             <a:endParaRPr lang="it-IT"/>
           </a:p>
@@ -3883,11 +3895,7 @@
             <a:pPr algn="ctr"/>
             <a:r>
               <a:rPr lang="en-US" dirty="0"/>
-              <a:t>I Due </a:t>
-            </a:r>
-            <a:r>
-              <a:rPr lang="en-US" dirty="0" err="1"/>
-              <a:t>Moschettieri</a:t>
+              <a:t>Il Team</a:t>
             </a:r>
             <a:endParaRPr lang="it-IT" dirty="0"/>
           </a:p>
@@ -3895,21 +3903,108 @@
       </p:sp>
       <p:sp>
         <p:nvSpPr>
-          <p:cNvPr id="3" name="Content Placeholder 2">
-            <a:extLst>
-              <a:ext uri="{FF2B5EF4-FFF2-40B4-BE49-F238E27FC236}">
-                <a16:creationId xmlns:a16="http://schemas.microsoft.com/office/drawing/2014/main" id="{5CE67D6A-F4D3-523C-96FF-3D513D3801EA}"/>
-              </a:ext>
-            </a:extLst>
-          </p:cNvPr>
-          <p:cNvSpPr>
-            <a:spLocks noGrp="1"/>
-          </p:cNvSpPr>
-          <p:nvPr>
-            <p:ph idx="1"/>
+          <p:cNvPr id="4" name="Text Placeholder 3">
+            <a:extLst>
+              <a:ext uri="{FF2B5EF4-FFF2-40B4-BE49-F238E27FC236}">
+                <a16:creationId xmlns:a16="http://schemas.microsoft.com/office/drawing/2014/main" id="{99CC7D97-599C-F575-0E3C-60F227AE19B7}"/>
+              </a:ext>
+            </a:extLst>
+          </p:cNvPr>
+          <p:cNvSpPr>
+            <a:spLocks noGrp="1"/>
+          </p:cNvSpPr>
+          <p:nvPr>
+            <p:ph type="body" idx="1"/>
+          </p:nvPr>
+        </p:nvSpPr>
+        <p:spPr>
+          <a:xfrm>
+            <a:off x="862014" y="5365751"/>
+            <a:ext cx="5157787" cy="823912"/>
+          </a:xfrm>
+        </p:spPr>
+        <p:txBody>
+          <a:bodyPr anchor="ctr"/>
+          <a:lstStyle/>
+          <a:p>
+            <a:pPr algn="ctr"/>
+            <a:endParaRPr lang="it-IT" dirty="0"/>
+          </a:p>
+        </p:txBody>
+      </p:sp>
+      <p:sp>
+        <p:nvSpPr>
+          <p:cNvPr id="6" name="Text Placeholder 5">
+            <a:extLst>
+              <a:ext uri="{FF2B5EF4-FFF2-40B4-BE49-F238E27FC236}">
+                <a16:creationId xmlns:a16="http://schemas.microsoft.com/office/drawing/2014/main" id="{533D7DF9-1F71-9766-ED1E-3700E9CEB5E9}"/>
+              </a:ext>
+            </a:extLst>
+          </p:cNvPr>
+          <p:cNvSpPr>
+            <a:spLocks noGrp="1"/>
+          </p:cNvSpPr>
+          <p:nvPr>
+            <p:ph type="body" sz="quarter" idx="3"/>
           </p:nvPr>
         </p:nvSpPr>
         <p:spPr/>
+        <p:txBody>
+          <a:bodyPr anchor="ctr"/>
+          <a:lstStyle/>
+          <a:p>
+            <a:pPr algn="ctr"/>
+            <a:endParaRPr lang="it-IT" dirty="0"/>
+          </a:p>
+        </p:txBody>
+      </p:sp>
+      <p:sp>
+        <p:nvSpPr>
+          <p:cNvPr id="7" name="Content Placeholder 6">
+            <a:extLst>
+              <a:ext uri="{FF2B5EF4-FFF2-40B4-BE49-F238E27FC236}">
+                <a16:creationId xmlns:a16="http://schemas.microsoft.com/office/drawing/2014/main" id="{8DEEBC6B-9DCB-FA44-5F4B-BB6C2DAC9E14}"/>
+              </a:ext>
+            </a:extLst>
+          </p:cNvPr>
+          <p:cNvSpPr>
+            <a:spLocks noGrp="1"/>
+          </p:cNvSpPr>
+          <p:nvPr>
+            <p:ph sz="quarter" idx="4"/>
+          </p:nvPr>
+        </p:nvSpPr>
+        <p:spPr/>
+        <p:txBody>
+          <a:bodyPr/>
+          <a:lstStyle/>
+          <a:p>
+            <a:endParaRPr lang="it-IT"/>
+          </a:p>
+        </p:txBody>
+      </p:sp>
+      <p:sp>
+        <p:nvSpPr>
+          <p:cNvPr id="3" name="Content Placeholder 4">
+            <a:extLst>
+              <a:ext uri="{FF2B5EF4-FFF2-40B4-BE49-F238E27FC236}">
+                <a16:creationId xmlns:a16="http://schemas.microsoft.com/office/drawing/2014/main" id="{449A74CB-ED56-DAB9-2BEF-CE51D092F63D}"/>
+              </a:ext>
+            </a:extLst>
+          </p:cNvPr>
+          <p:cNvSpPr>
+            <a:spLocks noGrp="1"/>
+          </p:cNvSpPr>
+          <p:nvPr>
+            <p:ph sz="half" idx="2"/>
+          </p:nvPr>
+        </p:nvSpPr>
+        <p:spPr>
+          <a:xfrm>
+            <a:off x="862014" y="1690688"/>
+            <a:ext cx="5157787" cy="3684588"/>
+          </a:xfrm>
+        </p:spPr>
         <p:txBody>
           <a:bodyPr/>
           <a:lstStyle/>
@@ -3922,6 +4017,1779 @@
     <p:extLst>
       <p:ext uri="{BB962C8B-B14F-4D97-AF65-F5344CB8AC3E}">
         <p14:creationId xmlns:p14="http://schemas.microsoft.com/office/powerpoint/2010/main" val="3498981795"/>
+      </p:ext>
+    </p:extLst>
+  </p:cSld>
+  <p:clrMapOvr>
+    <a:masterClrMapping/>
+  </p:clrMapOvr>
+</p:sld>
+</file>
+
+<file path=ppt/slides/slide3.xml><?xml version="1.0" encoding="utf-8"?>
+<p:sld xmlns:a="http://schemas.openxmlformats.org/drawingml/2006/main" xmlns:r="http://schemas.openxmlformats.org/officeDocument/2006/relationships" xmlns:p="http://schemas.openxmlformats.org/presentationml/2006/main">
+  <p:cSld>
+    <p:spTree>
+      <p:nvGrpSpPr>
+        <p:cNvPr id="1" name=""/>
+        <p:cNvGrpSpPr/>
+        <p:nvPr/>
+      </p:nvGrpSpPr>
+      <p:grpSpPr>
+        <a:xfrm>
+          <a:off x="0" y="0"/>
+          <a:ext cx="0" cy="0"/>
+          <a:chOff x="0" y="0"/>
+          <a:chExt cx="0" cy="0"/>
+        </a:xfrm>
+      </p:grpSpPr>
+      <p:sp>
+        <p:nvSpPr>
+          <p:cNvPr id="7" name="Title 6">
+            <a:extLst>
+              <a:ext uri="{FF2B5EF4-FFF2-40B4-BE49-F238E27FC236}">
+                <a16:creationId xmlns:a16="http://schemas.microsoft.com/office/drawing/2014/main" id="{1274AD00-1705-79BB-E305-6794E337D3E9}"/>
+              </a:ext>
+            </a:extLst>
+          </p:cNvPr>
+          <p:cNvSpPr>
+            <a:spLocks noGrp="1"/>
+          </p:cNvSpPr>
+          <p:nvPr>
+            <p:ph type="title"/>
+          </p:nvPr>
+        </p:nvSpPr>
+        <p:spPr/>
+        <p:txBody>
+          <a:bodyPr/>
+          <a:lstStyle/>
+          <a:p>
+            <a:pPr algn="ctr"/>
+            <a:r>
+              <a:rPr lang="en-US" dirty="0" err="1"/>
+              <a:t>Sommario</a:t>
+            </a:r>
+            <a:r>
+              <a:rPr lang="en-US" dirty="0"/>
+              <a:t> (</a:t>
+            </a:r>
+            <a:r>
+              <a:rPr lang="en-US" dirty="0" err="1"/>
+              <a:t>grafico</a:t>
+            </a:r>
+            <a:r>
+              <a:rPr lang="en-US" dirty="0"/>
+              <a:t>…)</a:t>
+            </a:r>
+            <a:endParaRPr lang="it-IT" dirty="0"/>
+          </a:p>
+        </p:txBody>
+      </p:sp>
+      <p:sp>
+        <p:nvSpPr>
+          <p:cNvPr id="8" name="Content Placeholder 7">
+            <a:extLst>
+              <a:ext uri="{FF2B5EF4-FFF2-40B4-BE49-F238E27FC236}">
+                <a16:creationId xmlns:a16="http://schemas.microsoft.com/office/drawing/2014/main" id="{4FC9FB4E-8DB8-4DA4-5B81-9DAF7A40AE3A}"/>
+              </a:ext>
+            </a:extLst>
+          </p:cNvPr>
+          <p:cNvSpPr>
+            <a:spLocks noGrp="1"/>
+          </p:cNvSpPr>
+          <p:nvPr>
+            <p:ph idx="1"/>
+          </p:nvPr>
+        </p:nvSpPr>
+        <p:spPr/>
+        <p:txBody>
+          <a:bodyPr/>
+          <a:lstStyle/>
+          <a:p>
+            <a:r>
+              <a:rPr lang="en-US" dirty="0" err="1"/>
+              <a:t>Presentazione</a:t>
+            </a:r>
+            <a:endParaRPr lang="en-US" dirty="0"/>
+          </a:p>
+          <a:p>
+            <a:r>
+              <a:rPr lang="en-US" dirty="0"/>
+              <a:t>Governance</a:t>
+            </a:r>
+          </a:p>
+          <a:p>
+            <a:r>
+              <a:rPr lang="en-US" dirty="0"/>
+              <a:t>Report</a:t>
+            </a:r>
+          </a:p>
+          <a:p>
+            <a:r>
+              <a:rPr lang="en-US" dirty="0"/>
+              <a:t>Business Model</a:t>
+            </a:r>
+          </a:p>
+          <a:p>
+            <a:r>
+              <a:rPr lang="en-US" dirty="0" err="1"/>
+              <a:t>Riferimenti</a:t>
+            </a:r>
+            <a:r>
+              <a:rPr lang="en-US" dirty="0"/>
+              <a:t> </a:t>
+            </a:r>
+            <a:r>
+              <a:rPr lang="en-US" dirty="0" err="1"/>
+              <a:t>Bibliografici</a:t>
+            </a:r>
+            <a:r>
+              <a:rPr lang="en-US" dirty="0"/>
+              <a:t>/</a:t>
+            </a:r>
+            <a:r>
+              <a:rPr lang="en-US" dirty="0" err="1"/>
+              <a:t>Sitografici</a:t>
+            </a:r>
+            <a:endParaRPr lang="it-IT" dirty="0"/>
+          </a:p>
+        </p:txBody>
+      </p:sp>
+    </p:spTree>
+    <p:extLst>
+      <p:ext uri="{BB962C8B-B14F-4D97-AF65-F5344CB8AC3E}">
+        <p14:creationId xmlns:p14="http://schemas.microsoft.com/office/powerpoint/2010/main" val="1422781813"/>
+      </p:ext>
+    </p:extLst>
+  </p:cSld>
+  <p:clrMapOvr>
+    <a:masterClrMapping/>
+  </p:clrMapOvr>
+</p:sld>
+</file>
+
+<file path=ppt/slides/slide4.xml><?xml version="1.0" encoding="utf-8"?>
+<p:sld xmlns:a="http://schemas.openxmlformats.org/drawingml/2006/main" xmlns:r="http://schemas.openxmlformats.org/officeDocument/2006/relationships" xmlns:p="http://schemas.openxmlformats.org/presentationml/2006/main">
+  <p:cSld>
+    <p:spTree>
+      <p:nvGrpSpPr>
+        <p:cNvPr id="1" name=""/>
+        <p:cNvGrpSpPr/>
+        <p:nvPr/>
+      </p:nvGrpSpPr>
+      <p:grpSpPr>
+        <a:xfrm>
+          <a:off x="0" y="0"/>
+          <a:ext cx="0" cy="0"/>
+          <a:chOff x="0" y="0"/>
+          <a:chExt cx="0" cy="0"/>
+        </a:xfrm>
+      </p:grpSpPr>
+      <p:sp>
+        <p:nvSpPr>
+          <p:cNvPr id="2" name="Title 1">
+            <a:extLst>
+              <a:ext uri="{FF2B5EF4-FFF2-40B4-BE49-F238E27FC236}">
+                <a16:creationId xmlns:a16="http://schemas.microsoft.com/office/drawing/2014/main" id="{39803B6E-6B1C-1D02-0D04-72184390FEF4}"/>
+              </a:ext>
+            </a:extLst>
+          </p:cNvPr>
+          <p:cNvSpPr>
+            <a:spLocks noGrp="1"/>
+          </p:cNvSpPr>
+          <p:nvPr>
+            <p:ph type="title"/>
+          </p:nvPr>
+        </p:nvSpPr>
+        <p:spPr>
+          <a:xfrm>
+            <a:off x="839788" y="457200"/>
+            <a:ext cx="3932237" cy="748145"/>
+          </a:xfrm>
+        </p:spPr>
+        <p:txBody>
+          <a:bodyPr anchor="ctr"/>
+          <a:lstStyle/>
+          <a:p>
+            <a:pPr algn="ctr"/>
+            <a:r>
+              <a:rPr lang="en-US" dirty="0" err="1"/>
+              <a:t>Piccola</a:t>
+            </a:r>
+            <a:r>
+              <a:rPr lang="en-US" dirty="0"/>
+              <a:t> </a:t>
+            </a:r>
+            <a:r>
+              <a:rPr lang="en-US" dirty="0" err="1"/>
+              <a:t>Presentazione</a:t>
+            </a:r>
+            <a:endParaRPr lang="it-IT" dirty="0"/>
+          </a:p>
+        </p:txBody>
+      </p:sp>
+      <p:pic>
+        <p:nvPicPr>
+          <p:cNvPr id="6" name="Content Placeholder 5">
+            <a:extLst>
+              <a:ext uri="{FF2B5EF4-FFF2-40B4-BE49-F238E27FC236}">
+                <a16:creationId xmlns:a16="http://schemas.microsoft.com/office/drawing/2014/main" id="{F9940ACE-D8E3-03DF-03DE-CB90EEFA8B10}"/>
+              </a:ext>
+            </a:extLst>
+          </p:cNvPr>
+          <p:cNvPicPr>
+            <a:picLocks noGrp="1" noChangeAspect="1"/>
+          </p:cNvPicPr>
+          <p:nvPr>
+            <p:ph idx="1"/>
+          </p:nvPr>
+        </p:nvPicPr>
+        <p:blipFill>
+          <a:blip r:embed="rId2">
+            <a:extLst>
+              <a:ext uri="{28A0092B-C50C-407E-A947-70E740481C1C}">
+                <a14:useLocalDpi xmlns:a14="http://schemas.microsoft.com/office/drawing/2010/main" val="0"/>
+              </a:ext>
+              <a:ext uri="{96DAC541-7B7A-43D3-8B79-37D633B846F1}">
+                <asvg:svgBlip xmlns:asvg="http://schemas.microsoft.com/office/drawing/2016/SVG/main" r:embed="rId3"/>
+              </a:ext>
+            </a:extLst>
+          </a:blip>
+          <a:stretch>
+            <a:fillRect/>
+          </a:stretch>
+        </p:blipFill>
+        <p:spPr>
+          <a:xfrm>
+            <a:off x="6292735" y="1205345"/>
+            <a:ext cx="5059477" cy="1445565"/>
+          </a:xfrm>
+        </p:spPr>
+      </p:pic>
+      <p:sp>
+        <p:nvSpPr>
+          <p:cNvPr id="4" name="Text Placeholder 3">
+            <a:extLst>
+              <a:ext uri="{FF2B5EF4-FFF2-40B4-BE49-F238E27FC236}">
+                <a16:creationId xmlns:a16="http://schemas.microsoft.com/office/drawing/2014/main" id="{64CDF323-AEC0-01BC-2794-E0C48488A2E7}"/>
+              </a:ext>
+            </a:extLst>
+          </p:cNvPr>
+          <p:cNvSpPr>
+            <a:spLocks noGrp="1"/>
+          </p:cNvSpPr>
+          <p:nvPr>
+            <p:ph type="body" sz="half" idx="2"/>
+          </p:nvPr>
+        </p:nvSpPr>
+        <p:spPr>
+          <a:xfrm>
+            <a:off x="839788" y="1205345"/>
+            <a:ext cx="5059477" cy="5370022"/>
+          </a:xfrm>
+        </p:spPr>
+        <p:txBody>
+          <a:bodyPr>
+            <a:normAutofit fontScale="85000" lnSpcReduction="20000"/>
+          </a:bodyPr>
+          <a:lstStyle/>
+          <a:p>
+            <a:r>
+              <a:rPr lang="en-US" dirty="0" err="1"/>
+              <a:t>Descrizione</a:t>
+            </a:r>
+            <a:r>
+              <a:rPr lang="en-US" dirty="0"/>
+              <a:t>: </a:t>
+            </a:r>
+            <a:r>
+              <a:rPr lang="en-US" dirty="0" err="1"/>
+              <a:t>Elica</a:t>
+            </a:r>
+            <a:r>
+              <a:rPr lang="en-US" dirty="0"/>
+              <a:t> S.p.A.</a:t>
+            </a:r>
+            <a:r>
+              <a:rPr lang="it-IT" dirty="0"/>
+              <a:t>, leader mondiale dei sistemi di aspirazione in cucina.</a:t>
+            </a:r>
+          </a:p>
+          <a:p>
+            <a:r>
+              <a:rPr lang="it-IT" dirty="0"/>
+              <a:t>Localizzazione: </a:t>
+            </a:r>
+          </a:p>
+          <a:p>
+            <a:pPr marL="342900" indent="-342900">
+              <a:buFont typeface="+mj-lt"/>
+              <a:buAutoNum type="arabicPeriod"/>
+            </a:pPr>
+            <a:r>
+              <a:rPr lang="it-IT" b="1" i="0" dirty="0">
+                <a:solidFill>
+                  <a:srgbClr val="666666"/>
+                </a:solidFill>
+                <a:effectLst/>
+                <a:latin typeface="Gotham"/>
+              </a:rPr>
+              <a:t>ELICA S.P.A.</a:t>
+            </a:r>
+            <a:br>
+              <a:rPr lang="it-IT" dirty="0"/>
+            </a:br>
+            <a:r>
+              <a:rPr lang="it-IT" b="0" i="0" dirty="0">
+                <a:solidFill>
+                  <a:srgbClr val="666666"/>
+                </a:solidFill>
+                <a:effectLst/>
+                <a:latin typeface="Gotham"/>
+              </a:rPr>
+              <a:t>60044 Fabriano</a:t>
+            </a:r>
+            <a:br>
+              <a:rPr lang="it-IT" dirty="0"/>
+            </a:br>
+            <a:r>
+              <a:rPr lang="it-IT" b="0" i="0" dirty="0">
+                <a:solidFill>
+                  <a:srgbClr val="666666"/>
+                </a:solidFill>
+                <a:effectLst/>
+                <a:latin typeface="Gotham"/>
+              </a:rPr>
+              <a:t>Mergo - Cerreto</a:t>
+            </a:r>
+            <a:br>
+              <a:rPr lang="it-IT" dirty="0"/>
+            </a:br>
+            <a:r>
+              <a:rPr lang="it-IT" b="0" i="0" dirty="0">
+                <a:solidFill>
+                  <a:srgbClr val="666666"/>
+                </a:solidFill>
+                <a:effectLst/>
+                <a:latin typeface="Gotham"/>
+              </a:rPr>
+              <a:t>Via Ermanno Casoli, 2</a:t>
+            </a:r>
+            <a:br>
+              <a:rPr lang="it-IT" dirty="0"/>
+            </a:br>
+            <a:br>
+              <a:rPr lang="it-IT" dirty="0"/>
+            </a:br>
+            <a:r>
+              <a:rPr lang="it-IT" b="1" i="0" dirty="0">
+                <a:solidFill>
+                  <a:srgbClr val="666666"/>
+                </a:solidFill>
+                <a:effectLst/>
+                <a:latin typeface="Gotham"/>
+              </a:rPr>
+              <a:t>EMC FIME S.r.l.</a:t>
+            </a:r>
+            <a:br>
+              <a:rPr lang="it-IT" dirty="0"/>
+            </a:br>
+            <a:r>
+              <a:rPr lang="it-IT" b="0" i="0" dirty="0">
+                <a:solidFill>
+                  <a:srgbClr val="666666"/>
+                </a:solidFill>
+                <a:effectLst/>
+                <a:latin typeface="Gotham"/>
+              </a:rPr>
+              <a:t>Via Jesina 56</a:t>
+            </a:r>
+            <a:br>
+              <a:rPr lang="it-IT" dirty="0"/>
+            </a:br>
+            <a:r>
+              <a:rPr lang="it-IT" b="0" i="0" dirty="0">
+                <a:solidFill>
+                  <a:srgbClr val="666666"/>
+                </a:solidFill>
+                <a:effectLst/>
+                <a:latin typeface="Gotham"/>
+              </a:rPr>
+              <a:t>Castelfidardo (AN)</a:t>
+            </a:r>
+            <a:br>
+              <a:rPr lang="it-IT" dirty="0"/>
+            </a:br>
+            <a:br>
+              <a:rPr lang="it-IT" dirty="0"/>
+            </a:br>
+            <a:r>
+              <a:rPr lang="it-IT" b="1" i="0" dirty="0">
+                <a:solidFill>
+                  <a:srgbClr val="666666"/>
+                </a:solidFill>
+                <a:effectLst/>
+                <a:latin typeface="Gotham"/>
+              </a:rPr>
+              <a:t>AIR FORCE S.P.A.</a:t>
+            </a:r>
+            <a:br>
+              <a:rPr lang="it-IT" dirty="0"/>
+            </a:br>
+            <a:r>
+              <a:rPr lang="it-IT" b="0" i="0" dirty="0" err="1">
+                <a:solidFill>
+                  <a:srgbClr val="666666"/>
+                </a:solidFill>
+                <a:effectLst/>
+                <a:latin typeface="Gotham"/>
+              </a:rPr>
+              <a:t>Fraz</a:t>
+            </a:r>
+            <a:r>
+              <a:rPr lang="it-IT" b="0" i="0" dirty="0">
+                <a:solidFill>
+                  <a:srgbClr val="666666"/>
+                </a:solidFill>
+                <a:effectLst/>
+                <a:latin typeface="Gotham"/>
+              </a:rPr>
+              <a:t>. Ca' Maiano 140/E</a:t>
+            </a:r>
+            <a:br>
+              <a:rPr lang="it-IT" dirty="0"/>
+            </a:br>
+            <a:r>
+              <a:rPr lang="it-IT" b="0" i="0" dirty="0">
+                <a:solidFill>
+                  <a:srgbClr val="666666"/>
+                </a:solidFill>
+                <a:effectLst/>
+                <a:latin typeface="Gotham"/>
+              </a:rPr>
+              <a:t>60044 Fabriano (AN)</a:t>
+            </a:r>
+            <a:br>
+              <a:rPr lang="it-IT" dirty="0"/>
+            </a:br>
+            <a:r>
+              <a:rPr lang="it-IT" b="0" i="0" dirty="0">
+                <a:solidFill>
+                  <a:srgbClr val="666666"/>
+                </a:solidFill>
+                <a:effectLst/>
+                <a:latin typeface="Gotham"/>
+              </a:rPr>
+              <a:t>C.F. 01474440425</a:t>
+            </a:r>
+          </a:p>
+          <a:p>
+            <a:pPr marL="342900" indent="-342900">
+              <a:buFont typeface="+mj-lt"/>
+              <a:buAutoNum type="arabicPeriod"/>
+            </a:pPr>
+            <a:r>
+              <a:rPr lang="it-IT" b="1" i="0" dirty="0">
+                <a:solidFill>
+                  <a:srgbClr val="666666"/>
+                </a:solidFill>
+                <a:effectLst/>
+                <a:latin typeface="Gotham"/>
+              </a:rPr>
+              <a:t>ELICAMEX S.A. DE C.V.</a:t>
+            </a:r>
+            <a:br>
+              <a:rPr lang="it-IT" dirty="0"/>
+            </a:br>
+            <a:r>
+              <a:rPr lang="it-IT" b="0" i="0" dirty="0">
+                <a:effectLst/>
+                <a:latin typeface="Gotham"/>
+              </a:rPr>
+              <a:t>Controllata 100% (direttamente 98%, indirettamente 2% EGP)</a:t>
+            </a:r>
+            <a:br>
+              <a:rPr lang="it-IT" dirty="0"/>
+            </a:br>
+            <a:r>
+              <a:rPr lang="it-IT" b="0" i="0" dirty="0">
+                <a:solidFill>
+                  <a:srgbClr val="666666"/>
+                </a:solidFill>
+                <a:effectLst/>
+                <a:latin typeface="Gotham"/>
+              </a:rPr>
+              <a:t>Avenida la Noria (</a:t>
+            </a:r>
+            <a:r>
+              <a:rPr lang="it-IT" b="0" i="0" dirty="0" err="1">
+                <a:solidFill>
+                  <a:srgbClr val="666666"/>
+                </a:solidFill>
+                <a:effectLst/>
+                <a:latin typeface="Gotham"/>
+              </a:rPr>
+              <a:t>Prolongación</a:t>
+            </a:r>
+            <a:r>
+              <a:rPr lang="it-IT" b="0" i="0" dirty="0">
+                <a:solidFill>
+                  <a:srgbClr val="666666"/>
+                </a:solidFill>
+                <a:effectLst/>
+                <a:latin typeface="Gotham"/>
+              </a:rPr>
+              <a:t>) 102, </a:t>
+            </a:r>
+            <a:r>
+              <a:rPr lang="it-IT" b="0" i="0" dirty="0" err="1">
+                <a:solidFill>
+                  <a:srgbClr val="666666"/>
+                </a:solidFill>
+                <a:effectLst/>
+                <a:latin typeface="Gotham"/>
+              </a:rPr>
+              <a:t>Ampliación</a:t>
+            </a:r>
+            <a:r>
+              <a:rPr lang="it-IT" b="0" i="0" dirty="0">
+                <a:solidFill>
+                  <a:srgbClr val="666666"/>
+                </a:solidFill>
+                <a:effectLst/>
+                <a:latin typeface="Gotham"/>
+              </a:rPr>
+              <a:t> </a:t>
+            </a:r>
+            <a:r>
+              <a:rPr lang="it-IT" b="0" i="0" dirty="0" err="1">
+                <a:solidFill>
+                  <a:srgbClr val="666666"/>
+                </a:solidFill>
+                <a:effectLst/>
+                <a:latin typeface="Gotham"/>
+              </a:rPr>
+              <a:t>Parque</a:t>
+            </a:r>
+            <a:r>
+              <a:rPr lang="it-IT" b="0" i="0" dirty="0">
+                <a:solidFill>
+                  <a:srgbClr val="666666"/>
+                </a:solidFill>
+                <a:effectLst/>
+                <a:latin typeface="Gotham"/>
+              </a:rPr>
+              <a:t> Industrial Querétaro,</a:t>
+            </a:r>
+            <a:br>
+              <a:rPr lang="it-IT" dirty="0"/>
+            </a:br>
+            <a:r>
+              <a:rPr lang="it-IT" b="0" i="0" dirty="0">
+                <a:solidFill>
+                  <a:srgbClr val="666666"/>
+                </a:solidFill>
+                <a:effectLst/>
+                <a:latin typeface="Gotham"/>
+              </a:rPr>
+              <a:t>Querétaro, Cp 76215</a:t>
+            </a:r>
+            <a:br>
+              <a:rPr lang="it-IT" dirty="0"/>
+            </a:br>
+            <a:r>
+              <a:rPr lang="it-IT" b="0" i="0" dirty="0">
+                <a:solidFill>
+                  <a:srgbClr val="666666"/>
+                </a:solidFill>
+                <a:effectLst/>
+                <a:latin typeface="Gotham"/>
+              </a:rPr>
+              <a:t>C.F. ELI060102RK8</a:t>
+            </a:r>
+          </a:p>
+          <a:p>
+            <a:pPr marL="342900" indent="-342900">
+              <a:buFont typeface="+mj-lt"/>
+              <a:buAutoNum type="arabicPeriod"/>
+            </a:pPr>
+            <a:r>
+              <a:rPr lang="it-IT" b="1" i="0" dirty="0">
+                <a:solidFill>
+                  <a:srgbClr val="666666"/>
+                </a:solidFill>
+                <a:effectLst/>
+                <a:latin typeface="Gotham"/>
+              </a:rPr>
+              <a:t>ELICA GROUP POLSKA SP.Z.O.O</a:t>
+            </a:r>
+            <a:br>
+              <a:rPr lang="it-IT" dirty="0"/>
+            </a:br>
+            <a:r>
+              <a:rPr lang="it-IT" b="0" i="0" dirty="0">
+                <a:effectLst/>
+                <a:latin typeface="Gotham"/>
+              </a:rPr>
+              <a:t>Controllata 100%</a:t>
+            </a:r>
+            <a:br>
+              <a:rPr lang="it-IT" dirty="0"/>
+            </a:br>
+            <a:r>
+              <a:rPr lang="it-IT" b="0" i="0" dirty="0" err="1">
+                <a:solidFill>
+                  <a:srgbClr val="666666"/>
+                </a:solidFill>
+                <a:effectLst/>
+                <a:latin typeface="Gotham"/>
+              </a:rPr>
+              <a:t>ul</a:t>
+            </a:r>
+            <a:r>
+              <a:rPr lang="it-IT" b="0" i="0" dirty="0">
+                <a:solidFill>
+                  <a:srgbClr val="666666"/>
+                </a:solidFill>
+                <a:effectLst/>
+                <a:latin typeface="Gotham"/>
+              </a:rPr>
+              <a:t>. </a:t>
+            </a:r>
+            <a:r>
+              <a:rPr lang="it-IT" b="0" i="0" dirty="0" err="1">
+                <a:solidFill>
+                  <a:srgbClr val="666666"/>
+                </a:solidFill>
+                <a:effectLst/>
+                <a:latin typeface="Gotham"/>
+              </a:rPr>
+              <a:t>Inzynierska</a:t>
+            </a:r>
+            <a:r>
+              <a:rPr lang="it-IT" b="0" i="0" dirty="0">
+                <a:solidFill>
+                  <a:srgbClr val="666666"/>
+                </a:solidFill>
+                <a:effectLst/>
+                <a:latin typeface="Gotham"/>
+              </a:rPr>
+              <a:t> 3, 55-221</a:t>
+            </a:r>
+            <a:br>
+              <a:rPr lang="it-IT" dirty="0"/>
+            </a:br>
+            <a:r>
+              <a:rPr lang="it-IT" b="0" i="0" dirty="0" err="1">
+                <a:solidFill>
+                  <a:srgbClr val="666666"/>
+                </a:solidFill>
+                <a:effectLst/>
+                <a:latin typeface="Gotham"/>
+              </a:rPr>
+              <a:t>Jelcz</a:t>
+            </a:r>
+            <a:r>
+              <a:rPr lang="it-IT" b="0" i="0" dirty="0">
+                <a:solidFill>
+                  <a:srgbClr val="666666"/>
+                </a:solidFill>
+                <a:effectLst/>
+                <a:latin typeface="Gotham"/>
+              </a:rPr>
+              <a:t> </a:t>
+            </a:r>
+            <a:r>
+              <a:rPr lang="it-IT" b="0" i="0" dirty="0" err="1">
+                <a:solidFill>
+                  <a:srgbClr val="666666"/>
+                </a:solidFill>
+                <a:effectLst/>
+                <a:latin typeface="Gotham"/>
+              </a:rPr>
+              <a:t>Laskowice</a:t>
+            </a:r>
+            <a:br>
+              <a:rPr lang="it-IT" dirty="0"/>
+            </a:br>
+            <a:r>
+              <a:rPr lang="it-IT" b="0" i="0" dirty="0">
+                <a:solidFill>
+                  <a:srgbClr val="666666"/>
+                </a:solidFill>
+                <a:effectLst/>
+                <a:latin typeface="Gotham"/>
+              </a:rPr>
+              <a:t>53-017 Wroclaw</a:t>
+            </a:r>
+          </a:p>
+          <a:p>
+            <a:pPr marL="342900" indent="-342900">
+              <a:buFont typeface="+mj-lt"/>
+              <a:buAutoNum type="arabicPeriod"/>
+            </a:pPr>
+            <a:r>
+              <a:rPr lang="it-IT" b="1" i="0" dirty="0">
+                <a:solidFill>
+                  <a:srgbClr val="666666"/>
+                </a:solidFill>
+                <a:effectLst/>
+                <a:latin typeface="Gotham"/>
+              </a:rPr>
+              <a:t>ZHEJIANG ELICA PUTIAN ELECTRIC CO., LTD</a:t>
+            </a:r>
+            <a:br>
+              <a:rPr lang="it-IT" dirty="0"/>
+            </a:br>
+            <a:r>
+              <a:rPr lang="it-IT" b="0" i="0" dirty="0">
+                <a:effectLst/>
+                <a:latin typeface="Gotham"/>
+              </a:rPr>
+              <a:t>Controllata 99%</a:t>
+            </a:r>
+            <a:br>
+              <a:rPr lang="it-IT" dirty="0"/>
+            </a:br>
+            <a:r>
+              <a:rPr lang="it-IT" b="0" i="0" dirty="0">
+                <a:solidFill>
+                  <a:srgbClr val="666666"/>
+                </a:solidFill>
+                <a:effectLst/>
+                <a:latin typeface="Gotham"/>
+              </a:rPr>
+              <a:t>No.88 </a:t>
+            </a:r>
+            <a:r>
+              <a:rPr lang="it-IT" b="0" i="0" dirty="0" err="1">
+                <a:solidFill>
+                  <a:srgbClr val="666666"/>
+                </a:solidFill>
+                <a:effectLst/>
+                <a:latin typeface="Gotham"/>
+              </a:rPr>
+              <a:t>Putian</a:t>
+            </a:r>
+            <a:r>
+              <a:rPr lang="it-IT" b="0" i="0" dirty="0">
+                <a:solidFill>
+                  <a:srgbClr val="666666"/>
+                </a:solidFill>
+                <a:effectLst/>
+                <a:latin typeface="Gotham"/>
+              </a:rPr>
+              <a:t> Avenue,</a:t>
+            </a:r>
+            <a:br>
+              <a:rPr lang="it-IT" dirty="0"/>
+            </a:br>
+            <a:r>
+              <a:rPr lang="it-IT" b="0" i="0" dirty="0" err="1">
+                <a:solidFill>
+                  <a:srgbClr val="666666"/>
+                </a:solidFill>
+                <a:effectLst/>
+                <a:latin typeface="Gotham"/>
+              </a:rPr>
+              <a:t>Shengzhou</a:t>
+            </a:r>
+            <a:r>
+              <a:rPr lang="it-IT" b="0" i="0" dirty="0">
+                <a:solidFill>
+                  <a:srgbClr val="666666"/>
+                </a:solidFill>
+                <a:effectLst/>
+                <a:latin typeface="Gotham"/>
+              </a:rPr>
+              <a:t>, Zhejiang</a:t>
+            </a:r>
+            <a:endParaRPr lang="en-US" dirty="0"/>
+          </a:p>
+        </p:txBody>
+      </p:sp>
+    </p:spTree>
+    <p:extLst>
+      <p:ext uri="{BB962C8B-B14F-4D97-AF65-F5344CB8AC3E}">
+        <p14:creationId xmlns:p14="http://schemas.microsoft.com/office/powerpoint/2010/main" val="3133664935"/>
+      </p:ext>
+    </p:extLst>
+  </p:cSld>
+  <p:clrMapOvr>
+    <a:masterClrMapping/>
+  </p:clrMapOvr>
+</p:sld>
+</file>
+
+<file path=ppt/slides/slide5.xml><?xml version="1.0" encoding="utf-8"?>
+<p:sld xmlns:a="http://schemas.openxmlformats.org/drawingml/2006/main" xmlns:r="http://schemas.openxmlformats.org/officeDocument/2006/relationships" xmlns:p="http://schemas.openxmlformats.org/presentationml/2006/main">
+  <p:cSld>
+    <p:spTree>
+      <p:nvGrpSpPr>
+        <p:cNvPr id="1" name=""/>
+        <p:cNvGrpSpPr/>
+        <p:nvPr/>
+      </p:nvGrpSpPr>
+      <p:grpSpPr>
+        <a:xfrm>
+          <a:off x="0" y="0"/>
+          <a:ext cx="0" cy="0"/>
+          <a:chOff x="0" y="0"/>
+          <a:chExt cx="0" cy="0"/>
+        </a:xfrm>
+      </p:grpSpPr>
+      <p:sp>
+        <p:nvSpPr>
+          <p:cNvPr id="2" name="Title 1">
+            <a:extLst>
+              <a:ext uri="{FF2B5EF4-FFF2-40B4-BE49-F238E27FC236}">
+                <a16:creationId xmlns:a16="http://schemas.microsoft.com/office/drawing/2014/main" id="{94BA3425-9764-B8CC-53A4-30D039D96780}"/>
+              </a:ext>
+            </a:extLst>
+          </p:cNvPr>
+          <p:cNvSpPr>
+            <a:spLocks noGrp="1"/>
+          </p:cNvSpPr>
+          <p:nvPr>
+            <p:ph type="title"/>
+          </p:nvPr>
+        </p:nvSpPr>
+        <p:spPr/>
+        <p:txBody>
+          <a:bodyPr/>
+          <a:lstStyle/>
+          <a:p>
+            <a:pPr algn="ctr"/>
+            <a:r>
+              <a:rPr lang="en-US" dirty="0"/>
+              <a:t>Storia</a:t>
+            </a:r>
+            <a:endParaRPr lang="it-IT" dirty="0"/>
+          </a:p>
+        </p:txBody>
+      </p:sp>
+      <p:sp>
+        <p:nvSpPr>
+          <p:cNvPr id="3" name="Content Placeholder 2">
+            <a:extLst>
+              <a:ext uri="{FF2B5EF4-FFF2-40B4-BE49-F238E27FC236}">
+                <a16:creationId xmlns:a16="http://schemas.microsoft.com/office/drawing/2014/main" id="{917C84D4-3B18-6714-704F-A080589C9758}"/>
+              </a:ext>
+            </a:extLst>
+          </p:cNvPr>
+          <p:cNvSpPr>
+            <a:spLocks noGrp="1"/>
+          </p:cNvSpPr>
+          <p:nvPr>
+            <p:ph idx="1"/>
+          </p:nvPr>
+        </p:nvSpPr>
+        <p:spPr>
+          <a:xfrm>
+            <a:off x="838200" y="1825625"/>
+            <a:ext cx="10515600" cy="4667250"/>
+          </a:xfrm>
+        </p:spPr>
+        <p:txBody>
+          <a:bodyPr>
+            <a:normAutofit lnSpcReduction="10000"/>
+          </a:bodyPr>
+          <a:lstStyle/>
+          <a:p>
+            <a:r>
+              <a:rPr lang="it-IT" sz="1400" dirty="0"/>
+              <a:t>1970 - fondata a Fabriano da Ermano Casoli, prima cappa elica</a:t>
+            </a:r>
+          </a:p>
+          <a:p>
+            <a:r>
+              <a:rPr lang="it-IT" sz="1400" dirty="0"/>
+              <a:t>1978 - morte di Ermano Casoli (49) succedono Francesco Casoli e la madre, Gianna Pieralisi</a:t>
+            </a:r>
+          </a:p>
+          <a:p>
+            <a:r>
+              <a:rPr lang="it-IT" sz="1400" dirty="0"/>
+              <a:t>1982 - cappa "lego", personalizzabile e rivoluzionaria</a:t>
+            </a:r>
+          </a:p>
+          <a:p>
+            <a:r>
+              <a:rPr lang="it-IT" sz="1400" dirty="0"/>
+              <a:t>1994 - Stabilimento a Serra San Quirico e laboratorio Elica</a:t>
+            </a:r>
+          </a:p>
+          <a:p>
+            <a:r>
+              <a:rPr lang="it-IT" sz="1400" dirty="0"/>
+              <a:t>1995 - incendio allo stabilimento di Fabriano, ricostruito in 4 mesi + tutti i dipendenti</a:t>
+            </a:r>
+          </a:p>
+          <a:p>
+            <a:r>
+              <a:rPr lang="it-IT" sz="1400" dirty="0"/>
+              <a:t>1999 - Intuizione: cappa come oggetto di design tecnologia suggestione e emozione, collaborazione con David Lewis</a:t>
+            </a:r>
+          </a:p>
+          <a:p>
+            <a:r>
+              <a:rPr lang="it-IT" sz="1400" dirty="0"/>
+              <a:t>2002 - In Giappone, Elica costituisce “</a:t>
+            </a:r>
+            <a:r>
+              <a:rPr lang="it-IT" sz="1400" dirty="0" err="1"/>
+              <a:t>Ariafina</a:t>
+            </a:r>
+            <a:r>
+              <a:rPr lang="it-IT" sz="1400" dirty="0"/>
+              <a:t> co. ltd”, una joint venture con “Fuji Industrial” - leader nipponico nella produzione di cappe aspiranti - con l’obiettivo di commer­cializzare nel mercato giapponese prodotti di elevato design.</a:t>
+            </a:r>
+          </a:p>
+          <a:p>
+            <a:r>
+              <a:rPr lang="it-IT" sz="1400" dirty="0"/>
+              <a:t>2004 - "Om" inserita </a:t>
+            </a:r>
+            <a:r>
+              <a:rPr lang="it-IT" sz="1400" dirty="0" err="1"/>
+              <a:t>nell'Adi</a:t>
+            </a:r>
+            <a:r>
+              <a:rPr lang="it-IT" sz="1400" dirty="0"/>
+              <a:t> Index, inizia la rivoluzione, successo globale</a:t>
+            </a:r>
+          </a:p>
+          <a:p>
+            <a:r>
+              <a:rPr lang="it-IT" sz="1400" dirty="0"/>
+              <a:t>2005 - da qui iniziano a espandersi in vari paesi extra-</a:t>
+            </a:r>
+            <a:r>
+              <a:rPr lang="it-IT" sz="1400" dirty="0" err="1"/>
+              <a:t>ue</a:t>
+            </a:r>
+            <a:endParaRPr lang="it-IT" sz="1400" dirty="0"/>
+          </a:p>
+          <a:p>
+            <a:r>
+              <a:rPr lang="it-IT" sz="1400" dirty="0"/>
+              <a:t>2006 – da novembre entra nel segmento star della borsa italiana</a:t>
+            </a:r>
+          </a:p>
+          <a:p>
+            <a:r>
+              <a:rPr lang="it-IT" sz="1400" dirty="0"/>
+              <a:t>2010 - Stefano Giovannoni -&gt; "</a:t>
+            </a:r>
+            <a:r>
+              <a:rPr lang="it-IT" sz="1400" dirty="0" err="1"/>
+              <a:t>Bubble</a:t>
+            </a:r>
+            <a:r>
+              <a:rPr lang="it-IT" sz="1400" dirty="0"/>
+              <a:t>" prima cappa con tecnopolimero. In India joint venture "Elica PB India Private ltd.". In Cina acquisisce "</a:t>
+            </a:r>
+            <a:r>
+              <a:rPr lang="it-IT" sz="1400" dirty="0" err="1"/>
+              <a:t>Zhejian</a:t>
+            </a:r>
+            <a:r>
+              <a:rPr lang="it-IT" sz="1400" dirty="0"/>
+              <a:t> </a:t>
+            </a:r>
+            <a:r>
+              <a:rPr lang="it-IT" sz="1400" dirty="0" err="1"/>
+              <a:t>Putian</a:t>
+            </a:r>
+            <a:r>
+              <a:rPr lang="it-IT" sz="1400" dirty="0"/>
+              <a:t> Electric co. Ltd</a:t>
+            </a:r>
+          </a:p>
+          <a:p>
+            <a:r>
+              <a:rPr lang="it-IT" sz="1400" dirty="0"/>
+              <a:t>2011 – da qui gli vengono assegnati numerosi premi tra cui nel 2018 il Premio compasso d’oro</a:t>
+            </a:r>
+          </a:p>
+          <a:p>
+            <a:r>
+              <a:rPr lang="it-IT" sz="1400" dirty="0"/>
+              <a:t>2016 - Snap lanciato nuovo air </a:t>
+            </a:r>
+            <a:r>
+              <a:rPr lang="it-IT" sz="1400" dirty="0" err="1"/>
+              <a:t>quality</a:t>
+            </a:r>
+            <a:r>
+              <a:rPr lang="it-IT" sz="1400" dirty="0"/>
+              <a:t> </a:t>
+            </a:r>
+            <a:r>
+              <a:rPr lang="it-IT" sz="1400" dirty="0" err="1"/>
+              <a:t>balancer</a:t>
+            </a:r>
+            <a:r>
+              <a:rPr lang="it-IT" sz="1400" dirty="0"/>
+              <a:t> -&gt; IoT</a:t>
+            </a:r>
+          </a:p>
+          <a:p>
+            <a:r>
+              <a:rPr lang="it-IT" sz="1400" dirty="0"/>
+              <a:t>2022 – nascita di EMC FIME</a:t>
+            </a:r>
+          </a:p>
+        </p:txBody>
+      </p:sp>
+    </p:spTree>
+    <p:extLst>
+      <p:ext uri="{BB962C8B-B14F-4D97-AF65-F5344CB8AC3E}">
+        <p14:creationId xmlns:p14="http://schemas.microsoft.com/office/powerpoint/2010/main" val="2900084327"/>
+      </p:ext>
+    </p:extLst>
+  </p:cSld>
+  <p:clrMapOvr>
+    <a:masterClrMapping/>
+  </p:clrMapOvr>
+</p:sld>
+</file>
+
+<file path=ppt/slides/slide6.xml><?xml version="1.0" encoding="utf-8"?>
+<p:sld xmlns:a="http://schemas.openxmlformats.org/drawingml/2006/main" xmlns:r="http://schemas.openxmlformats.org/officeDocument/2006/relationships" xmlns:p="http://schemas.openxmlformats.org/presentationml/2006/main">
+  <p:cSld>
+    <p:spTree>
+      <p:nvGrpSpPr>
+        <p:cNvPr id="1" name=""/>
+        <p:cNvGrpSpPr/>
+        <p:nvPr/>
+      </p:nvGrpSpPr>
+      <p:grpSpPr>
+        <a:xfrm>
+          <a:off x="0" y="0"/>
+          <a:ext cx="0" cy="0"/>
+          <a:chOff x="0" y="0"/>
+          <a:chExt cx="0" cy="0"/>
+        </a:xfrm>
+      </p:grpSpPr>
+      <p:sp>
+        <p:nvSpPr>
+          <p:cNvPr id="2" name="Title 1">
+            <a:extLst>
+              <a:ext uri="{FF2B5EF4-FFF2-40B4-BE49-F238E27FC236}">
+                <a16:creationId xmlns:a16="http://schemas.microsoft.com/office/drawing/2014/main" id="{C2ABF5A1-DC99-9CA1-B3A9-D6AD6EC919E7}"/>
+              </a:ext>
+            </a:extLst>
+          </p:cNvPr>
+          <p:cNvSpPr>
+            <a:spLocks noGrp="1"/>
+          </p:cNvSpPr>
+          <p:nvPr>
+            <p:ph type="title"/>
+          </p:nvPr>
+        </p:nvSpPr>
+        <p:spPr>
+          <a:xfrm>
+            <a:off x="838200" y="365126"/>
+            <a:ext cx="10515600" cy="715530"/>
+          </a:xfrm>
+        </p:spPr>
+        <p:txBody>
+          <a:bodyPr/>
+          <a:lstStyle/>
+          <a:p>
+            <a:pPr algn="ctr"/>
+            <a:r>
+              <a:rPr lang="en-US" dirty="0"/>
+              <a:t>Brands</a:t>
+            </a:r>
+            <a:endParaRPr lang="it-IT" dirty="0"/>
+          </a:p>
+        </p:txBody>
+      </p:sp>
+      <p:sp>
+        <p:nvSpPr>
+          <p:cNvPr id="4" name="TextBox 3">
+            <a:extLst>
+              <a:ext uri="{FF2B5EF4-FFF2-40B4-BE49-F238E27FC236}">
+                <a16:creationId xmlns:a16="http://schemas.microsoft.com/office/drawing/2014/main" id="{215CCF82-D737-A9B0-A31C-2C026D4E8122}"/>
+              </a:ext>
+            </a:extLst>
+          </p:cNvPr>
+          <p:cNvSpPr txBox="1"/>
+          <p:nvPr/>
+        </p:nvSpPr>
+        <p:spPr>
+          <a:xfrm>
+            <a:off x="838200" y="1080656"/>
+            <a:ext cx="10515600" cy="646331"/>
+          </a:xfrm>
+          <a:prstGeom prst="rect">
+            <a:avLst/>
+          </a:prstGeom>
+          <a:noFill/>
+        </p:spPr>
+        <p:txBody>
+          <a:bodyPr wrap="square" rtlCol="0">
+            <a:spAutoFit/>
+          </a:bodyPr>
+          <a:lstStyle/>
+          <a:p>
+            <a:r>
+              <a:rPr lang="it-IT" b="0" i="0" dirty="0">
+                <a:solidFill>
+                  <a:srgbClr val="212529"/>
+                </a:solidFill>
+                <a:effectLst/>
+                <a:latin typeface="Gotham"/>
+              </a:rPr>
+              <a:t>(da modificare) Elica possiede un Global Brand portfolio completo, in grado di rispondere a tutte le esigenze del mercato. Ogni Brand ha un’identità precisa e distintiva, ma tutti sono ispirati da una visione comune.</a:t>
+            </a:r>
+            <a:endParaRPr lang="it-IT" dirty="0"/>
+          </a:p>
+        </p:txBody>
+      </p:sp>
+      <p:sp>
+        <p:nvSpPr>
+          <p:cNvPr id="7" name="Rectangle: Rounded Corners 6">
+            <a:extLst>
+              <a:ext uri="{FF2B5EF4-FFF2-40B4-BE49-F238E27FC236}">
+                <a16:creationId xmlns:a16="http://schemas.microsoft.com/office/drawing/2014/main" id="{2739253A-B498-1193-9527-128D3BEBABAC}"/>
+              </a:ext>
+            </a:extLst>
+          </p:cNvPr>
+          <p:cNvSpPr/>
+          <p:nvPr/>
+        </p:nvSpPr>
+        <p:spPr>
+          <a:xfrm>
+            <a:off x="606829" y="2377440"/>
+            <a:ext cx="1770611" cy="646331"/>
+          </a:xfrm>
+          <a:prstGeom prst="roundRect">
+            <a:avLst/>
+          </a:prstGeom>
+          <a:solidFill>
+            <a:srgbClr val="252323"/>
+          </a:solidFill>
+          <a:ln>
+            <a:noFill/>
+          </a:ln>
+        </p:spPr>
+        <p:style>
+          <a:lnRef idx="2">
+            <a:schemeClr val="accent1">
+              <a:shade val="50000"/>
+            </a:schemeClr>
+          </a:lnRef>
+          <a:fillRef idx="1">
+            <a:schemeClr val="accent1"/>
+          </a:fillRef>
+          <a:effectRef idx="0">
+            <a:schemeClr val="accent1"/>
+          </a:effectRef>
+          <a:fontRef idx="minor">
+            <a:schemeClr val="lt1"/>
+          </a:fontRef>
+        </p:style>
+        <p:txBody>
+          <a:bodyPr rtlCol="0" anchor="ctr"/>
+          <a:lstStyle/>
+          <a:p>
+            <a:pPr algn="ctr"/>
+            <a:endParaRPr lang="it-IT"/>
+          </a:p>
+        </p:txBody>
+      </p:sp>
+      <p:pic>
+        <p:nvPicPr>
+          <p:cNvPr id="8" name="Graphic 7">
+            <a:extLst>
+              <a:ext uri="{FF2B5EF4-FFF2-40B4-BE49-F238E27FC236}">
+                <a16:creationId xmlns:a16="http://schemas.microsoft.com/office/drawing/2014/main" id="{DE9D081D-154F-CC1A-78C4-6F7FADA10F45}"/>
+              </a:ext>
+            </a:extLst>
+          </p:cNvPr>
+          <p:cNvPicPr>
+            <a:picLocks noChangeAspect="1"/>
+          </p:cNvPicPr>
+          <p:nvPr/>
+        </p:nvPicPr>
+        <p:blipFill>
+          <a:blip r:embed="rId2">
+            <a:extLst>
+              <a:ext uri="{28A0092B-C50C-407E-A947-70E740481C1C}">
+                <a14:useLocalDpi xmlns:a14="http://schemas.microsoft.com/office/drawing/2010/main" val="0"/>
+              </a:ext>
+              <a:ext uri="{96DAC541-7B7A-43D3-8B79-37D633B846F1}">
+                <asvg:svgBlip xmlns:asvg="http://schemas.microsoft.com/office/drawing/2016/SVG/main" r:embed="rId3"/>
+              </a:ext>
+            </a:extLst>
+          </a:blip>
+          <a:stretch>
+            <a:fillRect/>
+          </a:stretch>
+        </p:blipFill>
+        <p:spPr>
+          <a:xfrm>
+            <a:off x="775574" y="2557293"/>
+            <a:ext cx="1433120" cy="286624"/>
+          </a:xfrm>
+          <a:prstGeom prst="rect">
+            <a:avLst/>
+          </a:prstGeom>
+        </p:spPr>
+      </p:pic>
+      <p:sp>
+        <p:nvSpPr>
+          <p:cNvPr id="9" name="TextBox 8">
+            <a:extLst>
+              <a:ext uri="{FF2B5EF4-FFF2-40B4-BE49-F238E27FC236}">
+                <a16:creationId xmlns:a16="http://schemas.microsoft.com/office/drawing/2014/main" id="{E5004C14-2BCF-DD49-2960-086BBCB03168}"/>
+              </a:ext>
+            </a:extLst>
+          </p:cNvPr>
+          <p:cNvSpPr txBox="1"/>
+          <p:nvPr/>
+        </p:nvSpPr>
+        <p:spPr>
+          <a:xfrm>
+            <a:off x="2718261" y="2377440"/>
+            <a:ext cx="2435629" cy="369332"/>
+          </a:xfrm>
+          <a:prstGeom prst="rect">
+            <a:avLst/>
+          </a:prstGeom>
+          <a:noFill/>
+        </p:spPr>
+        <p:txBody>
+          <a:bodyPr wrap="square" rtlCol="0">
+            <a:spAutoFit/>
+          </a:bodyPr>
+          <a:lstStyle/>
+          <a:p>
+            <a:r>
+              <a:rPr lang="en-US" dirty="0" err="1"/>
+              <a:t>Spiegazione</a:t>
+            </a:r>
+            <a:r>
+              <a:rPr lang="en-US" dirty="0"/>
+              <a:t>…</a:t>
+            </a:r>
+            <a:endParaRPr lang="it-IT" dirty="0"/>
+          </a:p>
+        </p:txBody>
+      </p:sp>
+      <p:sp>
+        <p:nvSpPr>
+          <p:cNvPr id="10" name="TextBox 9">
+            <a:extLst>
+              <a:ext uri="{FF2B5EF4-FFF2-40B4-BE49-F238E27FC236}">
+                <a16:creationId xmlns:a16="http://schemas.microsoft.com/office/drawing/2014/main" id="{1667F365-7721-C9DE-B292-CB721CFFB0B9}"/>
+              </a:ext>
+            </a:extLst>
+          </p:cNvPr>
+          <p:cNvSpPr txBox="1"/>
+          <p:nvPr/>
+        </p:nvSpPr>
+        <p:spPr>
+          <a:xfrm>
+            <a:off x="606829" y="3244334"/>
+            <a:ext cx="2435629" cy="369332"/>
+          </a:xfrm>
+          <a:prstGeom prst="rect">
+            <a:avLst/>
+          </a:prstGeom>
+          <a:noFill/>
+        </p:spPr>
+        <p:txBody>
+          <a:bodyPr wrap="square" rtlCol="0">
+            <a:spAutoFit/>
+          </a:bodyPr>
+          <a:lstStyle/>
+          <a:p>
+            <a:r>
+              <a:rPr lang="en-US" dirty="0"/>
+              <a:t>…</a:t>
+            </a:r>
+            <a:endParaRPr lang="it-IT" dirty="0"/>
+          </a:p>
+        </p:txBody>
+      </p:sp>
+    </p:spTree>
+    <p:extLst>
+      <p:ext uri="{BB962C8B-B14F-4D97-AF65-F5344CB8AC3E}">
+        <p14:creationId xmlns:p14="http://schemas.microsoft.com/office/powerpoint/2010/main" val="3755644223"/>
+      </p:ext>
+    </p:extLst>
+  </p:cSld>
+  <p:clrMapOvr>
+    <a:masterClrMapping/>
+  </p:clrMapOvr>
+</p:sld>
+</file>
+
+<file path=ppt/slides/slide7.xml><?xml version="1.0" encoding="utf-8"?>
+<p:sld xmlns:a="http://schemas.openxmlformats.org/drawingml/2006/main" xmlns:r="http://schemas.openxmlformats.org/officeDocument/2006/relationships" xmlns:p="http://schemas.openxmlformats.org/presentationml/2006/main">
+  <p:cSld>
+    <p:spTree>
+      <p:nvGrpSpPr>
+        <p:cNvPr id="1" name=""/>
+        <p:cNvGrpSpPr/>
+        <p:nvPr/>
+      </p:nvGrpSpPr>
+      <p:grpSpPr>
+        <a:xfrm>
+          <a:off x="0" y="0"/>
+          <a:ext cx="0" cy="0"/>
+          <a:chOff x="0" y="0"/>
+          <a:chExt cx="0" cy="0"/>
+        </a:xfrm>
+      </p:grpSpPr>
+      <p:sp>
+        <p:nvSpPr>
+          <p:cNvPr id="2" name="Title 1">
+            <a:extLst>
+              <a:ext uri="{FF2B5EF4-FFF2-40B4-BE49-F238E27FC236}">
+                <a16:creationId xmlns:a16="http://schemas.microsoft.com/office/drawing/2014/main" id="{CEB36C71-B638-74E9-FFE4-1D72F94F6472}"/>
+              </a:ext>
+            </a:extLst>
+          </p:cNvPr>
+          <p:cNvSpPr>
+            <a:spLocks noGrp="1"/>
+          </p:cNvSpPr>
+          <p:nvPr>
+            <p:ph type="title"/>
+          </p:nvPr>
+        </p:nvSpPr>
+        <p:spPr/>
+        <p:txBody>
+          <a:bodyPr/>
+          <a:lstStyle/>
+          <a:p>
+            <a:pPr algn="ctr"/>
+            <a:r>
+              <a:rPr lang="en-US" dirty="0"/>
+              <a:t>Influenza di </a:t>
+            </a:r>
+            <a:r>
+              <a:rPr lang="en-US" dirty="0" err="1"/>
+              <a:t>elica</a:t>
+            </a:r>
+            <a:r>
+              <a:rPr lang="en-US" dirty="0"/>
+              <a:t> </a:t>
+            </a:r>
+            <a:r>
+              <a:rPr lang="en-US" dirty="0" err="1"/>
+              <a:t>nel</a:t>
+            </a:r>
+            <a:r>
+              <a:rPr lang="en-US" dirty="0"/>
+              <a:t> mondo (</a:t>
+            </a:r>
+            <a:r>
+              <a:rPr lang="en-US" dirty="0" err="1"/>
+              <a:t>paragrafo</a:t>
+            </a:r>
+            <a:r>
+              <a:rPr lang="en-US" dirty="0"/>
+              <a:t> a </a:t>
+            </a:r>
+            <a:r>
+              <a:rPr lang="en-US" dirty="0" err="1"/>
+              <a:t>sx</a:t>
+            </a:r>
+            <a:r>
+              <a:rPr lang="en-US" dirty="0"/>
+              <a:t>?)</a:t>
+            </a:r>
+            <a:endParaRPr lang="it-IT" dirty="0"/>
+          </a:p>
+        </p:txBody>
+      </p:sp>
+      <p:pic>
+        <p:nvPicPr>
+          <p:cNvPr id="5" name="Content Placeholder 4" descr="Map&#10;&#10;Description automatically generated">
+            <a:extLst>
+              <a:ext uri="{FF2B5EF4-FFF2-40B4-BE49-F238E27FC236}">
+                <a16:creationId xmlns:a16="http://schemas.microsoft.com/office/drawing/2014/main" id="{AD9C8EAC-EEE7-1F3C-FB9E-E4FC042D21FA}"/>
+              </a:ext>
+            </a:extLst>
+          </p:cNvPr>
+          <p:cNvPicPr>
+            <a:picLocks noGrp="1" noChangeAspect="1"/>
+          </p:cNvPicPr>
+          <p:nvPr>
+            <p:ph idx="1"/>
+          </p:nvPr>
+        </p:nvPicPr>
+        <p:blipFill>
+          <a:blip r:embed="rId2">
+            <a:extLst>
+              <a:ext uri="{28A0092B-C50C-407E-A947-70E740481C1C}">
+                <a14:useLocalDpi xmlns:a14="http://schemas.microsoft.com/office/drawing/2010/main" val="0"/>
+              </a:ext>
+            </a:extLst>
+          </a:blip>
+          <a:stretch>
+            <a:fillRect/>
+          </a:stretch>
+        </p:blipFill>
+        <p:spPr>
+          <a:xfrm>
+            <a:off x="3203106" y="2141537"/>
+            <a:ext cx="8150694" cy="4351338"/>
+          </a:xfrm>
+        </p:spPr>
+      </p:pic>
+    </p:spTree>
+    <p:extLst>
+      <p:ext uri="{BB962C8B-B14F-4D97-AF65-F5344CB8AC3E}">
+        <p14:creationId xmlns:p14="http://schemas.microsoft.com/office/powerpoint/2010/main" val="2664552187"/>
+      </p:ext>
+    </p:extLst>
+  </p:cSld>
+  <p:clrMapOvr>
+    <a:masterClrMapping/>
+  </p:clrMapOvr>
+</p:sld>
+</file>
+
+<file path=ppt/slides/slide8.xml><?xml version="1.0" encoding="utf-8"?>
+<p:sld xmlns:a="http://schemas.openxmlformats.org/drawingml/2006/main" xmlns:r="http://schemas.openxmlformats.org/officeDocument/2006/relationships" xmlns:p="http://schemas.openxmlformats.org/presentationml/2006/main">
+  <p:cSld>
+    <p:spTree>
+      <p:nvGrpSpPr>
+        <p:cNvPr id="1" name=""/>
+        <p:cNvGrpSpPr/>
+        <p:nvPr/>
+      </p:nvGrpSpPr>
+      <p:grpSpPr>
+        <a:xfrm>
+          <a:off x="0" y="0"/>
+          <a:ext cx="0" cy="0"/>
+          <a:chOff x="0" y="0"/>
+          <a:chExt cx="0" cy="0"/>
+        </a:xfrm>
+      </p:grpSpPr>
+      <p:sp>
+        <p:nvSpPr>
+          <p:cNvPr id="2" name="Title 1">
+            <a:extLst>
+              <a:ext uri="{FF2B5EF4-FFF2-40B4-BE49-F238E27FC236}">
+                <a16:creationId xmlns:a16="http://schemas.microsoft.com/office/drawing/2014/main" id="{BD56C7A4-E70E-99D0-3DF1-653A0F35ABE7}"/>
+              </a:ext>
+            </a:extLst>
+          </p:cNvPr>
+          <p:cNvSpPr>
+            <a:spLocks noGrp="1"/>
+          </p:cNvSpPr>
+          <p:nvPr>
+            <p:ph type="title"/>
+          </p:nvPr>
+        </p:nvSpPr>
+        <p:spPr>
+          <a:xfrm>
+            <a:off x="838200" y="365125"/>
+            <a:ext cx="10515600" cy="615777"/>
+          </a:xfrm>
+        </p:spPr>
+        <p:txBody>
+          <a:bodyPr>
+            <a:normAutofit fontScale="90000"/>
+          </a:bodyPr>
+          <a:lstStyle/>
+          <a:p>
+            <a:pPr algn="ctr"/>
+            <a:r>
+              <a:rPr lang="en-US" dirty="0"/>
+              <a:t>Sistema di Governance</a:t>
+            </a:r>
+            <a:endParaRPr lang="it-IT" dirty="0"/>
+          </a:p>
+        </p:txBody>
+      </p:sp>
+      <p:sp>
+        <p:nvSpPr>
+          <p:cNvPr id="3" name="Content Placeholder 2">
+            <a:extLst>
+              <a:ext uri="{FF2B5EF4-FFF2-40B4-BE49-F238E27FC236}">
+                <a16:creationId xmlns:a16="http://schemas.microsoft.com/office/drawing/2014/main" id="{701BAE45-3540-4CC4-1590-F478FC0F5118}"/>
+              </a:ext>
+            </a:extLst>
+          </p:cNvPr>
+          <p:cNvSpPr>
+            <a:spLocks noGrp="1"/>
+          </p:cNvSpPr>
+          <p:nvPr>
+            <p:ph idx="1"/>
+          </p:nvPr>
+        </p:nvSpPr>
+        <p:spPr>
+          <a:xfrm>
+            <a:off x="838200" y="980902"/>
+            <a:ext cx="10515600" cy="5196061"/>
+          </a:xfrm>
+        </p:spPr>
+        <p:txBody>
+          <a:bodyPr>
+            <a:normAutofit/>
+          </a:bodyPr>
+          <a:lstStyle/>
+          <a:p>
+            <a:pPr marL="0" indent="0">
+              <a:buNone/>
+            </a:pPr>
+            <a:r>
+              <a:rPr lang="it-IT" sz="1800" b="0" i="0" dirty="0">
+                <a:solidFill>
+                  <a:srgbClr val="212529"/>
+                </a:solidFill>
+                <a:effectLst/>
+                <a:latin typeface="Gotham"/>
+              </a:rPr>
+              <a:t>(da analizzare e schematizzare) Elica S.p.A. ha aderito al Codice di Corporate Governance di Borsa Italiana, adottando un sistema di governo in linea con le best practice nazionali ed internazionali per la propria </a:t>
+            </a:r>
+            <a:r>
+              <a:rPr lang="it-IT" sz="1800" b="0" i="1" dirty="0">
+                <a:solidFill>
+                  <a:srgbClr val="212529"/>
+                </a:solidFill>
+                <a:effectLst/>
+                <a:latin typeface="Gotham"/>
+              </a:rPr>
+              <a:t>Corporate Governance</a:t>
+            </a:r>
+            <a:r>
+              <a:rPr lang="it-IT" sz="1800" b="0" i="0" dirty="0">
+                <a:solidFill>
+                  <a:srgbClr val="212529"/>
+                </a:solidFill>
+                <a:effectLst/>
+                <a:latin typeface="Gotham"/>
+              </a:rPr>
+              <a:t>.</a:t>
+            </a:r>
+          </a:p>
+          <a:p>
+            <a:pPr marL="0" indent="0">
+              <a:buNone/>
+            </a:pPr>
+            <a:r>
+              <a:rPr lang="it-IT" sz="1800" b="0" i="0" dirty="0">
+                <a:solidFill>
+                  <a:srgbClr val="212529"/>
+                </a:solidFill>
+                <a:effectLst/>
+                <a:latin typeface="Gotham"/>
+              </a:rPr>
+              <a:t>L’azienda ha impiegato un modello di amministrazione e controllo di stampo tradizionale: la gestione aziendale è esercitata da un Consiglio di Amministrazione coadiuvato da Comitati </a:t>
+            </a:r>
+            <a:r>
+              <a:rPr lang="it-IT" sz="1800" b="0" i="0" dirty="0" err="1">
+                <a:solidFill>
+                  <a:srgbClr val="212529"/>
+                </a:solidFill>
+                <a:effectLst/>
+                <a:latin typeface="Gotham"/>
+              </a:rPr>
+              <a:t>endoconsiliari</a:t>
+            </a:r>
+            <a:r>
+              <a:rPr lang="it-IT" sz="1800" b="0" i="0" dirty="0">
+                <a:solidFill>
+                  <a:srgbClr val="212529"/>
+                </a:solidFill>
+                <a:effectLst/>
+                <a:latin typeface="Gotham"/>
+              </a:rPr>
+              <a:t> (un Comitato per le Nomine e per la Remunerazione e un Comitato per il Controllo, Rischi e Sostenibilità), mentre le funzioni di vigilanza vengono svolte da un Collegio Sindacale.</a:t>
+            </a:r>
+          </a:p>
+          <a:p>
+            <a:pPr marL="0" indent="0">
+              <a:buNone/>
+            </a:pPr>
+            <a:endParaRPr lang="it-IT" sz="1800" dirty="0">
+              <a:solidFill>
+                <a:srgbClr val="212529"/>
+              </a:solidFill>
+              <a:latin typeface="Gotham"/>
+            </a:endParaRPr>
+          </a:p>
+          <a:p>
+            <a:pPr marL="0" indent="0">
+              <a:buNone/>
+            </a:pPr>
+            <a:r>
+              <a:rPr lang="it-IT" sz="1800" dirty="0">
+                <a:solidFill>
+                  <a:srgbClr val="212529"/>
+                </a:solidFill>
+                <a:latin typeface="Gotham"/>
+              </a:rPr>
+              <a:t>(da elencare i più</a:t>
+            </a:r>
+            <a:r>
+              <a:rPr lang="en-US" sz="1800" dirty="0">
+                <a:solidFill>
+                  <a:srgbClr val="212529"/>
+                </a:solidFill>
+                <a:latin typeface="Gotham"/>
+              </a:rPr>
+              <a:t> </a:t>
+            </a:r>
+            <a:r>
+              <a:rPr lang="en-US" sz="1800" dirty="0" err="1">
+                <a:solidFill>
+                  <a:srgbClr val="212529"/>
+                </a:solidFill>
+                <a:latin typeface="Gotham"/>
+              </a:rPr>
+              <a:t>importanti</a:t>
+            </a:r>
+            <a:r>
+              <a:rPr lang="it-IT" sz="1800" dirty="0">
+                <a:solidFill>
+                  <a:srgbClr val="212529"/>
+                </a:solidFill>
+                <a:latin typeface="Gotham"/>
+              </a:rPr>
+              <a:t>)</a:t>
+            </a:r>
+          </a:p>
+          <a:p>
+            <a:pPr marL="0" indent="0">
+              <a:buNone/>
+            </a:pPr>
+            <a:r>
+              <a:rPr lang="it-IT" sz="1600" b="0" i="0" cap="all" dirty="0">
+                <a:effectLst/>
+                <a:latin typeface="Gotham"/>
+              </a:rPr>
+              <a:t>CONSIGLIO DI AMMINISTRAZIONE</a:t>
+            </a:r>
+          </a:p>
+          <a:p>
+            <a:pPr marL="0" indent="0">
+              <a:buNone/>
+            </a:pPr>
+            <a:r>
+              <a:rPr lang="it-IT" sz="1600" b="0" i="0" cap="all" dirty="0">
+                <a:effectLst/>
+                <a:latin typeface="Gotham"/>
+              </a:rPr>
+              <a:t>COLLEGIO SINDACALE</a:t>
+            </a:r>
+          </a:p>
+          <a:p>
+            <a:pPr marL="0" indent="0">
+              <a:buNone/>
+            </a:pPr>
+            <a:r>
+              <a:rPr lang="it-IT" sz="1600" b="0" i="0" cap="all" dirty="0">
+                <a:effectLst/>
+                <a:latin typeface="Gotham"/>
+              </a:rPr>
+              <a:t>COMITATI</a:t>
+            </a:r>
+            <a:endParaRPr lang="it-IT" sz="1200" b="0" i="0" cap="all" dirty="0">
+              <a:effectLst/>
+              <a:latin typeface="Gotham"/>
+            </a:endParaRPr>
+          </a:p>
+        </p:txBody>
+      </p:sp>
+    </p:spTree>
+    <p:extLst>
+      <p:ext uri="{BB962C8B-B14F-4D97-AF65-F5344CB8AC3E}">
+        <p14:creationId xmlns:p14="http://schemas.microsoft.com/office/powerpoint/2010/main" val="574420194"/>
+      </p:ext>
+    </p:extLst>
+  </p:cSld>
+  <p:clrMapOvr>
+    <a:masterClrMapping/>
+  </p:clrMapOvr>
+</p:sld>
+</file>
+
+<file path=ppt/slides/slide9.xml><?xml version="1.0" encoding="utf-8"?>
+<p:sld xmlns:a="http://schemas.openxmlformats.org/drawingml/2006/main" xmlns:r="http://schemas.openxmlformats.org/officeDocument/2006/relationships" xmlns:p="http://schemas.openxmlformats.org/presentationml/2006/main">
+  <p:cSld>
+    <p:spTree>
+      <p:nvGrpSpPr>
+        <p:cNvPr id="1" name=""/>
+        <p:cNvGrpSpPr/>
+        <p:nvPr/>
+      </p:nvGrpSpPr>
+      <p:grpSpPr>
+        <a:xfrm>
+          <a:off x="0" y="0"/>
+          <a:ext cx="0" cy="0"/>
+          <a:chOff x="0" y="0"/>
+          <a:chExt cx="0" cy="0"/>
+        </a:xfrm>
+      </p:grpSpPr>
+      <p:sp>
+        <p:nvSpPr>
+          <p:cNvPr id="2" name="Title 1">
+            <a:extLst>
+              <a:ext uri="{FF2B5EF4-FFF2-40B4-BE49-F238E27FC236}">
+                <a16:creationId xmlns:a16="http://schemas.microsoft.com/office/drawing/2014/main" id="{AB96BDCC-BA03-1E18-F876-2527144CFFB0}"/>
+              </a:ext>
+            </a:extLst>
+          </p:cNvPr>
+          <p:cNvSpPr>
+            <a:spLocks noGrp="1"/>
+          </p:cNvSpPr>
+          <p:nvPr>
+            <p:ph type="title"/>
+          </p:nvPr>
+        </p:nvSpPr>
+        <p:spPr/>
+        <p:txBody>
+          <a:bodyPr/>
+          <a:lstStyle/>
+          <a:p>
+            <a:pPr algn="ctr"/>
+            <a:r>
+              <a:rPr lang="en-US" dirty="0"/>
+              <a:t>Business Model</a:t>
+            </a:r>
+            <a:endParaRPr lang="it-IT" dirty="0"/>
+          </a:p>
+        </p:txBody>
+      </p:sp>
+      <p:sp>
+        <p:nvSpPr>
+          <p:cNvPr id="3" name="Content Placeholder 2">
+            <a:extLst>
+              <a:ext uri="{FF2B5EF4-FFF2-40B4-BE49-F238E27FC236}">
+                <a16:creationId xmlns:a16="http://schemas.microsoft.com/office/drawing/2014/main" id="{DB89865F-98D7-A88B-DD87-CF280D4CAD59}"/>
+              </a:ext>
+            </a:extLst>
+          </p:cNvPr>
+          <p:cNvSpPr>
+            <a:spLocks noGrp="1"/>
+          </p:cNvSpPr>
+          <p:nvPr>
+            <p:ph idx="1"/>
+          </p:nvPr>
+        </p:nvSpPr>
+        <p:spPr/>
+        <p:txBody>
+          <a:bodyPr/>
+          <a:lstStyle/>
+          <a:p>
+            <a:endParaRPr lang="it-IT"/>
+          </a:p>
+        </p:txBody>
+      </p:sp>
+    </p:spTree>
+    <p:extLst>
+      <p:ext uri="{BB962C8B-B14F-4D97-AF65-F5344CB8AC3E}">
+        <p14:creationId xmlns:p14="http://schemas.microsoft.com/office/powerpoint/2010/main" val="3488849015"/>
       </p:ext>
     </p:extLst>
   </p:cSld>

--- a/I Due Moschettieri.pptx
+++ b/I Due Moschettieri.pptx
@@ -269,7 +269,7 @@
           <a:p>
             <a:fld id="{1EFCC690-7CBF-47E6-BE6E-0EC1C9E624CE}" type="datetimeFigureOut">
               <a:rPr lang="it-IT" smtClean="0"/>
-              <a:t>02/05/2023</a:t>
+              <a:t>03/05/2023</a:t>
             </a:fld>
             <a:endParaRPr lang="it-IT"/>
           </a:p>
@@ -469,7 +469,7 @@
           <a:p>
             <a:fld id="{1EFCC690-7CBF-47E6-BE6E-0EC1C9E624CE}" type="datetimeFigureOut">
               <a:rPr lang="it-IT" smtClean="0"/>
-              <a:t>02/05/2023</a:t>
+              <a:t>03/05/2023</a:t>
             </a:fld>
             <a:endParaRPr lang="it-IT"/>
           </a:p>
@@ -679,7 +679,7 @@
           <a:p>
             <a:fld id="{1EFCC690-7CBF-47E6-BE6E-0EC1C9E624CE}" type="datetimeFigureOut">
               <a:rPr lang="it-IT" smtClean="0"/>
-              <a:t>02/05/2023</a:t>
+              <a:t>03/05/2023</a:t>
             </a:fld>
             <a:endParaRPr lang="it-IT"/>
           </a:p>
@@ -879,7 +879,7 @@
           <a:p>
             <a:fld id="{1EFCC690-7CBF-47E6-BE6E-0EC1C9E624CE}" type="datetimeFigureOut">
               <a:rPr lang="it-IT" smtClean="0"/>
-              <a:t>02/05/2023</a:t>
+              <a:t>03/05/2023</a:t>
             </a:fld>
             <a:endParaRPr lang="it-IT"/>
           </a:p>
@@ -1155,7 +1155,7 @@
           <a:p>
             <a:fld id="{1EFCC690-7CBF-47E6-BE6E-0EC1C9E624CE}" type="datetimeFigureOut">
               <a:rPr lang="it-IT" smtClean="0"/>
-              <a:t>02/05/2023</a:t>
+              <a:t>03/05/2023</a:t>
             </a:fld>
             <a:endParaRPr lang="it-IT"/>
           </a:p>
@@ -1423,7 +1423,7 @@
           <a:p>
             <a:fld id="{1EFCC690-7CBF-47E6-BE6E-0EC1C9E624CE}" type="datetimeFigureOut">
               <a:rPr lang="it-IT" smtClean="0"/>
-              <a:t>02/05/2023</a:t>
+              <a:t>03/05/2023</a:t>
             </a:fld>
             <a:endParaRPr lang="it-IT"/>
           </a:p>
@@ -1838,7 +1838,7 @@
           <a:p>
             <a:fld id="{1EFCC690-7CBF-47E6-BE6E-0EC1C9E624CE}" type="datetimeFigureOut">
               <a:rPr lang="it-IT" smtClean="0"/>
-              <a:t>02/05/2023</a:t>
+              <a:t>03/05/2023</a:t>
             </a:fld>
             <a:endParaRPr lang="it-IT"/>
           </a:p>
@@ -1980,7 +1980,7 @@
           <a:p>
             <a:fld id="{1EFCC690-7CBF-47E6-BE6E-0EC1C9E624CE}" type="datetimeFigureOut">
               <a:rPr lang="it-IT" smtClean="0"/>
-              <a:t>02/05/2023</a:t>
+              <a:t>03/05/2023</a:t>
             </a:fld>
             <a:endParaRPr lang="it-IT"/>
           </a:p>
@@ -2093,7 +2093,7 @@
           <a:p>
             <a:fld id="{1EFCC690-7CBF-47E6-BE6E-0EC1C9E624CE}" type="datetimeFigureOut">
               <a:rPr lang="it-IT" smtClean="0"/>
-              <a:t>02/05/2023</a:t>
+              <a:t>03/05/2023</a:t>
             </a:fld>
             <a:endParaRPr lang="it-IT"/>
           </a:p>
@@ -2406,7 +2406,7 @@
           <a:p>
             <a:fld id="{1EFCC690-7CBF-47E6-BE6E-0EC1C9E624CE}" type="datetimeFigureOut">
               <a:rPr lang="it-IT" smtClean="0"/>
-              <a:t>02/05/2023</a:t>
+              <a:t>03/05/2023</a:t>
             </a:fld>
             <a:endParaRPr lang="it-IT"/>
           </a:p>
@@ -2695,7 +2695,7 @@
           <a:p>
             <a:fld id="{1EFCC690-7CBF-47E6-BE6E-0EC1C9E624CE}" type="datetimeFigureOut">
               <a:rPr lang="it-IT" smtClean="0"/>
-              <a:t>02/05/2023</a:t>
+              <a:t>03/05/2023</a:t>
             </a:fld>
             <a:endParaRPr lang="it-IT"/>
           </a:p>
@@ -2772,9 +2772,24 @@
 <p:sldMaster xmlns:a="http://schemas.openxmlformats.org/drawingml/2006/main" xmlns:r="http://schemas.openxmlformats.org/officeDocument/2006/relationships" xmlns:p="http://schemas.openxmlformats.org/presentationml/2006/main">
   <p:cSld>
     <p:bg>
-      <p:bgRef idx="1001">
-        <a:schemeClr val="bg1"/>
-      </p:bgRef>
+      <p:bgPr>
+        <a:gradFill flip="none" rotWithShape="1">
+          <a:gsLst>
+            <a:gs pos="12000">
+              <a:srgbClr val="DB504A"/>
+            </a:gs>
+            <a:gs pos="100000">
+              <a:srgbClr val="276FBF"/>
+            </a:gs>
+            <a:gs pos="50000">
+              <a:srgbClr val="2EC4B6"/>
+            </a:gs>
+          </a:gsLst>
+          <a:lin ang="8100000" scaled="0"/>
+          <a:tileRect/>
+        </a:gradFill>
+        <a:effectLst/>
+      </p:bgPr>
     </p:bg>
     <p:spTree>
       <p:nvGrpSpPr>
@@ -2938,7 +2953,7 @@
           <a:p>
             <a:fld id="{1EFCC690-7CBF-47E6-BE6E-0EC1C9E624CE}" type="datetimeFigureOut">
               <a:rPr lang="it-IT" smtClean="0"/>
-              <a:t>02/05/2023</a:t>
+              <a:t>03/05/2023</a:t>
             </a:fld>
             <a:endParaRPr lang="it-IT"/>
           </a:p>
@@ -3357,10 +3372,10 @@
       </p:grpSpPr>
       <p:sp>
         <p:nvSpPr>
-          <p:cNvPr id="13" name="Rectangle 12">
-            <a:extLst>
-              <a:ext uri="{FF2B5EF4-FFF2-40B4-BE49-F238E27FC236}">
-                <a16:creationId xmlns:a16="http://schemas.microsoft.com/office/drawing/2014/main" id="{080B445E-1168-7DA0-1674-6DC4542334BF}"/>
+          <p:cNvPr id="3" name="Rectangle: Rounded Corners 2">
+            <a:extLst>
+              <a:ext uri="{FF2B5EF4-FFF2-40B4-BE49-F238E27FC236}">
+                <a16:creationId xmlns:a16="http://schemas.microsoft.com/office/drawing/2014/main" id="{873E463C-642B-84D5-81E4-89D2EABF918A}"/>
               </a:ext>
             </a:extLst>
           </p:cNvPr>
@@ -3369,10 +3384,10 @@
         </p:nvSpPr>
         <p:spPr>
           <a:xfrm>
-            <a:off x="3959630" y="279399"/>
-            <a:ext cx="4272742" cy="1592055"/>
-          </a:xfrm>
-          <a:prstGeom prst="rect">
+            <a:off x="2778110" y="2457963"/>
+            <a:ext cx="6635776" cy="1848027"/>
+          </a:xfrm>
+          <a:prstGeom prst="roundRect">
             <a:avLst/>
           </a:prstGeom>
           <a:solidFill>
@@ -3407,10 +3422,10 @@
       </p:sp>
       <p:sp>
         <p:nvSpPr>
-          <p:cNvPr id="14" name="Rectangle 13">
-            <a:extLst>
-              <a:ext uri="{FF2B5EF4-FFF2-40B4-BE49-F238E27FC236}">
-                <a16:creationId xmlns:a16="http://schemas.microsoft.com/office/drawing/2014/main" id="{3F6A8984-B6C7-3954-EAF4-EDAD6669E57E}"/>
+          <p:cNvPr id="13" name="Rectangle: Rounded Corners 12">
+            <a:extLst>
+              <a:ext uri="{FF2B5EF4-FFF2-40B4-BE49-F238E27FC236}">
+                <a16:creationId xmlns:a16="http://schemas.microsoft.com/office/drawing/2014/main" id="{080B445E-1168-7DA0-1674-6DC4542334BF}"/>
               </a:ext>
             </a:extLst>
           </p:cNvPr>
@@ -3419,10 +3434,10 @@
         </p:nvSpPr>
         <p:spPr>
           <a:xfrm>
-            <a:off x="3491346" y="4686416"/>
-            <a:ext cx="5209307" cy="1592055"/>
-          </a:xfrm>
-          <a:prstGeom prst="rect">
+            <a:off x="3959630" y="279399"/>
+            <a:ext cx="4272742" cy="1592055"/>
+          </a:xfrm>
+          <a:prstGeom prst="roundRect">
             <a:avLst/>
           </a:prstGeom>
           <a:solidFill>
@@ -3457,6 +3472,56 @@
       </p:sp>
       <p:sp>
         <p:nvSpPr>
+          <p:cNvPr id="14" name="Rectangle: Rounded Corners 13">
+            <a:extLst>
+              <a:ext uri="{FF2B5EF4-FFF2-40B4-BE49-F238E27FC236}">
+                <a16:creationId xmlns:a16="http://schemas.microsoft.com/office/drawing/2014/main" id="{3F6A8984-B6C7-3954-EAF4-EDAD6669E57E}"/>
+              </a:ext>
+            </a:extLst>
+          </p:cNvPr>
+          <p:cNvSpPr/>
+          <p:nvPr/>
+        </p:nvSpPr>
+        <p:spPr>
+          <a:xfrm>
+            <a:off x="3491347" y="4892499"/>
+            <a:ext cx="5209307" cy="1592055"/>
+          </a:xfrm>
+          <a:prstGeom prst="roundRect">
+            <a:avLst/>
+          </a:prstGeom>
+          <a:solidFill>
+            <a:srgbClr val="F7E1D7"/>
+          </a:solidFill>
+          <a:ln>
+            <a:noFill/>
+          </a:ln>
+        </p:spPr>
+        <p:style>
+          <a:lnRef idx="1">
+            <a:schemeClr val="accent5"/>
+          </a:lnRef>
+          <a:fillRef idx="2">
+            <a:schemeClr val="accent5"/>
+          </a:fillRef>
+          <a:effectRef idx="1">
+            <a:schemeClr val="accent5"/>
+          </a:effectRef>
+          <a:fontRef idx="minor">
+            <a:schemeClr val="dk1"/>
+          </a:fontRef>
+        </p:style>
+        <p:txBody>
+          <a:bodyPr rtlCol="0" anchor="ctr"/>
+          <a:lstStyle/>
+          <a:p>
+            <a:pPr algn="ctr"/>
+            <a:endParaRPr lang="it-IT"/>
+          </a:p>
+        </p:txBody>
+      </p:sp>
+      <p:sp>
+        <p:nvSpPr>
           <p:cNvPr id="2" name="Title 1">
             <a:extLst>
               <a:ext uri="{FF2B5EF4-FFF2-40B4-BE49-F238E27FC236}">
@@ -3484,7 +3549,7 @@
             <a:pPr algn="ctr"/>
             <a:r>
               <a:rPr lang="en-US" dirty="0">
-                <a:latin typeface="Cascadia Code Light" panose="020B0609020000020004" pitchFamily="49" charset="0"/>
+                <a:latin typeface="+mn-lt"/>
                 <a:ea typeface="Cascadia Code Light" panose="020B0609020000020004" pitchFamily="49" charset="0"/>
                 <a:cs typeface="Cascadia Code Light" panose="020B0609020000020004" pitchFamily="49" charset="0"/>
               </a:rPr>
@@ -3492,14 +3557,14 @@
             </a:r>
             <a:r>
               <a:rPr lang="en-US" dirty="0" err="1">
-                <a:latin typeface="Cascadia Code Light" panose="020B0609020000020004" pitchFamily="49" charset="0"/>
+                <a:latin typeface="+mn-lt"/>
                 <a:ea typeface="Cascadia Code Light" panose="020B0609020000020004" pitchFamily="49" charset="0"/>
                 <a:cs typeface="Cascadia Code Light" panose="020B0609020000020004" pitchFamily="49" charset="0"/>
               </a:rPr>
               <a:t>Moschettieri</a:t>
             </a:r>
             <a:endParaRPr lang="it-IT" dirty="0">
-              <a:latin typeface="Cascadia Code Light" panose="020B0609020000020004" pitchFamily="49" charset="0"/>
+              <a:latin typeface="+mn-lt"/>
               <a:ea typeface="Cascadia Code Light" panose="020B0609020000020004" pitchFamily="49" charset="0"/>
               <a:cs typeface="Cascadia Code Light" panose="020B0609020000020004" pitchFamily="49" charset="0"/>
             </a:endParaRPr>
@@ -3539,7 +3604,7 @@
         </p:blipFill>
         <p:spPr>
           <a:xfrm>
-            <a:off x="3196430" y="2632972"/>
+            <a:off x="3196428" y="2585948"/>
             <a:ext cx="5799139" cy="1592055"/>
           </a:xfrm>
         </p:spPr>
@@ -3562,7 +3627,7 @@
         </p:nvSpPr>
         <p:spPr>
           <a:xfrm>
-            <a:off x="3667909" y="4605451"/>
+            <a:off x="3667909" y="4811534"/>
             <a:ext cx="4856178" cy="1753986"/>
           </a:xfrm>
         </p:spPr>
@@ -3573,7 +3638,6 @@
             <a:pPr algn="ctr"/>
             <a:r>
               <a:rPr lang="en-US" dirty="0" err="1">
-                <a:latin typeface="Cascadia Code Light" panose="020B0609020000020004" pitchFamily="49" charset="0"/>
                 <a:ea typeface="Cascadia Code Light" panose="020B0609020000020004" pitchFamily="49" charset="0"/>
                 <a:cs typeface="Cascadia Code Light" panose="020B0609020000020004" pitchFamily="49" charset="0"/>
               </a:rPr>
@@ -3581,7 +3645,6 @@
             </a:r>
             <a:r>
               <a:rPr lang="it-IT" dirty="0">
-                <a:latin typeface="Cascadia Code Light" panose="020B0609020000020004" pitchFamily="49" charset="0"/>
                 <a:ea typeface="Cascadia Code Light" panose="020B0609020000020004" pitchFamily="49" charset="0"/>
                 <a:cs typeface="Cascadia Code Light" panose="020B0609020000020004" pitchFamily="49" charset="0"/>
               </a:rPr>
@@ -3589,7 +3652,6 @@
             </a:r>
             <a:r>
               <a:rPr lang="en-US" dirty="0">
-                <a:latin typeface="Cascadia Code Light" panose="020B0609020000020004" pitchFamily="49" charset="0"/>
                 <a:ea typeface="Cascadia Code Light" panose="020B0609020000020004" pitchFamily="49" charset="0"/>
                 <a:cs typeface="Cascadia Code Light" panose="020B0609020000020004" pitchFamily="49" charset="0"/>
               </a:rPr>
@@ -3600,7 +3662,6 @@
             <a:pPr algn="ctr"/>
             <a:r>
               <a:rPr lang="en-US" dirty="0" err="1">
-                <a:latin typeface="Cascadia Code Light" panose="020B0609020000020004" pitchFamily="49" charset="0"/>
                 <a:ea typeface="Cascadia Code Light" panose="020B0609020000020004" pitchFamily="49" charset="0"/>
                 <a:cs typeface="Cascadia Code Light" panose="020B0609020000020004" pitchFamily="49" charset="0"/>
               </a:rPr>
@@ -3608,7 +3669,6 @@
             </a:r>
             <a:r>
               <a:rPr lang="en-US" dirty="0">
-                <a:latin typeface="Cascadia Code Light" panose="020B0609020000020004" pitchFamily="49" charset="0"/>
                 <a:ea typeface="Cascadia Code Light" panose="020B0609020000020004" pitchFamily="49" charset="0"/>
                 <a:cs typeface="Cascadia Code Light" panose="020B0609020000020004" pitchFamily="49" charset="0"/>
               </a:rPr>
@@ -3616,7 +3676,6 @@
             </a:r>
             <a:r>
               <a:rPr lang="en-US" dirty="0" err="1">
-                <a:latin typeface="Cascadia Code Light" panose="020B0609020000020004" pitchFamily="49" charset="0"/>
                 <a:ea typeface="Cascadia Code Light" panose="020B0609020000020004" pitchFamily="49" charset="0"/>
                 <a:cs typeface="Cascadia Code Light" panose="020B0609020000020004" pitchFamily="49" charset="0"/>
               </a:rPr>
@@ -3624,7 +3683,6 @@
             </a:r>
             <a:r>
               <a:rPr lang="en-US" dirty="0">
-                <a:latin typeface="Cascadia Code Light" panose="020B0609020000020004" pitchFamily="49" charset="0"/>
                 <a:ea typeface="Cascadia Code Light" panose="020B0609020000020004" pitchFamily="49" charset="0"/>
                 <a:cs typeface="Cascadia Code Light" panose="020B0609020000020004" pitchFamily="49" charset="0"/>
               </a:rPr>
@@ -3632,14 +3690,12 @@
             </a:r>
             <a:r>
               <a:rPr lang="en-US" dirty="0" err="1">
-                <a:latin typeface="Cascadia Code Light" panose="020B0609020000020004" pitchFamily="49" charset="0"/>
                 <a:ea typeface="Cascadia Code Light" panose="020B0609020000020004" pitchFamily="49" charset="0"/>
                 <a:cs typeface="Cascadia Code Light" panose="020B0609020000020004" pitchFamily="49" charset="0"/>
               </a:rPr>
               <a:t>Aziendale</a:t>
             </a:r>
             <a:endParaRPr lang="en-US" dirty="0">
-              <a:latin typeface="Cascadia Code Light" panose="020B0609020000020004" pitchFamily="49" charset="0"/>
               <a:ea typeface="Cascadia Code Light" panose="020B0609020000020004" pitchFamily="49" charset="0"/>
               <a:cs typeface="Cascadia Code Light" panose="020B0609020000020004" pitchFamily="49" charset="0"/>
             </a:endParaRPr>
@@ -3648,7 +3704,6 @@
             <a:pPr algn="ctr"/>
             <a:r>
               <a:rPr lang="en-US" dirty="0">
-                <a:latin typeface="Cascadia Code Light" panose="020B0609020000020004" pitchFamily="49" charset="0"/>
                 <a:ea typeface="Cascadia Code Light" panose="020B0609020000020004" pitchFamily="49" charset="0"/>
                 <a:cs typeface="Cascadia Code Light" panose="020B0609020000020004" pitchFamily="49" charset="0"/>
               </a:rPr>
@@ -3656,7 +3711,6 @@
             </a:r>
             <a:r>
               <a:rPr lang="en-US" dirty="0" err="1">
-                <a:latin typeface="Cascadia Code Light" panose="020B0609020000020004" pitchFamily="49" charset="0"/>
                 <a:ea typeface="Cascadia Code Light" panose="020B0609020000020004" pitchFamily="49" charset="0"/>
                 <a:cs typeface="Cascadia Code Light" panose="020B0609020000020004" pitchFamily="49" charset="0"/>
               </a:rPr>
@@ -3664,14 +3718,12 @@
             </a:r>
             <a:r>
               <a:rPr lang="en-US" dirty="0">
-                <a:latin typeface="Cascadia Code Light" panose="020B0609020000020004" pitchFamily="49" charset="0"/>
                 <a:ea typeface="Cascadia Code Light" panose="020B0609020000020004" pitchFamily="49" charset="0"/>
                 <a:cs typeface="Cascadia Code Light" panose="020B0609020000020004" pitchFamily="49" charset="0"/>
               </a:rPr>
               <a:t> 2022/2023</a:t>
             </a:r>
             <a:endParaRPr lang="it-IT" dirty="0">
-              <a:latin typeface="Cascadia Code Light" panose="020B0609020000020004" pitchFamily="49" charset="0"/>
               <a:ea typeface="Cascadia Code Light" panose="020B0609020000020004" pitchFamily="49" charset="0"/>
               <a:cs typeface="Cascadia Code Light" panose="020B0609020000020004" pitchFamily="49" charset="0"/>
             </a:endParaRPr>
@@ -3764,8 +3816,8 @@
         </p:nvSpPr>
         <p:spPr>
           <a:xfrm>
-            <a:off x="10166466" y="279892"/>
-            <a:ext cx="1812174" cy="1070659"/>
+            <a:off x="9759051" y="442338"/>
+            <a:ext cx="2185711" cy="1253940"/>
           </a:xfrm>
           <a:prstGeom prst="rect">
             <a:avLst/>
@@ -3833,8 +3885,8 @@
         </p:blipFill>
         <p:spPr>
           <a:xfrm>
-            <a:off x="10251048" y="344514"/>
-            <a:ext cx="1647825" cy="876300"/>
+            <a:off x="9804938" y="514585"/>
+            <a:ext cx="2093935" cy="1113538"/>
           </a:xfrm>
           <a:prstGeom prst="rect">
             <a:avLst/>
@@ -3928,6 +3980,10 @@
           <a:lstStyle/>
           <a:p>
             <a:pPr algn="ctr"/>
+            <a:r>
+              <a:rPr lang="en-US" dirty="0"/>
+              <a:t>Lorenzo Monaci</a:t>
+            </a:r>
             <a:endParaRPr lang="it-IT" dirty="0"/>
           </a:p>
         </p:txBody>
@@ -3954,6 +4010,14 @@
           <a:lstStyle/>
           <a:p>
             <a:pPr algn="ctr"/>
+            <a:r>
+              <a:rPr lang="en-US" dirty="0"/>
+              <a:t>Omar Tomas </a:t>
+            </a:r>
+            <a:r>
+              <a:rPr lang="en-US" dirty="0" err="1"/>
+              <a:t>Sfar</a:t>
+            </a:r>
             <a:endParaRPr lang="it-IT" dirty="0"/>
           </a:p>
         </p:txBody>
@@ -3979,7 +4043,11 @@
           <a:bodyPr/>
           <a:lstStyle/>
           <a:p>
-            <a:endParaRPr lang="it-IT"/>
+            <a:r>
+              <a:rPr lang="en-US" dirty="0"/>
+              <a:t>(FOTO)</a:t>
+            </a:r>
+            <a:endParaRPr lang="it-IT" dirty="0"/>
           </a:p>
         </p:txBody>
       </p:sp>
@@ -4009,6 +4077,10 @@
           <a:bodyPr/>
           <a:lstStyle/>
           <a:p>
+            <a:r>
+              <a:rPr lang="en-US" dirty="0"/>
+              <a:t>(FOTO)</a:t>
+            </a:r>
             <a:endParaRPr lang="it-IT" dirty="0"/>
           </a:p>
         </p:txBody>
@@ -4045,113 +4117,776 @@
       </p:grpSpPr>
       <p:sp>
         <p:nvSpPr>
-          <p:cNvPr id="7" name="Title 6">
-            <a:extLst>
-              <a:ext uri="{FF2B5EF4-FFF2-40B4-BE49-F238E27FC236}">
-                <a16:creationId xmlns:a16="http://schemas.microsoft.com/office/drawing/2014/main" id="{1274AD00-1705-79BB-E305-6794E337D3E9}"/>
-              </a:ext>
-            </a:extLst>
-          </p:cNvPr>
-          <p:cNvSpPr>
-            <a:spLocks noGrp="1"/>
-          </p:cNvSpPr>
-          <p:nvPr>
-            <p:ph type="title"/>
-          </p:nvPr>
-        </p:nvSpPr>
-        <p:spPr/>
-        <p:txBody>
-          <a:bodyPr/>
+          <p:cNvPr id="20" name="Rectangle: Rounded Corners 19">
+            <a:extLst>
+              <a:ext uri="{FF2B5EF4-FFF2-40B4-BE49-F238E27FC236}">
+                <a16:creationId xmlns:a16="http://schemas.microsoft.com/office/drawing/2014/main" id="{2341B1C4-20CE-A004-05BA-6EBF8A78D008}"/>
+              </a:ext>
+            </a:extLst>
+          </p:cNvPr>
+          <p:cNvSpPr/>
+          <p:nvPr/>
+        </p:nvSpPr>
+        <p:spPr>
+          <a:xfrm>
+            <a:off x="1313408" y="571712"/>
+            <a:ext cx="2128059" cy="748145"/>
+          </a:xfrm>
+          <a:prstGeom prst="roundRect">
+            <a:avLst/>
+          </a:prstGeom>
+          <a:solidFill>
+            <a:srgbClr val="252323"/>
+          </a:solidFill>
+          <a:ln>
+            <a:noFill/>
+          </a:ln>
+        </p:spPr>
+        <p:style>
+          <a:lnRef idx="2">
+            <a:schemeClr val="accent1">
+              <a:shade val="50000"/>
+            </a:schemeClr>
+          </a:lnRef>
+          <a:fillRef idx="1">
+            <a:schemeClr val="accent1"/>
+          </a:fillRef>
+          <a:effectRef idx="0">
+            <a:schemeClr val="accent1"/>
+          </a:effectRef>
+          <a:fontRef idx="minor">
+            <a:schemeClr val="lt1"/>
+          </a:fontRef>
+        </p:style>
+        <p:txBody>
+          <a:bodyPr rtlCol="0" anchor="ctr"/>
           <a:lstStyle/>
           <a:p>
             <a:pPr algn="ctr"/>
-            <a:r>
-              <a:rPr lang="en-US" dirty="0" err="1"/>
-              <a:t>Sommario</a:t>
-            </a:r>
-            <a:r>
-              <a:rPr lang="en-US" dirty="0"/>
-              <a:t> (</a:t>
-            </a:r>
-            <a:r>
-              <a:rPr lang="en-US" dirty="0" err="1"/>
-              <a:t>grafico</a:t>
-            </a:r>
-            <a:r>
-              <a:rPr lang="en-US" dirty="0"/>
-              <a:t>…)</a:t>
-            </a:r>
-            <a:endParaRPr lang="it-IT" dirty="0"/>
-          </a:p>
-        </p:txBody>
-      </p:sp>
-      <p:sp>
-        <p:nvSpPr>
-          <p:cNvPr id="8" name="Content Placeholder 7">
-            <a:extLst>
-              <a:ext uri="{FF2B5EF4-FFF2-40B4-BE49-F238E27FC236}">
-                <a16:creationId xmlns:a16="http://schemas.microsoft.com/office/drawing/2014/main" id="{4FC9FB4E-8DB8-4DA4-5B81-9DAF7A40AE3A}"/>
-              </a:ext>
-            </a:extLst>
-          </p:cNvPr>
-          <p:cNvSpPr>
-            <a:spLocks noGrp="1"/>
-          </p:cNvSpPr>
-          <p:nvPr>
-            <p:ph idx="1"/>
-          </p:nvPr>
-        </p:nvSpPr>
-        <p:spPr/>
-        <p:txBody>
-          <a:bodyPr/>
-          <a:lstStyle/>
-          <a:p>
             <a:r>
               <a:rPr lang="en-US" dirty="0" err="1"/>
               <a:t>Presentazione</a:t>
             </a:r>
-            <a:endParaRPr lang="en-US" dirty="0"/>
-          </a:p>
-          <a:p>
+            <a:r>
+              <a:rPr lang="en-US" dirty="0"/>
+              <a:t> Impresa</a:t>
+            </a:r>
+            <a:endParaRPr lang="it-IT" dirty="0"/>
+          </a:p>
+        </p:txBody>
+      </p:sp>
+      <p:sp>
+        <p:nvSpPr>
+          <p:cNvPr id="22" name="Rectangle: Rounded Corners 21">
+            <a:extLst>
+              <a:ext uri="{FF2B5EF4-FFF2-40B4-BE49-F238E27FC236}">
+                <a16:creationId xmlns:a16="http://schemas.microsoft.com/office/drawing/2014/main" id="{FA7A2091-DE66-966F-57F2-E3CE5123EC9F}"/>
+              </a:ext>
+            </a:extLst>
+          </p:cNvPr>
+          <p:cNvSpPr/>
+          <p:nvPr/>
+        </p:nvSpPr>
+        <p:spPr>
+          <a:xfrm>
+            <a:off x="4278285" y="2351567"/>
+            <a:ext cx="2128059" cy="748145"/>
+          </a:xfrm>
+          <a:prstGeom prst="roundRect">
+            <a:avLst/>
+          </a:prstGeom>
+          <a:solidFill>
+            <a:srgbClr val="252323"/>
+          </a:solidFill>
+          <a:ln>
+            <a:noFill/>
+          </a:ln>
+        </p:spPr>
+        <p:style>
+          <a:lnRef idx="2">
+            <a:schemeClr val="accent1">
+              <a:shade val="50000"/>
+            </a:schemeClr>
+          </a:lnRef>
+          <a:fillRef idx="1">
+            <a:schemeClr val="accent1"/>
+          </a:fillRef>
+          <a:effectRef idx="0">
+            <a:schemeClr val="accent1"/>
+          </a:effectRef>
+          <a:fontRef idx="minor">
+            <a:schemeClr val="lt1"/>
+          </a:fontRef>
+        </p:style>
+        <p:txBody>
+          <a:bodyPr rtlCol="0" anchor="ctr"/>
+          <a:lstStyle/>
+          <a:p>
+            <a:pPr algn="ctr"/>
             <a:r>
               <a:rPr lang="en-US" dirty="0"/>
               <a:t>Governance</a:t>
             </a:r>
-          </a:p>
-          <a:p>
+            <a:endParaRPr lang="it-IT" dirty="0"/>
+          </a:p>
+        </p:txBody>
+      </p:sp>
+      <p:sp>
+        <p:nvSpPr>
+          <p:cNvPr id="23" name="Rectangle: Rounded Corners 22">
+            <a:extLst>
+              <a:ext uri="{FF2B5EF4-FFF2-40B4-BE49-F238E27FC236}">
+                <a16:creationId xmlns:a16="http://schemas.microsoft.com/office/drawing/2014/main" id="{033302F5-7FCD-8719-83D4-991E190515BE}"/>
+              </a:ext>
+            </a:extLst>
+          </p:cNvPr>
+          <p:cNvSpPr/>
+          <p:nvPr/>
+        </p:nvSpPr>
+        <p:spPr>
+          <a:xfrm>
+            <a:off x="1313408" y="3477943"/>
+            <a:ext cx="2128059" cy="748145"/>
+          </a:xfrm>
+          <a:prstGeom prst="roundRect">
+            <a:avLst/>
+          </a:prstGeom>
+          <a:solidFill>
+            <a:srgbClr val="252323"/>
+          </a:solidFill>
+          <a:ln>
+            <a:noFill/>
+          </a:ln>
+        </p:spPr>
+        <p:style>
+          <a:lnRef idx="2">
+            <a:schemeClr val="accent1">
+              <a:shade val="50000"/>
+            </a:schemeClr>
+          </a:lnRef>
+          <a:fillRef idx="1">
+            <a:schemeClr val="accent1"/>
+          </a:fillRef>
+          <a:effectRef idx="0">
+            <a:schemeClr val="accent1"/>
+          </a:effectRef>
+          <a:fontRef idx="minor">
+            <a:schemeClr val="lt1"/>
+          </a:fontRef>
+        </p:style>
+        <p:txBody>
+          <a:bodyPr rtlCol="0" anchor="ctr"/>
+          <a:lstStyle/>
+          <a:p>
+            <a:pPr algn="ctr"/>
             <a:r>
               <a:rPr lang="en-US" dirty="0"/>
-              <a:t>Report</a:t>
-            </a:r>
-          </a:p>
-          <a:p>
+              <a:t>Business Mode</a:t>
+            </a:r>
+            <a:r>
+              <a:rPr lang="it-IT" dirty="0"/>
+              <a:t>l</a:t>
+            </a:r>
+            <a:endParaRPr lang="en-US" dirty="0"/>
+          </a:p>
+        </p:txBody>
+      </p:sp>
+      <p:sp>
+        <p:nvSpPr>
+          <p:cNvPr id="24" name="Rectangle: Rounded Corners 23">
+            <a:extLst>
+              <a:ext uri="{FF2B5EF4-FFF2-40B4-BE49-F238E27FC236}">
+                <a16:creationId xmlns:a16="http://schemas.microsoft.com/office/drawing/2014/main" id="{94080C6A-1D51-068A-9B25-154058D3B2B1}"/>
+              </a:ext>
+            </a:extLst>
+          </p:cNvPr>
+          <p:cNvSpPr/>
+          <p:nvPr/>
+        </p:nvSpPr>
+        <p:spPr>
+          <a:xfrm>
+            <a:off x="4278285" y="4633411"/>
+            <a:ext cx="2128059" cy="748145"/>
+          </a:xfrm>
+          <a:prstGeom prst="roundRect">
+            <a:avLst/>
+          </a:prstGeom>
+          <a:solidFill>
+            <a:srgbClr val="252323"/>
+          </a:solidFill>
+          <a:ln>
+            <a:noFill/>
+          </a:ln>
+        </p:spPr>
+        <p:style>
+          <a:lnRef idx="2">
+            <a:schemeClr val="accent1">
+              <a:shade val="50000"/>
+            </a:schemeClr>
+          </a:lnRef>
+          <a:fillRef idx="1">
+            <a:schemeClr val="accent1"/>
+          </a:fillRef>
+          <a:effectRef idx="0">
+            <a:schemeClr val="accent1"/>
+          </a:effectRef>
+          <a:fontRef idx="minor">
+            <a:schemeClr val="lt1"/>
+          </a:fontRef>
+        </p:style>
+        <p:txBody>
+          <a:bodyPr rtlCol="0" anchor="ctr"/>
+          <a:lstStyle/>
+          <a:p>
+            <a:pPr algn="ctr"/>
+            <a:r>
+              <a:rPr lang="en-US" dirty="0" err="1"/>
+              <a:t>Flussi</a:t>
+            </a:r>
             <a:r>
               <a:rPr lang="en-US" dirty="0"/>
-              <a:t>Business Model</a:t>
-            </a:r>
-          </a:p>
-          <a:p>
+              <a:t> di </a:t>
+            </a:r>
             <a:r>
               <a:rPr lang="en-US" dirty="0" err="1"/>
-              <a:t>Riferimenti</a:t>
-            </a:r>
-            <a:r>
-              <a:rPr lang="en-US" dirty="0"/>
-              <a:t> </a:t>
-            </a:r>
+              <a:t>Cassa</a:t>
+            </a:r>
+            <a:endParaRPr lang="it-IT" dirty="0"/>
+          </a:p>
+        </p:txBody>
+      </p:sp>
+      <p:sp>
+        <p:nvSpPr>
+          <p:cNvPr id="25" name="Rectangle: Rounded Corners 24">
+            <a:extLst>
+              <a:ext uri="{FF2B5EF4-FFF2-40B4-BE49-F238E27FC236}">
+                <a16:creationId xmlns:a16="http://schemas.microsoft.com/office/drawing/2014/main" id="{DC783F23-9397-7B80-A724-5E1D5279F5A9}"/>
+              </a:ext>
+            </a:extLst>
+          </p:cNvPr>
+          <p:cNvSpPr/>
+          <p:nvPr/>
+        </p:nvSpPr>
+        <p:spPr>
+          <a:xfrm>
+            <a:off x="6982687" y="5935288"/>
+            <a:ext cx="2128059" cy="748145"/>
+          </a:xfrm>
+          <a:prstGeom prst="roundRect">
+            <a:avLst/>
+          </a:prstGeom>
+          <a:solidFill>
+            <a:srgbClr val="252323"/>
+          </a:solidFill>
+          <a:ln>
+            <a:noFill/>
+          </a:ln>
+        </p:spPr>
+        <p:style>
+          <a:lnRef idx="2">
+            <a:schemeClr val="accent1">
+              <a:shade val="50000"/>
+            </a:schemeClr>
+          </a:lnRef>
+          <a:fillRef idx="1">
+            <a:schemeClr val="accent1"/>
+          </a:fillRef>
+          <a:effectRef idx="0">
+            <a:schemeClr val="accent1"/>
+          </a:effectRef>
+          <a:fontRef idx="minor">
+            <a:schemeClr val="lt1"/>
+          </a:fontRef>
+        </p:style>
+        <p:txBody>
+          <a:bodyPr rtlCol="0" anchor="ctr"/>
+          <a:lstStyle/>
+          <a:p>
+            <a:pPr algn="ctr"/>
             <a:r>
               <a:rPr lang="en-US" dirty="0" err="1"/>
-              <a:t>Bibliografici</a:t>
-            </a:r>
-            <a:r>
-              <a:rPr lang="en-US" dirty="0"/>
-              <a:t>/</a:t>
-            </a:r>
-            <a:r>
-              <a:rPr lang="en-US" dirty="0" err="1"/>
-              <a:t>Sitografici</a:t>
+              <a:t>Bibliografia</a:t>
             </a:r>
             <a:endParaRPr lang="it-IT" dirty="0"/>
+          </a:p>
+        </p:txBody>
+      </p:sp>
+      <p:cxnSp>
+        <p:nvCxnSpPr>
+          <p:cNvPr id="28" name="Connector: Curved 27">
+            <a:extLst>
+              <a:ext uri="{FF2B5EF4-FFF2-40B4-BE49-F238E27FC236}">
+                <a16:creationId xmlns:a16="http://schemas.microsoft.com/office/drawing/2014/main" id="{887C51C7-798B-C0BF-8866-3A8C98FA62D5}"/>
+              </a:ext>
+            </a:extLst>
+          </p:cNvPr>
+          <p:cNvCxnSpPr>
+            <a:cxnSpLocks/>
+            <a:stCxn id="20" idx="2"/>
+            <a:endCxn id="22" idx="0"/>
+          </p:cNvCxnSpPr>
+          <p:nvPr/>
+        </p:nvCxnSpPr>
+        <p:spPr>
+          <a:xfrm rot="16200000" flipH="1">
+            <a:off x="3344021" y="353273"/>
+            <a:ext cx="1031710" cy="2964877"/>
+          </a:xfrm>
+          <a:prstGeom prst="curvedConnector3">
+            <a:avLst>
+              <a:gd name="adj1" fmla="val 33080"/>
+            </a:avLst>
+          </a:prstGeom>
+          <a:ln w="57150">
+            <a:solidFill>
+              <a:srgbClr val="DB504A"/>
+            </a:solidFill>
+            <a:tailEnd type="triangle"/>
+          </a:ln>
+        </p:spPr>
+        <p:style>
+          <a:lnRef idx="1">
+            <a:schemeClr val="accent1"/>
+          </a:lnRef>
+          <a:fillRef idx="0">
+            <a:schemeClr val="accent1"/>
+          </a:fillRef>
+          <a:effectRef idx="0">
+            <a:schemeClr val="accent1"/>
+          </a:effectRef>
+          <a:fontRef idx="minor">
+            <a:schemeClr val="tx1"/>
+          </a:fontRef>
+        </p:style>
+      </p:cxnSp>
+      <p:cxnSp>
+        <p:nvCxnSpPr>
+          <p:cNvPr id="32" name="Connector: Curved 31">
+            <a:extLst>
+              <a:ext uri="{FF2B5EF4-FFF2-40B4-BE49-F238E27FC236}">
+                <a16:creationId xmlns:a16="http://schemas.microsoft.com/office/drawing/2014/main" id="{69E87030-817F-AF5B-8CF9-4A11F1F33F79}"/>
+              </a:ext>
+            </a:extLst>
+          </p:cNvPr>
+          <p:cNvCxnSpPr>
+            <a:cxnSpLocks/>
+            <a:stCxn id="22" idx="1"/>
+            <a:endCxn id="23" idx="0"/>
+          </p:cNvCxnSpPr>
+          <p:nvPr/>
+        </p:nvCxnSpPr>
+        <p:spPr>
+          <a:xfrm rot="10800000" flipV="1">
+            <a:off x="2377439" y="2725639"/>
+            <a:ext cx="1900847" cy="752303"/>
+          </a:xfrm>
+          <a:prstGeom prst="curvedConnector2">
+            <a:avLst/>
+          </a:prstGeom>
+          <a:ln w="57150">
+            <a:solidFill>
+              <a:srgbClr val="DB504A"/>
+            </a:solidFill>
+            <a:tailEnd type="triangle"/>
+          </a:ln>
+        </p:spPr>
+        <p:style>
+          <a:lnRef idx="1">
+            <a:schemeClr val="accent1"/>
+          </a:lnRef>
+          <a:fillRef idx="0">
+            <a:schemeClr val="accent1"/>
+          </a:fillRef>
+          <a:effectRef idx="0">
+            <a:schemeClr val="accent1"/>
+          </a:effectRef>
+          <a:fontRef idx="minor">
+            <a:schemeClr val="tx1"/>
+          </a:fontRef>
+        </p:style>
+      </p:cxnSp>
+      <p:cxnSp>
+        <p:nvCxnSpPr>
+          <p:cNvPr id="35" name="Connector: Curved 34">
+            <a:extLst>
+              <a:ext uri="{FF2B5EF4-FFF2-40B4-BE49-F238E27FC236}">
+                <a16:creationId xmlns:a16="http://schemas.microsoft.com/office/drawing/2014/main" id="{C2744051-E5A4-1988-194F-FA75E8E6EBAA}"/>
+              </a:ext>
+            </a:extLst>
+          </p:cNvPr>
+          <p:cNvCxnSpPr>
+            <a:cxnSpLocks/>
+            <a:stCxn id="23" idx="3"/>
+            <a:endCxn id="24" idx="1"/>
+          </p:cNvCxnSpPr>
+          <p:nvPr/>
+        </p:nvCxnSpPr>
+        <p:spPr>
+          <a:xfrm>
+            <a:off x="3441467" y="3852016"/>
+            <a:ext cx="836818" cy="1155468"/>
+          </a:xfrm>
+          <a:prstGeom prst="curvedConnector3">
+            <a:avLst>
+              <a:gd name="adj1" fmla="val 50000"/>
+            </a:avLst>
+          </a:prstGeom>
+          <a:ln w="57150">
+            <a:solidFill>
+              <a:srgbClr val="DB504A"/>
+            </a:solidFill>
+            <a:tailEnd type="triangle"/>
+          </a:ln>
+        </p:spPr>
+        <p:style>
+          <a:lnRef idx="1">
+            <a:schemeClr val="accent1"/>
+          </a:lnRef>
+          <a:fillRef idx="0">
+            <a:schemeClr val="accent1"/>
+          </a:fillRef>
+          <a:effectRef idx="0">
+            <a:schemeClr val="accent1"/>
+          </a:effectRef>
+          <a:fontRef idx="minor">
+            <a:schemeClr val="tx1"/>
+          </a:fontRef>
+        </p:style>
+      </p:cxnSp>
+      <p:cxnSp>
+        <p:nvCxnSpPr>
+          <p:cNvPr id="38" name="Connector: Curved 37">
+            <a:extLst>
+              <a:ext uri="{FF2B5EF4-FFF2-40B4-BE49-F238E27FC236}">
+                <a16:creationId xmlns:a16="http://schemas.microsoft.com/office/drawing/2014/main" id="{13D2309A-B9F3-375C-92FB-D62DCD9E5981}"/>
+              </a:ext>
+            </a:extLst>
+          </p:cNvPr>
+          <p:cNvCxnSpPr>
+            <a:cxnSpLocks/>
+            <a:stCxn id="24" idx="2"/>
+            <a:endCxn id="25" idx="1"/>
+          </p:cNvCxnSpPr>
+          <p:nvPr/>
+        </p:nvCxnSpPr>
+        <p:spPr>
+          <a:xfrm rot="16200000" flipH="1">
+            <a:off x="5698599" y="5025272"/>
+            <a:ext cx="927805" cy="1640372"/>
+          </a:xfrm>
+          <a:prstGeom prst="curvedConnector2">
+            <a:avLst/>
+          </a:prstGeom>
+          <a:ln w="57150">
+            <a:solidFill>
+              <a:srgbClr val="DB504A"/>
+            </a:solidFill>
+            <a:tailEnd type="triangle"/>
+          </a:ln>
+        </p:spPr>
+        <p:style>
+          <a:lnRef idx="1">
+            <a:schemeClr val="accent1"/>
+          </a:lnRef>
+          <a:fillRef idx="0">
+            <a:schemeClr val="accent1"/>
+          </a:fillRef>
+          <a:effectRef idx="0">
+            <a:schemeClr val="accent1"/>
+          </a:effectRef>
+          <a:fontRef idx="minor">
+            <a:schemeClr val="tx1"/>
+          </a:fontRef>
+        </p:style>
+      </p:cxnSp>
+      <p:pic>
+        <p:nvPicPr>
+          <p:cNvPr id="53" name="Picture 52" descr="Icon&#10;&#10;Description automatically generated">
+            <a:extLst>
+              <a:ext uri="{FF2B5EF4-FFF2-40B4-BE49-F238E27FC236}">
+                <a16:creationId xmlns:a16="http://schemas.microsoft.com/office/drawing/2014/main" id="{4D7F42C7-A390-9815-1F47-10D8DFD7D67B}"/>
+              </a:ext>
+            </a:extLst>
+          </p:cNvPr>
+          <p:cNvPicPr>
+            <a:picLocks noChangeAspect="1"/>
+          </p:cNvPicPr>
+          <p:nvPr/>
+        </p:nvPicPr>
+        <p:blipFill>
+          <a:blip r:embed="rId2">
+            <a:extLst>
+              <a:ext uri="{28A0092B-C50C-407E-A947-70E740481C1C}">
+                <a14:useLocalDpi xmlns:a14="http://schemas.microsoft.com/office/drawing/2010/main" val="0"/>
+              </a:ext>
+            </a:extLst>
+          </a:blip>
+          <a:stretch>
+            <a:fillRect/>
+          </a:stretch>
+        </p:blipFill>
+        <p:spPr>
+          <a:xfrm>
+            <a:off x="903003" y="571711"/>
+            <a:ext cx="748145" cy="748145"/>
+          </a:xfrm>
+          <a:prstGeom prst="rect">
+            <a:avLst/>
+          </a:prstGeom>
+        </p:spPr>
+      </p:pic>
+      <p:pic>
+        <p:nvPicPr>
+          <p:cNvPr id="55" name="Picture 54" descr="Icon&#10;&#10;Description automatically generated">
+            <a:extLst>
+              <a:ext uri="{FF2B5EF4-FFF2-40B4-BE49-F238E27FC236}">
+                <a16:creationId xmlns:a16="http://schemas.microsoft.com/office/drawing/2014/main" id="{E32FCBFF-81DF-376E-AF2D-C41BC8BBF11B}"/>
+              </a:ext>
+            </a:extLst>
+          </p:cNvPr>
+          <p:cNvPicPr>
+            <a:picLocks noChangeAspect="1"/>
+          </p:cNvPicPr>
+          <p:nvPr/>
+        </p:nvPicPr>
+        <p:blipFill>
+          <a:blip r:embed="rId3">
+            <a:extLst>
+              <a:ext uri="{28A0092B-C50C-407E-A947-70E740481C1C}">
+                <a14:useLocalDpi xmlns:a14="http://schemas.microsoft.com/office/drawing/2010/main" val="0"/>
+              </a:ext>
+            </a:extLst>
+          </a:blip>
+          <a:stretch>
+            <a:fillRect/>
+          </a:stretch>
+        </p:blipFill>
+        <p:spPr>
+          <a:xfrm>
+            <a:off x="5957458" y="2351566"/>
+            <a:ext cx="748145" cy="748145"/>
+          </a:xfrm>
+          <a:prstGeom prst="rect">
+            <a:avLst/>
+          </a:prstGeom>
+        </p:spPr>
+      </p:pic>
+      <p:pic>
+        <p:nvPicPr>
+          <p:cNvPr id="57" name="Picture 56" descr="A picture containing icon&#10;&#10;Description automatically generated">
+            <a:extLst>
+              <a:ext uri="{FF2B5EF4-FFF2-40B4-BE49-F238E27FC236}">
+                <a16:creationId xmlns:a16="http://schemas.microsoft.com/office/drawing/2014/main" id="{A9C9C6DD-4CA7-FE84-FB18-3F1CD928EC08}"/>
+              </a:ext>
+            </a:extLst>
+          </p:cNvPr>
+          <p:cNvPicPr>
+            <a:picLocks noChangeAspect="1"/>
+          </p:cNvPicPr>
+          <p:nvPr/>
+        </p:nvPicPr>
+        <p:blipFill>
+          <a:blip r:embed="rId4">
+            <a:extLst>
+              <a:ext uri="{28A0092B-C50C-407E-A947-70E740481C1C}">
+                <a14:useLocalDpi xmlns:a14="http://schemas.microsoft.com/office/drawing/2010/main" val="0"/>
+              </a:ext>
+            </a:extLst>
+          </a:blip>
+          <a:stretch>
+            <a:fillRect/>
+          </a:stretch>
+        </p:blipFill>
+        <p:spPr>
+          <a:xfrm>
+            <a:off x="937258" y="3429000"/>
+            <a:ext cx="752304" cy="752304"/>
+          </a:xfrm>
+          <a:prstGeom prst="rect">
+            <a:avLst/>
+          </a:prstGeom>
+        </p:spPr>
+      </p:pic>
+      <p:pic>
+        <p:nvPicPr>
+          <p:cNvPr id="59" name="Picture 58" descr="Icon&#10;&#10;Description automatically generated">
+            <a:extLst>
+              <a:ext uri="{FF2B5EF4-FFF2-40B4-BE49-F238E27FC236}">
+                <a16:creationId xmlns:a16="http://schemas.microsoft.com/office/drawing/2014/main" id="{F83CD83F-54CC-AF9B-9FE5-C046B3CCD553}"/>
+              </a:ext>
+            </a:extLst>
+          </p:cNvPr>
+          <p:cNvPicPr>
+            <a:picLocks noChangeAspect="1"/>
+          </p:cNvPicPr>
+          <p:nvPr/>
+        </p:nvPicPr>
+        <p:blipFill>
+          <a:blip r:embed="rId5">
+            <a:extLst>
+              <a:ext uri="{28A0092B-C50C-407E-A947-70E740481C1C}">
+                <a14:useLocalDpi xmlns:a14="http://schemas.microsoft.com/office/drawing/2010/main" val="0"/>
+              </a:ext>
+            </a:extLst>
+          </a:blip>
+          <a:stretch>
+            <a:fillRect/>
+          </a:stretch>
+        </p:blipFill>
+        <p:spPr>
+          <a:xfrm>
+            <a:off x="6096000" y="4565041"/>
+            <a:ext cx="748145" cy="748145"/>
+          </a:xfrm>
+          <a:prstGeom prst="rect">
+            <a:avLst/>
+          </a:prstGeom>
+        </p:spPr>
+      </p:pic>
+      <p:pic>
+        <p:nvPicPr>
+          <p:cNvPr id="61" name="Picture 60" descr="Icon&#10;&#10;Description automatically generated">
+            <a:extLst>
+              <a:ext uri="{FF2B5EF4-FFF2-40B4-BE49-F238E27FC236}">
+                <a16:creationId xmlns:a16="http://schemas.microsoft.com/office/drawing/2014/main" id="{07B93896-398E-FAD9-9B9A-2293A10A394F}"/>
+              </a:ext>
+            </a:extLst>
+          </p:cNvPr>
+          <p:cNvPicPr>
+            <a:picLocks noChangeAspect="1"/>
+          </p:cNvPicPr>
+          <p:nvPr/>
+        </p:nvPicPr>
+        <p:blipFill>
+          <a:blip r:embed="rId6">
+            <a:extLst>
+              <a:ext uri="{28A0092B-C50C-407E-A947-70E740481C1C}">
+                <a14:useLocalDpi xmlns:a14="http://schemas.microsoft.com/office/drawing/2010/main" val="0"/>
+              </a:ext>
+            </a:extLst>
+          </a:blip>
+          <a:stretch>
+            <a:fillRect/>
+          </a:stretch>
+        </p:blipFill>
+        <p:spPr>
+          <a:xfrm>
+            <a:off x="8736674" y="5935287"/>
+            <a:ext cx="748145" cy="748145"/>
+          </a:xfrm>
+          <a:prstGeom prst="rect">
+            <a:avLst/>
+          </a:prstGeom>
+        </p:spPr>
+      </p:pic>
+      <p:pic>
+        <p:nvPicPr>
+          <p:cNvPr id="63" name="Picture 62" descr="A large industrial kitchen&#10;&#10;Description automatically generated with low confidence">
+            <a:extLst>
+              <a:ext uri="{FF2B5EF4-FFF2-40B4-BE49-F238E27FC236}">
+                <a16:creationId xmlns:a16="http://schemas.microsoft.com/office/drawing/2014/main" id="{B909C5B8-3969-5733-F126-19C909A2DE88}"/>
+              </a:ext>
+            </a:extLst>
+          </p:cNvPr>
+          <p:cNvPicPr>
+            <a:picLocks noChangeAspect="1"/>
+          </p:cNvPicPr>
+          <p:nvPr/>
+        </p:nvPicPr>
+        <p:blipFill>
+          <a:blip r:embed="rId7">
+            <a:extLst>
+              <a:ext uri="{28A0092B-C50C-407E-A947-70E740481C1C}">
+                <a14:useLocalDpi xmlns:a14="http://schemas.microsoft.com/office/drawing/2010/main" val="0"/>
+              </a:ext>
+            </a:extLst>
+          </a:blip>
+          <a:stretch>
+            <a:fillRect/>
+          </a:stretch>
+        </p:blipFill>
+        <p:spPr>
+          <a:xfrm>
+            <a:off x="7298584" y="1496983"/>
+            <a:ext cx="3864033" cy="3864033"/>
+          </a:xfrm>
+          <a:prstGeom prst="roundRect">
+            <a:avLst>
+              <a:gd name="adj" fmla="val 8594"/>
+            </a:avLst>
+          </a:prstGeom>
+          <a:solidFill>
+            <a:srgbClr val="FFFFFF">
+              <a:shade val="85000"/>
+            </a:srgbClr>
+          </a:solidFill>
+          <a:ln>
+            <a:noFill/>
+          </a:ln>
+          <a:effectLst/>
+        </p:spPr>
+      </p:pic>
+      <p:sp>
+        <p:nvSpPr>
+          <p:cNvPr id="64" name="Rectangle: Rounded Corners 63">
+            <a:extLst>
+              <a:ext uri="{FF2B5EF4-FFF2-40B4-BE49-F238E27FC236}">
+                <a16:creationId xmlns:a16="http://schemas.microsoft.com/office/drawing/2014/main" id="{4F6E1A29-7E7D-AF8C-5E35-0BF3EE78FA9C}"/>
+              </a:ext>
+            </a:extLst>
+          </p:cNvPr>
+          <p:cNvSpPr/>
+          <p:nvPr/>
+        </p:nvSpPr>
+        <p:spPr>
+          <a:xfrm>
+            <a:off x="7298584" y="312871"/>
+            <a:ext cx="3922209" cy="748145"/>
+          </a:xfrm>
+          <a:prstGeom prst="roundRect">
+            <a:avLst/>
+          </a:prstGeom>
+          <a:solidFill>
+            <a:srgbClr val="F7E1D7"/>
+          </a:solidFill>
+          <a:ln>
+            <a:noFill/>
+          </a:ln>
+        </p:spPr>
+        <p:style>
+          <a:lnRef idx="2">
+            <a:schemeClr val="accent1">
+              <a:shade val="50000"/>
+            </a:schemeClr>
+          </a:lnRef>
+          <a:fillRef idx="1">
+            <a:schemeClr val="accent1"/>
+          </a:fillRef>
+          <a:effectRef idx="0">
+            <a:schemeClr val="accent1"/>
+          </a:effectRef>
+          <a:fontRef idx="minor">
+            <a:schemeClr val="lt1"/>
+          </a:fontRef>
+        </p:style>
+        <p:txBody>
+          <a:bodyPr rtlCol="0" anchor="ctr"/>
+          <a:lstStyle/>
+          <a:p>
+            <a:pPr algn="ctr"/>
+            <a:r>
+              <a:rPr lang="en-US" sz="3200" dirty="0">
+                <a:solidFill>
+                  <a:srgbClr val="252323"/>
+                </a:solidFill>
+              </a:rPr>
+              <a:t>Table of Contents</a:t>
+            </a:r>
+            <a:endParaRPr lang="it-IT" dirty="0">
+              <a:solidFill>
+                <a:srgbClr val="252323"/>
+              </a:solidFill>
+            </a:endParaRPr>
           </a:p>
         </p:txBody>
       </p:sp>
@@ -5282,40 +6017,550 @@
       </p:sp>
       <p:sp>
         <p:nvSpPr>
-          <p:cNvPr id="10" name="TextBox 9">
-            <a:extLst>
-              <a:ext uri="{FF2B5EF4-FFF2-40B4-BE49-F238E27FC236}">
-                <a16:creationId xmlns:a16="http://schemas.microsoft.com/office/drawing/2014/main" id="{1667F365-7721-C9DE-B292-CB721CFFB0B9}"/>
-              </a:ext>
-            </a:extLst>
-          </p:cNvPr>
-          <p:cNvSpPr txBox="1"/>
+          <p:cNvPr id="3" name="Rectangle: Rounded Corners 2">
+            <a:extLst>
+              <a:ext uri="{FF2B5EF4-FFF2-40B4-BE49-F238E27FC236}">
+                <a16:creationId xmlns:a16="http://schemas.microsoft.com/office/drawing/2014/main" id="{5FCEF447-8F8A-35A4-20EE-929FE9C175CD}"/>
+              </a:ext>
+            </a:extLst>
+          </p:cNvPr>
+          <p:cNvSpPr/>
           <p:nvPr/>
         </p:nvSpPr>
         <p:spPr>
           <a:xfrm>
-            <a:off x="606829" y="3244334"/>
-            <a:ext cx="2435629" cy="369332"/>
+            <a:off x="606828" y="3203624"/>
+            <a:ext cx="1770611" cy="646331"/>
+          </a:xfrm>
+          <a:prstGeom prst="roundRect">
+            <a:avLst/>
+          </a:prstGeom>
+          <a:solidFill>
+            <a:srgbClr val="252323"/>
+          </a:solidFill>
+          <a:ln>
+            <a:noFill/>
+          </a:ln>
+        </p:spPr>
+        <p:style>
+          <a:lnRef idx="2">
+            <a:schemeClr val="accent1">
+              <a:shade val="50000"/>
+            </a:schemeClr>
+          </a:lnRef>
+          <a:fillRef idx="1">
+            <a:schemeClr val="accent1"/>
+          </a:fillRef>
+          <a:effectRef idx="0">
+            <a:schemeClr val="accent1"/>
+          </a:effectRef>
+          <a:fontRef idx="minor">
+            <a:schemeClr val="lt1"/>
+          </a:fontRef>
+        </p:style>
+        <p:txBody>
+          <a:bodyPr rtlCol="0" anchor="ctr"/>
+          <a:lstStyle/>
+          <a:p>
+            <a:pPr algn="ctr"/>
+            <a:endParaRPr lang="it-IT"/>
+          </a:p>
+        </p:txBody>
+      </p:sp>
+      <p:pic>
+        <p:nvPicPr>
+          <p:cNvPr id="6" name="Graphic 5">
+            <a:extLst>
+              <a:ext uri="{FF2B5EF4-FFF2-40B4-BE49-F238E27FC236}">
+                <a16:creationId xmlns:a16="http://schemas.microsoft.com/office/drawing/2014/main" id="{9BF3D3F4-0789-14C1-30D2-022C55B4036D}"/>
+              </a:ext>
+            </a:extLst>
+          </p:cNvPr>
+          <p:cNvPicPr>
+            <a:picLocks noChangeAspect="1"/>
+          </p:cNvPicPr>
+          <p:nvPr/>
+        </p:nvPicPr>
+        <p:blipFill>
+          <a:blip r:embed="rId4">
+            <a:extLst>
+              <a:ext uri="{28A0092B-C50C-407E-A947-70E740481C1C}">
+                <a14:useLocalDpi xmlns:a14="http://schemas.microsoft.com/office/drawing/2010/main" val="0"/>
+              </a:ext>
+              <a:ext uri="{96DAC541-7B7A-43D3-8B79-37D633B846F1}">
+                <asvg:svgBlip xmlns:asvg="http://schemas.microsoft.com/office/drawing/2016/SVG/main" r:embed="rId5"/>
+              </a:ext>
+            </a:extLst>
+          </a:blip>
+          <a:stretch>
+            <a:fillRect/>
+          </a:stretch>
+        </p:blipFill>
+        <p:spPr>
+          <a:xfrm>
+            <a:off x="823974" y="3294386"/>
+            <a:ext cx="1336317" cy="464806"/>
           </a:xfrm>
           <a:prstGeom prst="rect">
             <a:avLst/>
           </a:prstGeom>
-          <a:noFill/>
-        </p:spPr>
-        <p:txBody>
-          <a:bodyPr wrap="square" rtlCol="0">
-            <a:spAutoFit/>
-          </a:bodyPr>
-          <a:lstStyle/>
-          <a:p>
-            <a:r>
-              <a:rPr lang="en-US" dirty="0"/>
-              <a:t>…</a:t>
-            </a:r>
-            <a:endParaRPr lang="it-IT" dirty="0"/>
-          </a:p>
-        </p:txBody>
-      </p:sp>
+        </p:spPr>
+      </p:pic>
+      <p:sp>
+        <p:nvSpPr>
+          <p:cNvPr id="11" name="Rectangle: Rounded Corners 10">
+            <a:extLst>
+              <a:ext uri="{FF2B5EF4-FFF2-40B4-BE49-F238E27FC236}">
+                <a16:creationId xmlns:a16="http://schemas.microsoft.com/office/drawing/2014/main" id="{F3F3F405-44AD-3D6D-DD80-8227027C0E09}"/>
+              </a:ext>
+            </a:extLst>
+          </p:cNvPr>
+          <p:cNvSpPr/>
+          <p:nvPr/>
+        </p:nvSpPr>
+        <p:spPr>
+          <a:xfrm>
+            <a:off x="606826" y="4077623"/>
+            <a:ext cx="1770611" cy="646331"/>
+          </a:xfrm>
+          <a:prstGeom prst="roundRect">
+            <a:avLst/>
+          </a:prstGeom>
+          <a:solidFill>
+            <a:srgbClr val="252323"/>
+          </a:solidFill>
+          <a:ln>
+            <a:noFill/>
+          </a:ln>
+        </p:spPr>
+        <p:style>
+          <a:lnRef idx="2">
+            <a:schemeClr val="accent1">
+              <a:shade val="50000"/>
+            </a:schemeClr>
+          </a:lnRef>
+          <a:fillRef idx="1">
+            <a:schemeClr val="accent1"/>
+          </a:fillRef>
+          <a:effectRef idx="0">
+            <a:schemeClr val="accent1"/>
+          </a:effectRef>
+          <a:fontRef idx="minor">
+            <a:schemeClr val="lt1"/>
+          </a:fontRef>
+        </p:style>
+        <p:txBody>
+          <a:bodyPr rtlCol="0" anchor="ctr"/>
+          <a:lstStyle/>
+          <a:p>
+            <a:pPr algn="ctr"/>
+            <a:endParaRPr lang="it-IT"/>
+          </a:p>
+        </p:txBody>
+      </p:sp>
+      <p:pic>
+        <p:nvPicPr>
+          <p:cNvPr id="13" name="Graphic 12">
+            <a:extLst>
+              <a:ext uri="{FF2B5EF4-FFF2-40B4-BE49-F238E27FC236}">
+                <a16:creationId xmlns:a16="http://schemas.microsoft.com/office/drawing/2014/main" id="{151649DA-9F7A-B743-0350-00441DA6B4C1}"/>
+              </a:ext>
+            </a:extLst>
+          </p:cNvPr>
+          <p:cNvPicPr>
+            <a:picLocks noChangeAspect="1"/>
+          </p:cNvPicPr>
+          <p:nvPr/>
+        </p:nvPicPr>
+        <p:blipFill>
+          <a:blip r:embed="rId6">
+            <a:extLst>
+              <a:ext uri="{28A0092B-C50C-407E-A947-70E740481C1C}">
+                <a14:useLocalDpi xmlns:a14="http://schemas.microsoft.com/office/drawing/2010/main" val="0"/>
+              </a:ext>
+              <a:ext uri="{96DAC541-7B7A-43D3-8B79-37D633B846F1}">
+                <asvg:svgBlip xmlns:asvg="http://schemas.microsoft.com/office/drawing/2016/SVG/main" r:embed="rId7"/>
+              </a:ext>
+            </a:extLst>
+          </a:blip>
+          <a:stretch>
+            <a:fillRect/>
+          </a:stretch>
+        </p:blipFill>
+        <p:spPr>
+          <a:xfrm>
+            <a:off x="696622" y="4270909"/>
+            <a:ext cx="1591018" cy="259758"/>
+          </a:xfrm>
+          <a:prstGeom prst="rect">
+            <a:avLst/>
+          </a:prstGeom>
+        </p:spPr>
+      </p:pic>
+      <p:sp>
+        <p:nvSpPr>
+          <p:cNvPr id="14" name="Rectangle: Rounded Corners 13">
+            <a:extLst>
+              <a:ext uri="{FF2B5EF4-FFF2-40B4-BE49-F238E27FC236}">
+                <a16:creationId xmlns:a16="http://schemas.microsoft.com/office/drawing/2014/main" id="{22F77A5C-E940-FC47-1997-C6F0F3ACA1E8}"/>
+              </a:ext>
+            </a:extLst>
+          </p:cNvPr>
+          <p:cNvSpPr/>
+          <p:nvPr/>
+        </p:nvSpPr>
+        <p:spPr>
+          <a:xfrm>
+            <a:off x="606826" y="4903807"/>
+            <a:ext cx="1770611" cy="646331"/>
+          </a:xfrm>
+          <a:prstGeom prst="roundRect">
+            <a:avLst/>
+          </a:prstGeom>
+          <a:solidFill>
+            <a:srgbClr val="252323"/>
+          </a:solidFill>
+          <a:ln>
+            <a:noFill/>
+          </a:ln>
+        </p:spPr>
+        <p:style>
+          <a:lnRef idx="2">
+            <a:schemeClr val="accent1">
+              <a:shade val="50000"/>
+            </a:schemeClr>
+          </a:lnRef>
+          <a:fillRef idx="1">
+            <a:schemeClr val="accent1"/>
+          </a:fillRef>
+          <a:effectRef idx="0">
+            <a:schemeClr val="accent1"/>
+          </a:effectRef>
+          <a:fontRef idx="minor">
+            <a:schemeClr val="lt1"/>
+          </a:fontRef>
+        </p:style>
+        <p:txBody>
+          <a:bodyPr rtlCol="0" anchor="ctr"/>
+          <a:lstStyle/>
+          <a:p>
+            <a:pPr algn="ctr"/>
+            <a:endParaRPr lang="it-IT"/>
+          </a:p>
+        </p:txBody>
+      </p:sp>
+      <p:pic>
+        <p:nvPicPr>
+          <p:cNvPr id="16" name="Graphic 15">
+            <a:extLst>
+              <a:ext uri="{FF2B5EF4-FFF2-40B4-BE49-F238E27FC236}">
+                <a16:creationId xmlns:a16="http://schemas.microsoft.com/office/drawing/2014/main" id="{30F20E17-0EAE-68CA-2803-79843FBCB75F}"/>
+              </a:ext>
+            </a:extLst>
+          </p:cNvPr>
+          <p:cNvPicPr>
+            <a:picLocks noChangeAspect="1"/>
+          </p:cNvPicPr>
+          <p:nvPr/>
+        </p:nvPicPr>
+        <p:blipFill>
+          <a:blip r:embed="rId8">
+            <a:extLst>
+              <a:ext uri="{28A0092B-C50C-407E-A947-70E740481C1C}">
+                <a14:useLocalDpi xmlns:a14="http://schemas.microsoft.com/office/drawing/2010/main" val="0"/>
+              </a:ext>
+              <a:ext uri="{96DAC541-7B7A-43D3-8B79-37D633B846F1}">
+                <asvg:svgBlip xmlns:asvg="http://schemas.microsoft.com/office/drawing/2016/SVG/main" r:embed="rId9"/>
+              </a:ext>
+            </a:extLst>
+          </a:blip>
+          <a:stretch>
+            <a:fillRect/>
+          </a:stretch>
+        </p:blipFill>
+        <p:spPr>
+          <a:xfrm>
+            <a:off x="823974" y="5000796"/>
+            <a:ext cx="1334435" cy="452351"/>
+          </a:xfrm>
+          <a:prstGeom prst="rect">
+            <a:avLst/>
+          </a:prstGeom>
+        </p:spPr>
+      </p:pic>
+      <p:sp>
+        <p:nvSpPr>
+          <p:cNvPr id="17" name="Rectangle: Rounded Corners 16">
+            <a:extLst>
+              <a:ext uri="{FF2B5EF4-FFF2-40B4-BE49-F238E27FC236}">
+                <a16:creationId xmlns:a16="http://schemas.microsoft.com/office/drawing/2014/main" id="{0E9E16E2-EFEB-85D1-2673-AFEFAECCA745}"/>
+              </a:ext>
+            </a:extLst>
+          </p:cNvPr>
+          <p:cNvSpPr/>
+          <p:nvPr/>
+        </p:nvSpPr>
+        <p:spPr>
+          <a:xfrm>
+            <a:off x="605885" y="5777344"/>
+            <a:ext cx="1770611" cy="646331"/>
+          </a:xfrm>
+          <a:prstGeom prst="roundRect">
+            <a:avLst/>
+          </a:prstGeom>
+          <a:solidFill>
+            <a:srgbClr val="252323"/>
+          </a:solidFill>
+          <a:ln>
+            <a:noFill/>
+          </a:ln>
+        </p:spPr>
+        <p:style>
+          <a:lnRef idx="2">
+            <a:schemeClr val="accent1">
+              <a:shade val="50000"/>
+            </a:schemeClr>
+          </a:lnRef>
+          <a:fillRef idx="1">
+            <a:schemeClr val="accent1"/>
+          </a:fillRef>
+          <a:effectRef idx="0">
+            <a:schemeClr val="accent1"/>
+          </a:effectRef>
+          <a:fontRef idx="minor">
+            <a:schemeClr val="lt1"/>
+          </a:fontRef>
+        </p:style>
+        <p:txBody>
+          <a:bodyPr rtlCol="0" anchor="ctr"/>
+          <a:lstStyle/>
+          <a:p>
+            <a:pPr algn="ctr"/>
+            <a:endParaRPr lang="it-IT"/>
+          </a:p>
+        </p:txBody>
+      </p:sp>
+      <p:pic>
+        <p:nvPicPr>
+          <p:cNvPr id="19" name="Graphic 18">
+            <a:extLst>
+              <a:ext uri="{FF2B5EF4-FFF2-40B4-BE49-F238E27FC236}">
+                <a16:creationId xmlns:a16="http://schemas.microsoft.com/office/drawing/2014/main" id="{A5456102-C876-ADF8-D935-F0DB4EC8EB58}"/>
+              </a:ext>
+            </a:extLst>
+          </p:cNvPr>
+          <p:cNvPicPr>
+            <a:picLocks noChangeAspect="1"/>
+          </p:cNvPicPr>
+          <p:nvPr/>
+        </p:nvPicPr>
+        <p:blipFill>
+          <a:blip r:embed="rId10">
+            <a:extLst>
+              <a:ext uri="{28A0092B-C50C-407E-A947-70E740481C1C}">
+                <a14:useLocalDpi xmlns:a14="http://schemas.microsoft.com/office/drawing/2010/main" val="0"/>
+              </a:ext>
+              <a:ext uri="{96DAC541-7B7A-43D3-8B79-37D633B846F1}">
+                <asvg:svgBlip xmlns:asvg="http://schemas.microsoft.com/office/drawing/2016/SVG/main" r:embed="rId11"/>
+              </a:ext>
+            </a:extLst>
+          </a:blip>
+          <a:stretch>
+            <a:fillRect/>
+          </a:stretch>
+        </p:blipFill>
+        <p:spPr>
+          <a:xfrm>
+            <a:off x="724848" y="5942567"/>
+            <a:ext cx="1562792" cy="315884"/>
+          </a:xfrm>
+          <a:prstGeom prst="rect">
+            <a:avLst/>
+          </a:prstGeom>
+        </p:spPr>
+      </p:pic>
+      <p:sp>
+        <p:nvSpPr>
+          <p:cNvPr id="20" name="Rectangle: Rounded Corners 19">
+            <a:extLst>
+              <a:ext uri="{FF2B5EF4-FFF2-40B4-BE49-F238E27FC236}">
+                <a16:creationId xmlns:a16="http://schemas.microsoft.com/office/drawing/2014/main" id="{DC140044-2FBC-0E4D-6E66-FC656985A28A}"/>
+              </a:ext>
+            </a:extLst>
+          </p:cNvPr>
+          <p:cNvSpPr/>
+          <p:nvPr/>
+        </p:nvSpPr>
+        <p:spPr>
+          <a:xfrm>
+            <a:off x="2593645" y="4903807"/>
+            <a:ext cx="1770611" cy="646331"/>
+          </a:xfrm>
+          <a:prstGeom prst="roundRect">
+            <a:avLst/>
+          </a:prstGeom>
+          <a:solidFill>
+            <a:srgbClr val="252323"/>
+          </a:solidFill>
+          <a:ln>
+            <a:noFill/>
+          </a:ln>
+        </p:spPr>
+        <p:style>
+          <a:lnRef idx="2">
+            <a:schemeClr val="accent1">
+              <a:shade val="50000"/>
+            </a:schemeClr>
+          </a:lnRef>
+          <a:fillRef idx="1">
+            <a:schemeClr val="accent1"/>
+          </a:fillRef>
+          <a:effectRef idx="0">
+            <a:schemeClr val="accent1"/>
+          </a:effectRef>
+          <a:fontRef idx="minor">
+            <a:schemeClr val="lt1"/>
+          </a:fontRef>
+        </p:style>
+        <p:txBody>
+          <a:bodyPr rtlCol="0" anchor="ctr"/>
+          <a:lstStyle/>
+          <a:p>
+            <a:pPr algn="ctr"/>
+            <a:endParaRPr lang="it-IT"/>
+          </a:p>
+        </p:txBody>
+      </p:sp>
+      <p:pic>
+        <p:nvPicPr>
+          <p:cNvPr id="22" name="Graphic 21">
+            <a:extLst>
+              <a:ext uri="{FF2B5EF4-FFF2-40B4-BE49-F238E27FC236}">
+                <a16:creationId xmlns:a16="http://schemas.microsoft.com/office/drawing/2014/main" id="{3B3B3E57-45CA-9EF5-7E35-B2913430EA63}"/>
+              </a:ext>
+            </a:extLst>
+          </p:cNvPr>
+          <p:cNvPicPr>
+            <a:picLocks noChangeAspect="1"/>
+          </p:cNvPicPr>
+          <p:nvPr/>
+        </p:nvPicPr>
+        <p:blipFill>
+          <a:blip r:embed="rId12">
+            <a:extLst>
+              <a:ext uri="{28A0092B-C50C-407E-A947-70E740481C1C}">
+                <a14:useLocalDpi xmlns:a14="http://schemas.microsoft.com/office/drawing/2010/main" val="0"/>
+              </a:ext>
+              <a:ext uri="{96DAC541-7B7A-43D3-8B79-37D633B846F1}">
+                <asvg:svgBlip xmlns:asvg="http://schemas.microsoft.com/office/drawing/2016/SVG/main" r:embed="rId13"/>
+              </a:ext>
+            </a:extLst>
+          </a:blip>
+          <a:stretch>
+            <a:fillRect/>
+          </a:stretch>
+        </p:blipFill>
+        <p:spPr>
+          <a:xfrm>
+            <a:off x="2803369" y="5107371"/>
+            <a:ext cx="1351162" cy="229985"/>
+          </a:xfrm>
+          <a:prstGeom prst="rect">
+            <a:avLst/>
+          </a:prstGeom>
+        </p:spPr>
+      </p:pic>
+      <p:sp>
+        <p:nvSpPr>
+          <p:cNvPr id="23" name="Rectangle: Rounded Corners 22">
+            <a:extLst>
+              <a:ext uri="{FF2B5EF4-FFF2-40B4-BE49-F238E27FC236}">
+                <a16:creationId xmlns:a16="http://schemas.microsoft.com/office/drawing/2014/main" id="{8818130D-34C5-FF72-38B3-4BDD8D75155D}"/>
+              </a:ext>
+            </a:extLst>
+          </p:cNvPr>
+          <p:cNvSpPr/>
+          <p:nvPr/>
+        </p:nvSpPr>
+        <p:spPr>
+          <a:xfrm>
+            <a:off x="2593644" y="5777806"/>
+            <a:ext cx="1770611" cy="646331"/>
+          </a:xfrm>
+          <a:prstGeom prst="roundRect">
+            <a:avLst/>
+          </a:prstGeom>
+          <a:solidFill>
+            <a:srgbClr val="252323"/>
+          </a:solidFill>
+          <a:ln>
+            <a:noFill/>
+          </a:ln>
+        </p:spPr>
+        <p:style>
+          <a:lnRef idx="2">
+            <a:schemeClr val="accent1">
+              <a:shade val="50000"/>
+            </a:schemeClr>
+          </a:lnRef>
+          <a:fillRef idx="1">
+            <a:schemeClr val="accent1"/>
+          </a:fillRef>
+          <a:effectRef idx="0">
+            <a:schemeClr val="accent1"/>
+          </a:effectRef>
+          <a:fontRef idx="minor">
+            <a:schemeClr val="lt1"/>
+          </a:fontRef>
+        </p:style>
+        <p:txBody>
+          <a:bodyPr rtlCol="0" anchor="ctr"/>
+          <a:lstStyle/>
+          <a:p>
+            <a:pPr algn="ctr"/>
+            <a:endParaRPr lang="it-IT"/>
+          </a:p>
+        </p:txBody>
+      </p:sp>
+      <p:pic>
+        <p:nvPicPr>
+          <p:cNvPr id="25" name="Graphic 24">
+            <a:extLst>
+              <a:ext uri="{FF2B5EF4-FFF2-40B4-BE49-F238E27FC236}">
+                <a16:creationId xmlns:a16="http://schemas.microsoft.com/office/drawing/2014/main" id="{B1D56884-9F77-B123-020D-BB405E0F2E14}"/>
+              </a:ext>
+            </a:extLst>
+          </p:cNvPr>
+          <p:cNvPicPr>
+            <a:picLocks noChangeAspect="1"/>
+          </p:cNvPicPr>
+          <p:nvPr/>
+        </p:nvPicPr>
+        <p:blipFill>
+          <a:blip r:embed="rId14">
+            <a:extLst>
+              <a:ext uri="{28A0092B-C50C-407E-A947-70E740481C1C}">
+                <a14:useLocalDpi xmlns:a14="http://schemas.microsoft.com/office/drawing/2010/main" val="0"/>
+              </a:ext>
+              <a:ext uri="{96DAC541-7B7A-43D3-8B79-37D633B846F1}">
+                <asvg:svgBlip xmlns:asvg="http://schemas.microsoft.com/office/drawing/2016/SVG/main" r:embed="rId15"/>
+              </a:ext>
+            </a:extLst>
+          </a:blip>
+          <a:stretch>
+            <a:fillRect/>
+          </a:stretch>
+        </p:blipFill>
+        <p:spPr>
+          <a:xfrm>
+            <a:off x="2813525" y="5862056"/>
+            <a:ext cx="1341006" cy="477830"/>
+          </a:xfrm>
+          <a:prstGeom prst="rect">
+            <a:avLst/>
+          </a:prstGeom>
+        </p:spPr>
+      </p:pic>
     </p:spTree>
     <p:extLst>
       <p:ext uri="{BB962C8B-B14F-4D97-AF65-F5344CB8AC3E}">

--- a/I Due Moschettieri.pptx
+++ b/I Due Moschettieri.pptx
@@ -120,6 +120,2733 @@
 </p:presentation>
 </file>
 
+<file path=ppt/diagrams/colors1.xml><?xml version="1.0" encoding="utf-8"?>
+<dgm:colorsDef xmlns:dgm="http://schemas.openxmlformats.org/drawingml/2006/diagram" xmlns:a="http://schemas.openxmlformats.org/drawingml/2006/main" uniqueId="urn:microsoft.com/office/officeart/2005/8/colors/accent1_2">
+  <dgm:title val=""/>
+  <dgm:desc val=""/>
+  <dgm:catLst>
+    <dgm:cat type="accent1" pri="11200"/>
+  </dgm:catLst>
+  <dgm:styleLbl name="node0">
+    <dgm:fillClrLst meth="repeat">
+      <a:schemeClr val="accent1"/>
+    </dgm:fillClrLst>
+    <dgm:linClrLst meth="repeat">
+      <a:schemeClr val="lt1"/>
+    </dgm:linClrLst>
+    <dgm:effectClrLst/>
+    <dgm:txLinClrLst/>
+    <dgm:txFillClrLst/>
+    <dgm:txEffectClrLst/>
+  </dgm:styleLbl>
+  <dgm:styleLbl name="alignNode1">
+    <dgm:fillClrLst meth="repeat">
+      <a:schemeClr val="accent1"/>
+    </dgm:fillClrLst>
+    <dgm:linClrLst meth="repeat">
+      <a:schemeClr val="accent1"/>
+    </dgm:linClrLst>
+    <dgm:effectClrLst/>
+    <dgm:txLinClrLst/>
+    <dgm:txFillClrLst/>
+    <dgm:txEffectClrLst/>
+  </dgm:styleLbl>
+  <dgm:styleLbl name="node1">
+    <dgm:fillClrLst meth="repeat">
+      <a:schemeClr val="accent1"/>
+    </dgm:fillClrLst>
+    <dgm:linClrLst meth="repeat">
+      <a:schemeClr val="lt1"/>
+    </dgm:linClrLst>
+    <dgm:effectClrLst/>
+    <dgm:txLinClrLst/>
+    <dgm:txFillClrLst/>
+    <dgm:txEffectClrLst/>
+  </dgm:styleLbl>
+  <dgm:styleLbl name="lnNode1">
+    <dgm:fillClrLst meth="repeat">
+      <a:schemeClr val="accent1"/>
+    </dgm:fillClrLst>
+    <dgm:linClrLst meth="repeat">
+      <a:schemeClr val="lt1"/>
+    </dgm:linClrLst>
+    <dgm:effectClrLst/>
+    <dgm:txLinClrLst/>
+    <dgm:txFillClrLst/>
+    <dgm:txEffectClrLst/>
+  </dgm:styleLbl>
+  <dgm:styleLbl name="vennNode1">
+    <dgm:fillClrLst meth="repeat">
+      <a:schemeClr val="accent1">
+        <a:alpha val="50000"/>
+      </a:schemeClr>
+    </dgm:fillClrLst>
+    <dgm:linClrLst meth="repeat">
+      <a:schemeClr val="lt1"/>
+    </dgm:linClrLst>
+    <dgm:effectClrLst/>
+    <dgm:txLinClrLst/>
+    <dgm:txFillClrLst/>
+    <dgm:txEffectClrLst/>
+  </dgm:styleLbl>
+  <dgm:styleLbl name="node2">
+    <dgm:fillClrLst meth="repeat">
+      <a:schemeClr val="accent1"/>
+    </dgm:fillClrLst>
+    <dgm:linClrLst meth="repeat">
+      <a:schemeClr val="lt1"/>
+    </dgm:linClrLst>
+    <dgm:effectClrLst/>
+    <dgm:txLinClrLst/>
+    <dgm:txFillClrLst/>
+    <dgm:txEffectClrLst/>
+  </dgm:styleLbl>
+  <dgm:styleLbl name="node3">
+    <dgm:fillClrLst meth="repeat">
+      <a:schemeClr val="accent1"/>
+    </dgm:fillClrLst>
+    <dgm:linClrLst meth="repeat">
+      <a:schemeClr val="lt1"/>
+    </dgm:linClrLst>
+    <dgm:effectClrLst/>
+    <dgm:txLinClrLst/>
+    <dgm:txFillClrLst/>
+    <dgm:txEffectClrLst/>
+  </dgm:styleLbl>
+  <dgm:styleLbl name="node4">
+    <dgm:fillClrLst meth="repeat">
+      <a:schemeClr val="accent1"/>
+    </dgm:fillClrLst>
+    <dgm:linClrLst meth="repeat">
+      <a:schemeClr val="lt1"/>
+    </dgm:linClrLst>
+    <dgm:effectClrLst/>
+    <dgm:txLinClrLst/>
+    <dgm:txFillClrLst/>
+    <dgm:txEffectClrLst/>
+  </dgm:styleLbl>
+  <dgm:styleLbl name="fgImgPlace1">
+    <dgm:fillClrLst meth="repeat">
+      <a:schemeClr val="accent1">
+        <a:tint val="50000"/>
+      </a:schemeClr>
+    </dgm:fillClrLst>
+    <dgm:linClrLst meth="repeat">
+      <a:schemeClr val="lt1"/>
+    </dgm:linClrLst>
+    <dgm:effectClrLst/>
+    <dgm:txLinClrLst/>
+    <dgm:txFillClrLst meth="repeat">
+      <a:schemeClr val="lt1"/>
+    </dgm:txFillClrLst>
+    <dgm:txEffectClrLst/>
+  </dgm:styleLbl>
+  <dgm:styleLbl name="alignImgPlace1">
+    <dgm:fillClrLst meth="repeat">
+      <a:schemeClr val="accent1">
+        <a:tint val="50000"/>
+      </a:schemeClr>
+    </dgm:fillClrLst>
+    <dgm:linClrLst meth="repeat">
+      <a:schemeClr val="lt1"/>
+    </dgm:linClrLst>
+    <dgm:effectClrLst/>
+    <dgm:txLinClrLst/>
+    <dgm:txFillClrLst meth="repeat">
+      <a:schemeClr val="lt1"/>
+    </dgm:txFillClrLst>
+    <dgm:txEffectClrLst/>
+  </dgm:styleLbl>
+  <dgm:styleLbl name="bgImgPlace1">
+    <dgm:fillClrLst meth="repeat">
+      <a:schemeClr val="accent1">
+        <a:tint val="50000"/>
+      </a:schemeClr>
+    </dgm:fillClrLst>
+    <dgm:linClrLst meth="repeat">
+      <a:schemeClr val="lt1"/>
+    </dgm:linClrLst>
+    <dgm:effectClrLst/>
+    <dgm:txLinClrLst/>
+    <dgm:txFillClrLst meth="repeat">
+      <a:schemeClr val="lt1"/>
+    </dgm:txFillClrLst>
+    <dgm:txEffectClrLst/>
+  </dgm:styleLbl>
+  <dgm:styleLbl name="sibTrans2D1">
+    <dgm:fillClrLst meth="repeat">
+      <a:schemeClr val="accent1">
+        <a:tint val="60000"/>
+      </a:schemeClr>
+    </dgm:fillClrLst>
+    <dgm:linClrLst meth="repeat">
+      <a:schemeClr val="accent1">
+        <a:tint val="60000"/>
+      </a:schemeClr>
+    </dgm:linClrLst>
+    <dgm:effectClrLst/>
+    <dgm:txLinClrLst/>
+    <dgm:txFillClrLst/>
+    <dgm:txEffectClrLst/>
+  </dgm:styleLbl>
+  <dgm:styleLbl name="fgSibTrans2D1">
+    <dgm:fillClrLst meth="repeat">
+      <a:schemeClr val="accent1">
+        <a:tint val="60000"/>
+      </a:schemeClr>
+    </dgm:fillClrLst>
+    <dgm:linClrLst meth="repeat">
+      <a:schemeClr val="accent1">
+        <a:tint val="60000"/>
+      </a:schemeClr>
+    </dgm:linClrLst>
+    <dgm:effectClrLst/>
+    <dgm:txLinClrLst/>
+    <dgm:txFillClrLst/>
+    <dgm:txEffectClrLst/>
+  </dgm:styleLbl>
+  <dgm:styleLbl name="bgSibTrans2D1">
+    <dgm:fillClrLst meth="repeat">
+      <a:schemeClr val="accent1">
+        <a:tint val="60000"/>
+      </a:schemeClr>
+    </dgm:fillClrLst>
+    <dgm:linClrLst meth="repeat">
+      <a:schemeClr val="accent1">
+        <a:tint val="60000"/>
+      </a:schemeClr>
+    </dgm:linClrLst>
+    <dgm:effectClrLst/>
+    <dgm:txLinClrLst/>
+    <dgm:txFillClrLst/>
+    <dgm:txEffectClrLst/>
+  </dgm:styleLbl>
+  <dgm:styleLbl name="sibTrans1D1">
+    <dgm:fillClrLst meth="repeat">
+      <a:schemeClr val="accent1"/>
+    </dgm:fillClrLst>
+    <dgm:linClrLst meth="repeat">
+      <a:schemeClr val="accent1"/>
+    </dgm:linClrLst>
+    <dgm:effectClrLst/>
+    <dgm:txLinClrLst/>
+    <dgm:txFillClrLst meth="repeat">
+      <a:schemeClr val="tx1"/>
+    </dgm:txFillClrLst>
+    <dgm:txEffectClrLst/>
+  </dgm:styleLbl>
+  <dgm:styleLbl name="callout">
+    <dgm:fillClrLst meth="repeat">
+      <a:schemeClr val="accent1"/>
+    </dgm:fillClrLst>
+    <dgm:linClrLst meth="repeat">
+      <a:schemeClr val="accent1">
+        <a:tint val="50000"/>
+      </a:schemeClr>
+    </dgm:linClrLst>
+    <dgm:effectClrLst/>
+    <dgm:txLinClrLst/>
+    <dgm:txFillClrLst meth="repeat">
+      <a:schemeClr val="tx1"/>
+    </dgm:txFillClrLst>
+    <dgm:txEffectClrLst/>
+  </dgm:styleLbl>
+  <dgm:styleLbl name="asst0">
+    <dgm:fillClrLst meth="repeat">
+      <a:schemeClr val="accent1"/>
+    </dgm:fillClrLst>
+    <dgm:linClrLst meth="repeat">
+      <a:schemeClr val="lt1"/>
+    </dgm:linClrLst>
+    <dgm:effectClrLst/>
+    <dgm:txLinClrLst/>
+    <dgm:txFillClrLst/>
+    <dgm:txEffectClrLst/>
+  </dgm:styleLbl>
+  <dgm:styleLbl name="asst1">
+    <dgm:fillClrLst meth="repeat">
+      <a:schemeClr val="accent1"/>
+    </dgm:fillClrLst>
+    <dgm:linClrLst meth="repeat">
+      <a:schemeClr val="lt1"/>
+    </dgm:linClrLst>
+    <dgm:effectClrLst/>
+    <dgm:txLinClrLst/>
+    <dgm:txFillClrLst/>
+    <dgm:txEffectClrLst/>
+  </dgm:styleLbl>
+  <dgm:styleLbl name="asst2">
+    <dgm:fillClrLst meth="repeat">
+      <a:schemeClr val="accent1"/>
+    </dgm:fillClrLst>
+    <dgm:linClrLst meth="repeat">
+      <a:schemeClr val="lt1"/>
+    </dgm:linClrLst>
+    <dgm:effectClrLst/>
+    <dgm:txLinClrLst/>
+    <dgm:txFillClrLst/>
+    <dgm:txEffectClrLst/>
+  </dgm:styleLbl>
+  <dgm:styleLbl name="asst3">
+    <dgm:fillClrLst meth="repeat">
+      <a:schemeClr val="accent1"/>
+    </dgm:fillClrLst>
+    <dgm:linClrLst meth="repeat">
+      <a:schemeClr val="lt1"/>
+    </dgm:linClrLst>
+    <dgm:effectClrLst/>
+    <dgm:txLinClrLst/>
+    <dgm:txFillClrLst/>
+    <dgm:txEffectClrLst/>
+  </dgm:styleLbl>
+  <dgm:styleLbl name="asst4">
+    <dgm:fillClrLst meth="repeat">
+      <a:schemeClr val="accent1"/>
+    </dgm:fillClrLst>
+    <dgm:linClrLst meth="repeat">
+      <a:schemeClr val="lt1"/>
+    </dgm:linClrLst>
+    <dgm:effectClrLst/>
+    <dgm:txLinClrLst/>
+    <dgm:txFillClrLst/>
+    <dgm:txEffectClrLst/>
+  </dgm:styleLbl>
+  <dgm:styleLbl name="parChTrans2D1">
+    <dgm:fillClrLst meth="repeat">
+      <a:schemeClr val="accent1">
+        <a:tint val="60000"/>
+      </a:schemeClr>
+    </dgm:fillClrLst>
+    <dgm:linClrLst meth="repeat">
+      <a:schemeClr val="accent1">
+        <a:tint val="60000"/>
+      </a:schemeClr>
+    </dgm:linClrLst>
+    <dgm:effectClrLst/>
+    <dgm:txLinClrLst/>
+    <dgm:txFillClrLst meth="repeat">
+      <a:schemeClr val="lt1"/>
+    </dgm:txFillClrLst>
+    <dgm:txEffectClrLst/>
+  </dgm:styleLbl>
+  <dgm:styleLbl name="parChTrans2D2">
+    <dgm:fillClrLst meth="repeat">
+      <a:schemeClr val="accent1"/>
+    </dgm:fillClrLst>
+    <dgm:linClrLst meth="repeat">
+      <a:schemeClr val="accent1"/>
+    </dgm:linClrLst>
+    <dgm:effectClrLst/>
+    <dgm:txLinClrLst/>
+    <dgm:txFillClrLst meth="repeat">
+      <a:schemeClr val="lt1"/>
+    </dgm:txFillClrLst>
+    <dgm:txEffectClrLst/>
+  </dgm:styleLbl>
+  <dgm:styleLbl name="parChTrans2D3">
+    <dgm:fillClrLst meth="repeat">
+      <a:schemeClr val="accent1"/>
+    </dgm:fillClrLst>
+    <dgm:linClrLst meth="repeat">
+      <a:schemeClr val="accent1"/>
+    </dgm:linClrLst>
+    <dgm:effectClrLst/>
+    <dgm:txLinClrLst/>
+    <dgm:txFillClrLst meth="repeat">
+      <a:schemeClr val="lt1"/>
+    </dgm:txFillClrLst>
+    <dgm:txEffectClrLst/>
+  </dgm:styleLbl>
+  <dgm:styleLbl name="parChTrans2D4">
+    <dgm:fillClrLst meth="repeat">
+      <a:schemeClr val="accent1"/>
+    </dgm:fillClrLst>
+    <dgm:linClrLst meth="repeat">
+      <a:schemeClr val="accent1"/>
+    </dgm:linClrLst>
+    <dgm:effectClrLst/>
+    <dgm:txLinClrLst/>
+    <dgm:txFillClrLst meth="repeat">
+      <a:schemeClr val="lt1"/>
+    </dgm:txFillClrLst>
+    <dgm:txEffectClrLst/>
+  </dgm:styleLbl>
+  <dgm:styleLbl name="parChTrans1D1">
+    <dgm:fillClrLst meth="repeat">
+      <a:schemeClr val="accent1"/>
+    </dgm:fillClrLst>
+    <dgm:linClrLst meth="repeat">
+      <a:schemeClr val="accent1">
+        <a:shade val="60000"/>
+      </a:schemeClr>
+    </dgm:linClrLst>
+    <dgm:effectClrLst/>
+    <dgm:txLinClrLst/>
+    <dgm:txFillClrLst meth="repeat">
+      <a:schemeClr val="tx1"/>
+    </dgm:txFillClrLst>
+    <dgm:txEffectClrLst/>
+  </dgm:styleLbl>
+  <dgm:styleLbl name="parChTrans1D2">
+    <dgm:fillClrLst meth="repeat">
+      <a:schemeClr val="accent1"/>
+    </dgm:fillClrLst>
+    <dgm:linClrLst meth="repeat">
+      <a:schemeClr val="accent1">
+        <a:shade val="60000"/>
+      </a:schemeClr>
+    </dgm:linClrLst>
+    <dgm:effectClrLst/>
+    <dgm:txLinClrLst/>
+    <dgm:txFillClrLst meth="repeat">
+      <a:schemeClr val="tx1"/>
+    </dgm:txFillClrLst>
+    <dgm:txEffectClrLst/>
+  </dgm:styleLbl>
+  <dgm:styleLbl name="parChTrans1D3">
+    <dgm:fillClrLst meth="repeat">
+      <a:schemeClr val="accent1"/>
+    </dgm:fillClrLst>
+    <dgm:linClrLst meth="repeat">
+      <a:schemeClr val="accent1">
+        <a:shade val="80000"/>
+      </a:schemeClr>
+    </dgm:linClrLst>
+    <dgm:effectClrLst/>
+    <dgm:txLinClrLst/>
+    <dgm:txFillClrLst meth="repeat">
+      <a:schemeClr val="tx1"/>
+    </dgm:txFillClrLst>
+    <dgm:txEffectClrLst/>
+  </dgm:styleLbl>
+  <dgm:styleLbl name="parChTrans1D4">
+    <dgm:fillClrLst meth="repeat">
+      <a:schemeClr val="accent1"/>
+    </dgm:fillClrLst>
+    <dgm:linClrLst meth="repeat">
+      <a:schemeClr val="accent1">
+        <a:shade val="80000"/>
+      </a:schemeClr>
+    </dgm:linClrLst>
+    <dgm:effectClrLst/>
+    <dgm:txLinClrLst/>
+    <dgm:txFillClrLst meth="repeat">
+      <a:schemeClr val="tx1"/>
+    </dgm:txFillClrLst>
+    <dgm:txEffectClrLst/>
+  </dgm:styleLbl>
+  <dgm:styleLbl name="fgAcc1">
+    <dgm:fillClrLst meth="repeat">
+      <a:schemeClr val="lt1">
+        <a:alpha val="90000"/>
+      </a:schemeClr>
+    </dgm:fillClrLst>
+    <dgm:linClrLst meth="repeat">
+      <a:schemeClr val="accent1"/>
+    </dgm:linClrLst>
+    <dgm:effectClrLst/>
+    <dgm:txLinClrLst/>
+    <dgm:txFillClrLst meth="repeat">
+      <a:schemeClr val="dk1"/>
+    </dgm:txFillClrLst>
+    <dgm:txEffectClrLst/>
+  </dgm:styleLbl>
+  <dgm:styleLbl name="conFgAcc1">
+    <dgm:fillClrLst meth="repeat">
+      <a:schemeClr val="lt1">
+        <a:alpha val="90000"/>
+      </a:schemeClr>
+    </dgm:fillClrLst>
+    <dgm:linClrLst meth="repeat">
+      <a:schemeClr val="accent1"/>
+    </dgm:linClrLst>
+    <dgm:effectClrLst/>
+    <dgm:txLinClrLst/>
+    <dgm:txFillClrLst meth="repeat">
+      <a:schemeClr val="dk1"/>
+    </dgm:txFillClrLst>
+    <dgm:txEffectClrLst/>
+  </dgm:styleLbl>
+  <dgm:styleLbl name="alignAcc1">
+    <dgm:fillClrLst meth="repeat">
+      <a:schemeClr val="lt1">
+        <a:alpha val="90000"/>
+      </a:schemeClr>
+    </dgm:fillClrLst>
+    <dgm:linClrLst meth="repeat">
+      <a:schemeClr val="accent1"/>
+    </dgm:linClrLst>
+    <dgm:effectClrLst/>
+    <dgm:txLinClrLst/>
+    <dgm:txFillClrLst meth="repeat">
+      <a:schemeClr val="dk1"/>
+    </dgm:txFillClrLst>
+    <dgm:txEffectClrLst/>
+  </dgm:styleLbl>
+  <dgm:styleLbl name="trAlignAcc1">
+    <dgm:fillClrLst meth="repeat">
+      <a:schemeClr val="lt1">
+        <a:alpha val="40000"/>
+      </a:schemeClr>
+    </dgm:fillClrLst>
+    <dgm:linClrLst meth="repeat">
+      <a:schemeClr val="accent1"/>
+    </dgm:linClrLst>
+    <dgm:effectClrLst/>
+    <dgm:txLinClrLst/>
+    <dgm:txFillClrLst meth="repeat">
+      <a:schemeClr val="dk1"/>
+    </dgm:txFillClrLst>
+    <dgm:txEffectClrLst/>
+  </dgm:styleLbl>
+  <dgm:styleLbl name="bgAcc1">
+    <dgm:fillClrLst meth="repeat">
+      <a:schemeClr val="lt1">
+        <a:alpha val="90000"/>
+      </a:schemeClr>
+    </dgm:fillClrLst>
+    <dgm:linClrLst meth="repeat">
+      <a:schemeClr val="accent1"/>
+    </dgm:linClrLst>
+    <dgm:effectClrLst/>
+    <dgm:txLinClrLst/>
+    <dgm:txFillClrLst meth="repeat">
+      <a:schemeClr val="dk1"/>
+    </dgm:txFillClrLst>
+    <dgm:txEffectClrLst/>
+  </dgm:styleLbl>
+  <dgm:styleLbl name="solidFgAcc1">
+    <dgm:fillClrLst meth="repeat">
+      <a:schemeClr val="lt1"/>
+    </dgm:fillClrLst>
+    <dgm:linClrLst meth="repeat">
+      <a:schemeClr val="accent1"/>
+    </dgm:linClrLst>
+    <dgm:effectClrLst/>
+    <dgm:txLinClrLst/>
+    <dgm:txFillClrLst meth="repeat">
+      <a:schemeClr val="dk1"/>
+    </dgm:txFillClrLst>
+    <dgm:txEffectClrLst/>
+  </dgm:styleLbl>
+  <dgm:styleLbl name="solidAlignAcc1">
+    <dgm:fillClrLst meth="repeat">
+      <a:schemeClr val="lt1"/>
+    </dgm:fillClrLst>
+    <dgm:linClrLst meth="repeat">
+      <a:schemeClr val="accent1"/>
+    </dgm:linClrLst>
+    <dgm:effectClrLst/>
+    <dgm:txLinClrLst/>
+    <dgm:txFillClrLst meth="repeat">
+      <a:schemeClr val="dk1"/>
+    </dgm:txFillClrLst>
+    <dgm:txEffectClrLst/>
+  </dgm:styleLbl>
+  <dgm:styleLbl name="solidBgAcc1">
+    <dgm:fillClrLst meth="repeat">
+      <a:schemeClr val="lt1"/>
+    </dgm:fillClrLst>
+    <dgm:linClrLst meth="repeat">
+      <a:schemeClr val="accent1"/>
+    </dgm:linClrLst>
+    <dgm:effectClrLst/>
+    <dgm:txLinClrLst/>
+    <dgm:txFillClrLst meth="repeat">
+      <a:schemeClr val="dk1"/>
+    </dgm:txFillClrLst>
+    <dgm:txEffectClrLst/>
+  </dgm:styleLbl>
+  <dgm:styleLbl name="fgAccFollowNode1">
+    <dgm:fillClrLst meth="repeat">
+      <a:schemeClr val="accent1">
+        <a:alpha val="90000"/>
+        <a:tint val="40000"/>
+      </a:schemeClr>
+    </dgm:fillClrLst>
+    <dgm:linClrLst meth="repeat">
+      <a:schemeClr val="accent1">
+        <a:alpha val="90000"/>
+        <a:tint val="40000"/>
+      </a:schemeClr>
+    </dgm:linClrLst>
+    <dgm:effectClrLst/>
+    <dgm:txLinClrLst/>
+    <dgm:txFillClrLst meth="repeat">
+      <a:schemeClr val="dk1"/>
+    </dgm:txFillClrLst>
+    <dgm:txEffectClrLst/>
+  </dgm:styleLbl>
+  <dgm:styleLbl name="alignAccFollowNode1">
+    <dgm:fillClrLst meth="repeat">
+      <a:schemeClr val="accent1">
+        <a:alpha val="90000"/>
+        <a:tint val="40000"/>
+      </a:schemeClr>
+    </dgm:fillClrLst>
+    <dgm:linClrLst meth="repeat">
+      <a:schemeClr val="accent1">
+        <a:alpha val="90000"/>
+        <a:tint val="40000"/>
+      </a:schemeClr>
+    </dgm:linClrLst>
+    <dgm:effectClrLst/>
+    <dgm:txLinClrLst/>
+    <dgm:txFillClrLst meth="repeat">
+      <a:schemeClr val="dk1"/>
+    </dgm:txFillClrLst>
+    <dgm:txEffectClrLst/>
+  </dgm:styleLbl>
+  <dgm:styleLbl name="bgAccFollowNode1">
+    <dgm:fillClrLst meth="repeat">
+      <a:schemeClr val="accent1">
+        <a:alpha val="90000"/>
+        <a:tint val="40000"/>
+      </a:schemeClr>
+    </dgm:fillClrLst>
+    <dgm:linClrLst meth="repeat">
+      <a:schemeClr val="accent1">
+        <a:alpha val="90000"/>
+        <a:tint val="40000"/>
+      </a:schemeClr>
+    </dgm:linClrLst>
+    <dgm:effectClrLst/>
+    <dgm:txLinClrLst/>
+    <dgm:txFillClrLst meth="repeat">
+      <a:schemeClr val="dk1"/>
+    </dgm:txFillClrLst>
+    <dgm:txEffectClrLst/>
+  </dgm:styleLbl>
+  <dgm:styleLbl name="fgAcc0">
+    <dgm:fillClrLst meth="repeat">
+      <a:schemeClr val="lt1">
+        <a:alpha val="90000"/>
+      </a:schemeClr>
+    </dgm:fillClrLst>
+    <dgm:linClrLst meth="repeat">
+      <a:schemeClr val="accent1"/>
+    </dgm:linClrLst>
+    <dgm:effectClrLst/>
+    <dgm:txLinClrLst/>
+    <dgm:txFillClrLst meth="repeat">
+      <a:schemeClr val="dk1"/>
+    </dgm:txFillClrLst>
+    <dgm:txEffectClrLst/>
+  </dgm:styleLbl>
+  <dgm:styleLbl name="fgAcc2">
+    <dgm:fillClrLst meth="repeat">
+      <a:schemeClr val="lt1">
+        <a:alpha val="90000"/>
+      </a:schemeClr>
+    </dgm:fillClrLst>
+    <dgm:linClrLst meth="repeat">
+      <a:schemeClr val="accent1"/>
+    </dgm:linClrLst>
+    <dgm:effectClrLst/>
+    <dgm:txLinClrLst/>
+    <dgm:txFillClrLst meth="repeat">
+      <a:schemeClr val="dk1"/>
+    </dgm:txFillClrLst>
+    <dgm:txEffectClrLst/>
+  </dgm:styleLbl>
+  <dgm:styleLbl name="fgAcc3">
+    <dgm:fillClrLst meth="repeat">
+      <a:schemeClr val="lt1">
+        <a:alpha val="90000"/>
+      </a:schemeClr>
+    </dgm:fillClrLst>
+    <dgm:linClrLst meth="repeat">
+      <a:schemeClr val="accent1"/>
+    </dgm:linClrLst>
+    <dgm:effectClrLst/>
+    <dgm:txLinClrLst/>
+    <dgm:txFillClrLst meth="repeat">
+      <a:schemeClr val="dk1"/>
+    </dgm:txFillClrLst>
+    <dgm:txEffectClrLst/>
+  </dgm:styleLbl>
+  <dgm:styleLbl name="fgAcc4">
+    <dgm:fillClrLst meth="repeat">
+      <a:schemeClr val="lt1">
+        <a:alpha val="90000"/>
+      </a:schemeClr>
+    </dgm:fillClrLst>
+    <dgm:linClrLst meth="repeat">
+      <a:schemeClr val="accent1"/>
+    </dgm:linClrLst>
+    <dgm:effectClrLst/>
+    <dgm:txLinClrLst/>
+    <dgm:txFillClrLst meth="repeat">
+      <a:schemeClr val="dk1"/>
+    </dgm:txFillClrLst>
+    <dgm:txEffectClrLst/>
+  </dgm:styleLbl>
+  <dgm:styleLbl name="bgShp">
+    <dgm:fillClrLst meth="repeat">
+      <a:schemeClr val="accent1">
+        <a:tint val="40000"/>
+      </a:schemeClr>
+    </dgm:fillClrLst>
+    <dgm:linClrLst meth="repeat">
+      <a:schemeClr val="accent1"/>
+    </dgm:linClrLst>
+    <dgm:effectClrLst/>
+    <dgm:txLinClrLst/>
+    <dgm:txFillClrLst meth="repeat">
+      <a:schemeClr val="dk1"/>
+    </dgm:txFillClrLst>
+    <dgm:txEffectClrLst/>
+  </dgm:styleLbl>
+  <dgm:styleLbl name="dkBgShp">
+    <dgm:fillClrLst meth="repeat">
+      <a:schemeClr val="accent1">
+        <a:shade val="80000"/>
+      </a:schemeClr>
+    </dgm:fillClrLst>
+    <dgm:linClrLst meth="repeat">
+      <a:schemeClr val="accent1"/>
+    </dgm:linClrLst>
+    <dgm:effectClrLst/>
+    <dgm:txLinClrLst/>
+    <dgm:txFillClrLst meth="repeat">
+      <a:schemeClr val="lt1"/>
+    </dgm:txFillClrLst>
+    <dgm:txEffectClrLst/>
+  </dgm:styleLbl>
+  <dgm:styleLbl name="trBgShp">
+    <dgm:fillClrLst meth="repeat">
+      <a:schemeClr val="accent1">
+        <a:tint val="50000"/>
+        <a:alpha val="40000"/>
+      </a:schemeClr>
+    </dgm:fillClrLst>
+    <dgm:linClrLst meth="repeat">
+      <a:schemeClr val="accent1"/>
+    </dgm:linClrLst>
+    <dgm:effectClrLst/>
+    <dgm:txLinClrLst/>
+    <dgm:txFillClrLst meth="repeat">
+      <a:schemeClr val="lt1"/>
+    </dgm:txFillClrLst>
+    <dgm:txEffectClrLst/>
+  </dgm:styleLbl>
+  <dgm:styleLbl name="fgShp">
+    <dgm:fillClrLst meth="repeat">
+      <a:schemeClr val="accent1">
+        <a:tint val="60000"/>
+      </a:schemeClr>
+    </dgm:fillClrLst>
+    <dgm:linClrLst meth="repeat">
+      <a:schemeClr val="lt1"/>
+    </dgm:linClrLst>
+    <dgm:effectClrLst/>
+    <dgm:txLinClrLst/>
+    <dgm:txFillClrLst meth="repeat">
+      <a:schemeClr val="dk1"/>
+    </dgm:txFillClrLst>
+    <dgm:txEffectClrLst/>
+  </dgm:styleLbl>
+  <dgm:styleLbl name="revTx">
+    <dgm:fillClrLst meth="repeat">
+      <a:schemeClr val="lt1">
+        <a:alpha val="0"/>
+      </a:schemeClr>
+    </dgm:fillClrLst>
+    <dgm:linClrLst meth="repeat">
+      <a:schemeClr val="dk1">
+        <a:alpha val="0"/>
+      </a:schemeClr>
+    </dgm:linClrLst>
+    <dgm:effectClrLst/>
+    <dgm:txLinClrLst/>
+    <dgm:txFillClrLst meth="repeat">
+      <a:schemeClr val="tx1"/>
+    </dgm:txFillClrLst>
+    <dgm:txEffectClrLst/>
+  </dgm:styleLbl>
+</dgm:colorsDef>
+</file>
+
+<file path=ppt/diagrams/data1.xml><?xml version="1.0" encoding="utf-8"?>
+<dgm:dataModel xmlns:dgm="http://schemas.openxmlformats.org/drawingml/2006/diagram" xmlns:a="http://schemas.openxmlformats.org/drawingml/2006/main">
+  <dgm:ptLst>
+    <dgm:pt modelId="{FFD643A7-336B-4805-9ED1-8087F703DE31}" type="doc">
+      <dgm:prSet loTypeId="urn:microsoft.com/office/officeart/2005/8/layout/chevron1" loCatId="process" qsTypeId="urn:microsoft.com/office/officeart/2005/8/quickstyle/simple1" qsCatId="simple" csTypeId="urn:microsoft.com/office/officeart/2005/8/colors/accent1_2" csCatId="accent1" phldr="1"/>
+      <dgm:spPr/>
+    </dgm:pt>
+    <dgm:pt modelId="{676C322F-AD65-438D-AAC4-7EE7BE1D7C02}">
+      <dgm:prSet phldrT="[Text]"/>
+      <dgm:spPr>
+        <a:solidFill>
+          <a:srgbClr val="DB504A"/>
+        </a:solidFill>
+        <a:ln>
+          <a:solidFill>
+            <a:srgbClr val="F7E1D7"/>
+          </a:solidFill>
+        </a:ln>
+      </dgm:spPr>
+      <dgm:t>
+        <a:bodyPr/>
+        <a:lstStyle/>
+        <a:p>
+          <a:endParaRPr lang="it-IT" dirty="0"/>
+        </a:p>
+      </dgm:t>
+    </dgm:pt>
+    <dgm:pt modelId="{8E13336C-9657-4D8F-B4AA-5D560DA8CD45}" type="parTrans" cxnId="{98153164-6B62-4640-8175-DB78B4656616}">
+      <dgm:prSet/>
+      <dgm:spPr/>
+      <dgm:t>
+        <a:bodyPr/>
+        <a:lstStyle/>
+        <a:p>
+          <a:endParaRPr lang="it-IT"/>
+        </a:p>
+      </dgm:t>
+    </dgm:pt>
+    <dgm:pt modelId="{7A40D244-3343-44C4-AD18-98513E05B639}" type="sibTrans" cxnId="{98153164-6B62-4640-8175-DB78B4656616}">
+      <dgm:prSet/>
+      <dgm:spPr/>
+      <dgm:t>
+        <a:bodyPr/>
+        <a:lstStyle/>
+        <a:p>
+          <a:endParaRPr lang="it-IT"/>
+        </a:p>
+      </dgm:t>
+    </dgm:pt>
+    <dgm:pt modelId="{DE3E5DAD-25F0-48BD-9C18-13F90C75D9E2}">
+      <dgm:prSet phldrT="[Text]"/>
+      <dgm:spPr>
+        <a:solidFill>
+          <a:srgbClr val="252323"/>
+        </a:solidFill>
+        <a:ln>
+          <a:solidFill>
+            <a:srgbClr val="F7E1D7"/>
+          </a:solidFill>
+        </a:ln>
+      </dgm:spPr>
+      <dgm:t>
+        <a:bodyPr/>
+        <a:lstStyle/>
+        <a:p>
+          <a:endParaRPr lang="it-IT" dirty="0"/>
+        </a:p>
+      </dgm:t>
+    </dgm:pt>
+    <dgm:pt modelId="{137FCAE3-76B2-482C-B1A3-79F3788A2420}" type="parTrans" cxnId="{A7C8F65D-FC29-4932-969B-9C5F1CF8A167}">
+      <dgm:prSet/>
+      <dgm:spPr/>
+      <dgm:t>
+        <a:bodyPr/>
+        <a:lstStyle/>
+        <a:p>
+          <a:endParaRPr lang="it-IT"/>
+        </a:p>
+      </dgm:t>
+    </dgm:pt>
+    <dgm:pt modelId="{A028C154-8373-4D51-9638-39A00E76C6E9}" type="sibTrans" cxnId="{A7C8F65D-FC29-4932-969B-9C5F1CF8A167}">
+      <dgm:prSet/>
+      <dgm:spPr/>
+      <dgm:t>
+        <a:bodyPr/>
+        <a:lstStyle/>
+        <a:p>
+          <a:endParaRPr lang="it-IT"/>
+        </a:p>
+      </dgm:t>
+    </dgm:pt>
+    <dgm:pt modelId="{EFD11459-D1BD-4CC8-A356-7D96DC428135}">
+      <dgm:prSet phldrT="[Text]"/>
+      <dgm:spPr>
+        <a:solidFill>
+          <a:srgbClr val="252323"/>
+        </a:solidFill>
+        <a:ln>
+          <a:solidFill>
+            <a:srgbClr val="F7E1D7"/>
+          </a:solidFill>
+        </a:ln>
+      </dgm:spPr>
+      <dgm:t>
+        <a:bodyPr/>
+        <a:lstStyle/>
+        <a:p>
+          <a:endParaRPr lang="it-IT" dirty="0"/>
+        </a:p>
+      </dgm:t>
+    </dgm:pt>
+    <dgm:pt modelId="{3B88F768-3E8E-4F5C-94A5-4F818E7F5850}" type="parTrans" cxnId="{A7B6C3B1-7399-4764-8190-9546F65CD236}">
+      <dgm:prSet/>
+      <dgm:spPr/>
+      <dgm:t>
+        <a:bodyPr/>
+        <a:lstStyle/>
+        <a:p>
+          <a:endParaRPr lang="it-IT"/>
+        </a:p>
+      </dgm:t>
+    </dgm:pt>
+    <dgm:pt modelId="{8D286093-0B9E-4DF3-8857-5B13A4959E61}" type="sibTrans" cxnId="{A7B6C3B1-7399-4764-8190-9546F65CD236}">
+      <dgm:prSet/>
+      <dgm:spPr/>
+      <dgm:t>
+        <a:bodyPr/>
+        <a:lstStyle/>
+        <a:p>
+          <a:endParaRPr lang="it-IT"/>
+        </a:p>
+      </dgm:t>
+    </dgm:pt>
+    <dgm:pt modelId="{EAE272C1-1253-44B3-9C55-42FE31232EB4}">
+      <dgm:prSet phldrT="[Text]"/>
+      <dgm:spPr>
+        <a:solidFill>
+          <a:srgbClr val="252323"/>
+        </a:solidFill>
+        <a:ln>
+          <a:solidFill>
+            <a:srgbClr val="F7E1D7"/>
+          </a:solidFill>
+        </a:ln>
+      </dgm:spPr>
+      <dgm:t>
+        <a:bodyPr/>
+        <a:lstStyle/>
+        <a:p>
+          <a:endParaRPr lang="it-IT" dirty="0"/>
+        </a:p>
+      </dgm:t>
+    </dgm:pt>
+    <dgm:pt modelId="{F2BFFC0F-F7ED-45AF-AAF7-C7B773C68508}" type="parTrans" cxnId="{6236831A-B3FB-4AD9-905A-3D8BC921E48D}">
+      <dgm:prSet/>
+      <dgm:spPr/>
+      <dgm:t>
+        <a:bodyPr/>
+        <a:lstStyle/>
+        <a:p>
+          <a:endParaRPr lang="it-IT"/>
+        </a:p>
+      </dgm:t>
+    </dgm:pt>
+    <dgm:pt modelId="{5A40C90B-CE7F-453A-B958-5D6F7D7CA99C}" type="sibTrans" cxnId="{6236831A-B3FB-4AD9-905A-3D8BC921E48D}">
+      <dgm:prSet/>
+      <dgm:spPr/>
+      <dgm:t>
+        <a:bodyPr/>
+        <a:lstStyle/>
+        <a:p>
+          <a:endParaRPr lang="it-IT"/>
+        </a:p>
+      </dgm:t>
+    </dgm:pt>
+    <dgm:pt modelId="{99C4CEC4-1A4B-48BA-B6B5-B504666BDCAB}">
+      <dgm:prSet phldrT="[Text]"/>
+      <dgm:spPr>
+        <a:solidFill>
+          <a:srgbClr val="252323"/>
+        </a:solidFill>
+        <a:ln>
+          <a:solidFill>
+            <a:srgbClr val="F7E1D7"/>
+          </a:solidFill>
+        </a:ln>
+      </dgm:spPr>
+      <dgm:t>
+        <a:bodyPr/>
+        <a:lstStyle/>
+        <a:p>
+          <a:endParaRPr lang="it-IT" dirty="0"/>
+        </a:p>
+      </dgm:t>
+    </dgm:pt>
+    <dgm:pt modelId="{F3C23BA0-15D6-475B-AF03-2BC0ED8C88D5}" type="parTrans" cxnId="{8A3AC4EC-4939-4237-8AB2-6F8E5E9565C0}">
+      <dgm:prSet/>
+      <dgm:spPr/>
+      <dgm:t>
+        <a:bodyPr/>
+        <a:lstStyle/>
+        <a:p>
+          <a:endParaRPr lang="it-IT"/>
+        </a:p>
+      </dgm:t>
+    </dgm:pt>
+    <dgm:pt modelId="{4CB4831F-3802-432D-99B0-B9B0B9236A16}" type="sibTrans" cxnId="{8A3AC4EC-4939-4237-8AB2-6F8E5E9565C0}">
+      <dgm:prSet/>
+      <dgm:spPr/>
+      <dgm:t>
+        <a:bodyPr/>
+        <a:lstStyle/>
+        <a:p>
+          <a:endParaRPr lang="it-IT"/>
+        </a:p>
+      </dgm:t>
+    </dgm:pt>
+    <dgm:pt modelId="{53AB91C9-2406-4E02-97EF-F4E1AAE675D8}" type="pres">
+      <dgm:prSet presAssocID="{FFD643A7-336B-4805-9ED1-8087F703DE31}" presName="Name0" presStyleCnt="0">
+        <dgm:presLayoutVars>
+          <dgm:dir/>
+          <dgm:animLvl val="lvl"/>
+          <dgm:resizeHandles val="exact"/>
+        </dgm:presLayoutVars>
+      </dgm:prSet>
+      <dgm:spPr/>
+    </dgm:pt>
+    <dgm:pt modelId="{593830E4-AF55-4421-A70D-31D06DEF613E}" type="pres">
+      <dgm:prSet presAssocID="{676C322F-AD65-438D-AAC4-7EE7BE1D7C02}" presName="parTxOnly" presStyleLbl="node1" presStyleIdx="0" presStyleCnt="5">
+        <dgm:presLayoutVars>
+          <dgm:chMax val="0"/>
+          <dgm:chPref val="0"/>
+          <dgm:bulletEnabled val="1"/>
+        </dgm:presLayoutVars>
+      </dgm:prSet>
+      <dgm:spPr/>
+    </dgm:pt>
+    <dgm:pt modelId="{EAFA8BD8-6004-45C4-8FB7-9F98EE905008}" type="pres">
+      <dgm:prSet presAssocID="{7A40D244-3343-44C4-AD18-98513E05B639}" presName="parTxOnlySpace" presStyleCnt="0"/>
+      <dgm:spPr/>
+    </dgm:pt>
+    <dgm:pt modelId="{0EC64F66-D0DE-4A2D-8E92-150469111B48}" type="pres">
+      <dgm:prSet presAssocID="{DE3E5DAD-25F0-48BD-9C18-13F90C75D9E2}" presName="parTxOnly" presStyleLbl="node1" presStyleIdx="1" presStyleCnt="5">
+        <dgm:presLayoutVars>
+          <dgm:chMax val="0"/>
+          <dgm:chPref val="0"/>
+          <dgm:bulletEnabled val="1"/>
+        </dgm:presLayoutVars>
+      </dgm:prSet>
+      <dgm:spPr/>
+    </dgm:pt>
+    <dgm:pt modelId="{93E5753E-51BF-481C-B6E9-5D352E2F20B5}" type="pres">
+      <dgm:prSet presAssocID="{A028C154-8373-4D51-9638-39A00E76C6E9}" presName="parTxOnlySpace" presStyleCnt="0"/>
+      <dgm:spPr/>
+    </dgm:pt>
+    <dgm:pt modelId="{1F8530D6-3B90-4B4C-8EBF-CC7DDD2604CD}" type="pres">
+      <dgm:prSet presAssocID="{EFD11459-D1BD-4CC8-A356-7D96DC428135}" presName="parTxOnly" presStyleLbl="node1" presStyleIdx="2" presStyleCnt="5">
+        <dgm:presLayoutVars>
+          <dgm:chMax val="0"/>
+          <dgm:chPref val="0"/>
+          <dgm:bulletEnabled val="1"/>
+        </dgm:presLayoutVars>
+      </dgm:prSet>
+      <dgm:spPr/>
+    </dgm:pt>
+    <dgm:pt modelId="{935A4695-E30E-4614-A361-0CE80A01D8A4}" type="pres">
+      <dgm:prSet presAssocID="{8D286093-0B9E-4DF3-8857-5B13A4959E61}" presName="parTxOnlySpace" presStyleCnt="0"/>
+      <dgm:spPr/>
+    </dgm:pt>
+    <dgm:pt modelId="{0C10CB14-FC05-4684-AAEA-6111B309DB3E}" type="pres">
+      <dgm:prSet presAssocID="{99C4CEC4-1A4B-48BA-B6B5-B504666BDCAB}" presName="parTxOnly" presStyleLbl="node1" presStyleIdx="3" presStyleCnt="5">
+        <dgm:presLayoutVars>
+          <dgm:chMax val="0"/>
+          <dgm:chPref val="0"/>
+          <dgm:bulletEnabled val="1"/>
+        </dgm:presLayoutVars>
+      </dgm:prSet>
+      <dgm:spPr/>
+    </dgm:pt>
+    <dgm:pt modelId="{EC4132DB-39FC-43A8-BF3E-4D29AB7D6B8E}" type="pres">
+      <dgm:prSet presAssocID="{4CB4831F-3802-432D-99B0-B9B0B9236A16}" presName="parTxOnlySpace" presStyleCnt="0"/>
+      <dgm:spPr/>
+    </dgm:pt>
+    <dgm:pt modelId="{DE7F660E-299F-445D-A1AF-5D30E82320DB}" type="pres">
+      <dgm:prSet presAssocID="{EAE272C1-1253-44B3-9C55-42FE31232EB4}" presName="parTxOnly" presStyleLbl="node1" presStyleIdx="4" presStyleCnt="5">
+        <dgm:presLayoutVars>
+          <dgm:chMax val="0"/>
+          <dgm:chPref val="0"/>
+          <dgm:bulletEnabled val="1"/>
+        </dgm:presLayoutVars>
+      </dgm:prSet>
+      <dgm:spPr/>
+    </dgm:pt>
+  </dgm:ptLst>
+  <dgm:cxnLst>
+    <dgm:cxn modelId="{6236831A-B3FB-4AD9-905A-3D8BC921E48D}" srcId="{FFD643A7-336B-4805-9ED1-8087F703DE31}" destId="{EAE272C1-1253-44B3-9C55-42FE31232EB4}" srcOrd="4" destOrd="0" parTransId="{F2BFFC0F-F7ED-45AF-AAF7-C7B773C68508}" sibTransId="{5A40C90B-CE7F-453A-B958-5D6F7D7CA99C}"/>
+    <dgm:cxn modelId="{FD544022-9031-49A8-BFE2-DCD8EF23CFD2}" type="presOf" srcId="{FFD643A7-336B-4805-9ED1-8087F703DE31}" destId="{53AB91C9-2406-4E02-97EF-F4E1AAE675D8}" srcOrd="0" destOrd="0" presId="urn:microsoft.com/office/officeart/2005/8/layout/chevron1"/>
+    <dgm:cxn modelId="{1EC84526-A138-4AEA-9C17-C052BDAD2EF5}" type="presOf" srcId="{99C4CEC4-1A4B-48BA-B6B5-B504666BDCAB}" destId="{0C10CB14-FC05-4684-AAEA-6111B309DB3E}" srcOrd="0" destOrd="0" presId="urn:microsoft.com/office/officeart/2005/8/layout/chevron1"/>
+    <dgm:cxn modelId="{2A1E5A3D-D086-45D1-B3FB-EAE596F0EC22}" type="presOf" srcId="{676C322F-AD65-438D-AAC4-7EE7BE1D7C02}" destId="{593830E4-AF55-4421-A70D-31D06DEF613E}" srcOrd="0" destOrd="0" presId="urn:microsoft.com/office/officeart/2005/8/layout/chevron1"/>
+    <dgm:cxn modelId="{A7C8F65D-FC29-4932-969B-9C5F1CF8A167}" srcId="{FFD643A7-336B-4805-9ED1-8087F703DE31}" destId="{DE3E5DAD-25F0-48BD-9C18-13F90C75D9E2}" srcOrd="1" destOrd="0" parTransId="{137FCAE3-76B2-482C-B1A3-79F3788A2420}" sibTransId="{A028C154-8373-4D51-9638-39A00E76C6E9}"/>
+    <dgm:cxn modelId="{98153164-6B62-4640-8175-DB78B4656616}" srcId="{FFD643A7-336B-4805-9ED1-8087F703DE31}" destId="{676C322F-AD65-438D-AAC4-7EE7BE1D7C02}" srcOrd="0" destOrd="0" parTransId="{8E13336C-9657-4D8F-B4AA-5D560DA8CD45}" sibTransId="{7A40D244-3343-44C4-AD18-98513E05B639}"/>
+    <dgm:cxn modelId="{C8CAA96A-F349-450A-8F89-0563AF66BCFD}" type="presOf" srcId="{DE3E5DAD-25F0-48BD-9C18-13F90C75D9E2}" destId="{0EC64F66-D0DE-4A2D-8E92-150469111B48}" srcOrd="0" destOrd="0" presId="urn:microsoft.com/office/officeart/2005/8/layout/chevron1"/>
+    <dgm:cxn modelId="{DB78567E-98D5-471D-871D-BCF7D176F7BE}" type="presOf" srcId="{EAE272C1-1253-44B3-9C55-42FE31232EB4}" destId="{DE7F660E-299F-445D-A1AF-5D30E82320DB}" srcOrd="0" destOrd="0" presId="urn:microsoft.com/office/officeart/2005/8/layout/chevron1"/>
+    <dgm:cxn modelId="{A7B6C3B1-7399-4764-8190-9546F65CD236}" srcId="{FFD643A7-336B-4805-9ED1-8087F703DE31}" destId="{EFD11459-D1BD-4CC8-A356-7D96DC428135}" srcOrd="2" destOrd="0" parTransId="{3B88F768-3E8E-4F5C-94A5-4F818E7F5850}" sibTransId="{8D286093-0B9E-4DF3-8857-5B13A4959E61}"/>
+    <dgm:cxn modelId="{8A3AC4EC-4939-4237-8AB2-6F8E5E9565C0}" srcId="{FFD643A7-336B-4805-9ED1-8087F703DE31}" destId="{99C4CEC4-1A4B-48BA-B6B5-B504666BDCAB}" srcOrd="3" destOrd="0" parTransId="{F3C23BA0-15D6-475B-AF03-2BC0ED8C88D5}" sibTransId="{4CB4831F-3802-432D-99B0-B9B0B9236A16}"/>
+    <dgm:cxn modelId="{99CAF7F6-A390-4844-AD6F-5E70F4849039}" type="presOf" srcId="{EFD11459-D1BD-4CC8-A356-7D96DC428135}" destId="{1F8530D6-3B90-4B4C-8EBF-CC7DDD2604CD}" srcOrd="0" destOrd="0" presId="urn:microsoft.com/office/officeart/2005/8/layout/chevron1"/>
+    <dgm:cxn modelId="{64B2CD47-FE8F-4837-BA2D-8EF82C9DE748}" type="presParOf" srcId="{53AB91C9-2406-4E02-97EF-F4E1AAE675D8}" destId="{593830E4-AF55-4421-A70D-31D06DEF613E}" srcOrd="0" destOrd="0" presId="urn:microsoft.com/office/officeart/2005/8/layout/chevron1"/>
+    <dgm:cxn modelId="{DE37B07B-D885-485F-A577-C7FF18D92018}" type="presParOf" srcId="{53AB91C9-2406-4E02-97EF-F4E1AAE675D8}" destId="{EAFA8BD8-6004-45C4-8FB7-9F98EE905008}" srcOrd="1" destOrd="0" presId="urn:microsoft.com/office/officeart/2005/8/layout/chevron1"/>
+    <dgm:cxn modelId="{69F8C974-14CD-4038-87F7-4D4ED007182E}" type="presParOf" srcId="{53AB91C9-2406-4E02-97EF-F4E1AAE675D8}" destId="{0EC64F66-D0DE-4A2D-8E92-150469111B48}" srcOrd="2" destOrd="0" presId="urn:microsoft.com/office/officeart/2005/8/layout/chevron1"/>
+    <dgm:cxn modelId="{7C7DD9FE-926B-4A2D-ADC3-EB0E165DE053}" type="presParOf" srcId="{53AB91C9-2406-4E02-97EF-F4E1AAE675D8}" destId="{93E5753E-51BF-481C-B6E9-5D352E2F20B5}" srcOrd="3" destOrd="0" presId="urn:microsoft.com/office/officeart/2005/8/layout/chevron1"/>
+    <dgm:cxn modelId="{6E0F4CD9-15D4-4242-BC7F-B7DBA5F01B7C}" type="presParOf" srcId="{53AB91C9-2406-4E02-97EF-F4E1AAE675D8}" destId="{1F8530D6-3B90-4B4C-8EBF-CC7DDD2604CD}" srcOrd="4" destOrd="0" presId="urn:microsoft.com/office/officeart/2005/8/layout/chevron1"/>
+    <dgm:cxn modelId="{31D5D6AC-0E4A-4A32-9EE7-F7F87949EA1E}" type="presParOf" srcId="{53AB91C9-2406-4E02-97EF-F4E1AAE675D8}" destId="{935A4695-E30E-4614-A361-0CE80A01D8A4}" srcOrd="5" destOrd="0" presId="urn:microsoft.com/office/officeart/2005/8/layout/chevron1"/>
+    <dgm:cxn modelId="{FDC873BB-6BE6-4B40-8FEE-9E8D96D0908E}" type="presParOf" srcId="{53AB91C9-2406-4E02-97EF-F4E1AAE675D8}" destId="{0C10CB14-FC05-4684-AAEA-6111B309DB3E}" srcOrd="6" destOrd="0" presId="urn:microsoft.com/office/officeart/2005/8/layout/chevron1"/>
+    <dgm:cxn modelId="{9641D82F-A988-4074-8E30-4B265E3BF762}" type="presParOf" srcId="{53AB91C9-2406-4E02-97EF-F4E1AAE675D8}" destId="{EC4132DB-39FC-43A8-BF3E-4D29AB7D6B8E}" srcOrd="7" destOrd="0" presId="urn:microsoft.com/office/officeart/2005/8/layout/chevron1"/>
+    <dgm:cxn modelId="{9F41E474-DF4E-4474-9F69-B6FCB5B1B4C6}" type="presParOf" srcId="{53AB91C9-2406-4E02-97EF-F4E1AAE675D8}" destId="{DE7F660E-299F-445D-A1AF-5D30E82320DB}" srcOrd="8" destOrd="0" presId="urn:microsoft.com/office/officeart/2005/8/layout/chevron1"/>
+  </dgm:cxnLst>
+  <dgm:bg/>
+  <dgm:whole/>
+  <dgm:extLst>
+    <a:ext uri="http://schemas.microsoft.com/office/drawing/2008/diagram">
+      <dsp:dataModelExt xmlns:dsp="http://schemas.microsoft.com/office/drawing/2008/diagram" relId="rId6" minVer="http://schemas.openxmlformats.org/drawingml/2006/diagram"/>
+    </a:ext>
+  </dgm:extLst>
+</dgm:dataModel>
+</file>
+
+<file path=ppt/diagrams/drawing1.xml><?xml version="1.0" encoding="utf-8"?>
+<dsp:drawing xmlns:dgm="http://schemas.openxmlformats.org/drawingml/2006/diagram" xmlns:dsp="http://schemas.microsoft.com/office/drawing/2008/diagram" xmlns:a="http://schemas.openxmlformats.org/drawingml/2006/main">
+  <dsp:spTree>
+    <dsp:nvGrpSpPr>
+      <dsp:cNvPr id="0" name=""/>
+      <dsp:cNvGrpSpPr/>
+    </dsp:nvGrpSpPr>
+    <dsp:grpSpPr/>
+    <dsp:sp modelId="{593830E4-AF55-4421-A70D-31D06DEF613E}">
+      <dsp:nvSpPr>
+        <dsp:cNvPr id="0" name=""/>
+        <dsp:cNvSpPr/>
+      </dsp:nvSpPr>
+      <dsp:spPr>
+        <a:xfrm>
+          <a:off x="1350" y="239620"/>
+          <a:ext cx="1201545" cy="480618"/>
+        </a:xfrm>
+        <a:prstGeom prst="chevron">
+          <a:avLst/>
+        </a:prstGeom>
+        <a:solidFill>
+          <a:srgbClr val="DB504A"/>
+        </a:solidFill>
+        <a:ln w="12700" cap="flat" cmpd="sng" algn="ctr">
+          <a:solidFill>
+            <a:srgbClr val="F7E1D7"/>
+          </a:solidFill>
+          <a:prstDash val="solid"/>
+          <a:miter lim="800000"/>
+        </a:ln>
+        <a:effectLst/>
+      </dsp:spPr>
+      <dsp:style>
+        <a:lnRef idx="2">
+          <a:scrgbClr r="0" g="0" b="0"/>
+        </a:lnRef>
+        <a:fillRef idx="1">
+          <a:scrgbClr r="0" g="0" b="0"/>
+        </a:fillRef>
+        <a:effectRef idx="0">
+          <a:scrgbClr r="0" g="0" b="0"/>
+        </a:effectRef>
+        <a:fontRef idx="minor">
+          <a:schemeClr val="lt1"/>
+        </a:fontRef>
+      </dsp:style>
+      <dsp:txBody>
+        <a:bodyPr spcFirstLastPara="0" vert="horz" wrap="square" lIns="112014" tIns="37338" rIns="37338" bIns="37338" numCol="1" spcCol="1270" anchor="ctr" anchorCtr="0">
+          <a:noAutofit/>
+        </a:bodyPr>
+        <a:lstStyle/>
+        <a:p>
+          <a:pPr marL="0" lvl="0" indent="0" algn="ctr" defTabSz="1244600">
+            <a:lnSpc>
+              <a:spcPct val="90000"/>
+            </a:lnSpc>
+            <a:spcBef>
+              <a:spcPct val="0"/>
+            </a:spcBef>
+            <a:spcAft>
+              <a:spcPct val="35000"/>
+            </a:spcAft>
+            <a:buNone/>
+          </a:pPr>
+          <a:endParaRPr lang="it-IT" sz="2800" kern="1200" dirty="0"/>
+        </a:p>
+      </dsp:txBody>
+      <dsp:txXfrm>
+        <a:off x="241659" y="239620"/>
+        <a:ext cx="720927" cy="480618"/>
+      </dsp:txXfrm>
+    </dsp:sp>
+    <dsp:sp modelId="{0EC64F66-D0DE-4A2D-8E92-150469111B48}">
+      <dsp:nvSpPr>
+        <dsp:cNvPr id="0" name=""/>
+        <dsp:cNvSpPr/>
+      </dsp:nvSpPr>
+      <dsp:spPr>
+        <a:xfrm>
+          <a:off x="1082741" y="239620"/>
+          <a:ext cx="1201545" cy="480618"/>
+        </a:xfrm>
+        <a:prstGeom prst="chevron">
+          <a:avLst/>
+        </a:prstGeom>
+        <a:solidFill>
+          <a:srgbClr val="252323"/>
+        </a:solidFill>
+        <a:ln w="12700" cap="flat" cmpd="sng" algn="ctr">
+          <a:solidFill>
+            <a:srgbClr val="F7E1D7"/>
+          </a:solidFill>
+          <a:prstDash val="solid"/>
+          <a:miter lim="800000"/>
+        </a:ln>
+        <a:effectLst/>
+      </dsp:spPr>
+      <dsp:style>
+        <a:lnRef idx="2">
+          <a:scrgbClr r="0" g="0" b="0"/>
+        </a:lnRef>
+        <a:fillRef idx="1">
+          <a:scrgbClr r="0" g="0" b="0"/>
+        </a:fillRef>
+        <a:effectRef idx="0">
+          <a:scrgbClr r="0" g="0" b="0"/>
+        </a:effectRef>
+        <a:fontRef idx="minor">
+          <a:schemeClr val="lt1"/>
+        </a:fontRef>
+      </dsp:style>
+      <dsp:txBody>
+        <a:bodyPr spcFirstLastPara="0" vert="horz" wrap="square" lIns="112014" tIns="37338" rIns="37338" bIns="37338" numCol="1" spcCol="1270" anchor="ctr" anchorCtr="0">
+          <a:noAutofit/>
+        </a:bodyPr>
+        <a:lstStyle/>
+        <a:p>
+          <a:pPr marL="0" lvl="0" indent="0" algn="ctr" defTabSz="1244600">
+            <a:lnSpc>
+              <a:spcPct val="90000"/>
+            </a:lnSpc>
+            <a:spcBef>
+              <a:spcPct val="0"/>
+            </a:spcBef>
+            <a:spcAft>
+              <a:spcPct val="35000"/>
+            </a:spcAft>
+            <a:buNone/>
+          </a:pPr>
+          <a:endParaRPr lang="it-IT" sz="2800" kern="1200" dirty="0"/>
+        </a:p>
+      </dsp:txBody>
+      <dsp:txXfrm>
+        <a:off x="1323050" y="239620"/>
+        <a:ext cx="720927" cy="480618"/>
+      </dsp:txXfrm>
+    </dsp:sp>
+    <dsp:sp modelId="{1F8530D6-3B90-4B4C-8EBF-CC7DDD2604CD}">
+      <dsp:nvSpPr>
+        <dsp:cNvPr id="0" name=""/>
+        <dsp:cNvSpPr/>
+      </dsp:nvSpPr>
+      <dsp:spPr>
+        <a:xfrm>
+          <a:off x="2164132" y="239620"/>
+          <a:ext cx="1201545" cy="480618"/>
+        </a:xfrm>
+        <a:prstGeom prst="chevron">
+          <a:avLst/>
+        </a:prstGeom>
+        <a:solidFill>
+          <a:srgbClr val="252323"/>
+        </a:solidFill>
+        <a:ln w="12700" cap="flat" cmpd="sng" algn="ctr">
+          <a:solidFill>
+            <a:srgbClr val="F7E1D7"/>
+          </a:solidFill>
+          <a:prstDash val="solid"/>
+          <a:miter lim="800000"/>
+        </a:ln>
+        <a:effectLst/>
+      </dsp:spPr>
+      <dsp:style>
+        <a:lnRef idx="2">
+          <a:scrgbClr r="0" g="0" b="0"/>
+        </a:lnRef>
+        <a:fillRef idx="1">
+          <a:scrgbClr r="0" g="0" b="0"/>
+        </a:fillRef>
+        <a:effectRef idx="0">
+          <a:scrgbClr r="0" g="0" b="0"/>
+        </a:effectRef>
+        <a:fontRef idx="minor">
+          <a:schemeClr val="lt1"/>
+        </a:fontRef>
+      </dsp:style>
+      <dsp:txBody>
+        <a:bodyPr spcFirstLastPara="0" vert="horz" wrap="square" lIns="112014" tIns="37338" rIns="37338" bIns="37338" numCol="1" spcCol="1270" anchor="ctr" anchorCtr="0">
+          <a:noAutofit/>
+        </a:bodyPr>
+        <a:lstStyle/>
+        <a:p>
+          <a:pPr marL="0" lvl="0" indent="0" algn="ctr" defTabSz="1244600">
+            <a:lnSpc>
+              <a:spcPct val="90000"/>
+            </a:lnSpc>
+            <a:spcBef>
+              <a:spcPct val="0"/>
+            </a:spcBef>
+            <a:spcAft>
+              <a:spcPct val="35000"/>
+            </a:spcAft>
+            <a:buNone/>
+          </a:pPr>
+          <a:endParaRPr lang="it-IT" sz="2800" kern="1200" dirty="0"/>
+        </a:p>
+      </dsp:txBody>
+      <dsp:txXfrm>
+        <a:off x="2404441" y="239620"/>
+        <a:ext cx="720927" cy="480618"/>
+      </dsp:txXfrm>
+    </dsp:sp>
+    <dsp:sp modelId="{0C10CB14-FC05-4684-AAEA-6111B309DB3E}">
+      <dsp:nvSpPr>
+        <dsp:cNvPr id="0" name=""/>
+        <dsp:cNvSpPr/>
+      </dsp:nvSpPr>
+      <dsp:spPr>
+        <a:xfrm>
+          <a:off x="3245523" y="239620"/>
+          <a:ext cx="1201545" cy="480618"/>
+        </a:xfrm>
+        <a:prstGeom prst="chevron">
+          <a:avLst/>
+        </a:prstGeom>
+        <a:solidFill>
+          <a:srgbClr val="252323"/>
+        </a:solidFill>
+        <a:ln w="12700" cap="flat" cmpd="sng" algn="ctr">
+          <a:solidFill>
+            <a:srgbClr val="F7E1D7"/>
+          </a:solidFill>
+          <a:prstDash val="solid"/>
+          <a:miter lim="800000"/>
+        </a:ln>
+        <a:effectLst/>
+      </dsp:spPr>
+      <dsp:style>
+        <a:lnRef idx="2">
+          <a:scrgbClr r="0" g="0" b="0"/>
+        </a:lnRef>
+        <a:fillRef idx="1">
+          <a:scrgbClr r="0" g="0" b="0"/>
+        </a:fillRef>
+        <a:effectRef idx="0">
+          <a:scrgbClr r="0" g="0" b="0"/>
+        </a:effectRef>
+        <a:fontRef idx="minor">
+          <a:schemeClr val="lt1"/>
+        </a:fontRef>
+      </dsp:style>
+      <dsp:txBody>
+        <a:bodyPr spcFirstLastPara="0" vert="horz" wrap="square" lIns="112014" tIns="37338" rIns="37338" bIns="37338" numCol="1" spcCol="1270" anchor="ctr" anchorCtr="0">
+          <a:noAutofit/>
+        </a:bodyPr>
+        <a:lstStyle/>
+        <a:p>
+          <a:pPr marL="0" lvl="0" indent="0" algn="ctr" defTabSz="1244600">
+            <a:lnSpc>
+              <a:spcPct val="90000"/>
+            </a:lnSpc>
+            <a:spcBef>
+              <a:spcPct val="0"/>
+            </a:spcBef>
+            <a:spcAft>
+              <a:spcPct val="35000"/>
+            </a:spcAft>
+            <a:buNone/>
+          </a:pPr>
+          <a:endParaRPr lang="it-IT" sz="2800" kern="1200" dirty="0"/>
+        </a:p>
+      </dsp:txBody>
+      <dsp:txXfrm>
+        <a:off x="3485832" y="239620"/>
+        <a:ext cx="720927" cy="480618"/>
+      </dsp:txXfrm>
+    </dsp:sp>
+    <dsp:sp modelId="{DE7F660E-299F-445D-A1AF-5D30E82320DB}">
+      <dsp:nvSpPr>
+        <dsp:cNvPr id="0" name=""/>
+        <dsp:cNvSpPr/>
+      </dsp:nvSpPr>
+      <dsp:spPr>
+        <a:xfrm>
+          <a:off x="4326915" y="239620"/>
+          <a:ext cx="1201545" cy="480618"/>
+        </a:xfrm>
+        <a:prstGeom prst="chevron">
+          <a:avLst/>
+        </a:prstGeom>
+        <a:solidFill>
+          <a:srgbClr val="252323"/>
+        </a:solidFill>
+        <a:ln w="12700" cap="flat" cmpd="sng" algn="ctr">
+          <a:solidFill>
+            <a:srgbClr val="F7E1D7"/>
+          </a:solidFill>
+          <a:prstDash val="solid"/>
+          <a:miter lim="800000"/>
+        </a:ln>
+        <a:effectLst/>
+      </dsp:spPr>
+      <dsp:style>
+        <a:lnRef idx="2">
+          <a:scrgbClr r="0" g="0" b="0"/>
+        </a:lnRef>
+        <a:fillRef idx="1">
+          <a:scrgbClr r="0" g="0" b="0"/>
+        </a:fillRef>
+        <a:effectRef idx="0">
+          <a:scrgbClr r="0" g="0" b="0"/>
+        </a:effectRef>
+        <a:fontRef idx="minor">
+          <a:schemeClr val="lt1"/>
+        </a:fontRef>
+      </dsp:style>
+      <dsp:txBody>
+        <a:bodyPr spcFirstLastPara="0" vert="horz" wrap="square" lIns="112014" tIns="37338" rIns="37338" bIns="37338" numCol="1" spcCol="1270" anchor="ctr" anchorCtr="0">
+          <a:noAutofit/>
+        </a:bodyPr>
+        <a:lstStyle/>
+        <a:p>
+          <a:pPr marL="0" lvl="0" indent="0" algn="ctr" defTabSz="1244600">
+            <a:lnSpc>
+              <a:spcPct val="90000"/>
+            </a:lnSpc>
+            <a:spcBef>
+              <a:spcPct val="0"/>
+            </a:spcBef>
+            <a:spcAft>
+              <a:spcPct val="35000"/>
+            </a:spcAft>
+            <a:buNone/>
+          </a:pPr>
+          <a:endParaRPr lang="it-IT" sz="2800" kern="1200" dirty="0"/>
+        </a:p>
+      </dsp:txBody>
+      <dsp:txXfrm>
+        <a:off x="4567224" y="239620"/>
+        <a:ext cx="720927" cy="480618"/>
+      </dsp:txXfrm>
+    </dsp:sp>
+  </dsp:spTree>
+</dsp:drawing>
+</file>
+
+<file path=ppt/diagrams/layout1.xml><?xml version="1.0" encoding="utf-8"?>
+<dgm:layoutDef xmlns:dgm="http://schemas.openxmlformats.org/drawingml/2006/diagram" xmlns:a="http://schemas.openxmlformats.org/drawingml/2006/main" uniqueId="urn:microsoft.com/office/officeart/2005/8/layout/chevron1">
+  <dgm:title val=""/>
+  <dgm:desc val=""/>
+  <dgm:catLst>
+    <dgm:cat type="process" pri="9000"/>
+  </dgm:catLst>
+  <dgm:sampData useDef="1">
+    <dgm:dataModel>
+      <dgm:ptLst/>
+      <dgm:bg/>
+      <dgm:whole/>
+    </dgm:dataModel>
+  </dgm:sampData>
+  <dgm:styleData>
+    <dgm:dataModel>
+      <dgm:ptLst>
+        <dgm:pt modelId="0" type="doc"/>
+        <dgm:pt modelId="1"/>
+        <dgm:pt modelId="2"/>
+      </dgm:ptLst>
+      <dgm:cxnLst>
+        <dgm:cxn modelId="3" srcId="0" destId="1" srcOrd="0" destOrd="0"/>
+        <dgm:cxn modelId="4" srcId="0" destId="2" srcOrd="1" destOrd="0"/>
+      </dgm:cxnLst>
+      <dgm:bg/>
+      <dgm:whole/>
+    </dgm:dataModel>
+  </dgm:styleData>
+  <dgm:clrData>
+    <dgm:dataModel>
+      <dgm:ptLst>
+        <dgm:pt modelId="0" type="doc"/>
+        <dgm:pt modelId="1"/>
+        <dgm:pt modelId="2"/>
+        <dgm:pt modelId="3"/>
+        <dgm:pt modelId="4"/>
+      </dgm:ptLst>
+      <dgm:cxnLst>
+        <dgm:cxn modelId="5" srcId="0" destId="1" srcOrd="0" destOrd="0"/>
+        <dgm:cxn modelId="6" srcId="0" destId="2" srcOrd="1" destOrd="0"/>
+        <dgm:cxn modelId="7" srcId="0" destId="3" srcOrd="2" destOrd="0"/>
+        <dgm:cxn modelId="8" srcId="0" destId="4" srcOrd="3" destOrd="0"/>
+      </dgm:cxnLst>
+      <dgm:bg/>
+      <dgm:whole/>
+    </dgm:dataModel>
+  </dgm:clrData>
+  <dgm:layoutNode name="Name0">
+    <dgm:varLst>
+      <dgm:dir/>
+      <dgm:animLvl val="lvl"/>
+      <dgm:resizeHandles val="exact"/>
+    </dgm:varLst>
+    <dgm:choose name="Name1">
+      <dgm:if name="Name2" func="var" arg="dir" op="equ" val="norm">
+        <dgm:alg type="lin"/>
+      </dgm:if>
+      <dgm:else name="Name3">
+        <dgm:alg type="lin">
+          <dgm:param type="linDir" val="fromR"/>
+        </dgm:alg>
+      </dgm:else>
+    </dgm:choose>
+    <dgm:shape xmlns:r="http://schemas.openxmlformats.org/officeDocument/2006/relationships" r:blip="">
+      <dgm:adjLst/>
+    </dgm:shape>
+    <dgm:presOf/>
+    <dgm:choose name="Name4">
+      <dgm:if name="Name5" axis="des" func="maxDepth" op="gte" val="2">
+        <dgm:constrLst>
+          <dgm:constr type="h" for="ch" forName="composite" refType="h"/>
+          <dgm:constr type="w" for="ch" forName="composite" refType="w"/>
+          <dgm:constr type="w" for="des" forName="parTx"/>
+          <dgm:constr type="h" for="des" forName="parTx" op="equ"/>
+          <dgm:constr type="w" for="des" forName="desTx"/>
+          <dgm:constr type="h" for="des" forName="desTx" op="equ"/>
+          <dgm:constr type="primFontSz" for="des" forName="parTx" val="65"/>
+          <dgm:constr type="secFontSz" for="des" forName="desTx" refType="primFontSz" refFor="des" refForName="parTx" op="equ"/>
+          <dgm:constr type="h" for="des" forName="parTx" refType="primFontSz" refFor="des" refForName="parTx" fact="1.5"/>
+          <dgm:constr type="h" for="des" forName="desTx" refType="primFontSz" refFor="des" refForName="parTx" fact="0.5"/>
+          <dgm:constr type="w" for="ch" forName="space" op="equ" val="-6"/>
+        </dgm:constrLst>
+        <dgm:ruleLst>
+          <dgm:rule type="w" for="ch" forName="composite" val="0" fact="NaN" max="NaN"/>
+          <dgm:rule type="primFontSz" for="des" forName="parTx" val="5" fact="NaN" max="NaN"/>
+        </dgm:ruleLst>
+        <dgm:forEach name="Name6" axis="ch" ptType="node">
+          <dgm:layoutNode name="composite">
+            <dgm:alg type="composite"/>
+            <dgm:shape xmlns:r="http://schemas.openxmlformats.org/officeDocument/2006/relationships" r:blip="">
+              <dgm:adjLst/>
+            </dgm:shape>
+            <dgm:presOf/>
+            <dgm:choose name="Name7">
+              <dgm:if name="Name8" func="var" arg="dir" op="equ" val="norm">
+                <dgm:constrLst>
+                  <dgm:constr type="l" for="ch" forName="parTx"/>
+                  <dgm:constr type="w" for="ch" forName="parTx" refType="w"/>
+                  <dgm:constr type="t" for="ch" forName="parTx"/>
+                  <dgm:constr type="l" for="ch" forName="desTx"/>
+                  <dgm:constr type="w" for="ch" forName="desTx" refType="w" refFor="ch" refForName="parTx" fact="0.8"/>
+                  <dgm:constr type="t" for="ch" forName="desTx" refType="h" refFor="ch" refForName="parTx" fact="1.125"/>
+                </dgm:constrLst>
+              </dgm:if>
+              <dgm:else name="Name9">
+                <dgm:constrLst>
+                  <dgm:constr type="l" for="ch" forName="parTx"/>
+                  <dgm:constr type="w" for="ch" forName="parTx" refType="w"/>
+                  <dgm:constr type="t" for="ch" forName="parTx"/>
+                  <dgm:constr type="l" for="ch" forName="desTx" refType="w" fact="0.2"/>
+                  <dgm:constr type="w" for="ch" forName="desTx" refType="w" refFor="ch" refForName="parTx" fact="0.8"/>
+                  <dgm:constr type="t" for="ch" forName="desTx" refType="h" refFor="ch" refForName="parTx" fact="1.125"/>
+                </dgm:constrLst>
+              </dgm:else>
+            </dgm:choose>
+            <dgm:ruleLst>
+              <dgm:rule type="h" val="INF" fact="NaN" max="NaN"/>
+            </dgm:ruleLst>
+            <dgm:layoutNode name="parTx">
+              <dgm:varLst>
+                <dgm:chMax val="0"/>
+                <dgm:chPref val="0"/>
+                <dgm:bulletEnabled val="1"/>
+              </dgm:varLst>
+              <dgm:alg type="tx"/>
+              <dgm:choose name="Name10">
+                <dgm:if name="Name11" func="var" arg="dir" op="equ" val="norm">
+                  <dgm:shape xmlns:r="http://schemas.openxmlformats.org/officeDocument/2006/relationships" type="chevron" r:blip="">
+                    <dgm:adjLst/>
+                  </dgm:shape>
+                </dgm:if>
+                <dgm:else name="Name12">
+                  <dgm:shape xmlns:r="http://schemas.openxmlformats.org/officeDocument/2006/relationships" rot="180" type="chevron" r:blip="">
+                    <dgm:adjLst/>
+                  </dgm:shape>
+                </dgm:else>
+              </dgm:choose>
+              <dgm:presOf axis="self" ptType="node"/>
+              <dgm:choose name="Name13">
+                <dgm:if name="Name14" func="var" arg="dir" op="equ" val="norm">
+                  <dgm:constrLst>
+                    <dgm:constr type="h" refType="w" op="lte" fact="0.4"/>
+                    <dgm:constr type="h"/>
+                    <dgm:constr type="tMarg" refType="primFontSz" fact="0.105"/>
+                    <dgm:constr type="bMarg" refType="primFontSz" fact="0.105"/>
+                    <dgm:constr type="lMarg" refType="primFontSz" fact="0.315"/>
+                    <dgm:constr type="rMarg" refType="primFontSz" fact="0.105"/>
+                  </dgm:constrLst>
+                </dgm:if>
+                <dgm:else name="Name15">
+                  <dgm:constrLst>
+                    <dgm:constr type="h" refType="w" op="lte" fact="0.4"/>
+                    <dgm:constr type="h"/>
+                    <dgm:constr type="tMarg" refType="primFontSz" fact="0.105"/>
+                    <dgm:constr type="bMarg" refType="primFontSz" fact="0.105"/>
+                    <dgm:constr type="lMarg" refType="primFontSz" fact="0.105"/>
+                    <dgm:constr type="rMarg" refType="primFontSz" fact="0.315"/>
+                  </dgm:constrLst>
+                </dgm:else>
+              </dgm:choose>
+              <dgm:ruleLst>
+                <dgm:rule type="h" val="INF" fact="NaN" max="NaN"/>
+              </dgm:ruleLst>
+            </dgm:layoutNode>
+            <dgm:layoutNode name="desTx" styleLbl="revTx">
+              <dgm:varLst>
+                <dgm:bulletEnabled val="1"/>
+              </dgm:varLst>
+              <dgm:alg type="tx">
+                <dgm:param type="stBulletLvl" val="1"/>
+              </dgm:alg>
+              <dgm:choose name="Name16">
+                <dgm:if name="Name17" axis="ch" ptType="node" func="cnt" op="gte" val="1">
+                  <dgm:shape xmlns:r="http://schemas.openxmlformats.org/officeDocument/2006/relationships" type="rect" r:blip="">
+                    <dgm:adjLst/>
+                  </dgm:shape>
+                </dgm:if>
+                <dgm:else name="Name18">
+                  <dgm:shape xmlns:r="http://schemas.openxmlformats.org/officeDocument/2006/relationships" type="rect" r:blip="" hideGeom="1">
+                    <dgm:adjLst/>
+                  </dgm:shape>
+                </dgm:else>
+              </dgm:choose>
+              <dgm:presOf axis="des" ptType="node"/>
+              <dgm:constrLst>
+                <dgm:constr type="secFontSz" val="65"/>
+                <dgm:constr type="primFontSz" refType="secFontSz"/>
+                <dgm:constr type="h"/>
+                <dgm:constr type="tMarg"/>
+                <dgm:constr type="bMarg"/>
+                <dgm:constr type="rMarg"/>
+                <dgm:constr type="lMarg"/>
+              </dgm:constrLst>
+              <dgm:ruleLst>
+                <dgm:rule type="h" val="INF" fact="NaN" max="NaN"/>
+              </dgm:ruleLst>
+            </dgm:layoutNode>
+          </dgm:layoutNode>
+          <dgm:forEach name="Name19" axis="followSib" ptType="sibTrans" cnt="1">
+            <dgm:layoutNode name="space">
+              <dgm:alg type="sp"/>
+              <dgm:shape xmlns:r="http://schemas.openxmlformats.org/officeDocument/2006/relationships" r:blip="">
+                <dgm:adjLst/>
+              </dgm:shape>
+              <dgm:presOf/>
+              <dgm:constrLst/>
+              <dgm:ruleLst/>
+            </dgm:layoutNode>
+          </dgm:forEach>
+        </dgm:forEach>
+      </dgm:if>
+      <dgm:else name="Name20">
+        <dgm:constrLst>
+          <dgm:constr type="w" for="ch" forName="parTxOnly" refType="w"/>
+          <dgm:constr type="h" for="des" forName="parTxOnly" op="equ"/>
+          <dgm:constr type="primFontSz" for="des" forName="parTxOnly" op="equ" val="65"/>
+          <dgm:constr type="w" for="ch" forName="parTxOnlySpace" refType="w" refFor="ch" refForName="parTxOnly" fact="-0.1"/>
+        </dgm:constrLst>
+        <dgm:ruleLst/>
+        <dgm:forEach name="Name21" axis="ch" ptType="node">
+          <dgm:layoutNode name="parTxOnly">
+            <dgm:varLst>
+              <dgm:chMax val="0"/>
+              <dgm:chPref val="0"/>
+              <dgm:bulletEnabled val="1"/>
+            </dgm:varLst>
+            <dgm:alg type="tx"/>
+            <dgm:choose name="Name22">
+              <dgm:if name="Name23" func="var" arg="dir" op="equ" val="norm">
+                <dgm:shape xmlns:r="http://schemas.openxmlformats.org/officeDocument/2006/relationships" type="chevron" r:blip="">
+                  <dgm:adjLst/>
+                </dgm:shape>
+              </dgm:if>
+              <dgm:else name="Name24">
+                <dgm:shape xmlns:r="http://schemas.openxmlformats.org/officeDocument/2006/relationships" rot="180" type="chevron" r:blip="">
+                  <dgm:adjLst/>
+                </dgm:shape>
+              </dgm:else>
+            </dgm:choose>
+            <dgm:presOf axis="self" ptType="node"/>
+            <dgm:choose name="Name25">
+              <dgm:if name="Name26" func="var" arg="dir" op="equ" val="norm">
+                <dgm:constrLst>
+                  <dgm:constr type="h" refType="w" op="equ" fact="0.4"/>
+                  <dgm:constr type="tMarg" refType="primFontSz" fact="0.105"/>
+                  <dgm:constr type="bMarg" refType="primFontSz" fact="0.105"/>
+                  <dgm:constr type="lMarg" refType="primFontSz" fact="0.315"/>
+                  <dgm:constr type="rMarg" refType="primFontSz" fact="0.105"/>
+                </dgm:constrLst>
+              </dgm:if>
+              <dgm:else name="Name27">
+                <dgm:constrLst>
+                  <dgm:constr type="h" refType="w" op="equ" fact="0.4"/>
+                  <dgm:constr type="tMarg" refType="primFontSz" fact="0.105"/>
+                  <dgm:constr type="bMarg" refType="primFontSz" fact="0.105"/>
+                  <dgm:constr type="lMarg" refType="primFontSz" fact="0.105"/>
+                  <dgm:constr type="rMarg" refType="primFontSz" fact="0.315"/>
+                </dgm:constrLst>
+              </dgm:else>
+            </dgm:choose>
+            <dgm:ruleLst>
+              <dgm:rule type="primFontSz" val="5" fact="NaN" max="NaN"/>
+            </dgm:ruleLst>
+          </dgm:layoutNode>
+          <dgm:forEach name="Name28" axis="followSib" ptType="sibTrans" cnt="1">
+            <dgm:layoutNode name="parTxOnlySpace">
+              <dgm:alg type="sp"/>
+              <dgm:shape xmlns:r="http://schemas.openxmlformats.org/officeDocument/2006/relationships" r:blip="">
+                <dgm:adjLst/>
+              </dgm:shape>
+              <dgm:presOf/>
+              <dgm:constrLst/>
+              <dgm:ruleLst/>
+            </dgm:layoutNode>
+          </dgm:forEach>
+        </dgm:forEach>
+      </dgm:else>
+    </dgm:choose>
+  </dgm:layoutNode>
+</dgm:layoutDef>
+</file>
+
+<file path=ppt/diagrams/quickStyle1.xml><?xml version="1.0" encoding="utf-8"?>
+<dgm:styleDef xmlns:dgm="http://schemas.openxmlformats.org/drawingml/2006/diagram" xmlns:a="http://schemas.openxmlformats.org/drawingml/2006/main" uniqueId="urn:microsoft.com/office/officeart/2005/8/quickstyle/simple1">
+  <dgm:title val=""/>
+  <dgm:desc val=""/>
+  <dgm:catLst>
+    <dgm:cat type="simple" pri="10100"/>
+  </dgm:catLst>
+  <dgm:scene3d>
+    <a:camera prst="orthographicFront"/>
+    <a:lightRig rig="threePt" dir="t"/>
+  </dgm:scene3d>
+  <dgm:styleLbl name="node0">
+    <dgm:scene3d>
+      <a:camera prst="orthographicFront"/>
+      <a:lightRig rig="threePt" dir="t"/>
+    </dgm:scene3d>
+    <dgm:sp3d/>
+    <dgm:txPr/>
+    <dgm:style>
+      <a:lnRef idx="2">
+        <a:scrgbClr r="0" g="0" b="0"/>
+      </a:lnRef>
+      <a:fillRef idx="1">
+        <a:scrgbClr r="0" g="0" b="0"/>
+      </a:fillRef>
+      <a:effectRef idx="0">
+        <a:scrgbClr r="0" g="0" b="0"/>
+      </a:effectRef>
+      <a:fontRef idx="minor">
+        <a:schemeClr val="lt1"/>
+      </a:fontRef>
+    </dgm:style>
+  </dgm:styleLbl>
+  <dgm:styleLbl name="lnNode1">
+    <dgm:scene3d>
+      <a:camera prst="orthographicFront"/>
+      <a:lightRig rig="threePt" dir="t"/>
+    </dgm:scene3d>
+    <dgm:sp3d/>
+    <dgm:txPr/>
+    <dgm:style>
+      <a:lnRef idx="2">
+        <a:scrgbClr r="0" g="0" b="0"/>
+      </a:lnRef>
+      <a:fillRef idx="1">
+        <a:scrgbClr r="0" g="0" b="0"/>
+      </a:fillRef>
+      <a:effectRef idx="0">
+        <a:scrgbClr r="0" g="0" b="0"/>
+      </a:effectRef>
+      <a:fontRef idx="minor">
+        <a:schemeClr val="lt1"/>
+      </a:fontRef>
+    </dgm:style>
+  </dgm:styleLbl>
+  <dgm:styleLbl name="vennNode1">
+    <dgm:scene3d>
+      <a:camera prst="orthographicFront"/>
+      <a:lightRig rig="threePt" dir="t"/>
+    </dgm:scene3d>
+    <dgm:sp3d/>
+    <dgm:txPr/>
+    <dgm:style>
+      <a:lnRef idx="2">
+        <a:scrgbClr r="0" g="0" b="0"/>
+      </a:lnRef>
+      <a:fillRef idx="1">
+        <a:scrgbClr r="0" g="0" b="0"/>
+      </a:fillRef>
+      <a:effectRef idx="0">
+        <a:scrgbClr r="0" g="0" b="0"/>
+      </a:effectRef>
+      <a:fontRef idx="minor">
+        <a:schemeClr val="tx1"/>
+      </a:fontRef>
+    </dgm:style>
+  </dgm:styleLbl>
+  <dgm:styleLbl name="alignNode1">
+    <dgm:scene3d>
+      <a:camera prst="orthographicFront"/>
+      <a:lightRig rig="threePt" dir="t"/>
+    </dgm:scene3d>
+    <dgm:sp3d/>
+    <dgm:txPr/>
+    <dgm:style>
+      <a:lnRef idx="2">
+        <a:scrgbClr r="0" g="0" b="0"/>
+      </a:lnRef>
+      <a:fillRef idx="1">
+        <a:scrgbClr r="0" g="0" b="0"/>
+      </a:fillRef>
+      <a:effectRef idx="0">
+        <a:scrgbClr r="0" g="0" b="0"/>
+      </a:effectRef>
+      <a:fontRef idx="minor">
+        <a:schemeClr val="lt1"/>
+      </a:fontRef>
+    </dgm:style>
+  </dgm:styleLbl>
+  <dgm:styleLbl name="node1">
+    <dgm:scene3d>
+      <a:camera prst="orthographicFront"/>
+      <a:lightRig rig="threePt" dir="t"/>
+    </dgm:scene3d>
+    <dgm:sp3d/>
+    <dgm:txPr/>
+    <dgm:style>
+      <a:lnRef idx="2">
+        <a:scrgbClr r="0" g="0" b="0"/>
+      </a:lnRef>
+      <a:fillRef idx="1">
+        <a:scrgbClr r="0" g="0" b="0"/>
+      </a:fillRef>
+      <a:effectRef idx="0">
+        <a:scrgbClr r="0" g="0" b="0"/>
+      </a:effectRef>
+      <a:fontRef idx="minor">
+        <a:schemeClr val="lt1"/>
+      </a:fontRef>
+    </dgm:style>
+  </dgm:styleLbl>
+  <dgm:styleLbl name="node2">
+    <dgm:scene3d>
+      <a:camera prst="orthographicFront"/>
+      <a:lightRig rig="threePt" dir="t"/>
+    </dgm:scene3d>
+    <dgm:sp3d/>
+    <dgm:txPr/>
+    <dgm:style>
+      <a:lnRef idx="2">
+        <a:scrgbClr r="0" g="0" b="0"/>
+      </a:lnRef>
+      <a:fillRef idx="1">
+        <a:scrgbClr r="0" g="0" b="0"/>
+      </a:fillRef>
+      <a:effectRef idx="0">
+        <a:scrgbClr r="0" g="0" b="0"/>
+      </a:effectRef>
+      <a:fontRef idx="minor">
+        <a:schemeClr val="lt1"/>
+      </a:fontRef>
+    </dgm:style>
+  </dgm:styleLbl>
+  <dgm:styleLbl name="node3">
+    <dgm:scene3d>
+      <a:camera prst="orthographicFront"/>
+      <a:lightRig rig="threePt" dir="t"/>
+    </dgm:scene3d>
+    <dgm:sp3d/>
+    <dgm:txPr/>
+    <dgm:style>
+      <a:lnRef idx="2">
+        <a:scrgbClr r="0" g="0" b="0"/>
+      </a:lnRef>
+      <a:fillRef idx="1">
+        <a:scrgbClr r="0" g="0" b="0"/>
+      </a:fillRef>
+      <a:effectRef idx="0">
+        <a:scrgbClr r="0" g="0" b="0"/>
+      </a:effectRef>
+      <a:fontRef idx="minor">
+        <a:schemeClr val="lt1"/>
+      </a:fontRef>
+    </dgm:style>
+  </dgm:styleLbl>
+  <dgm:styleLbl name="node4">
+    <dgm:scene3d>
+      <a:camera prst="orthographicFront"/>
+      <a:lightRig rig="threePt" dir="t"/>
+    </dgm:scene3d>
+    <dgm:sp3d/>
+    <dgm:txPr/>
+    <dgm:style>
+      <a:lnRef idx="2">
+        <a:scrgbClr r="0" g="0" b="0"/>
+      </a:lnRef>
+      <a:fillRef idx="1">
+        <a:scrgbClr r="0" g="0" b="0"/>
+      </a:fillRef>
+      <a:effectRef idx="0">
+        <a:scrgbClr r="0" g="0" b="0"/>
+      </a:effectRef>
+      <a:fontRef idx="minor">
+        <a:schemeClr val="lt1"/>
+      </a:fontRef>
+    </dgm:style>
+  </dgm:styleLbl>
+  <dgm:styleLbl name="fgImgPlace1">
+    <dgm:scene3d>
+      <a:camera prst="orthographicFront"/>
+      <a:lightRig rig="threePt" dir="t"/>
+    </dgm:scene3d>
+    <dgm:sp3d/>
+    <dgm:txPr/>
+    <dgm:style>
+      <a:lnRef idx="2">
+        <a:scrgbClr r="0" g="0" b="0"/>
+      </a:lnRef>
+      <a:fillRef idx="1">
+        <a:scrgbClr r="0" g="0" b="0"/>
+      </a:fillRef>
+      <a:effectRef idx="0">
+        <a:scrgbClr r="0" g="0" b="0"/>
+      </a:effectRef>
+      <a:fontRef idx="minor"/>
+    </dgm:style>
+  </dgm:styleLbl>
+  <dgm:styleLbl name="alignImgPlace1">
+    <dgm:scene3d>
+      <a:camera prst="orthographicFront"/>
+      <a:lightRig rig="threePt" dir="t"/>
+    </dgm:scene3d>
+    <dgm:sp3d/>
+    <dgm:txPr/>
+    <dgm:style>
+      <a:lnRef idx="2">
+        <a:scrgbClr r="0" g="0" b="0"/>
+      </a:lnRef>
+      <a:fillRef idx="1">
+        <a:scrgbClr r="0" g="0" b="0"/>
+      </a:fillRef>
+      <a:effectRef idx="0">
+        <a:scrgbClr r="0" g="0" b="0"/>
+      </a:effectRef>
+      <a:fontRef idx="minor"/>
+    </dgm:style>
+  </dgm:styleLbl>
+  <dgm:styleLbl name="bgImgPlace1">
+    <dgm:scene3d>
+      <a:camera prst="orthographicFront"/>
+      <a:lightRig rig="threePt" dir="t"/>
+    </dgm:scene3d>
+    <dgm:sp3d/>
+    <dgm:txPr/>
+    <dgm:style>
+      <a:lnRef idx="2">
+        <a:scrgbClr r="0" g="0" b="0"/>
+      </a:lnRef>
+      <a:fillRef idx="1">
+        <a:scrgbClr r="0" g="0" b="0"/>
+      </a:fillRef>
+      <a:effectRef idx="0">
+        <a:scrgbClr r="0" g="0" b="0"/>
+      </a:effectRef>
+      <a:fontRef idx="minor"/>
+    </dgm:style>
+  </dgm:styleLbl>
+  <dgm:styleLbl name="sibTrans2D1">
+    <dgm:scene3d>
+      <a:camera prst="orthographicFront"/>
+      <a:lightRig rig="threePt" dir="t"/>
+    </dgm:scene3d>
+    <dgm:sp3d/>
+    <dgm:txPr/>
+    <dgm:style>
+      <a:lnRef idx="0">
+        <a:scrgbClr r="0" g="0" b="0"/>
+      </a:lnRef>
+      <a:fillRef idx="1">
+        <a:scrgbClr r="0" g="0" b="0"/>
+      </a:fillRef>
+      <a:effectRef idx="0">
+        <a:scrgbClr r="0" g="0" b="0"/>
+      </a:effectRef>
+      <a:fontRef idx="minor">
+        <a:schemeClr val="lt1"/>
+      </a:fontRef>
+    </dgm:style>
+  </dgm:styleLbl>
+  <dgm:styleLbl name="fgSibTrans2D1">
+    <dgm:scene3d>
+      <a:camera prst="orthographicFront"/>
+      <a:lightRig rig="threePt" dir="t"/>
+    </dgm:scene3d>
+    <dgm:sp3d/>
+    <dgm:txPr/>
+    <dgm:style>
+      <a:lnRef idx="0">
+        <a:scrgbClr r="0" g="0" b="0"/>
+      </a:lnRef>
+      <a:fillRef idx="1">
+        <a:scrgbClr r="0" g="0" b="0"/>
+      </a:fillRef>
+      <a:effectRef idx="0">
+        <a:scrgbClr r="0" g="0" b="0"/>
+      </a:effectRef>
+      <a:fontRef idx="minor">
+        <a:schemeClr val="lt1"/>
+      </a:fontRef>
+    </dgm:style>
+  </dgm:styleLbl>
+  <dgm:styleLbl name="bgSibTrans2D1">
+    <dgm:scene3d>
+      <a:camera prst="orthographicFront"/>
+      <a:lightRig rig="threePt" dir="t"/>
+    </dgm:scene3d>
+    <dgm:sp3d/>
+    <dgm:txPr/>
+    <dgm:style>
+      <a:lnRef idx="0">
+        <a:scrgbClr r="0" g="0" b="0"/>
+      </a:lnRef>
+      <a:fillRef idx="1">
+        <a:scrgbClr r="0" g="0" b="0"/>
+      </a:fillRef>
+      <a:effectRef idx="0">
+        <a:scrgbClr r="0" g="0" b="0"/>
+      </a:effectRef>
+      <a:fontRef idx="minor">
+        <a:schemeClr val="lt1"/>
+      </a:fontRef>
+    </dgm:style>
+  </dgm:styleLbl>
+  <dgm:styleLbl name="sibTrans1D1">
+    <dgm:scene3d>
+      <a:camera prst="orthographicFront"/>
+      <a:lightRig rig="threePt" dir="t"/>
+    </dgm:scene3d>
+    <dgm:sp3d/>
+    <dgm:txPr/>
+    <dgm:style>
+      <a:lnRef idx="1">
+        <a:scrgbClr r="0" g="0" b="0"/>
+      </a:lnRef>
+      <a:fillRef idx="0">
+        <a:scrgbClr r="0" g="0" b="0"/>
+      </a:fillRef>
+      <a:effectRef idx="0">
+        <a:scrgbClr r="0" g="0" b="0"/>
+      </a:effectRef>
+      <a:fontRef idx="minor"/>
+    </dgm:style>
+  </dgm:styleLbl>
+  <dgm:styleLbl name="callout">
+    <dgm:scene3d>
+      <a:camera prst="orthographicFront"/>
+      <a:lightRig rig="threePt" dir="t"/>
+    </dgm:scene3d>
+    <dgm:sp3d/>
+    <dgm:txPr/>
+    <dgm:style>
+      <a:lnRef idx="2">
+        <a:scrgbClr r="0" g="0" b="0"/>
+      </a:lnRef>
+      <a:fillRef idx="1">
+        <a:scrgbClr r="0" g="0" b="0"/>
+      </a:fillRef>
+      <a:effectRef idx="0">
+        <a:scrgbClr r="0" g="0" b="0"/>
+      </a:effectRef>
+      <a:fontRef idx="minor"/>
+    </dgm:style>
+  </dgm:styleLbl>
+  <dgm:styleLbl name="asst0">
+    <dgm:scene3d>
+      <a:camera prst="orthographicFront"/>
+      <a:lightRig rig="threePt" dir="t"/>
+    </dgm:scene3d>
+    <dgm:sp3d/>
+    <dgm:txPr/>
+    <dgm:style>
+      <a:lnRef idx="2">
+        <a:scrgbClr r="0" g="0" b="0"/>
+      </a:lnRef>
+      <a:fillRef idx="1">
+        <a:scrgbClr r="0" g="0" b="0"/>
+      </a:fillRef>
+      <a:effectRef idx="0">
+        <a:scrgbClr r="0" g="0" b="0"/>
+      </a:effectRef>
+      <a:fontRef idx="minor">
+        <a:schemeClr val="lt1"/>
+      </a:fontRef>
+    </dgm:style>
+  </dgm:styleLbl>
+  <dgm:styleLbl name="asst1">
+    <dgm:scene3d>
+      <a:camera prst="orthographicFront"/>
+      <a:lightRig rig="threePt" dir="t"/>
+    </dgm:scene3d>
+    <dgm:sp3d/>
+    <dgm:txPr/>
+    <dgm:style>
+      <a:lnRef idx="2">
+        <a:scrgbClr r="0" g="0" b="0"/>
+      </a:lnRef>
+      <a:fillRef idx="1">
+        <a:scrgbClr r="0" g="0" b="0"/>
+      </a:fillRef>
+      <a:effectRef idx="0">
+        <a:scrgbClr r="0" g="0" b="0"/>
+      </a:effectRef>
+      <a:fontRef idx="minor">
+        <a:schemeClr val="lt1"/>
+      </a:fontRef>
+    </dgm:style>
+  </dgm:styleLbl>
+  <dgm:styleLbl name="asst2">
+    <dgm:scene3d>
+      <a:camera prst="orthographicFront"/>
+      <a:lightRig rig="threePt" dir="t"/>
+    </dgm:scene3d>
+    <dgm:sp3d/>
+    <dgm:txPr/>
+    <dgm:style>
+      <a:lnRef idx="2">
+        <a:scrgbClr r="0" g="0" b="0"/>
+      </a:lnRef>
+      <a:fillRef idx="1">
+        <a:scrgbClr r="0" g="0" b="0"/>
+      </a:fillRef>
+      <a:effectRef idx="0">
+        <a:scrgbClr r="0" g="0" b="0"/>
+      </a:effectRef>
+      <a:fontRef idx="minor">
+        <a:schemeClr val="lt1"/>
+      </a:fontRef>
+    </dgm:style>
+  </dgm:styleLbl>
+  <dgm:styleLbl name="asst3">
+    <dgm:scene3d>
+      <a:camera prst="orthographicFront"/>
+      <a:lightRig rig="threePt" dir="t"/>
+    </dgm:scene3d>
+    <dgm:sp3d/>
+    <dgm:txPr/>
+    <dgm:style>
+      <a:lnRef idx="2">
+        <a:scrgbClr r="0" g="0" b="0"/>
+      </a:lnRef>
+      <a:fillRef idx="1">
+        <a:scrgbClr r="0" g="0" b="0"/>
+      </a:fillRef>
+      <a:effectRef idx="0">
+        <a:scrgbClr r="0" g="0" b="0"/>
+      </a:effectRef>
+      <a:fontRef idx="minor">
+        <a:schemeClr val="lt1"/>
+      </a:fontRef>
+    </dgm:style>
+  </dgm:styleLbl>
+  <dgm:styleLbl name="asst4">
+    <dgm:scene3d>
+      <a:camera prst="orthographicFront"/>
+      <a:lightRig rig="threePt" dir="t"/>
+    </dgm:scene3d>
+    <dgm:sp3d/>
+    <dgm:txPr/>
+    <dgm:style>
+      <a:lnRef idx="2">
+        <a:scrgbClr r="0" g="0" b="0"/>
+      </a:lnRef>
+      <a:fillRef idx="1">
+        <a:scrgbClr r="0" g="0" b="0"/>
+      </a:fillRef>
+      <a:effectRef idx="0">
+        <a:scrgbClr r="0" g="0" b="0"/>
+      </a:effectRef>
+      <a:fontRef idx="minor">
+        <a:schemeClr val="lt1"/>
+      </a:fontRef>
+    </dgm:style>
+  </dgm:styleLbl>
+  <dgm:styleLbl name="parChTrans2D1">
+    <dgm:scene3d>
+      <a:camera prst="orthographicFront"/>
+      <a:lightRig rig="threePt" dir="t"/>
+    </dgm:scene3d>
+    <dgm:sp3d/>
+    <dgm:txPr/>
+    <dgm:style>
+      <a:lnRef idx="2">
+        <a:scrgbClr r="0" g="0" b="0"/>
+      </a:lnRef>
+      <a:fillRef idx="1">
+        <a:scrgbClr r="0" g="0" b="0"/>
+      </a:fillRef>
+      <a:effectRef idx="0">
+        <a:scrgbClr r="0" g="0" b="0"/>
+      </a:effectRef>
+      <a:fontRef idx="minor">
+        <a:schemeClr val="lt1"/>
+      </a:fontRef>
+    </dgm:style>
+  </dgm:styleLbl>
+  <dgm:styleLbl name="parChTrans2D2">
+    <dgm:scene3d>
+      <a:camera prst="orthographicFront"/>
+      <a:lightRig rig="threePt" dir="t"/>
+    </dgm:scene3d>
+    <dgm:sp3d/>
+    <dgm:txPr/>
+    <dgm:style>
+      <a:lnRef idx="2">
+        <a:scrgbClr r="0" g="0" b="0"/>
+      </a:lnRef>
+      <a:fillRef idx="1">
+        <a:scrgbClr r="0" g="0" b="0"/>
+      </a:fillRef>
+      <a:effectRef idx="0">
+        <a:scrgbClr r="0" g="0" b="0"/>
+      </a:effectRef>
+      <a:fontRef idx="minor">
+        <a:schemeClr val="lt1"/>
+      </a:fontRef>
+    </dgm:style>
+  </dgm:styleLbl>
+  <dgm:styleLbl name="parChTrans2D3">
+    <dgm:scene3d>
+      <a:camera prst="orthographicFront"/>
+      <a:lightRig rig="threePt" dir="t"/>
+    </dgm:scene3d>
+    <dgm:sp3d/>
+    <dgm:txPr/>
+    <dgm:style>
+      <a:lnRef idx="2">
+        <a:scrgbClr r="0" g="0" b="0"/>
+      </a:lnRef>
+      <a:fillRef idx="1">
+        <a:scrgbClr r="0" g="0" b="0"/>
+      </a:fillRef>
+      <a:effectRef idx="0">
+        <a:scrgbClr r="0" g="0" b="0"/>
+      </a:effectRef>
+      <a:fontRef idx="minor">
+        <a:schemeClr val="lt1"/>
+      </a:fontRef>
+    </dgm:style>
+  </dgm:styleLbl>
+  <dgm:styleLbl name="parChTrans2D4">
+    <dgm:scene3d>
+      <a:camera prst="orthographicFront"/>
+      <a:lightRig rig="threePt" dir="t"/>
+    </dgm:scene3d>
+    <dgm:sp3d/>
+    <dgm:txPr/>
+    <dgm:style>
+      <a:lnRef idx="2">
+        <a:scrgbClr r="0" g="0" b="0"/>
+      </a:lnRef>
+      <a:fillRef idx="1">
+        <a:scrgbClr r="0" g="0" b="0"/>
+      </a:fillRef>
+      <a:effectRef idx="0">
+        <a:scrgbClr r="0" g="0" b="0"/>
+      </a:effectRef>
+      <a:fontRef idx="minor">
+        <a:schemeClr val="lt1"/>
+      </a:fontRef>
+    </dgm:style>
+  </dgm:styleLbl>
+  <dgm:styleLbl name="parChTrans1D1">
+    <dgm:scene3d>
+      <a:camera prst="orthographicFront"/>
+      <a:lightRig rig="threePt" dir="t"/>
+    </dgm:scene3d>
+    <dgm:sp3d/>
+    <dgm:txPr/>
+    <dgm:style>
+      <a:lnRef idx="2">
+        <a:scrgbClr r="0" g="0" b="0"/>
+      </a:lnRef>
+      <a:fillRef idx="0">
+        <a:scrgbClr r="0" g="0" b="0"/>
+      </a:fillRef>
+      <a:effectRef idx="0">
+        <a:scrgbClr r="0" g="0" b="0"/>
+      </a:effectRef>
+      <a:fontRef idx="minor"/>
+    </dgm:style>
+  </dgm:styleLbl>
+  <dgm:styleLbl name="parChTrans1D2">
+    <dgm:scene3d>
+      <a:camera prst="orthographicFront"/>
+      <a:lightRig rig="threePt" dir="t"/>
+    </dgm:scene3d>
+    <dgm:sp3d/>
+    <dgm:txPr/>
+    <dgm:style>
+      <a:lnRef idx="2">
+        <a:scrgbClr r="0" g="0" b="0"/>
+      </a:lnRef>
+      <a:fillRef idx="0">
+        <a:scrgbClr r="0" g="0" b="0"/>
+      </a:fillRef>
+      <a:effectRef idx="0">
+        <a:scrgbClr r="0" g="0" b="0"/>
+      </a:effectRef>
+      <a:fontRef idx="minor"/>
+    </dgm:style>
+  </dgm:styleLbl>
+  <dgm:styleLbl name="parChTrans1D3">
+    <dgm:scene3d>
+      <a:camera prst="orthographicFront"/>
+      <a:lightRig rig="threePt" dir="t"/>
+    </dgm:scene3d>
+    <dgm:sp3d/>
+    <dgm:txPr/>
+    <dgm:style>
+      <a:lnRef idx="2">
+        <a:scrgbClr r="0" g="0" b="0"/>
+      </a:lnRef>
+      <a:fillRef idx="0">
+        <a:scrgbClr r="0" g="0" b="0"/>
+      </a:fillRef>
+      <a:effectRef idx="0">
+        <a:scrgbClr r="0" g="0" b="0"/>
+      </a:effectRef>
+      <a:fontRef idx="minor"/>
+    </dgm:style>
+  </dgm:styleLbl>
+  <dgm:styleLbl name="parChTrans1D4">
+    <dgm:scene3d>
+      <a:camera prst="orthographicFront"/>
+      <a:lightRig rig="threePt" dir="t"/>
+    </dgm:scene3d>
+    <dgm:sp3d/>
+    <dgm:txPr/>
+    <dgm:style>
+      <a:lnRef idx="2">
+        <a:scrgbClr r="0" g="0" b="0"/>
+      </a:lnRef>
+      <a:fillRef idx="0">
+        <a:scrgbClr r="0" g="0" b="0"/>
+      </a:fillRef>
+      <a:effectRef idx="0">
+        <a:scrgbClr r="0" g="0" b="0"/>
+      </a:effectRef>
+      <a:fontRef idx="minor"/>
+    </dgm:style>
+  </dgm:styleLbl>
+  <dgm:styleLbl name="fgAcc1">
+    <dgm:scene3d>
+      <a:camera prst="orthographicFront"/>
+      <a:lightRig rig="threePt" dir="t"/>
+    </dgm:scene3d>
+    <dgm:sp3d/>
+    <dgm:txPr/>
+    <dgm:style>
+      <a:lnRef idx="2">
+        <a:scrgbClr r="0" g="0" b="0"/>
+      </a:lnRef>
+      <a:fillRef idx="1">
+        <a:scrgbClr r="0" g="0" b="0"/>
+      </a:fillRef>
+      <a:effectRef idx="0">
+        <a:scrgbClr r="0" g="0" b="0"/>
+      </a:effectRef>
+      <a:fontRef idx="minor"/>
+    </dgm:style>
+  </dgm:styleLbl>
+  <dgm:styleLbl name="conFgAcc1">
+    <dgm:scene3d>
+      <a:camera prst="orthographicFront"/>
+      <a:lightRig rig="threePt" dir="t"/>
+    </dgm:scene3d>
+    <dgm:sp3d/>
+    <dgm:txPr/>
+    <dgm:style>
+      <a:lnRef idx="2">
+        <a:scrgbClr r="0" g="0" b="0"/>
+      </a:lnRef>
+      <a:fillRef idx="1">
+        <a:scrgbClr r="0" g="0" b="0"/>
+      </a:fillRef>
+      <a:effectRef idx="0">
+        <a:scrgbClr r="0" g="0" b="0"/>
+      </a:effectRef>
+      <a:fontRef idx="minor"/>
+    </dgm:style>
+  </dgm:styleLbl>
+  <dgm:styleLbl name="alignAcc1">
+    <dgm:scene3d>
+      <a:camera prst="orthographicFront"/>
+      <a:lightRig rig="threePt" dir="t"/>
+    </dgm:scene3d>
+    <dgm:sp3d/>
+    <dgm:txPr/>
+    <dgm:style>
+      <a:lnRef idx="2">
+        <a:scrgbClr r="0" g="0" b="0"/>
+      </a:lnRef>
+      <a:fillRef idx="1">
+        <a:scrgbClr r="0" g="0" b="0"/>
+      </a:fillRef>
+      <a:effectRef idx="0">
+        <a:scrgbClr r="0" g="0" b="0"/>
+      </a:effectRef>
+      <a:fontRef idx="minor"/>
+    </dgm:style>
+  </dgm:styleLbl>
+  <dgm:styleLbl name="trAlignAcc1">
+    <dgm:scene3d>
+      <a:camera prst="orthographicFront"/>
+      <a:lightRig rig="threePt" dir="t"/>
+    </dgm:scene3d>
+    <dgm:sp3d/>
+    <dgm:txPr/>
+    <dgm:style>
+      <a:lnRef idx="1">
+        <a:scrgbClr r="0" g="0" b="0"/>
+      </a:lnRef>
+      <a:fillRef idx="1">
+        <a:scrgbClr r="0" g="0" b="0"/>
+      </a:fillRef>
+      <a:effectRef idx="0">
+        <a:scrgbClr r="0" g="0" b="0"/>
+      </a:effectRef>
+      <a:fontRef idx="minor"/>
+    </dgm:style>
+  </dgm:styleLbl>
+  <dgm:styleLbl name="bgAcc1">
+    <dgm:scene3d>
+      <a:camera prst="orthographicFront"/>
+      <a:lightRig rig="threePt" dir="t"/>
+    </dgm:scene3d>
+    <dgm:sp3d/>
+    <dgm:txPr/>
+    <dgm:style>
+      <a:lnRef idx="2">
+        <a:scrgbClr r="0" g="0" b="0"/>
+      </a:lnRef>
+      <a:fillRef idx="1">
+        <a:scrgbClr r="0" g="0" b="0"/>
+      </a:fillRef>
+      <a:effectRef idx="0">
+        <a:scrgbClr r="0" g="0" b="0"/>
+      </a:effectRef>
+      <a:fontRef idx="minor"/>
+    </dgm:style>
+  </dgm:styleLbl>
+  <dgm:styleLbl name="solidFgAcc1">
+    <dgm:scene3d>
+      <a:camera prst="orthographicFront"/>
+      <a:lightRig rig="threePt" dir="t"/>
+    </dgm:scene3d>
+    <dgm:sp3d/>
+    <dgm:txPr/>
+    <dgm:style>
+      <a:lnRef idx="2">
+        <a:scrgbClr r="0" g="0" b="0"/>
+      </a:lnRef>
+      <a:fillRef idx="1">
+        <a:scrgbClr r="0" g="0" b="0"/>
+      </a:fillRef>
+      <a:effectRef idx="0">
+        <a:scrgbClr r="0" g="0" b="0"/>
+      </a:effectRef>
+      <a:fontRef idx="minor"/>
+    </dgm:style>
+  </dgm:styleLbl>
+  <dgm:styleLbl name="solidAlignAcc1">
+    <dgm:scene3d>
+      <a:camera prst="orthographicFront"/>
+      <a:lightRig rig="threePt" dir="t"/>
+    </dgm:scene3d>
+    <dgm:sp3d/>
+    <dgm:txPr/>
+    <dgm:style>
+      <a:lnRef idx="2">
+        <a:scrgbClr r="0" g="0" b="0"/>
+      </a:lnRef>
+      <a:fillRef idx="1">
+        <a:scrgbClr r="0" g="0" b="0"/>
+      </a:fillRef>
+      <a:effectRef idx="0">
+        <a:scrgbClr r="0" g="0" b="0"/>
+      </a:effectRef>
+      <a:fontRef idx="minor"/>
+    </dgm:style>
+  </dgm:styleLbl>
+  <dgm:styleLbl name="solidBgAcc1">
+    <dgm:scene3d>
+      <a:camera prst="orthographicFront"/>
+      <a:lightRig rig="threePt" dir="t"/>
+    </dgm:scene3d>
+    <dgm:sp3d/>
+    <dgm:txPr/>
+    <dgm:style>
+      <a:lnRef idx="2">
+        <a:scrgbClr r="0" g="0" b="0"/>
+      </a:lnRef>
+      <a:fillRef idx="1">
+        <a:scrgbClr r="0" g="0" b="0"/>
+      </a:fillRef>
+      <a:effectRef idx="0">
+        <a:scrgbClr r="0" g="0" b="0"/>
+      </a:effectRef>
+      <a:fontRef idx="minor"/>
+    </dgm:style>
+  </dgm:styleLbl>
+  <dgm:styleLbl name="fgAccFollowNode1">
+    <dgm:scene3d>
+      <a:camera prst="orthographicFront"/>
+      <a:lightRig rig="threePt" dir="t"/>
+    </dgm:scene3d>
+    <dgm:sp3d/>
+    <dgm:txPr/>
+    <dgm:style>
+      <a:lnRef idx="2">
+        <a:scrgbClr r="0" g="0" b="0"/>
+      </a:lnRef>
+      <a:fillRef idx="1">
+        <a:scrgbClr r="0" g="0" b="0"/>
+      </a:fillRef>
+      <a:effectRef idx="0">
+        <a:scrgbClr r="0" g="0" b="0"/>
+      </a:effectRef>
+      <a:fontRef idx="minor"/>
+    </dgm:style>
+  </dgm:styleLbl>
+  <dgm:styleLbl name="alignAccFollowNode1">
+    <dgm:scene3d>
+      <a:camera prst="orthographicFront"/>
+      <a:lightRig rig="threePt" dir="t"/>
+    </dgm:scene3d>
+    <dgm:sp3d/>
+    <dgm:txPr/>
+    <dgm:style>
+      <a:lnRef idx="2">
+        <a:scrgbClr r="0" g="0" b="0"/>
+      </a:lnRef>
+      <a:fillRef idx="1">
+        <a:scrgbClr r="0" g="0" b="0"/>
+      </a:fillRef>
+      <a:effectRef idx="0">
+        <a:scrgbClr r="0" g="0" b="0"/>
+      </a:effectRef>
+      <a:fontRef idx="minor"/>
+    </dgm:style>
+  </dgm:styleLbl>
+  <dgm:styleLbl name="bgAccFollowNode1">
+    <dgm:scene3d>
+      <a:camera prst="orthographicFront"/>
+      <a:lightRig rig="threePt" dir="t"/>
+    </dgm:scene3d>
+    <dgm:sp3d/>
+    <dgm:txPr/>
+    <dgm:style>
+      <a:lnRef idx="2">
+        <a:scrgbClr r="0" g="0" b="0"/>
+      </a:lnRef>
+      <a:fillRef idx="1">
+        <a:scrgbClr r="0" g="0" b="0"/>
+      </a:fillRef>
+      <a:effectRef idx="0">
+        <a:scrgbClr r="0" g="0" b="0"/>
+      </a:effectRef>
+      <a:fontRef idx="minor"/>
+    </dgm:style>
+  </dgm:styleLbl>
+  <dgm:styleLbl name="fgAcc0">
+    <dgm:scene3d>
+      <a:camera prst="orthographicFront"/>
+      <a:lightRig rig="threePt" dir="t"/>
+    </dgm:scene3d>
+    <dgm:sp3d/>
+    <dgm:txPr/>
+    <dgm:style>
+      <a:lnRef idx="2">
+        <a:scrgbClr r="0" g="0" b="0"/>
+      </a:lnRef>
+      <a:fillRef idx="1">
+        <a:scrgbClr r="0" g="0" b="0"/>
+      </a:fillRef>
+      <a:effectRef idx="0">
+        <a:scrgbClr r="0" g="0" b="0"/>
+      </a:effectRef>
+      <a:fontRef idx="minor"/>
+    </dgm:style>
+  </dgm:styleLbl>
+  <dgm:styleLbl name="fgAcc2">
+    <dgm:scene3d>
+      <a:camera prst="orthographicFront"/>
+      <a:lightRig rig="threePt" dir="t"/>
+    </dgm:scene3d>
+    <dgm:sp3d/>
+    <dgm:txPr/>
+    <dgm:style>
+      <a:lnRef idx="2">
+        <a:scrgbClr r="0" g="0" b="0"/>
+      </a:lnRef>
+      <a:fillRef idx="1">
+        <a:scrgbClr r="0" g="0" b="0"/>
+      </a:fillRef>
+      <a:effectRef idx="0">
+        <a:scrgbClr r="0" g="0" b="0"/>
+      </a:effectRef>
+      <a:fontRef idx="minor"/>
+    </dgm:style>
+  </dgm:styleLbl>
+  <dgm:styleLbl name="fgAcc3">
+    <dgm:scene3d>
+      <a:camera prst="orthographicFront"/>
+      <a:lightRig rig="threePt" dir="t"/>
+    </dgm:scene3d>
+    <dgm:sp3d/>
+    <dgm:txPr/>
+    <dgm:style>
+      <a:lnRef idx="2">
+        <a:scrgbClr r="0" g="0" b="0"/>
+      </a:lnRef>
+      <a:fillRef idx="1">
+        <a:scrgbClr r="0" g="0" b="0"/>
+      </a:fillRef>
+      <a:effectRef idx="0">
+        <a:scrgbClr r="0" g="0" b="0"/>
+      </a:effectRef>
+      <a:fontRef idx="minor"/>
+    </dgm:style>
+  </dgm:styleLbl>
+  <dgm:styleLbl name="fgAcc4">
+    <dgm:scene3d>
+      <a:camera prst="orthographicFront"/>
+      <a:lightRig rig="threePt" dir="t"/>
+    </dgm:scene3d>
+    <dgm:sp3d/>
+    <dgm:txPr/>
+    <dgm:style>
+      <a:lnRef idx="2">
+        <a:scrgbClr r="0" g="0" b="0"/>
+      </a:lnRef>
+      <a:fillRef idx="1">
+        <a:scrgbClr r="0" g="0" b="0"/>
+      </a:fillRef>
+      <a:effectRef idx="0">
+        <a:scrgbClr r="0" g="0" b="0"/>
+      </a:effectRef>
+      <a:fontRef idx="minor"/>
+    </dgm:style>
+  </dgm:styleLbl>
+  <dgm:styleLbl name="bgShp">
+    <dgm:scene3d>
+      <a:camera prst="orthographicFront"/>
+      <a:lightRig rig="threePt" dir="t"/>
+    </dgm:scene3d>
+    <dgm:sp3d/>
+    <dgm:txPr/>
+    <dgm:style>
+      <a:lnRef idx="0">
+        <a:scrgbClr r="0" g="0" b="0"/>
+      </a:lnRef>
+      <a:fillRef idx="1">
+        <a:scrgbClr r="0" g="0" b="0"/>
+      </a:fillRef>
+      <a:effectRef idx="0">
+        <a:scrgbClr r="0" g="0" b="0"/>
+      </a:effectRef>
+      <a:fontRef idx="minor"/>
+    </dgm:style>
+  </dgm:styleLbl>
+  <dgm:styleLbl name="dkBgShp">
+    <dgm:scene3d>
+      <a:camera prst="orthographicFront"/>
+      <a:lightRig rig="threePt" dir="t"/>
+    </dgm:scene3d>
+    <dgm:sp3d/>
+    <dgm:txPr/>
+    <dgm:style>
+      <a:lnRef idx="0">
+        <a:scrgbClr r="0" g="0" b="0"/>
+      </a:lnRef>
+      <a:fillRef idx="1">
+        <a:scrgbClr r="0" g="0" b="0"/>
+      </a:fillRef>
+      <a:effectRef idx="0">
+        <a:scrgbClr r="0" g="0" b="0"/>
+      </a:effectRef>
+      <a:fontRef idx="minor"/>
+    </dgm:style>
+  </dgm:styleLbl>
+  <dgm:styleLbl name="trBgShp">
+    <dgm:scene3d>
+      <a:camera prst="orthographicFront"/>
+      <a:lightRig rig="threePt" dir="t"/>
+    </dgm:scene3d>
+    <dgm:sp3d/>
+    <dgm:txPr/>
+    <dgm:style>
+      <a:lnRef idx="0">
+        <a:scrgbClr r="0" g="0" b="0"/>
+      </a:lnRef>
+      <a:fillRef idx="1">
+        <a:scrgbClr r="0" g="0" b="0"/>
+      </a:fillRef>
+      <a:effectRef idx="0">
+        <a:scrgbClr r="0" g="0" b="0"/>
+      </a:effectRef>
+      <a:fontRef idx="minor"/>
+    </dgm:style>
+  </dgm:styleLbl>
+  <dgm:styleLbl name="fgShp">
+    <dgm:scene3d>
+      <a:camera prst="orthographicFront"/>
+      <a:lightRig rig="threePt" dir="t"/>
+    </dgm:scene3d>
+    <dgm:sp3d/>
+    <dgm:txPr/>
+    <dgm:style>
+      <a:lnRef idx="2">
+        <a:scrgbClr r="0" g="0" b="0"/>
+      </a:lnRef>
+      <a:fillRef idx="1">
+        <a:scrgbClr r="0" g="0" b="0"/>
+      </a:fillRef>
+      <a:effectRef idx="0">
+        <a:scrgbClr r="0" g="0" b="0"/>
+      </a:effectRef>
+      <a:fontRef idx="minor"/>
+    </dgm:style>
+  </dgm:styleLbl>
+  <dgm:styleLbl name="revTx">
+    <dgm:scene3d>
+      <a:camera prst="orthographicFront"/>
+      <a:lightRig rig="threePt" dir="t"/>
+    </dgm:scene3d>
+    <dgm:sp3d/>
+    <dgm:txPr/>
+    <dgm:style>
+      <a:lnRef idx="0">
+        <a:scrgbClr r="0" g="0" b="0"/>
+      </a:lnRef>
+      <a:fillRef idx="0">
+        <a:scrgbClr r="0" g="0" b="0"/>
+      </a:fillRef>
+      <a:effectRef idx="0">
+        <a:scrgbClr r="0" g="0" b="0"/>
+      </a:effectRef>
+      <a:fontRef idx="minor"/>
+    </dgm:style>
+  </dgm:styleLbl>
+</dgm:styleDef>
+</file>
+
 <file path=ppt/slideLayouts/slideLayout1.xml><?xml version="1.0" encoding="utf-8"?>
 <p:sldLayout xmlns:a="http://schemas.openxmlformats.org/drawingml/2006/main" xmlns:r="http://schemas.openxmlformats.org/officeDocument/2006/relationships" xmlns:p="http://schemas.openxmlformats.org/presentationml/2006/main" type="title" preserve="1">
   <p:cSld name="Title Slide">
@@ -269,7 +2996,7 @@
           <a:p>
             <a:fld id="{1EFCC690-7CBF-47E6-BE6E-0EC1C9E624CE}" type="datetimeFigureOut">
               <a:rPr lang="it-IT" smtClean="0"/>
-              <a:t>03/05/2023</a:t>
+              <a:t>05/05/2023</a:t>
             </a:fld>
             <a:endParaRPr lang="it-IT"/>
           </a:p>
@@ -469,7 +3196,7 @@
           <a:p>
             <a:fld id="{1EFCC690-7CBF-47E6-BE6E-0EC1C9E624CE}" type="datetimeFigureOut">
               <a:rPr lang="it-IT" smtClean="0"/>
-              <a:t>03/05/2023</a:t>
+              <a:t>05/05/2023</a:t>
             </a:fld>
             <a:endParaRPr lang="it-IT"/>
           </a:p>
@@ -679,7 +3406,7 @@
           <a:p>
             <a:fld id="{1EFCC690-7CBF-47E6-BE6E-0EC1C9E624CE}" type="datetimeFigureOut">
               <a:rPr lang="it-IT" smtClean="0"/>
-              <a:t>03/05/2023</a:t>
+              <a:t>05/05/2023</a:t>
             </a:fld>
             <a:endParaRPr lang="it-IT"/>
           </a:p>
@@ -879,7 +3606,7 @@
           <a:p>
             <a:fld id="{1EFCC690-7CBF-47E6-BE6E-0EC1C9E624CE}" type="datetimeFigureOut">
               <a:rPr lang="it-IT" smtClean="0"/>
-              <a:t>03/05/2023</a:t>
+              <a:t>05/05/2023</a:t>
             </a:fld>
             <a:endParaRPr lang="it-IT"/>
           </a:p>
@@ -1155,7 +3882,7 @@
           <a:p>
             <a:fld id="{1EFCC690-7CBF-47E6-BE6E-0EC1C9E624CE}" type="datetimeFigureOut">
               <a:rPr lang="it-IT" smtClean="0"/>
-              <a:t>03/05/2023</a:t>
+              <a:t>05/05/2023</a:t>
             </a:fld>
             <a:endParaRPr lang="it-IT"/>
           </a:p>
@@ -1423,7 +4150,7 @@
           <a:p>
             <a:fld id="{1EFCC690-7CBF-47E6-BE6E-0EC1C9E624CE}" type="datetimeFigureOut">
               <a:rPr lang="it-IT" smtClean="0"/>
-              <a:t>03/05/2023</a:t>
+              <a:t>05/05/2023</a:t>
             </a:fld>
             <a:endParaRPr lang="it-IT"/>
           </a:p>
@@ -1838,7 +4565,7 @@
           <a:p>
             <a:fld id="{1EFCC690-7CBF-47E6-BE6E-0EC1C9E624CE}" type="datetimeFigureOut">
               <a:rPr lang="it-IT" smtClean="0"/>
-              <a:t>03/05/2023</a:t>
+              <a:t>05/05/2023</a:t>
             </a:fld>
             <a:endParaRPr lang="it-IT"/>
           </a:p>
@@ -1980,7 +4707,7 @@
           <a:p>
             <a:fld id="{1EFCC690-7CBF-47E6-BE6E-0EC1C9E624CE}" type="datetimeFigureOut">
               <a:rPr lang="it-IT" smtClean="0"/>
-              <a:t>03/05/2023</a:t>
+              <a:t>05/05/2023</a:t>
             </a:fld>
             <a:endParaRPr lang="it-IT"/>
           </a:p>
@@ -2093,7 +4820,7 @@
           <a:p>
             <a:fld id="{1EFCC690-7CBF-47E6-BE6E-0EC1C9E624CE}" type="datetimeFigureOut">
               <a:rPr lang="it-IT" smtClean="0"/>
-              <a:t>03/05/2023</a:t>
+              <a:t>05/05/2023</a:t>
             </a:fld>
             <a:endParaRPr lang="it-IT"/>
           </a:p>
@@ -2406,7 +5133,7 @@
           <a:p>
             <a:fld id="{1EFCC690-7CBF-47E6-BE6E-0EC1C9E624CE}" type="datetimeFigureOut">
               <a:rPr lang="it-IT" smtClean="0"/>
-              <a:t>03/05/2023</a:t>
+              <a:t>05/05/2023</a:t>
             </a:fld>
             <a:endParaRPr lang="it-IT"/>
           </a:p>
@@ -2695,7 +5422,7 @@
           <a:p>
             <a:fld id="{1EFCC690-7CBF-47E6-BE6E-0EC1C9E624CE}" type="datetimeFigureOut">
               <a:rPr lang="it-IT" smtClean="0"/>
-              <a:t>03/05/2023</a:t>
+              <a:t>05/05/2023</a:t>
             </a:fld>
             <a:endParaRPr lang="it-IT"/>
           </a:p>
@@ -2953,7 +5680,7 @@
           <a:p>
             <a:fld id="{1EFCC690-7CBF-47E6-BE6E-0EC1C9E624CE}" type="datetimeFigureOut">
               <a:rPr lang="it-IT" smtClean="0"/>
-              <a:t>03/05/2023</a:t>
+              <a:t>05/05/2023</a:t>
             </a:fld>
             <a:endParaRPr lang="it-IT"/>
           </a:p>
@@ -3925,36 +6652,6 @@
       </p:grpSpPr>
       <p:sp>
         <p:nvSpPr>
-          <p:cNvPr id="2" name="Title 1">
-            <a:extLst>
-              <a:ext uri="{FF2B5EF4-FFF2-40B4-BE49-F238E27FC236}">
-                <a16:creationId xmlns:a16="http://schemas.microsoft.com/office/drawing/2014/main" id="{81B0B57B-CF4E-AE74-B3F8-65DC517DAE7A}"/>
-              </a:ext>
-            </a:extLst>
-          </p:cNvPr>
-          <p:cNvSpPr>
-            <a:spLocks noGrp="1"/>
-          </p:cNvSpPr>
-          <p:nvPr>
-            <p:ph type="title"/>
-          </p:nvPr>
-        </p:nvSpPr>
-        <p:spPr/>
-        <p:txBody>
-          <a:bodyPr/>
-          <a:lstStyle/>
-          <a:p>
-            <a:pPr algn="ctr"/>
-            <a:r>
-              <a:rPr lang="en-US" dirty="0"/>
-              <a:t>Il Team</a:t>
-            </a:r>
-            <a:endParaRPr lang="it-IT" dirty="0"/>
-          </a:p>
-        </p:txBody>
-      </p:sp>
-      <p:sp>
-        <p:nvSpPr>
           <p:cNvPr id="4" name="Text Placeholder 3">
             <a:extLst>
               <a:ext uri="{FF2B5EF4-FFF2-40B4-BE49-F238E27FC236}">
@@ -3971,9 +6668,22 @@
         </p:nvSpPr>
         <p:spPr>
           <a:xfrm>
-            <a:off x="862014" y="5365751"/>
-            <a:ext cx="5157787" cy="823912"/>
+            <a:off x="1848326" y="5375276"/>
+            <a:ext cx="3185161" cy="823912"/>
           </a:xfrm>
+          <a:prstGeom prst="roundRect">
+            <a:avLst>
+              <a:gd name="adj" fmla="val 23729"/>
+            </a:avLst>
+          </a:prstGeom>
+          <a:solidFill>
+            <a:srgbClr val="252323"/>
+          </a:solidFill>
+          <a:ln>
+            <a:solidFill>
+              <a:schemeClr val="accent1"/>
+            </a:solidFill>
+          </a:ln>
         </p:spPr>
         <p:txBody>
           <a:bodyPr anchor="ctr"/>
@@ -3981,10 +6691,18 @@
           <a:p>
             <a:pPr algn="ctr"/>
             <a:r>
-              <a:rPr lang="en-US" dirty="0"/>
+              <a:rPr lang="en-US" dirty="0">
+                <a:solidFill>
+                  <a:schemeClr val="bg1"/>
+                </a:solidFill>
+              </a:rPr>
               <a:t>Lorenzo Monaci</a:t>
             </a:r>
-            <a:endParaRPr lang="it-IT" dirty="0"/>
+            <a:endParaRPr lang="it-IT" dirty="0">
+              <a:solidFill>
+                <a:schemeClr val="bg1"/>
+              </a:solidFill>
+            </a:endParaRPr>
           </a:p>
         </p:txBody>
       </p:sp>
@@ -4004,21 +6722,46 @@
             <p:ph type="body" sz="quarter" idx="3"/>
           </p:nvPr>
         </p:nvSpPr>
-        <p:spPr/>
+        <p:spPr>
+          <a:xfrm>
+            <a:off x="7259089" y="1690688"/>
+            <a:ext cx="3009410" cy="823912"/>
+          </a:xfrm>
+          <a:prstGeom prst="roundRect">
+            <a:avLst>
+              <a:gd name="adj" fmla="val 24738"/>
+            </a:avLst>
+          </a:prstGeom>
+          <a:solidFill>
+            <a:srgbClr val="252323"/>
+          </a:solidFill>
+        </p:spPr>
         <p:txBody>
           <a:bodyPr anchor="ctr"/>
           <a:lstStyle/>
           <a:p>
             <a:pPr algn="ctr"/>
             <a:r>
-              <a:rPr lang="en-US" dirty="0"/>
+              <a:rPr lang="en-US" dirty="0">
+                <a:solidFill>
+                  <a:schemeClr val="bg1"/>
+                </a:solidFill>
+              </a:rPr>
               <a:t>Omar Tomas </a:t>
             </a:r>
             <a:r>
-              <a:rPr lang="en-US" dirty="0" err="1"/>
+              <a:rPr lang="en-US" dirty="0" err="1">
+                <a:solidFill>
+                  <a:schemeClr val="bg1"/>
+                </a:solidFill>
+              </a:rPr>
               <a:t>Sfar</a:t>
             </a:r>
-            <a:endParaRPr lang="it-IT" dirty="0"/>
+            <a:endParaRPr lang="it-IT" dirty="0">
+              <a:solidFill>
+                <a:schemeClr val="bg1"/>
+              </a:solidFill>
+            </a:endParaRPr>
           </a:p>
         </p:txBody>
       </p:sp>
@@ -4040,9 +6783,10 @@
         </p:nvSpPr>
         <p:spPr/>
         <p:txBody>
-          <a:bodyPr/>
+          <a:bodyPr anchor="ctr"/>
           <a:lstStyle/>
           <a:p>
+            <a:pPr algn="ctr"/>
             <a:r>
               <a:rPr lang="en-US" dirty="0"/>
               <a:t>(FOTO)</a:t>
@@ -4074,14 +6818,79 @@
           </a:xfrm>
         </p:spPr>
         <p:txBody>
-          <a:bodyPr/>
+          <a:bodyPr anchor="ctr"/>
           <a:lstStyle/>
           <a:p>
+            <a:pPr algn="ctr"/>
             <a:r>
               <a:rPr lang="en-US" dirty="0"/>
               <a:t>(FOTO)</a:t>
             </a:r>
             <a:endParaRPr lang="it-IT" dirty="0"/>
+          </a:p>
+        </p:txBody>
+      </p:sp>
+      <p:sp>
+        <p:nvSpPr>
+          <p:cNvPr id="5" name="Rectangle: Rounded Corners 4">
+            <a:extLst>
+              <a:ext uri="{FF2B5EF4-FFF2-40B4-BE49-F238E27FC236}">
+                <a16:creationId xmlns:a16="http://schemas.microsoft.com/office/drawing/2014/main" id="{87CAB858-C6A7-58BB-51E6-2E0922FD05E0}"/>
+              </a:ext>
+            </a:extLst>
+          </p:cNvPr>
+          <p:cNvSpPr/>
+          <p:nvPr/>
+        </p:nvSpPr>
+        <p:spPr>
+          <a:xfrm>
+            <a:off x="4573385" y="224617"/>
+            <a:ext cx="3045229" cy="823913"/>
+          </a:xfrm>
+          <a:prstGeom prst="roundRect">
+            <a:avLst/>
+          </a:prstGeom>
+          <a:solidFill>
+            <a:srgbClr val="F7E1D7"/>
+          </a:solidFill>
+          <a:ln>
+            <a:noFill/>
+          </a:ln>
+        </p:spPr>
+        <p:style>
+          <a:lnRef idx="2">
+            <a:schemeClr val="accent1">
+              <a:shade val="50000"/>
+            </a:schemeClr>
+          </a:lnRef>
+          <a:fillRef idx="1">
+            <a:schemeClr val="accent1"/>
+          </a:fillRef>
+          <a:effectRef idx="0">
+            <a:schemeClr val="accent1"/>
+          </a:effectRef>
+          <a:fontRef idx="minor">
+            <a:schemeClr val="lt1"/>
+          </a:fontRef>
+        </p:style>
+        <p:txBody>
+          <a:bodyPr rtlCol="0" anchor="ctr"/>
+          <a:lstStyle/>
+          <a:p>
+            <a:pPr algn="ctr"/>
+            <a:r>
+              <a:rPr lang="en-US" sz="3600" dirty="0">
+                <a:solidFill>
+                  <a:srgbClr val="252323"/>
+                </a:solidFill>
+              </a:rPr>
+              <a:t>Il Team</a:t>
+            </a:r>
+            <a:endParaRPr lang="it-IT" sz="3600" dirty="0">
+              <a:solidFill>
+                <a:srgbClr val="252323"/>
+              </a:solidFill>
+            </a:endParaRPr>
           </a:p>
         </p:txBody>
       </p:sp>
@@ -4922,85 +7731,68 @@
       </p:grpSpPr>
       <p:sp>
         <p:nvSpPr>
-          <p:cNvPr id="2" name="Title 1">
-            <a:extLst>
-              <a:ext uri="{FF2B5EF4-FFF2-40B4-BE49-F238E27FC236}">
-                <a16:creationId xmlns:a16="http://schemas.microsoft.com/office/drawing/2014/main" id="{39803B6E-6B1C-1D02-0D04-72184390FEF4}"/>
-              </a:ext>
-            </a:extLst>
-          </p:cNvPr>
-          <p:cNvSpPr>
-            <a:spLocks noGrp="1"/>
-          </p:cNvSpPr>
-          <p:nvPr>
-            <p:ph type="title"/>
-          </p:nvPr>
+          <p:cNvPr id="9" name="Rectangle: Rounded Corners 8">
+            <a:extLst>
+              <a:ext uri="{FF2B5EF4-FFF2-40B4-BE49-F238E27FC236}">
+                <a16:creationId xmlns:a16="http://schemas.microsoft.com/office/drawing/2014/main" id="{D1E272AB-FC3E-1319-87FC-62D281C8BB02}"/>
+              </a:ext>
+            </a:extLst>
+          </p:cNvPr>
+          <p:cNvSpPr/>
+          <p:nvPr/>
         </p:nvSpPr>
         <p:spPr>
           <a:xfrm>
-            <a:off x="839788" y="457200"/>
-            <a:ext cx="3932237" cy="748145"/>
+            <a:off x="4645429" y="219824"/>
+            <a:ext cx="2901142" cy="859917"/>
           </a:xfrm>
+          <a:prstGeom prst="roundRect">
+            <a:avLst/>
+          </a:prstGeom>
+          <a:solidFill>
+            <a:srgbClr val="F7E1D7"/>
+          </a:solidFill>
+          <a:ln>
+            <a:noFill/>
+          </a:ln>
         </p:spPr>
+        <p:style>
+          <a:lnRef idx="2">
+            <a:schemeClr val="accent1">
+              <a:shade val="50000"/>
+            </a:schemeClr>
+          </a:lnRef>
+          <a:fillRef idx="1">
+            <a:schemeClr val="accent1"/>
+          </a:fillRef>
+          <a:effectRef idx="0">
+            <a:schemeClr val="accent1"/>
+          </a:effectRef>
+          <a:fontRef idx="minor">
+            <a:schemeClr val="lt1"/>
+          </a:fontRef>
+        </p:style>
         <p:txBody>
-          <a:bodyPr anchor="ctr"/>
+          <a:bodyPr rtlCol="0" anchor="ctr"/>
           <a:lstStyle/>
           <a:p>
             <a:pPr algn="ctr"/>
             <a:r>
-              <a:rPr lang="en-US" dirty="0" err="1"/>
-              <a:t>Piccola</a:t>
-            </a:r>
-            <a:r>
-              <a:rPr lang="en-US" dirty="0"/>
-              <a:t> </a:t>
-            </a:r>
-            <a:r>
-              <a:rPr lang="en-US" dirty="0" err="1"/>
+              <a:rPr lang="en-US" sz="3600" dirty="0" err="1">
+                <a:solidFill>
+                  <a:srgbClr val="252323"/>
+                </a:solidFill>
+              </a:rPr>
               <a:t>Presentazione</a:t>
             </a:r>
-            <a:endParaRPr lang="it-IT" dirty="0"/>
+            <a:endParaRPr lang="it-IT" sz="3600" dirty="0">
+              <a:solidFill>
+                <a:srgbClr val="252323"/>
+              </a:solidFill>
+            </a:endParaRPr>
           </a:p>
         </p:txBody>
       </p:sp>
-      <p:pic>
-        <p:nvPicPr>
-          <p:cNvPr id="6" name="Content Placeholder 5">
-            <a:extLst>
-              <a:ext uri="{FF2B5EF4-FFF2-40B4-BE49-F238E27FC236}">
-                <a16:creationId xmlns:a16="http://schemas.microsoft.com/office/drawing/2014/main" id="{F9940ACE-D8E3-03DF-03DE-CB90EEFA8B10}"/>
-              </a:ext>
-            </a:extLst>
-          </p:cNvPr>
-          <p:cNvPicPr>
-            <a:picLocks noGrp="1" noChangeAspect="1"/>
-          </p:cNvPicPr>
-          <p:nvPr>
-            <p:ph idx="1"/>
-          </p:nvPr>
-        </p:nvPicPr>
-        <p:blipFill>
-          <a:blip r:embed="rId2">
-            <a:extLst>
-              <a:ext uri="{28A0092B-C50C-407E-A947-70E740481C1C}">
-                <a14:useLocalDpi xmlns:a14="http://schemas.microsoft.com/office/drawing/2010/main" val="0"/>
-              </a:ext>
-              <a:ext uri="{96DAC541-7B7A-43D3-8B79-37D633B846F1}">
-                <asvg:svgBlip xmlns:asvg="http://schemas.microsoft.com/office/drawing/2016/SVG/main" r:embed="rId3"/>
-              </a:ext>
-            </a:extLst>
-          </a:blip>
-          <a:stretch>
-            <a:fillRect/>
-          </a:stretch>
-        </p:blipFill>
-        <p:spPr>
-          <a:xfrm>
-            <a:off x="6292735" y="1205345"/>
-            <a:ext cx="5059477" cy="1445565"/>
-          </a:xfrm>
-        </p:spPr>
-      </p:pic>
       <p:sp>
         <p:nvSpPr>
           <p:cNvPr id="4" name="Text Placeholder 3">
@@ -5019,13 +7811,13 @@
         </p:nvSpPr>
         <p:spPr>
           <a:xfrm>
-            <a:off x="839788" y="1205345"/>
-            <a:ext cx="5059477" cy="5370022"/>
+            <a:off x="9336931" y="3407283"/>
+            <a:ext cx="2623952" cy="3372622"/>
           </a:xfrm>
         </p:spPr>
         <p:txBody>
           <a:bodyPr>
-            <a:normAutofit fontScale="85000" lnSpcReduction="20000"/>
+            <a:normAutofit/>
           </a:bodyPr>
           <a:lstStyle/>
           <a:p>
@@ -5035,8 +7827,10 @@
             </a:r>
             <a:r>
               <a:rPr lang="en-US" dirty="0"/>
-              <a:t>: </a:t>
-            </a:r>
+              <a:t>:</a:t>
+            </a:r>
+          </a:p>
+          <a:p>
             <a:r>
               <a:rPr lang="en-US" dirty="0" err="1"/>
               <a:t>Elica</a:t>
@@ -5057,15 +7851,8 @@
             </a:r>
           </a:p>
           <a:p>
-            <a:pPr marL="342900" indent="-342900">
-              <a:buFont typeface="+mj-lt"/>
-              <a:buAutoNum type="arabicPeriod"/>
-            </a:pPr>
             <a:r>
               <a:rPr lang="it-IT" b="1" i="0" dirty="0">
-                <a:solidFill>
-                  <a:srgbClr val="666666"/>
-                </a:solidFill>
                 <a:effectLst/>
                 <a:latin typeface="Gotham"/>
               </a:rPr>
@@ -5076,9 +7863,6 @@
             </a:br>
             <a:r>
               <a:rPr lang="it-IT" b="0" i="0" dirty="0">
-                <a:solidFill>
-                  <a:srgbClr val="666666"/>
-                </a:solidFill>
                 <a:effectLst/>
                 <a:latin typeface="Gotham"/>
               </a:rPr>
@@ -5089,9 +7873,6 @@
             </a:br>
             <a:r>
               <a:rPr lang="it-IT" b="0" i="0" dirty="0">
-                <a:solidFill>
-                  <a:srgbClr val="666666"/>
-                </a:solidFill>
                 <a:effectLst/>
                 <a:latin typeface="Gotham"/>
               </a:rPr>
@@ -5102,444 +7883,302 @@
             </a:br>
             <a:r>
               <a:rPr lang="it-IT" b="0" i="0" dirty="0">
-                <a:solidFill>
-                  <a:srgbClr val="666666"/>
-                </a:solidFill>
                 <a:effectLst/>
                 <a:latin typeface="Gotham"/>
               </a:rPr>
               <a:t>Via Ermanno Casoli, 2</a:t>
             </a:r>
-            <a:br>
-              <a:rPr lang="it-IT" dirty="0"/>
-            </a:br>
-            <a:br>
-              <a:rPr lang="it-IT" dirty="0"/>
-            </a:br>
-            <a:r>
-              <a:rPr lang="it-IT" b="1" i="0" dirty="0">
-                <a:solidFill>
-                  <a:srgbClr val="666666"/>
-                </a:solidFill>
-                <a:effectLst/>
+          </a:p>
+          <a:p>
+            <a:r>
+              <a:rPr lang="it-IT" dirty="0">
                 <a:latin typeface="Gotham"/>
               </a:rPr>
-              <a:t>EMC FIME S.r.l.</a:t>
-            </a:r>
-            <a:br>
-              <a:rPr lang="it-IT" dirty="0"/>
-            </a:br>
-            <a:r>
-              <a:rPr lang="it-IT" b="0" i="0" dirty="0">
-                <a:solidFill>
-                  <a:srgbClr val="666666"/>
-                </a:solidFill>
-                <a:effectLst/>
+              <a:t>Settore:</a:t>
+            </a:r>
+          </a:p>
+          <a:p>
+            <a:r>
+              <a:rPr lang="it-IT" dirty="0">
                 <a:latin typeface="Gotham"/>
               </a:rPr>
-              <a:t>Via Jesina 56</a:t>
-            </a:r>
-            <a:br>
-              <a:rPr lang="it-IT" dirty="0"/>
-            </a:br>
-            <a:r>
-              <a:rPr lang="it-IT" b="0" i="0" dirty="0">
+              <a:t>Dimensione:</a:t>
+            </a:r>
+          </a:p>
+          <a:p>
+            <a:endParaRPr lang="en-US" dirty="0"/>
+          </a:p>
+        </p:txBody>
+      </p:sp>
+      <p:graphicFrame>
+        <p:nvGraphicFramePr>
+          <p:cNvPr id="10" name="Diagram 9">
+            <a:extLst>
+              <a:ext uri="{FF2B5EF4-FFF2-40B4-BE49-F238E27FC236}">
+                <a16:creationId xmlns:a16="http://schemas.microsoft.com/office/drawing/2014/main" id="{D64D80BA-04A0-A6C1-80E5-F5874670A284}"/>
+              </a:ext>
+            </a:extLst>
+          </p:cNvPr>
+          <p:cNvGraphicFramePr/>
+          <p:nvPr>
+            <p:extLst>
+              <p:ext uri="{D42A27DB-BD31-4B8C-83A1-F6EECF244321}">
+                <p14:modId xmlns:p14="http://schemas.microsoft.com/office/powerpoint/2010/main" val="2605987677"/>
+              </p:ext>
+            </p:extLst>
+          </p:nvPr>
+        </p:nvGraphicFramePr>
+        <p:xfrm>
+          <a:off x="105296" y="6073892"/>
+          <a:ext cx="5529811" cy="959860"/>
+        </p:xfrm>
+        <a:graphic>
+          <a:graphicData uri="http://schemas.openxmlformats.org/drawingml/2006/diagram">
+            <dgm:relIds xmlns:dgm="http://schemas.openxmlformats.org/drawingml/2006/diagram" xmlns:r="http://schemas.openxmlformats.org/officeDocument/2006/relationships" r:dm="rId2" r:lo="rId3" r:qs="rId4" r:cs="rId5"/>
+          </a:graphicData>
+        </a:graphic>
+      </p:graphicFrame>
+      <p:pic>
+        <p:nvPicPr>
+          <p:cNvPr id="12" name="Picture 11" descr="Icon&#10;&#10;Description automatically generated">
+            <a:extLst>
+              <a:ext uri="{FF2B5EF4-FFF2-40B4-BE49-F238E27FC236}">
+                <a16:creationId xmlns:a16="http://schemas.microsoft.com/office/drawing/2014/main" id="{3C9A00E7-746A-21A9-91DF-D22983BB164E}"/>
+              </a:ext>
+            </a:extLst>
+          </p:cNvPr>
+          <p:cNvPicPr>
+            <a:picLocks noChangeAspect="1"/>
+          </p:cNvPicPr>
+          <p:nvPr/>
+        </p:nvPicPr>
+        <p:blipFill>
+          <a:blip r:embed="rId7">
+            <a:extLst>
+              <a:ext uri="{28A0092B-C50C-407E-A947-70E740481C1C}">
+                <a14:useLocalDpi xmlns:a14="http://schemas.microsoft.com/office/drawing/2010/main" val="0"/>
+              </a:ext>
+            </a:extLst>
+          </a:blip>
+          <a:stretch>
+            <a:fillRect/>
+          </a:stretch>
+        </p:blipFill>
+        <p:spPr>
+          <a:xfrm>
+            <a:off x="405937" y="6193529"/>
+            <a:ext cx="633155" cy="633155"/>
+          </a:xfrm>
+          <a:prstGeom prst="rect">
+            <a:avLst/>
+          </a:prstGeom>
+        </p:spPr>
+      </p:pic>
+      <p:pic>
+        <p:nvPicPr>
+          <p:cNvPr id="14" name="Picture 13" descr="Icon&#10;&#10;Description automatically generated">
+            <a:extLst>
+              <a:ext uri="{FF2B5EF4-FFF2-40B4-BE49-F238E27FC236}">
+                <a16:creationId xmlns:a16="http://schemas.microsoft.com/office/drawing/2014/main" id="{4956C904-B188-F711-D071-152E2B5B28CC}"/>
+              </a:ext>
+            </a:extLst>
+          </p:cNvPr>
+          <p:cNvPicPr>
+            <a:picLocks noChangeAspect="1"/>
+          </p:cNvPicPr>
+          <p:nvPr/>
+        </p:nvPicPr>
+        <p:blipFill>
+          <a:blip r:embed="rId8">
+            <a:extLst>
+              <a:ext uri="{28A0092B-C50C-407E-A947-70E740481C1C}">
+                <a14:useLocalDpi xmlns:a14="http://schemas.microsoft.com/office/drawing/2010/main" val="0"/>
+              </a:ext>
+            </a:extLst>
+          </a:blip>
+          <a:stretch>
+            <a:fillRect/>
+          </a:stretch>
+        </p:blipFill>
+        <p:spPr>
+          <a:xfrm flipH="1">
+            <a:off x="1543093" y="6348625"/>
+            <a:ext cx="431280" cy="431280"/>
+          </a:xfrm>
+          <a:prstGeom prst="rect">
+            <a:avLst/>
+          </a:prstGeom>
+        </p:spPr>
+      </p:pic>
+      <p:pic>
+        <p:nvPicPr>
+          <p:cNvPr id="16" name="Picture 15" descr="A picture containing icon&#10;&#10;Description automatically generated">
+            <a:extLst>
+              <a:ext uri="{FF2B5EF4-FFF2-40B4-BE49-F238E27FC236}">
+                <a16:creationId xmlns:a16="http://schemas.microsoft.com/office/drawing/2014/main" id="{2FAA611C-3A65-18F2-0BA6-FCC50842288B}"/>
+              </a:ext>
+            </a:extLst>
+          </p:cNvPr>
+          <p:cNvPicPr>
+            <a:picLocks noChangeAspect="1"/>
+          </p:cNvPicPr>
+          <p:nvPr/>
+        </p:nvPicPr>
+        <p:blipFill>
+          <a:blip r:embed="rId9">
+            <a:extLst>
+              <a:ext uri="{28A0092B-C50C-407E-A947-70E740481C1C}">
+                <a14:useLocalDpi xmlns:a14="http://schemas.microsoft.com/office/drawing/2010/main" val="0"/>
+              </a:ext>
+            </a:extLst>
+          </a:blip>
+          <a:stretch>
+            <a:fillRect/>
+          </a:stretch>
+        </p:blipFill>
+        <p:spPr>
+          <a:xfrm>
+            <a:off x="2650434" y="6313067"/>
+            <a:ext cx="475152" cy="475152"/>
+          </a:xfrm>
+          <a:prstGeom prst="rect">
+            <a:avLst/>
+          </a:prstGeom>
+        </p:spPr>
+      </p:pic>
+      <p:pic>
+        <p:nvPicPr>
+          <p:cNvPr id="18" name="Picture 17" descr="Icon&#10;&#10;Description automatically generated">
+            <a:extLst>
+              <a:ext uri="{FF2B5EF4-FFF2-40B4-BE49-F238E27FC236}">
+                <a16:creationId xmlns:a16="http://schemas.microsoft.com/office/drawing/2014/main" id="{6A9F5258-EEE5-34D1-EA59-2869A7F3317F}"/>
+              </a:ext>
+            </a:extLst>
+          </p:cNvPr>
+          <p:cNvPicPr>
+            <a:picLocks noChangeAspect="1"/>
+          </p:cNvPicPr>
+          <p:nvPr/>
+        </p:nvPicPr>
+        <p:blipFill>
+          <a:blip r:embed="rId10">
+            <a:extLst>
+              <a:ext uri="{28A0092B-C50C-407E-A947-70E740481C1C}">
+                <a14:useLocalDpi xmlns:a14="http://schemas.microsoft.com/office/drawing/2010/main" val="0"/>
+              </a:ext>
+            </a:extLst>
+          </a:blip>
+          <a:stretch>
+            <a:fillRect/>
+          </a:stretch>
+        </p:blipFill>
+        <p:spPr>
+          <a:xfrm>
+            <a:off x="3689541" y="6325475"/>
+            <a:ext cx="475152" cy="475152"/>
+          </a:xfrm>
+          <a:prstGeom prst="rect">
+            <a:avLst/>
+          </a:prstGeom>
+        </p:spPr>
+      </p:pic>
+      <p:pic>
+        <p:nvPicPr>
+          <p:cNvPr id="20" name="Picture 19" descr="Icon&#10;&#10;Description automatically generated">
+            <a:extLst>
+              <a:ext uri="{FF2B5EF4-FFF2-40B4-BE49-F238E27FC236}">
+                <a16:creationId xmlns:a16="http://schemas.microsoft.com/office/drawing/2014/main" id="{D1364BA5-AA77-5763-743E-BA0165E2A447}"/>
+              </a:ext>
+            </a:extLst>
+          </p:cNvPr>
+          <p:cNvPicPr>
+            <a:picLocks noChangeAspect="1"/>
+          </p:cNvPicPr>
+          <p:nvPr/>
+        </p:nvPicPr>
+        <p:blipFill>
+          <a:blip r:embed="rId11">
+            <a:extLst>
+              <a:ext uri="{28A0092B-C50C-407E-A947-70E740481C1C}">
+                <a14:useLocalDpi xmlns:a14="http://schemas.microsoft.com/office/drawing/2010/main" val="0"/>
+              </a:ext>
+            </a:extLst>
+          </a:blip>
+          <a:stretch>
+            <a:fillRect/>
+          </a:stretch>
+        </p:blipFill>
+        <p:spPr>
+          <a:xfrm>
+            <a:off x="4795000" y="6387823"/>
+            <a:ext cx="400396" cy="400396"/>
+          </a:xfrm>
+          <a:prstGeom prst="rect">
+            <a:avLst/>
+          </a:prstGeom>
+        </p:spPr>
+      </p:pic>
+      <p:sp>
+        <p:nvSpPr>
+          <p:cNvPr id="23" name="Rectangle: Rounded Corners 22">
+            <a:extLst>
+              <a:ext uri="{FF2B5EF4-FFF2-40B4-BE49-F238E27FC236}">
+                <a16:creationId xmlns:a16="http://schemas.microsoft.com/office/drawing/2014/main" id="{5034DAE5-ADCD-0E38-BF01-E532317834D0}"/>
+              </a:ext>
+            </a:extLst>
+          </p:cNvPr>
+          <p:cNvSpPr/>
+          <p:nvPr/>
+        </p:nvSpPr>
+        <p:spPr>
+          <a:xfrm>
+            <a:off x="308162" y="1062203"/>
+            <a:ext cx="1786645" cy="625282"/>
+          </a:xfrm>
+          <a:prstGeom prst="roundRect">
+            <a:avLst/>
+          </a:prstGeom>
+          <a:solidFill>
+            <a:srgbClr val="252323"/>
+          </a:solidFill>
+          <a:ln>
+            <a:noFill/>
+          </a:ln>
+        </p:spPr>
+        <p:style>
+          <a:lnRef idx="2">
+            <a:schemeClr val="accent1">
+              <a:shade val="50000"/>
+            </a:schemeClr>
+          </a:lnRef>
+          <a:fillRef idx="1">
+            <a:schemeClr val="accent1"/>
+          </a:fillRef>
+          <a:effectRef idx="0">
+            <a:schemeClr val="accent1"/>
+          </a:effectRef>
+          <a:fontRef idx="minor">
+            <a:schemeClr val="lt1"/>
+          </a:fontRef>
+        </p:style>
+        <p:txBody>
+          <a:bodyPr rtlCol="0" anchor="ctr"/>
+          <a:lstStyle/>
+          <a:p>
+            <a:pPr algn="ctr"/>
+            <a:r>
+              <a:rPr lang="en-US" sz="2400" dirty="0" err="1">
                 <a:solidFill>
-                  <a:srgbClr val="666666"/>
+                  <a:srgbClr val="F7E1D7"/>
                 </a:solidFill>
-                <a:effectLst/>
-                <a:latin typeface="Gotham"/>
               </a:rPr>
-              <a:t>Castelfidardo (AN)</a:t>
-            </a:r>
-            <a:br>
-              <a:rPr lang="it-IT" dirty="0"/>
-            </a:br>
-            <a:br>
-              <a:rPr lang="it-IT" dirty="0"/>
-            </a:br>
-            <a:r>
-              <a:rPr lang="it-IT" b="1" i="0" dirty="0">
-                <a:solidFill>
-                  <a:srgbClr val="666666"/>
-                </a:solidFill>
-                <a:effectLst/>
-                <a:latin typeface="Gotham"/>
-              </a:rPr>
-              <a:t>AIR FORCE S.P.A.</a:t>
-            </a:r>
-            <a:br>
-              <a:rPr lang="it-IT" dirty="0"/>
-            </a:br>
-            <a:r>
-              <a:rPr lang="it-IT" b="0" i="0" dirty="0" err="1">
-                <a:solidFill>
-                  <a:srgbClr val="666666"/>
-                </a:solidFill>
-                <a:effectLst/>
-                <a:latin typeface="Gotham"/>
-              </a:rPr>
-              <a:t>Fraz</a:t>
-            </a:r>
-            <a:r>
-              <a:rPr lang="it-IT" b="0" i="0" dirty="0">
-                <a:solidFill>
-                  <a:srgbClr val="666666"/>
-                </a:solidFill>
-                <a:effectLst/>
-                <a:latin typeface="Gotham"/>
-              </a:rPr>
-              <a:t>. Ca' Maiano 140/E</a:t>
-            </a:r>
-            <a:br>
-              <a:rPr lang="it-IT" dirty="0"/>
-            </a:br>
-            <a:r>
-              <a:rPr lang="it-IT" b="0" i="0" dirty="0">
-                <a:solidFill>
-                  <a:srgbClr val="666666"/>
-                </a:solidFill>
-                <a:effectLst/>
-                <a:latin typeface="Gotham"/>
-              </a:rPr>
-              <a:t>60044 Fabriano (AN)</a:t>
-            </a:r>
-            <a:br>
-              <a:rPr lang="it-IT" dirty="0"/>
-            </a:br>
-            <a:r>
-              <a:rPr lang="it-IT" b="0" i="0" dirty="0">
-                <a:solidFill>
-                  <a:srgbClr val="666666"/>
-                </a:solidFill>
-                <a:effectLst/>
-                <a:latin typeface="Gotham"/>
-              </a:rPr>
-              <a:t>C.F. 01474440425</a:t>
-            </a:r>
-          </a:p>
-          <a:p>
-            <a:pPr marL="342900" indent="-342900">
-              <a:buFont typeface="+mj-lt"/>
-              <a:buAutoNum type="arabicPeriod"/>
-            </a:pPr>
-            <a:r>
-              <a:rPr lang="it-IT" b="1" i="0" dirty="0">
-                <a:solidFill>
-                  <a:srgbClr val="666666"/>
-                </a:solidFill>
-                <a:effectLst/>
-                <a:latin typeface="Gotham"/>
-              </a:rPr>
-              <a:t>ELICAMEX S.A. DE C.V.</a:t>
-            </a:r>
-            <a:br>
-              <a:rPr lang="it-IT" dirty="0"/>
-            </a:br>
-            <a:r>
-              <a:rPr lang="it-IT" b="0" i="0" dirty="0">
-                <a:effectLst/>
-                <a:latin typeface="Gotham"/>
-              </a:rPr>
-              <a:t>Controllata 100% (direttamente 98%, indirettamente 2% EGP)</a:t>
-            </a:r>
-            <a:br>
-              <a:rPr lang="it-IT" dirty="0"/>
-            </a:br>
-            <a:r>
-              <a:rPr lang="it-IT" b="0" i="0" dirty="0">
-                <a:solidFill>
-                  <a:srgbClr val="666666"/>
-                </a:solidFill>
-                <a:effectLst/>
-                <a:latin typeface="Gotham"/>
-              </a:rPr>
-              <a:t>Avenida la Noria (</a:t>
-            </a:r>
-            <a:r>
-              <a:rPr lang="it-IT" b="0" i="0" dirty="0" err="1">
-                <a:solidFill>
-                  <a:srgbClr val="666666"/>
-                </a:solidFill>
-                <a:effectLst/>
-                <a:latin typeface="Gotham"/>
-              </a:rPr>
-              <a:t>Prolongación</a:t>
-            </a:r>
-            <a:r>
-              <a:rPr lang="it-IT" b="0" i="0" dirty="0">
-                <a:solidFill>
-                  <a:srgbClr val="666666"/>
-                </a:solidFill>
-                <a:effectLst/>
-                <a:latin typeface="Gotham"/>
-              </a:rPr>
-              <a:t>) 102, </a:t>
-            </a:r>
-            <a:r>
-              <a:rPr lang="it-IT" b="0" i="0" dirty="0" err="1">
-                <a:solidFill>
-                  <a:srgbClr val="666666"/>
-                </a:solidFill>
-                <a:effectLst/>
-                <a:latin typeface="Gotham"/>
-              </a:rPr>
-              <a:t>Ampliación</a:t>
-            </a:r>
-            <a:r>
-              <a:rPr lang="it-IT" b="0" i="0" dirty="0">
-                <a:solidFill>
-                  <a:srgbClr val="666666"/>
-                </a:solidFill>
-                <a:effectLst/>
-                <a:latin typeface="Gotham"/>
-              </a:rPr>
-              <a:t> </a:t>
-            </a:r>
-            <a:r>
-              <a:rPr lang="it-IT" b="0" i="0" dirty="0" err="1">
-                <a:solidFill>
-                  <a:srgbClr val="666666"/>
-                </a:solidFill>
-                <a:effectLst/>
-                <a:latin typeface="Gotham"/>
-              </a:rPr>
-              <a:t>Parque</a:t>
-            </a:r>
-            <a:r>
-              <a:rPr lang="it-IT" b="0" i="0" dirty="0">
-                <a:solidFill>
-                  <a:srgbClr val="666666"/>
-                </a:solidFill>
-                <a:effectLst/>
-                <a:latin typeface="Gotham"/>
-              </a:rPr>
-              <a:t> Industrial Querétaro,</a:t>
-            </a:r>
-            <a:br>
-              <a:rPr lang="it-IT" dirty="0"/>
-            </a:br>
-            <a:r>
-              <a:rPr lang="it-IT" b="0" i="0" dirty="0">
-                <a:solidFill>
-                  <a:srgbClr val="666666"/>
-                </a:solidFill>
-                <a:effectLst/>
-                <a:latin typeface="Gotham"/>
-              </a:rPr>
-              <a:t>Querétaro, Cp 76215</a:t>
-            </a:r>
-            <a:br>
-              <a:rPr lang="it-IT" dirty="0"/>
-            </a:br>
-            <a:r>
-              <a:rPr lang="it-IT" b="0" i="0" dirty="0">
-                <a:solidFill>
-                  <a:srgbClr val="666666"/>
-                </a:solidFill>
-                <a:effectLst/>
-                <a:latin typeface="Gotham"/>
-              </a:rPr>
-              <a:t>C.F. ELI060102RK8</a:t>
-            </a:r>
-          </a:p>
-          <a:p>
-            <a:pPr marL="342900" indent="-342900">
-              <a:buFont typeface="+mj-lt"/>
-              <a:buAutoNum type="arabicPeriod"/>
-            </a:pPr>
-            <a:r>
-              <a:rPr lang="it-IT" b="1" i="0" dirty="0">
-                <a:solidFill>
-                  <a:srgbClr val="666666"/>
-                </a:solidFill>
-                <a:effectLst/>
-                <a:latin typeface="Gotham"/>
-              </a:rPr>
-              <a:t>ELICA GROUP POLSKA SP.Z.O.O</a:t>
-            </a:r>
-            <a:br>
-              <a:rPr lang="it-IT" dirty="0"/>
-            </a:br>
-            <a:r>
-              <a:rPr lang="it-IT" b="0" i="0" dirty="0">
-                <a:effectLst/>
-                <a:latin typeface="Gotham"/>
-              </a:rPr>
-              <a:t>Controllata 100%</a:t>
-            </a:r>
-            <a:br>
-              <a:rPr lang="it-IT" dirty="0"/>
-            </a:br>
-            <a:r>
-              <a:rPr lang="it-IT" b="0" i="0" dirty="0" err="1">
-                <a:solidFill>
-                  <a:srgbClr val="666666"/>
-                </a:solidFill>
-                <a:effectLst/>
-                <a:latin typeface="Gotham"/>
-              </a:rPr>
-              <a:t>ul</a:t>
-            </a:r>
-            <a:r>
-              <a:rPr lang="it-IT" b="0" i="0" dirty="0">
-                <a:solidFill>
-                  <a:srgbClr val="666666"/>
-                </a:solidFill>
-                <a:effectLst/>
-                <a:latin typeface="Gotham"/>
-              </a:rPr>
-              <a:t>. </a:t>
-            </a:r>
-            <a:r>
-              <a:rPr lang="it-IT" b="0" i="0" dirty="0" err="1">
-                <a:solidFill>
-                  <a:srgbClr val="666666"/>
-                </a:solidFill>
-                <a:effectLst/>
-                <a:latin typeface="Gotham"/>
-              </a:rPr>
-              <a:t>Inzynierska</a:t>
-            </a:r>
-            <a:r>
-              <a:rPr lang="it-IT" b="0" i="0" dirty="0">
-                <a:solidFill>
-                  <a:srgbClr val="666666"/>
-                </a:solidFill>
-                <a:effectLst/>
-                <a:latin typeface="Gotham"/>
-              </a:rPr>
-              <a:t> 3, 55-221</a:t>
-            </a:r>
-            <a:br>
-              <a:rPr lang="it-IT" dirty="0"/>
-            </a:br>
-            <a:r>
-              <a:rPr lang="it-IT" b="0" i="0" dirty="0" err="1">
-                <a:solidFill>
-                  <a:srgbClr val="666666"/>
-                </a:solidFill>
-                <a:effectLst/>
-                <a:latin typeface="Gotham"/>
-              </a:rPr>
-              <a:t>Jelcz</a:t>
-            </a:r>
-            <a:r>
-              <a:rPr lang="it-IT" b="0" i="0" dirty="0">
-                <a:solidFill>
-                  <a:srgbClr val="666666"/>
-                </a:solidFill>
-                <a:effectLst/>
-                <a:latin typeface="Gotham"/>
-              </a:rPr>
-              <a:t> </a:t>
-            </a:r>
-            <a:r>
-              <a:rPr lang="it-IT" b="0" i="0" dirty="0" err="1">
-                <a:solidFill>
-                  <a:srgbClr val="666666"/>
-                </a:solidFill>
-                <a:effectLst/>
-                <a:latin typeface="Gotham"/>
-              </a:rPr>
-              <a:t>Laskowice</a:t>
-            </a:r>
-            <a:br>
-              <a:rPr lang="it-IT" dirty="0"/>
-            </a:br>
-            <a:r>
-              <a:rPr lang="it-IT" b="0" i="0" dirty="0">
-                <a:solidFill>
-                  <a:srgbClr val="666666"/>
-                </a:solidFill>
-                <a:effectLst/>
-                <a:latin typeface="Gotham"/>
-              </a:rPr>
-              <a:t>53-017 Wroclaw</a:t>
-            </a:r>
-          </a:p>
-          <a:p>
-            <a:pPr marL="342900" indent="-342900">
-              <a:buFont typeface="+mj-lt"/>
-              <a:buAutoNum type="arabicPeriod"/>
-            </a:pPr>
-            <a:r>
-              <a:rPr lang="it-IT" b="1" i="0" dirty="0">
-                <a:solidFill>
-                  <a:srgbClr val="666666"/>
-                </a:solidFill>
-                <a:effectLst/>
-                <a:latin typeface="Gotham"/>
-              </a:rPr>
-              <a:t>ZHEJIANG ELICA PUTIAN ELECTRIC CO., LTD</a:t>
-            </a:r>
-            <a:br>
-              <a:rPr lang="it-IT" dirty="0"/>
-            </a:br>
-            <a:r>
-              <a:rPr lang="it-IT" b="0" i="0" dirty="0">
-                <a:effectLst/>
-                <a:latin typeface="Gotham"/>
-              </a:rPr>
-              <a:t>Controllata 99%</a:t>
-            </a:r>
-            <a:br>
-              <a:rPr lang="it-IT" dirty="0"/>
-            </a:br>
-            <a:r>
-              <a:rPr lang="it-IT" b="0" i="0" dirty="0">
-                <a:solidFill>
-                  <a:srgbClr val="666666"/>
-                </a:solidFill>
-                <a:effectLst/>
-                <a:latin typeface="Gotham"/>
-              </a:rPr>
-              <a:t>No.88 </a:t>
-            </a:r>
-            <a:r>
-              <a:rPr lang="it-IT" b="0" i="0" dirty="0" err="1">
-                <a:solidFill>
-                  <a:srgbClr val="666666"/>
-                </a:solidFill>
-                <a:effectLst/>
-                <a:latin typeface="Gotham"/>
-              </a:rPr>
-              <a:t>Putian</a:t>
-            </a:r>
-            <a:r>
-              <a:rPr lang="it-IT" b="0" i="0" dirty="0">
-                <a:solidFill>
-                  <a:srgbClr val="666666"/>
-                </a:solidFill>
-                <a:effectLst/>
-                <a:latin typeface="Gotham"/>
-              </a:rPr>
-              <a:t> Avenue,</a:t>
-            </a:r>
-            <a:br>
-              <a:rPr lang="it-IT" dirty="0"/>
-            </a:br>
-            <a:r>
-              <a:rPr lang="it-IT" b="0" i="0" dirty="0" err="1">
-                <a:solidFill>
-                  <a:srgbClr val="666666"/>
-                </a:solidFill>
-                <a:effectLst/>
-                <a:latin typeface="Gotham"/>
-              </a:rPr>
-              <a:t>Shengzhou</a:t>
-            </a:r>
-            <a:r>
-              <a:rPr lang="it-IT" b="0" i="0" dirty="0">
-                <a:solidFill>
-                  <a:srgbClr val="666666"/>
-                </a:solidFill>
-                <a:effectLst/>
-                <a:latin typeface="Gotham"/>
-              </a:rPr>
-              <a:t>, Zhejiang</a:t>
-            </a:r>
-            <a:endParaRPr lang="en-US" dirty="0"/>
+              <a:t>Descrizione</a:t>
+            </a:r>
+            <a:endParaRPr lang="it-IT" sz="3600" dirty="0">
+              <a:solidFill>
+                <a:srgbClr val="F7E1D7"/>
+              </a:solidFill>
+            </a:endParaRPr>
           </a:p>
         </p:txBody>
       </p:sp>
@@ -6686,6 +9325,20 @@
             <a:off x="3203106" y="2141537"/>
             <a:ext cx="8150694" cy="4351338"/>
           </a:xfrm>
+          <a:prstGeom prst="roundRect">
+            <a:avLst>
+              <a:gd name="adj" fmla="val 8594"/>
+            </a:avLst>
+          </a:prstGeom>
+          <a:solidFill>
+            <a:srgbClr val="FFFFFF">
+              <a:shade val="85000"/>
+            </a:srgbClr>
+          </a:solidFill>
+          <a:ln>
+            <a:noFill/>
+          </a:ln>
+          <a:effectLst/>
         </p:spPr>
       </p:pic>
     </p:spTree>

--- a/I Due Moschettieri.pptx
+++ b/I Due Moschettieri.pptx
@@ -3050,7 +3050,7 @@
           <a:p>
             <a:fld id="{C968EBBE-33B4-4E6F-87FD-67FDCAADDDA7}" type="slidenum">
               <a:rPr lang="it-IT" smtClean="0"/>
-              <a:t>‹#›</a:t>
+              <a:t>‹N›</a:t>
             </a:fld>
             <a:endParaRPr lang="it-IT"/>
           </a:p>
@@ -3250,7 +3250,7 @@
           <a:p>
             <a:fld id="{C968EBBE-33B4-4E6F-87FD-67FDCAADDDA7}" type="slidenum">
               <a:rPr lang="it-IT" smtClean="0"/>
-              <a:t>‹#›</a:t>
+              <a:t>‹N›</a:t>
             </a:fld>
             <a:endParaRPr lang="it-IT"/>
           </a:p>
@@ -3460,7 +3460,7 @@
           <a:p>
             <a:fld id="{C968EBBE-33B4-4E6F-87FD-67FDCAADDDA7}" type="slidenum">
               <a:rPr lang="it-IT" smtClean="0"/>
-              <a:t>‹#›</a:t>
+              <a:t>‹N›</a:t>
             </a:fld>
             <a:endParaRPr lang="it-IT"/>
           </a:p>
@@ -3660,7 +3660,7 @@
           <a:p>
             <a:fld id="{C968EBBE-33B4-4E6F-87FD-67FDCAADDDA7}" type="slidenum">
               <a:rPr lang="it-IT" smtClean="0"/>
-              <a:t>‹#›</a:t>
+              <a:t>‹N›</a:t>
             </a:fld>
             <a:endParaRPr lang="it-IT"/>
           </a:p>
@@ -3936,7 +3936,7 @@
           <a:p>
             <a:fld id="{C968EBBE-33B4-4E6F-87FD-67FDCAADDDA7}" type="slidenum">
               <a:rPr lang="it-IT" smtClean="0"/>
-              <a:t>‹#›</a:t>
+              <a:t>‹N›</a:t>
             </a:fld>
             <a:endParaRPr lang="it-IT"/>
           </a:p>
@@ -4204,7 +4204,7 @@
           <a:p>
             <a:fld id="{C968EBBE-33B4-4E6F-87FD-67FDCAADDDA7}" type="slidenum">
               <a:rPr lang="it-IT" smtClean="0"/>
-              <a:t>‹#›</a:t>
+              <a:t>‹N›</a:t>
             </a:fld>
             <a:endParaRPr lang="it-IT"/>
           </a:p>
@@ -4619,7 +4619,7 @@
           <a:p>
             <a:fld id="{C968EBBE-33B4-4E6F-87FD-67FDCAADDDA7}" type="slidenum">
               <a:rPr lang="it-IT" smtClean="0"/>
-              <a:t>‹#›</a:t>
+              <a:t>‹N›</a:t>
             </a:fld>
             <a:endParaRPr lang="it-IT"/>
           </a:p>
@@ -4761,7 +4761,7 @@
           <a:p>
             <a:fld id="{C968EBBE-33B4-4E6F-87FD-67FDCAADDDA7}" type="slidenum">
               <a:rPr lang="it-IT" smtClean="0"/>
-              <a:t>‹#›</a:t>
+              <a:t>‹N›</a:t>
             </a:fld>
             <a:endParaRPr lang="it-IT"/>
           </a:p>
@@ -4874,7 +4874,7 @@
           <a:p>
             <a:fld id="{C968EBBE-33B4-4E6F-87FD-67FDCAADDDA7}" type="slidenum">
               <a:rPr lang="it-IT" smtClean="0"/>
-              <a:t>‹#›</a:t>
+              <a:t>‹N›</a:t>
             </a:fld>
             <a:endParaRPr lang="it-IT"/>
           </a:p>
@@ -5187,7 +5187,7 @@
           <a:p>
             <a:fld id="{C968EBBE-33B4-4E6F-87FD-67FDCAADDDA7}" type="slidenum">
               <a:rPr lang="it-IT" smtClean="0"/>
-              <a:t>‹#›</a:t>
+              <a:t>‹N›</a:t>
             </a:fld>
             <a:endParaRPr lang="it-IT"/>
           </a:p>
@@ -5476,7 +5476,7 @@
           <a:p>
             <a:fld id="{C968EBBE-33B4-4E6F-87FD-67FDCAADDDA7}" type="slidenum">
               <a:rPr lang="it-IT" smtClean="0"/>
-              <a:t>‹#›</a:t>
+              <a:t>‹N›</a:t>
             </a:fld>
             <a:endParaRPr lang="it-IT"/>
           </a:p>
@@ -5770,7 +5770,7 @@
           <a:p>
             <a:fld id="{C968EBBE-33B4-4E6F-87FD-67FDCAADDDA7}" type="slidenum">
               <a:rPr lang="it-IT" smtClean="0"/>
-              <a:t>‹#›</a:t>
+              <a:t>‹N›</a:t>
             </a:fld>
             <a:endParaRPr lang="it-IT"/>
           </a:p>
@@ -6765,36 +6765,41 @@
           </a:p>
         </p:txBody>
       </p:sp>
-      <p:sp>
-        <p:nvSpPr>
-          <p:cNvPr id="7" name="Content Placeholder 6">
-            <a:extLst>
-              <a:ext uri="{FF2B5EF4-FFF2-40B4-BE49-F238E27FC236}">
-                <a16:creationId xmlns:a16="http://schemas.microsoft.com/office/drawing/2014/main" id="{8DEEBC6B-9DCB-FA44-5F4B-BB6C2DAC9E14}"/>
-              </a:ext>
-            </a:extLst>
-          </p:cNvPr>
-          <p:cNvSpPr>
-            <a:spLocks noGrp="1"/>
-          </p:cNvSpPr>
+      <p:pic>
+        <p:nvPicPr>
+          <p:cNvPr id="10" name="Segnaposto contenuto 9" descr="Immagine che contiene Viso umano, persona, sopracciglio, ritratto&#10;&#10;Descrizione generata automaticamente">
+            <a:extLst>
+              <a:ext uri="{FF2B5EF4-FFF2-40B4-BE49-F238E27FC236}">
+                <a16:creationId xmlns:a16="http://schemas.microsoft.com/office/drawing/2014/main" id="{CB55FBD5-9B69-59A1-C37D-82110577A14E}"/>
+              </a:ext>
+            </a:extLst>
+          </p:cNvPr>
+          <p:cNvPicPr>
+            <a:picLocks noGrp="1" noChangeAspect="1"/>
+          </p:cNvPicPr>
           <p:nvPr>
             <p:ph sz="quarter" idx="4"/>
           </p:nvPr>
-        </p:nvSpPr>
-        <p:spPr/>
-        <p:txBody>
-          <a:bodyPr anchor="ctr"/>
-          <a:lstStyle/>
-          <a:p>
-            <a:pPr algn="ctr"/>
-            <a:r>
-              <a:rPr lang="en-US" dirty="0"/>
-              <a:t>(FOTO)</a:t>
-            </a:r>
-            <a:endParaRPr lang="it-IT" dirty="0"/>
-          </a:p>
-        </p:txBody>
-      </p:sp>
+        </p:nvPicPr>
+        <p:blipFill>
+          <a:blip r:embed="rId2">
+            <a:extLst>
+              <a:ext uri="{28A0092B-C50C-407E-A947-70E740481C1C}">
+                <a14:useLocalDpi xmlns:a14="http://schemas.microsoft.com/office/drawing/2010/main" val="0"/>
+              </a:ext>
+            </a:extLst>
+          </a:blip>
+          <a:stretch>
+            <a:fillRect/>
+          </a:stretch>
+        </p:blipFill>
+        <p:spPr>
+          <a:xfrm>
+            <a:off x="7618614" y="2677193"/>
+            <a:ext cx="2276756" cy="2928144"/>
+          </a:xfrm>
+        </p:spPr>
+      </p:pic>
       <p:sp>
         <p:nvSpPr>
           <p:cNvPr id="3" name="Content Placeholder 4">

--- a/I Due Moschettieri.pptx
+++ b/I Due Moschettieri.pptx
@@ -3050,7 +3050,7 @@
           <a:p>
             <a:fld id="{C968EBBE-33B4-4E6F-87FD-67FDCAADDDA7}" type="slidenum">
               <a:rPr lang="it-IT" smtClean="0"/>
-              <a:t>‹N›</a:t>
+              <a:t>‹#›</a:t>
             </a:fld>
             <a:endParaRPr lang="it-IT"/>
           </a:p>
@@ -3250,7 +3250,7 @@
           <a:p>
             <a:fld id="{C968EBBE-33B4-4E6F-87FD-67FDCAADDDA7}" type="slidenum">
               <a:rPr lang="it-IT" smtClean="0"/>
-              <a:t>‹N›</a:t>
+              <a:t>‹#›</a:t>
             </a:fld>
             <a:endParaRPr lang="it-IT"/>
           </a:p>
@@ -3460,7 +3460,7 @@
           <a:p>
             <a:fld id="{C968EBBE-33B4-4E6F-87FD-67FDCAADDDA7}" type="slidenum">
               <a:rPr lang="it-IT" smtClean="0"/>
-              <a:t>‹N›</a:t>
+              <a:t>‹#›</a:t>
             </a:fld>
             <a:endParaRPr lang="it-IT"/>
           </a:p>
@@ -3660,7 +3660,7 @@
           <a:p>
             <a:fld id="{C968EBBE-33B4-4E6F-87FD-67FDCAADDDA7}" type="slidenum">
               <a:rPr lang="it-IT" smtClean="0"/>
-              <a:t>‹N›</a:t>
+              <a:t>‹#›</a:t>
             </a:fld>
             <a:endParaRPr lang="it-IT"/>
           </a:p>
@@ -3936,7 +3936,7 @@
           <a:p>
             <a:fld id="{C968EBBE-33B4-4E6F-87FD-67FDCAADDDA7}" type="slidenum">
               <a:rPr lang="it-IT" smtClean="0"/>
-              <a:t>‹N›</a:t>
+              <a:t>‹#›</a:t>
             </a:fld>
             <a:endParaRPr lang="it-IT"/>
           </a:p>
@@ -4204,7 +4204,7 @@
           <a:p>
             <a:fld id="{C968EBBE-33B4-4E6F-87FD-67FDCAADDDA7}" type="slidenum">
               <a:rPr lang="it-IT" smtClean="0"/>
-              <a:t>‹N›</a:t>
+              <a:t>‹#›</a:t>
             </a:fld>
             <a:endParaRPr lang="it-IT"/>
           </a:p>
@@ -4619,7 +4619,7 @@
           <a:p>
             <a:fld id="{C968EBBE-33B4-4E6F-87FD-67FDCAADDDA7}" type="slidenum">
               <a:rPr lang="it-IT" smtClean="0"/>
-              <a:t>‹N›</a:t>
+              <a:t>‹#›</a:t>
             </a:fld>
             <a:endParaRPr lang="it-IT"/>
           </a:p>
@@ -4761,7 +4761,7 @@
           <a:p>
             <a:fld id="{C968EBBE-33B4-4E6F-87FD-67FDCAADDDA7}" type="slidenum">
               <a:rPr lang="it-IT" smtClean="0"/>
-              <a:t>‹N›</a:t>
+              <a:t>‹#›</a:t>
             </a:fld>
             <a:endParaRPr lang="it-IT"/>
           </a:p>
@@ -4874,7 +4874,7 @@
           <a:p>
             <a:fld id="{C968EBBE-33B4-4E6F-87FD-67FDCAADDDA7}" type="slidenum">
               <a:rPr lang="it-IT" smtClean="0"/>
-              <a:t>‹N›</a:t>
+              <a:t>‹#›</a:t>
             </a:fld>
             <a:endParaRPr lang="it-IT"/>
           </a:p>
@@ -5187,7 +5187,7 @@
           <a:p>
             <a:fld id="{C968EBBE-33B4-4E6F-87FD-67FDCAADDDA7}" type="slidenum">
               <a:rPr lang="it-IT" smtClean="0"/>
-              <a:t>‹N›</a:t>
+              <a:t>‹#›</a:t>
             </a:fld>
             <a:endParaRPr lang="it-IT"/>
           </a:p>
@@ -5476,7 +5476,7 @@
           <a:p>
             <a:fld id="{C968EBBE-33B4-4E6F-87FD-67FDCAADDDA7}" type="slidenum">
               <a:rPr lang="it-IT" smtClean="0"/>
-              <a:t>‹N›</a:t>
+              <a:t>‹#›</a:t>
             </a:fld>
             <a:endParaRPr lang="it-IT"/>
           </a:p>
@@ -5770,7 +5770,7 @@
           <a:p>
             <a:fld id="{C968EBBE-33B4-4E6F-87FD-67FDCAADDDA7}" type="slidenum">
               <a:rPr lang="it-IT" smtClean="0"/>
-              <a:t>‹N›</a:t>
+              <a:t>‹#›</a:t>
             </a:fld>
             <a:endParaRPr lang="it-IT"/>
           </a:p>
@@ -6795,9 +6795,23 @@
         </p:blipFill>
         <p:spPr>
           <a:xfrm>
-            <a:off x="7618614" y="2677193"/>
-            <a:ext cx="2276756" cy="2928144"/>
+            <a:off x="7445653" y="2648136"/>
+            <a:ext cx="2636281" cy="3390530"/>
           </a:xfrm>
+          <a:prstGeom prst="roundRect">
+            <a:avLst>
+              <a:gd name="adj" fmla="val 8594"/>
+            </a:avLst>
+          </a:prstGeom>
+          <a:solidFill>
+            <a:srgbClr val="FFFFFF">
+              <a:shade val="85000"/>
+            </a:srgbClr>
+          </a:solidFill>
+          <a:ln>
+            <a:noFill/>
+          </a:ln>
+          <a:effectLst/>
         </p:spPr>
       </p:pic>
       <p:sp>
@@ -7798,123 +7812,6 @@
           </a:p>
         </p:txBody>
       </p:sp>
-      <p:sp>
-        <p:nvSpPr>
-          <p:cNvPr id="4" name="Text Placeholder 3">
-            <a:extLst>
-              <a:ext uri="{FF2B5EF4-FFF2-40B4-BE49-F238E27FC236}">
-                <a16:creationId xmlns:a16="http://schemas.microsoft.com/office/drawing/2014/main" id="{64CDF323-AEC0-01BC-2794-E0C48488A2E7}"/>
-              </a:ext>
-            </a:extLst>
-          </p:cNvPr>
-          <p:cNvSpPr>
-            <a:spLocks noGrp="1"/>
-          </p:cNvSpPr>
-          <p:nvPr>
-            <p:ph type="body" sz="half" idx="2"/>
-          </p:nvPr>
-        </p:nvSpPr>
-        <p:spPr>
-          <a:xfrm>
-            <a:off x="9336931" y="3407283"/>
-            <a:ext cx="2623952" cy="3372622"/>
-          </a:xfrm>
-        </p:spPr>
-        <p:txBody>
-          <a:bodyPr>
-            <a:normAutofit/>
-          </a:bodyPr>
-          <a:lstStyle/>
-          <a:p>
-            <a:r>
-              <a:rPr lang="en-US" dirty="0" err="1"/>
-              <a:t>Descrizione</a:t>
-            </a:r>
-            <a:r>
-              <a:rPr lang="en-US" dirty="0"/>
-              <a:t>:</a:t>
-            </a:r>
-          </a:p>
-          <a:p>
-            <a:r>
-              <a:rPr lang="en-US" dirty="0" err="1"/>
-              <a:t>Elica</a:t>
-            </a:r>
-            <a:r>
-              <a:rPr lang="en-US" dirty="0"/>
-              <a:t> S.p.A.</a:t>
-            </a:r>
-            <a:r>
-              <a:rPr lang="it-IT" dirty="0"/>
-              <a:t>, leader mondiale dei sistemi di aspirazione in cucina.</a:t>
-            </a:r>
-          </a:p>
-          <a:p>
-            <a:r>
-              <a:rPr lang="it-IT" dirty="0"/>
-              <a:t>Localizzazione: </a:t>
-            </a:r>
-          </a:p>
-          <a:p>
-            <a:r>
-              <a:rPr lang="it-IT" b="1" i="0" dirty="0">
-                <a:effectLst/>
-                <a:latin typeface="Gotham"/>
-              </a:rPr>
-              <a:t>ELICA S.P.A.</a:t>
-            </a:r>
-            <a:br>
-              <a:rPr lang="it-IT" dirty="0"/>
-            </a:br>
-            <a:r>
-              <a:rPr lang="it-IT" b="0" i="0" dirty="0">
-                <a:effectLst/>
-                <a:latin typeface="Gotham"/>
-              </a:rPr>
-              <a:t>60044 Fabriano</a:t>
-            </a:r>
-            <a:br>
-              <a:rPr lang="it-IT" dirty="0"/>
-            </a:br>
-            <a:r>
-              <a:rPr lang="it-IT" b="0" i="0" dirty="0">
-                <a:effectLst/>
-                <a:latin typeface="Gotham"/>
-              </a:rPr>
-              <a:t>Mergo - Cerreto</a:t>
-            </a:r>
-            <a:br>
-              <a:rPr lang="it-IT" dirty="0"/>
-            </a:br>
-            <a:r>
-              <a:rPr lang="it-IT" b="0" i="0" dirty="0">
-                <a:effectLst/>
-                <a:latin typeface="Gotham"/>
-              </a:rPr>
-              <a:t>Via Ermanno Casoli, 2</a:t>
-            </a:r>
-          </a:p>
-          <a:p>
-            <a:r>
-              <a:rPr lang="it-IT" dirty="0">
-                <a:latin typeface="Gotham"/>
-              </a:rPr>
-              <a:t>Settore:</a:t>
-            </a:r>
-          </a:p>
-          <a:p>
-            <a:r>
-              <a:rPr lang="it-IT" dirty="0">
-                <a:latin typeface="Gotham"/>
-              </a:rPr>
-              <a:t>Dimensione:</a:t>
-            </a:r>
-          </a:p>
-          <a:p>
-            <a:endParaRPr lang="en-US" dirty="0"/>
-          </a:p>
-        </p:txBody>
-      </p:sp>
       <p:graphicFrame>
         <p:nvGraphicFramePr>
           <p:cNvPr id="10" name="Diagram 9">
@@ -8137,8 +8034,8 @@
         </p:nvSpPr>
         <p:spPr>
           <a:xfrm>
-            <a:off x="308162" y="1062203"/>
-            <a:ext cx="1786645" cy="625282"/>
+            <a:off x="888609" y="1057259"/>
+            <a:ext cx="1005249" cy="625282"/>
           </a:xfrm>
           <a:prstGeom prst="roundRect">
             <a:avLst/>
@@ -8172,16 +8069,767 @@
           <a:p>
             <a:pPr algn="ctr"/>
             <a:r>
+              <a:rPr lang="en-US" sz="2400" dirty="0">
+                <a:solidFill>
+                  <a:srgbClr val="F7E1D7"/>
+                </a:solidFill>
+              </a:rPr>
+              <a:t>Tipo</a:t>
+            </a:r>
+            <a:endParaRPr lang="it-IT" sz="3600" dirty="0">
+              <a:solidFill>
+                <a:srgbClr val="F7E1D7"/>
+              </a:solidFill>
+            </a:endParaRPr>
+          </a:p>
+        </p:txBody>
+      </p:sp>
+      <p:sp>
+        <p:nvSpPr>
+          <p:cNvPr id="2" name="Rectangle: Rounded Corners 1">
+            <a:extLst>
+              <a:ext uri="{FF2B5EF4-FFF2-40B4-BE49-F238E27FC236}">
+                <a16:creationId xmlns:a16="http://schemas.microsoft.com/office/drawing/2014/main" id="{A745A8E8-D358-95E0-9483-3623D00F353E}"/>
+              </a:ext>
+            </a:extLst>
+          </p:cNvPr>
+          <p:cNvSpPr/>
+          <p:nvPr/>
+        </p:nvSpPr>
+        <p:spPr>
+          <a:xfrm>
+            <a:off x="1893858" y="1686488"/>
+            <a:ext cx="3225398" cy="1120029"/>
+          </a:xfrm>
+          <a:prstGeom prst="roundRect">
+            <a:avLst/>
+          </a:prstGeom>
+          <a:solidFill>
+            <a:srgbClr val="F7E1D7"/>
+          </a:solidFill>
+          <a:ln>
+            <a:noFill/>
+          </a:ln>
+        </p:spPr>
+        <p:style>
+          <a:lnRef idx="2">
+            <a:schemeClr val="accent1">
+              <a:shade val="50000"/>
+            </a:schemeClr>
+          </a:lnRef>
+          <a:fillRef idx="1">
+            <a:schemeClr val="accent1"/>
+          </a:fillRef>
+          <a:effectRef idx="0">
+            <a:schemeClr val="accent1"/>
+          </a:effectRef>
+          <a:fontRef idx="minor">
+            <a:schemeClr val="lt1"/>
+          </a:fontRef>
+        </p:style>
+        <p:txBody>
+          <a:bodyPr rtlCol="0" anchor="ctr"/>
+          <a:lstStyle/>
+          <a:p>
+            <a:r>
+              <a:rPr lang="en-US" dirty="0" err="1">
+                <a:solidFill>
+                  <a:srgbClr val="252323"/>
+                </a:solidFill>
+              </a:rPr>
+              <a:t>Societ</a:t>
+            </a:r>
+            <a:r>
+              <a:rPr lang="it-IT" dirty="0">
+                <a:solidFill>
+                  <a:srgbClr val="252323"/>
+                </a:solidFill>
+              </a:rPr>
+              <a:t>à</a:t>
+            </a:r>
+            <a:r>
+              <a:rPr lang="en-US" dirty="0">
+                <a:solidFill>
+                  <a:srgbClr val="252323"/>
+                </a:solidFill>
+              </a:rPr>
+              <a:t> di </a:t>
+            </a:r>
+            <a:r>
+              <a:rPr lang="en-US" dirty="0" err="1">
+                <a:solidFill>
+                  <a:srgbClr val="252323"/>
+                </a:solidFill>
+              </a:rPr>
+              <a:t>capitali</a:t>
+            </a:r>
+            <a:r>
+              <a:rPr lang="en-US" dirty="0">
+                <a:solidFill>
+                  <a:srgbClr val="252323"/>
+                </a:solidFill>
+              </a:rPr>
+              <a:t>, in </a:t>
+            </a:r>
+            <a:r>
+              <a:rPr lang="en-US" dirty="0" err="1">
+                <a:solidFill>
+                  <a:srgbClr val="252323"/>
+                </a:solidFill>
+              </a:rPr>
+              <a:t>particolare</a:t>
+            </a:r>
+            <a:r>
+              <a:rPr lang="en-US" dirty="0">
+                <a:solidFill>
+                  <a:srgbClr val="252323"/>
+                </a:solidFill>
+              </a:rPr>
+              <a:t> </a:t>
+            </a:r>
+            <a:r>
+              <a:rPr lang="en-US" dirty="0" err="1">
+                <a:solidFill>
+                  <a:srgbClr val="252323"/>
+                </a:solidFill>
+              </a:rPr>
+              <a:t>s.p.a</a:t>
+            </a:r>
+            <a:r>
+              <a:rPr lang="en-US" dirty="0">
+                <a:solidFill>
+                  <a:srgbClr val="252323"/>
+                </a:solidFill>
+              </a:rPr>
+              <a:t>. (</a:t>
+            </a:r>
+            <a:r>
+              <a:rPr lang="en-US" dirty="0" err="1">
+                <a:solidFill>
+                  <a:srgbClr val="252323"/>
+                </a:solidFill>
+              </a:rPr>
+              <a:t>societ</a:t>
+            </a:r>
+            <a:r>
+              <a:rPr lang="it-IT" dirty="0">
+                <a:solidFill>
+                  <a:srgbClr val="252323"/>
+                </a:solidFill>
+              </a:rPr>
+              <a:t>à</a:t>
+            </a:r>
+            <a:r>
+              <a:rPr lang="en-US" dirty="0">
+                <a:solidFill>
+                  <a:srgbClr val="252323"/>
+                </a:solidFill>
+              </a:rPr>
+              <a:t> per </a:t>
+            </a:r>
+            <a:r>
+              <a:rPr lang="en-US" dirty="0" err="1">
+                <a:solidFill>
+                  <a:srgbClr val="252323"/>
+                </a:solidFill>
+              </a:rPr>
+              <a:t>azioni</a:t>
+            </a:r>
+            <a:r>
+              <a:rPr lang="en-US" dirty="0">
+                <a:solidFill>
+                  <a:srgbClr val="252323"/>
+                </a:solidFill>
+              </a:rPr>
+              <a:t>), di </a:t>
+            </a:r>
+            <a:r>
+              <a:rPr lang="en-US" dirty="0" err="1">
+                <a:solidFill>
+                  <a:srgbClr val="252323"/>
+                </a:solidFill>
+              </a:rPr>
+              <a:t>grandi</a:t>
+            </a:r>
+            <a:r>
+              <a:rPr lang="en-US" dirty="0">
+                <a:solidFill>
+                  <a:srgbClr val="252323"/>
+                </a:solidFill>
+              </a:rPr>
+              <a:t> </a:t>
+            </a:r>
+            <a:r>
+              <a:rPr lang="en-US" dirty="0" err="1">
+                <a:solidFill>
+                  <a:srgbClr val="252323"/>
+                </a:solidFill>
+              </a:rPr>
+              <a:t>dimensioni</a:t>
+            </a:r>
+            <a:endParaRPr lang="it-IT" dirty="0">
+              <a:solidFill>
+                <a:srgbClr val="252323"/>
+              </a:solidFill>
+            </a:endParaRPr>
+          </a:p>
+        </p:txBody>
+      </p:sp>
+      <p:sp>
+        <p:nvSpPr>
+          <p:cNvPr id="3" name="Rectangle: Rounded Corners 2">
+            <a:extLst>
+              <a:ext uri="{FF2B5EF4-FFF2-40B4-BE49-F238E27FC236}">
+                <a16:creationId xmlns:a16="http://schemas.microsoft.com/office/drawing/2014/main" id="{47463643-1EB2-A0D1-8D57-3EF0231D7DFF}"/>
+              </a:ext>
+            </a:extLst>
+          </p:cNvPr>
+          <p:cNvSpPr/>
+          <p:nvPr/>
+        </p:nvSpPr>
+        <p:spPr>
+          <a:xfrm>
+            <a:off x="888610" y="3263178"/>
+            <a:ext cx="2036027" cy="625282"/>
+          </a:xfrm>
+          <a:prstGeom prst="roundRect">
+            <a:avLst/>
+          </a:prstGeom>
+          <a:solidFill>
+            <a:srgbClr val="252323"/>
+          </a:solidFill>
+          <a:ln>
+            <a:noFill/>
+          </a:ln>
+        </p:spPr>
+        <p:style>
+          <a:lnRef idx="2">
+            <a:schemeClr val="accent1">
+              <a:shade val="50000"/>
+            </a:schemeClr>
+          </a:lnRef>
+          <a:fillRef idx="1">
+            <a:schemeClr val="accent1"/>
+          </a:fillRef>
+          <a:effectRef idx="0">
+            <a:schemeClr val="accent1"/>
+          </a:effectRef>
+          <a:fontRef idx="minor">
+            <a:schemeClr val="lt1"/>
+          </a:fontRef>
+        </p:style>
+        <p:txBody>
+          <a:bodyPr rtlCol="0" anchor="ctr"/>
+          <a:lstStyle/>
+          <a:p>
+            <a:pPr algn="ctr"/>
+            <a:r>
               <a:rPr lang="en-US" sz="2400" dirty="0" err="1">
                 <a:solidFill>
                   <a:srgbClr val="F7E1D7"/>
                 </a:solidFill>
               </a:rPr>
-              <a:t>Descrizione</a:t>
+              <a:t>Localizzazione</a:t>
             </a:r>
             <a:endParaRPr lang="it-IT" sz="3600" dirty="0">
               <a:solidFill>
                 <a:srgbClr val="F7E1D7"/>
+              </a:solidFill>
+            </a:endParaRPr>
+          </a:p>
+        </p:txBody>
+      </p:sp>
+      <p:sp>
+        <p:nvSpPr>
+          <p:cNvPr id="5" name="Rectangle: Rounded Corners 4">
+            <a:extLst>
+              <a:ext uri="{FF2B5EF4-FFF2-40B4-BE49-F238E27FC236}">
+                <a16:creationId xmlns:a16="http://schemas.microsoft.com/office/drawing/2014/main" id="{B406FE3D-8AF6-C207-A149-496621FDD2A7}"/>
+              </a:ext>
+            </a:extLst>
+          </p:cNvPr>
+          <p:cNvSpPr/>
+          <p:nvPr/>
+        </p:nvSpPr>
+        <p:spPr>
+          <a:xfrm>
+            <a:off x="2924637" y="3889503"/>
+            <a:ext cx="2194619" cy="1101403"/>
+          </a:xfrm>
+          <a:prstGeom prst="roundRect">
+            <a:avLst/>
+          </a:prstGeom>
+          <a:solidFill>
+            <a:srgbClr val="F7E1D7"/>
+          </a:solidFill>
+          <a:ln>
+            <a:noFill/>
+          </a:ln>
+        </p:spPr>
+        <p:style>
+          <a:lnRef idx="2">
+            <a:schemeClr val="accent1">
+              <a:shade val="50000"/>
+            </a:schemeClr>
+          </a:lnRef>
+          <a:fillRef idx="1">
+            <a:schemeClr val="accent1"/>
+          </a:fillRef>
+          <a:effectRef idx="0">
+            <a:schemeClr val="accent1"/>
+          </a:effectRef>
+          <a:fontRef idx="minor">
+            <a:schemeClr val="lt1"/>
+          </a:fontRef>
+        </p:style>
+        <p:txBody>
+          <a:bodyPr rtlCol="0" anchor="ctr"/>
+          <a:lstStyle/>
+          <a:p>
+            <a:r>
+              <a:rPr lang="it-IT" sz="1600" b="1" i="0" dirty="0">
+                <a:solidFill>
+                  <a:srgbClr val="252323"/>
+                </a:solidFill>
+                <a:effectLst/>
+                <a:latin typeface="Gotham"/>
+              </a:rPr>
+              <a:t>ELICA S.P.A.</a:t>
+            </a:r>
+            <a:br>
+              <a:rPr lang="it-IT" sz="1600" dirty="0">
+                <a:solidFill>
+                  <a:srgbClr val="252323"/>
+                </a:solidFill>
+              </a:rPr>
+            </a:br>
+            <a:r>
+              <a:rPr lang="it-IT" sz="1600" b="0" i="0" dirty="0">
+                <a:solidFill>
+                  <a:srgbClr val="252323"/>
+                </a:solidFill>
+                <a:effectLst/>
+                <a:latin typeface="Gotham"/>
+              </a:rPr>
+              <a:t>60044 Fabriano</a:t>
+            </a:r>
+            <a:br>
+              <a:rPr lang="it-IT" sz="1600" dirty="0">
+                <a:solidFill>
+                  <a:srgbClr val="252323"/>
+                </a:solidFill>
+              </a:rPr>
+            </a:br>
+            <a:r>
+              <a:rPr lang="it-IT" sz="1600" b="0" i="0" dirty="0">
+                <a:solidFill>
+                  <a:srgbClr val="252323"/>
+                </a:solidFill>
+                <a:effectLst/>
+                <a:latin typeface="Gotham"/>
+              </a:rPr>
+              <a:t>Mergo - Cerreto</a:t>
+            </a:r>
+            <a:br>
+              <a:rPr lang="it-IT" sz="1600" dirty="0">
+                <a:solidFill>
+                  <a:srgbClr val="252323"/>
+                </a:solidFill>
+              </a:rPr>
+            </a:br>
+            <a:r>
+              <a:rPr lang="it-IT" sz="1600" b="0" i="0" dirty="0">
+                <a:solidFill>
+                  <a:srgbClr val="252323"/>
+                </a:solidFill>
+                <a:effectLst/>
+                <a:latin typeface="Gotham"/>
+              </a:rPr>
+              <a:t>Via Ermanno Casoli, 2</a:t>
+            </a:r>
+          </a:p>
+        </p:txBody>
+      </p:sp>
+      <p:sp>
+        <p:nvSpPr>
+          <p:cNvPr id="6" name="Rectangle: Rounded Corners 5">
+            <a:extLst>
+              <a:ext uri="{FF2B5EF4-FFF2-40B4-BE49-F238E27FC236}">
+                <a16:creationId xmlns:a16="http://schemas.microsoft.com/office/drawing/2014/main" id="{B9BEA61B-FEBE-F62C-01A1-6C8B27D8AEBC}"/>
+              </a:ext>
+            </a:extLst>
+          </p:cNvPr>
+          <p:cNvSpPr/>
+          <p:nvPr/>
+        </p:nvSpPr>
+        <p:spPr>
+          <a:xfrm>
+            <a:off x="6873339" y="2545408"/>
+            <a:ext cx="2901142" cy="717770"/>
+          </a:xfrm>
+          <a:prstGeom prst="roundRect">
+            <a:avLst/>
+          </a:prstGeom>
+          <a:solidFill>
+            <a:srgbClr val="F7E1D7"/>
+          </a:solidFill>
+          <a:ln>
+            <a:noFill/>
+          </a:ln>
+        </p:spPr>
+        <p:style>
+          <a:lnRef idx="2">
+            <a:schemeClr val="accent1">
+              <a:shade val="50000"/>
+            </a:schemeClr>
+          </a:lnRef>
+          <a:fillRef idx="1">
+            <a:schemeClr val="accent1"/>
+          </a:fillRef>
+          <a:effectRef idx="0">
+            <a:schemeClr val="accent1"/>
+          </a:effectRef>
+          <a:fontRef idx="minor">
+            <a:schemeClr val="lt1"/>
+          </a:fontRef>
+        </p:style>
+        <p:txBody>
+          <a:bodyPr rtlCol="0" anchor="ctr"/>
+          <a:lstStyle/>
+          <a:p>
+            <a:r>
+              <a:rPr lang="en-US" dirty="0">
+                <a:solidFill>
+                  <a:srgbClr val="252323"/>
+                </a:solidFill>
+              </a:rPr>
+              <a:t>L</a:t>
+            </a:r>
+            <a:r>
+              <a:rPr lang="it-IT" dirty="0" err="1">
+                <a:solidFill>
+                  <a:srgbClr val="252323"/>
+                </a:solidFill>
+              </a:rPr>
+              <a:t>eader</a:t>
+            </a:r>
+            <a:r>
+              <a:rPr lang="it-IT" dirty="0">
+                <a:solidFill>
+                  <a:srgbClr val="252323"/>
+                </a:solidFill>
+              </a:rPr>
+              <a:t> mondiale dei sistemi di aspirazione in cucina.</a:t>
+            </a:r>
+          </a:p>
+        </p:txBody>
+      </p:sp>
+      <p:sp>
+        <p:nvSpPr>
+          <p:cNvPr id="7" name="Rectangle: Rounded Corners 6">
+            <a:extLst>
+              <a:ext uri="{FF2B5EF4-FFF2-40B4-BE49-F238E27FC236}">
+                <a16:creationId xmlns:a16="http://schemas.microsoft.com/office/drawing/2014/main" id="{46FAB73A-6E31-AF85-E8A6-2F61E01BDABC}"/>
+              </a:ext>
+            </a:extLst>
+          </p:cNvPr>
+          <p:cNvSpPr/>
+          <p:nvPr/>
+        </p:nvSpPr>
+        <p:spPr>
+          <a:xfrm>
+            <a:off x="9753247" y="1920126"/>
+            <a:ext cx="1194615" cy="625282"/>
+          </a:xfrm>
+          <a:prstGeom prst="roundRect">
+            <a:avLst/>
+          </a:prstGeom>
+          <a:solidFill>
+            <a:srgbClr val="252323"/>
+          </a:solidFill>
+          <a:ln>
+            <a:noFill/>
+          </a:ln>
+        </p:spPr>
+        <p:style>
+          <a:lnRef idx="2">
+            <a:schemeClr val="accent1">
+              <a:shade val="50000"/>
+            </a:schemeClr>
+          </a:lnRef>
+          <a:fillRef idx="1">
+            <a:schemeClr val="accent1"/>
+          </a:fillRef>
+          <a:effectRef idx="0">
+            <a:schemeClr val="accent1"/>
+          </a:effectRef>
+          <a:fontRef idx="minor">
+            <a:schemeClr val="lt1"/>
+          </a:fontRef>
+        </p:style>
+        <p:txBody>
+          <a:bodyPr rtlCol="0" anchor="ctr"/>
+          <a:lstStyle/>
+          <a:p>
+            <a:pPr algn="ctr"/>
+            <a:r>
+              <a:rPr lang="en-US" sz="2400" dirty="0" err="1">
+                <a:solidFill>
+                  <a:srgbClr val="F7E1D7"/>
+                </a:solidFill>
+              </a:rPr>
+              <a:t>Settore</a:t>
+            </a:r>
+            <a:endParaRPr lang="it-IT" sz="3600" dirty="0">
+              <a:solidFill>
+                <a:srgbClr val="F7E1D7"/>
+              </a:solidFill>
+            </a:endParaRPr>
+          </a:p>
+        </p:txBody>
+      </p:sp>
+      <p:sp>
+        <p:nvSpPr>
+          <p:cNvPr id="8" name="Rectangle: Rounded Corners 7">
+            <a:extLst>
+              <a:ext uri="{FF2B5EF4-FFF2-40B4-BE49-F238E27FC236}">
+                <a16:creationId xmlns:a16="http://schemas.microsoft.com/office/drawing/2014/main" id="{B5EB430C-253A-173D-24C6-A9BE96A17B60}"/>
+              </a:ext>
+            </a:extLst>
+          </p:cNvPr>
+          <p:cNvSpPr/>
+          <p:nvPr/>
+        </p:nvSpPr>
+        <p:spPr>
+          <a:xfrm>
+            <a:off x="9611431" y="3888460"/>
+            <a:ext cx="1336431" cy="625282"/>
+          </a:xfrm>
+          <a:prstGeom prst="roundRect">
+            <a:avLst/>
+          </a:prstGeom>
+          <a:solidFill>
+            <a:srgbClr val="252323"/>
+          </a:solidFill>
+          <a:ln>
+            <a:noFill/>
+          </a:ln>
+        </p:spPr>
+        <p:style>
+          <a:lnRef idx="2">
+            <a:schemeClr val="accent1">
+              <a:shade val="50000"/>
+            </a:schemeClr>
+          </a:lnRef>
+          <a:fillRef idx="1">
+            <a:schemeClr val="accent1"/>
+          </a:fillRef>
+          <a:effectRef idx="0">
+            <a:schemeClr val="accent1"/>
+          </a:effectRef>
+          <a:fontRef idx="minor">
+            <a:schemeClr val="lt1"/>
+          </a:fontRef>
+        </p:style>
+        <p:txBody>
+          <a:bodyPr rtlCol="0" anchor="ctr"/>
+          <a:lstStyle/>
+          <a:p>
+            <a:pPr algn="ctr"/>
+            <a:r>
+              <a:rPr lang="en-US" sz="2400" dirty="0">
+                <a:solidFill>
+                  <a:srgbClr val="F7E1D7"/>
+                </a:solidFill>
+              </a:rPr>
+              <a:t>Mercato</a:t>
+            </a:r>
+            <a:endParaRPr lang="it-IT" sz="3600" dirty="0">
+              <a:solidFill>
+                <a:srgbClr val="F7E1D7"/>
+              </a:solidFill>
+            </a:endParaRPr>
+          </a:p>
+        </p:txBody>
+      </p:sp>
+      <p:sp>
+        <p:nvSpPr>
+          <p:cNvPr id="11" name="Rectangle: Rounded Corners 10">
+            <a:extLst>
+              <a:ext uri="{FF2B5EF4-FFF2-40B4-BE49-F238E27FC236}">
+                <a16:creationId xmlns:a16="http://schemas.microsoft.com/office/drawing/2014/main" id="{2BC1C17F-85C6-3195-B8FC-5DAC2FEBB344}"/>
+              </a:ext>
+            </a:extLst>
+          </p:cNvPr>
+          <p:cNvSpPr/>
+          <p:nvPr/>
+        </p:nvSpPr>
+        <p:spPr>
+          <a:xfrm>
+            <a:off x="6386033" y="4513742"/>
+            <a:ext cx="3225398" cy="1280229"/>
+          </a:xfrm>
+          <a:prstGeom prst="roundRect">
+            <a:avLst/>
+          </a:prstGeom>
+          <a:solidFill>
+            <a:srgbClr val="F7E1D7"/>
+          </a:solidFill>
+          <a:ln>
+            <a:noFill/>
+          </a:ln>
+        </p:spPr>
+        <p:style>
+          <a:lnRef idx="2">
+            <a:schemeClr val="accent1">
+              <a:shade val="50000"/>
+            </a:schemeClr>
+          </a:lnRef>
+          <a:fillRef idx="1">
+            <a:schemeClr val="accent1"/>
+          </a:fillRef>
+          <a:effectRef idx="0">
+            <a:schemeClr val="accent1"/>
+          </a:effectRef>
+          <a:fontRef idx="minor">
+            <a:schemeClr val="lt1"/>
+          </a:fontRef>
+        </p:style>
+        <p:txBody>
+          <a:bodyPr rtlCol="0" anchor="ctr"/>
+          <a:lstStyle/>
+          <a:p>
+            <a:r>
+              <a:rPr lang="en-US" dirty="0" err="1">
+                <a:solidFill>
+                  <a:srgbClr val="252323"/>
+                </a:solidFill>
+              </a:rPr>
+              <a:t>Principalmente</a:t>
+            </a:r>
+            <a:r>
+              <a:rPr lang="en-US" dirty="0">
+                <a:solidFill>
+                  <a:srgbClr val="252323"/>
+                </a:solidFill>
+              </a:rPr>
+              <a:t> </a:t>
+            </a:r>
+            <a:r>
+              <a:rPr lang="en-US" dirty="0" err="1">
+                <a:solidFill>
+                  <a:srgbClr val="252323"/>
+                </a:solidFill>
+              </a:rPr>
+              <a:t>indirizzati</a:t>
+            </a:r>
+            <a:r>
+              <a:rPr lang="en-US" dirty="0">
+                <a:solidFill>
+                  <a:srgbClr val="252323"/>
+                </a:solidFill>
+              </a:rPr>
+              <a:t> verso la </a:t>
+            </a:r>
+            <a:r>
+              <a:rPr lang="en-US" dirty="0" err="1">
+                <a:solidFill>
+                  <a:srgbClr val="252323"/>
+                </a:solidFill>
+              </a:rPr>
+              <a:t>distribuzione</a:t>
+            </a:r>
+            <a:r>
+              <a:rPr lang="en-US" dirty="0">
+                <a:solidFill>
+                  <a:srgbClr val="252323"/>
+                </a:solidFill>
+              </a:rPr>
+              <a:t> </a:t>
+            </a:r>
+            <a:r>
+              <a:rPr lang="en-US" dirty="0" err="1">
+                <a:solidFill>
+                  <a:srgbClr val="252323"/>
+                </a:solidFill>
+              </a:rPr>
+              <a:t>presso</a:t>
+            </a:r>
+            <a:r>
+              <a:rPr lang="en-US" dirty="0">
+                <a:solidFill>
+                  <a:srgbClr val="252323"/>
+                </a:solidFill>
+              </a:rPr>
+              <a:t> </a:t>
+            </a:r>
+            <a:r>
+              <a:rPr lang="en-US" dirty="0" err="1">
+                <a:solidFill>
+                  <a:srgbClr val="252323"/>
+                </a:solidFill>
+              </a:rPr>
+              <a:t>rivenditori</a:t>
+            </a:r>
+            <a:r>
+              <a:rPr lang="en-US" dirty="0">
+                <a:solidFill>
+                  <a:srgbClr val="252323"/>
+                </a:solidFill>
+              </a:rPr>
+              <a:t> (</a:t>
+            </a:r>
+            <a:r>
+              <a:rPr lang="en-US" dirty="0" err="1">
+                <a:solidFill>
+                  <a:srgbClr val="252323"/>
+                </a:solidFill>
+              </a:rPr>
+              <a:t>quali</a:t>
+            </a:r>
+            <a:r>
+              <a:rPr lang="en-US" dirty="0">
+                <a:solidFill>
+                  <a:srgbClr val="252323"/>
+                </a:solidFill>
+              </a:rPr>
+              <a:t> </a:t>
+            </a:r>
+            <a:r>
+              <a:rPr lang="en-US" dirty="0" err="1">
+                <a:solidFill>
+                  <a:srgbClr val="252323"/>
+                </a:solidFill>
+              </a:rPr>
+              <a:t>negozi</a:t>
+            </a:r>
+            <a:r>
+              <a:rPr lang="en-US" dirty="0">
+                <a:solidFill>
+                  <a:srgbClr val="252323"/>
+                </a:solidFill>
+              </a:rPr>
+              <a:t> di </a:t>
+            </a:r>
+            <a:r>
+              <a:rPr lang="en-US" dirty="0" err="1">
+                <a:solidFill>
+                  <a:srgbClr val="252323"/>
+                </a:solidFill>
+              </a:rPr>
+              <a:t>arredamenti</a:t>
+            </a:r>
+            <a:r>
+              <a:rPr lang="en-US" dirty="0">
+                <a:solidFill>
+                  <a:srgbClr val="252323"/>
+                </a:solidFill>
+              </a:rPr>
+              <a:t> )</a:t>
+            </a:r>
+            <a:endParaRPr lang="it-IT" dirty="0">
+              <a:solidFill>
+                <a:srgbClr val="252323"/>
               </a:solidFill>
             </a:endParaRPr>
           </a:p>

--- a/I Due Moschettieri.pptx
+++ b/I Due Moschettieri.pptx
@@ -118,6 +118,12 @@
     </p:ext>
   </p:extLst>
 </p:presentation>
+</file>
+
+<file path=ppt/authors.xml><?xml version="1.0" encoding="utf-8"?>
+<p188:authorLst xmlns:a="http://schemas.openxmlformats.org/drawingml/2006/main" xmlns:r="http://schemas.openxmlformats.org/officeDocument/2006/relationships" xmlns:p188="http://schemas.microsoft.com/office/powerpoint/2018/8/main">
+  <p188:author id="{11F93B59-E3BA-64B5-D17D-B8E17A7D80E6}" name="Oma Toma" initials="OT" userId="dad4a7c63ae5eb70" providerId="Windows Live"/>
+</p188:authorLst>
 </file>
 
 <file path=ppt/diagrams/colors1.xml><?xml version="1.0" encoding="utf-8"?>
@@ -2996,7 +3002,7 @@
           <a:p>
             <a:fld id="{1EFCC690-7CBF-47E6-BE6E-0EC1C9E624CE}" type="datetimeFigureOut">
               <a:rPr lang="it-IT" smtClean="0"/>
-              <a:t>05/05/2023</a:t>
+              <a:t>06/05/2023</a:t>
             </a:fld>
             <a:endParaRPr lang="it-IT"/>
           </a:p>
@@ -3050,7 +3056,7 @@
           <a:p>
             <a:fld id="{C968EBBE-33B4-4E6F-87FD-67FDCAADDDA7}" type="slidenum">
               <a:rPr lang="it-IT" smtClean="0"/>
-              <a:t>‹#›</a:t>
+              <a:t>‹N›</a:t>
             </a:fld>
             <a:endParaRPr lang="it-IT"/>
           </a:p>
@@ -3196,7 +3202,7 @@
           <a:p>
             <a:fld id="{1EFCC690-7CBF-47E6-BE6E-0EC1C9E624CE}" type="datetimeFigureOut">
               <a:rPr lang="it-IT" smtClean="0"/>
-              <a:t>05/05/2023</a:t>
+              <a:t>06/05/2023</a:t>
             </a:fld>
             <a:endParaRPr lang="it-IT"/>
           </a:p>
@@ -3250,7 +3256,7 @@
           <a:p>
             <a:fld id="{C968EBBE-33B4-4E6F-87FD-67FDCAADDDA7}" type="slidenum">
               <a:rPr lang="it-IT" smtClean="0"/>
-              <a:t>‹#›</a:t>
+              <a:t>‹N›</a:t>
             </a:fld>
             <a:endParaRPr lang="it-IT"/>
           </a:p>
@@ -3406,7 +3412,7 @@
           <a:p>
             <a:fld id="{1EFCC690-7CBF-47E6-BE6E-0EC1C9E624CE}" type="datetimeFigureOut">
               <a:rPr lang="it-IT" smtClean="0"/>
-              <a:t>05/05/2023</a:t>
+              <a:t>06/05/2023</a:t>
             </a:fld>
             <a:endParaRPr lang="it-IT"/>
           </a:p>
@@ -3460,7 +3466,7 @@
           <a:p>
             <a:fld id="{C968EBBE-33B4-4E6F-87FD-67FDCAADDDA7}" type="slidenum">
               <a:rPr lang="it-IT" smtClean="0"/>
-              <a:t>‹#›</a:t>
+              <a:t>‹N›</a:t>
             </a:fld>
             <a:endParaRPr lang="it-IT"/>
           </a:p>
@@ -3606,7 +3612,7 @@
           <a:p>
             <a:fld id="{1EFCC690-7CBF-47E6-BE6E-0EC1C9E624CE}" type="datetimeFigureOut">
               <a:rPr lang="it-IT" smtClean="0"/>
-              <a:t>05/05/2023</a:t>
+              <a:t>06/05/2023</a:t>
             </a:fld>
             <a:endParaRPr lang="it-IT"/>
           </a:p>
@@ -3660,7 +3666,7 @@
           <a:p>
             <a:fld id="{C968EBBE-33B4-4E6F-87FD-67FDCAADDDA7}" type="slidenum">
               <a:rPr lang="it-IT" smtClean="0"/>
-              <a:t>‹#›</a:t>
+              <a:t>‹N›</a:t>
             </a:fld>
             <a:endParaRPr lang="it-IT"/>
           </a:p>
@@ -3882,7 +3888,7 @@
           <a:p>
             <a:fld id="{1EFCC690-7CBF-47E6-BE6E-0EC1C9E624CE}" type="datetimeFigureOut">
               <a:rPr lang="it-IT" smtClean="0"/>
-              <a:t>05/05/2023</a:t>
+              <a:t>06/05/2023</a:t>
             </a:fld>
             <a:endParaRPr lang="it-IT"/>
           </a:p>
@@ -3936,7 +3942,7 @@
           <a:p>
             <a:fld id="{C968EBBE-33B4-4E6F-87FD-67FDCAADDDA7}" type="slidenum">
               <a:rPr lang="it-IT" smtClean="0"/>
-              <a:t>‹#›</a:t>
+              <a:t>‹N›</a:t>
             </a:fld>
             <a:endParaRPr lang="it-IT"/>
           </a:p>
@@ -4150,7 +4156,7 @@
           <a:p>
             <a:fld id="{1EFCC690-7CBF-47E6-BE6E-0EC1C9E624CE}" type="datetimeFigureOut">
               <a:rPr lang="it-IT" smtClean="0"/>
-              <a:t>05/05/2023</a:t>
+              <a:t>06/05/2023</a:t>
             </a:fld>
             <a:endParaRPr lang="it-IT"/>
           </a:p>
@@ -4204,7 +4210,7 @@
           <a:p>
             <a:fld id="{C968EBBE-33B4-4E6F-87FD-67FDCAADDDA7}" type="slidenum">
               <a:rPr lang="it-IT" smtClean="0"/>
-              <a:t>‹#›</a:t>
+              <a:t>‹N›</a:t>
             </a:fld>
             <a:endParaRPr lang="it-IT"/>
           </a:p>
@@ -4565,7 +4571,7 @@
           <a:p>
             <a:fld id="{1EFCC690-7CBF-47E6-BE6E-0EC1C9E624CE}" type="datetimeFigureOut">
               <a:rPr lang="it-IT" smtClean="0"/>
-              <a:t>05/05/2023</a:t>
+              <a:t>06/05/2023</a:t>
             </a:fld>
             <a:endParaRPr lang="it-IT"/>
           </a:p>
@@ -4619,7 +4625,7 @@
           <a:p>
             <a:fld id="{C968EBBE-33B4-4E6F-87FD-67FDCAADDDA7}" type="slidenum">
               <a:rPr lang="it-IT" smtClean="0"/>
-              <a:t>‹#›</a:t>
+              <a:t>‹N›</a:t>
             </a:fld>
             <a:endParaRPr lang="it-IT"/>
           </a:p>
@@ -4707,7 +4713,7 @@
           <a:p>
             <a:fld id="{1EFCC690-7CBF-47E6-BE6E-0EC1C9E624CE}" type="datetimeFigureOut">
               <a:rPr lang="it-IT" smtClean="0"/>
-              <a:t>05/05/2023</a:t>
+              <a:t>06/05/2023</a:t>
             </a:fld>
             <a:endParaRPr lang="it-IT"/>
           </a:p>
@@ -4761,7 +4767,7 @@
           <a:p>
             <a:fld id="{C968EBBE-33B4-4E6F-87FD-67FDCAADDDA7}" type="slidenum">
               <a:rPr lang="it-IT" smtClean="0"/>
-              <a:t>‹#›</a:t>
+              <a:t>‹N›</a:t>
             </a:fld>
             <a:endParaRPr lang="it-IT"/>
           </a:p>
@@ -4820,7 +4826,7 @@
           <a:p>
             <a:fld id="{1EFCC690-7CBF-47E6-BE6E-0EC1C9E624CE}" type="datetimeFigureOut">
               <a:rPr lang="it-IT" smtClean="0"/>
-              <a:t>05/05/2023</a:t>
+              <a:t>06/05/2023</a:t>
             </a:fld>
             <a:endParaRPr lang="it-IT"/>
           </a:p>
@@ -4874,7 +4880,7 @@
           <a:p>
             <a:fld id="{C968EBBE-33B4-4E6F-87FD-67FDCAADDDA7}" type="slidenum">
               <a:rPr lang="it-IT" smtClean="0"/>
-              <a:t>‹#›</a:t>
+              <a:t>‹N›</a:t>
             </a:fld>
             <a:endParaRPr lang="it-IT"/>
           </a:p>
@@ -5133,7 +5139,7 @@
           <a:p>
             <a:fld id="{1EFCC690-7CBF-47E6-BE6E-0EC1C9E624CE}" type="datetimeFigureOut">
               <a:rPr lang="it-IT" smtClean="0"/>
-              <a:t>05/05/2023</a:t>
+              <a:t>06/05/2023</a:t>
             </a:fld>
             <a:endParaRPr lang="it-IT"/>
           </a:p>
@@ -5187,7 +5193,7 @@
           <a:p>
             <a:fld id="{C968EBBE-33B4-4E6F-87FD-67FDCAADDDA7}" type="slidenum">
               <a:rPr lang="it-IT" smtClean="0"/>
-              <a:t>‹#›</a:t>
+              <a:t>‹N›</a:t>
             </a:fld>
             <a:endParaRPr lang="it-IT"/>
           </a:p>
@@ -5422,7 +5428,7 @@
           <a:p>
             <a:fld id="{1EFCC690-7CBF-47E6-BE6E-0EC1C9E624CE}" type="datetimeFigureOut">
               <a:rPr lang="it-IT" smtClean="0"/>
-              <a:t>05/05/2023</a:t>
+              <a:t>06/05/2023</a:t>
             </a:fld>
             <a:endParaRPr lang="it-IT"/>
           </a:p>
@@ -5476,7 +5482,7 @@
           <a:p>
             <a:fld id="{C968EBBE-33B4-4E6F-87FD-67FDCAADDDA7}" type="slidenum">
               <a:rPr lang="it-IT" smtClean="0"/>
-              <a:t>‹#›</a:t>
+              <a:t>‹N›</a:t>
             </a:fld>
             <a:endParaRPr lang="it-IT"/>
           </a:p>
@@ -5680,7 +5686,7 @@
           <a:p>
             <a:fld id="{1EFCC690-7CBF-47E6-BE6E-0EC1C9E624CE}" type="datetimeFigureOut">
               <a:rPr lang="it-IT" smtClean="0"/>
-              <a:t>05/05/2023</a:t>
+              <a:t>06/05/2023</a:t>
             </a:fld>
             <a:endParaRPr lang="it-IT"/>
           </a:p>
@@ -5770,7 +5776,7 @@
           <a:p>
             <a:fld id="{C968EBBE-33B4-4E6F-87FD-67FDCAADDDA7}" type="slidenum">
               <a:rPr lang="it-IT" smtClean="0"/>
-              <a:t>‹#›</a:t>
+              <a:t>‹N›</a:t>
             </a:fld>
             <a:endParaRPr lang="it-IT"/>
           </a:p>
@@ -10284,6 +10290,384 @@
       </p:grpSpPr>
       <p:sp>
         <p:nvSpPr>
+          <p:cNvPr id="29" name="Rettangolo con due angoli in diagonale arrotondati 28">
+            <a:extLst>
+              <a:ext uri="{FF2B5EF4-FFF2-40B4-BE49-F238E27FC236}">
+                <a16:creationId xmlns:a16="http://schemas.microsoft.com/office/drawing/2014/main" id="{F533A5D0-E29C-6E62-055A-90AFF998768E}"/>
+              </a:ext>
+            </a:extLst>
+          </p:cNvPr>
+          <p:cNvSpPr/>
+          <p:nvPr/>
+        </p:nvSpPr>
+        <p:spPr>
+          <a:xfrm>
+            <a:off x="8700416" y="1200647"/>
+            <a:ext cx="1501106" cy="4147393"/>
+          </a:xfrm>
+          <a:prstGeom prst="round2DiagRect">
+            <a:avLst/>
+          </a:prstGeom>
+          <a:noFill/>
+          <a:ln w="9525" cap="flat" cmpd="sng" algn="ctr">
+            <a:solidFill>
+              <a:schemeClr val="dk1"/>
+            </a:solidFill>
+            <a:prstDash val="solid"/>
+            <a:round/>
+            <a:headEnd type="none" w="med" len="med"/>
+            <a:tailEnd type="none" w="med" len="med"/>
+          </a:ln>
+        </p:spPr>
+        <p:style>
+          <a:lnRef idx="0">
+            <a:scrgbClr r="0" g="0" b="0"/>
+          </a:lnRef>
+          <a:fillRef idx="0">
+            <a:scrgbClr r="0" g="0" b="0"/>
+          </a:fillRef>
+          <a:effectRef idx="0">
+            <a:scrgbClr r="0" g="0" b="0"/>
+          </a:effectRef>
+          <a:fontRef idx="minor">
+            <a:schemeClr val="dk1"/>
+          </a:fontRef>
+        </p:style>
+        <p:txBody>
+          <a:bodyPr rtlCol="0" anchor="ctr"/>
+          <a:lstStyle/>
+          <a:p>
+            <a:pPr algn="ctr"/>
+            <a:endParaRPr lang="it-IT"/>
+          </a:p>
+        </p:txBody>
+      </p:sp>
+      <p:sp>
+        <p:nvSpPr>
+          <p:cNvPr id="26" name="Rettangolo con due angoli in diagonale arrotondati 25">
+            <a:extLst>
+              <a:ext uri="{FF2B5EF4-FFF2-40B4-BE49-F238E27FC236}">
+                <a16:creationId xmlns:a16="http://schemas.microsoft.com/office/drawing/2014/main" id="{C14DB9C0-41BA-4EEB-1740-AE245EE4C32D}"/>
+              </a:ext>
+            </a:extLst>
+          </p:cNvPr>
+          <p:cNvSpPr/>
+          <p:nvPr/>
+        </p:nvSpPr>
+        <p:spPr>
+          <a:xfrm>
+            <a:off x="5300363" y="5409743"/>
+            <a:ext cx="4901159" cy="1292662"/>
+          </a:xfrm>
+          <a:prstGeom prst="round2DiagRect">
+            <a:avLst/>
+          </a:prstGeom>
+          <a:noFill/>
+          <a:ln w="9525" cap="flat" cmpd="sng" algn="ctr">
+            <a:solidFill>
+              <a:schemeClr val="dk1"/>
+            </a:solidFill>
+            <a:prstDash val="solid"/>
+            <a:round/>
+            <a:headEnd type="none" w="med" len="med"/>
+            <a:tailEnd type="none" w="med" len="med"/>
+          </a:ln>
+        </p:spPr>
+        <p:style>
+          <a:lnRef idx="0">
+            <a:scrgbClr r="0" g="0" b="0"/>
+          </a:lnRef>
+          <a:fillRef idx="0">
+            <a:scrgbClr r="0" g="0" b="0"/>
+          </a:fillRef>
+          <a:effectRef idx="0">
+            <a:scrgbClr r="0" g="0" b="0"/>
+          </a:effectRef>
+          <a:fontRef idx="minor">
+            <a:schemeClr val="dk1"/>
+          </a:fontRef>
+        </p:style>
+        <p:txBody>
+          <a:bodyPr rtlCol="0" anchor="ctr"/>
+          <a:lstStyle/>
+          <a:p>
+            <a:pPr algn="ctr"/>
+            <a:endParaRPr lang="it-IT"/>
+          </a:p>
+        </p:txBody>
+      </p:sp>
+      <p:sp>
+        <p:nvSpPr>
+          <p:cNvPr id="23" name="Rettangolo con due angoli in diagonale arrotondati 22">
+            <a:extLst>
+              <a:ext uri="{FF2B5EF4-FFF2-40B4-BE49-F238E27FC236}">
+                <a16:creationId xmlns:a16="http://schemas.microsoft.com/office/drawing/2014/main" id="{2A3F874D-9784-3946-92A7-7274D40C1FA8}"/>
+              </a:ext>
+            </a:extLst>
+          </p:cNvPr>
+          <p:cNvSpPr/>
+          <p:nvPr/>
+        </p:nvSpPr>
+        <p:spPr>
+          <a:xfrm>
+            <a:off x="1932167" y="1200647"/>
+            <a:ext cx="1534601" cy="4150581"/>
+          </a:xfrm>
+          <a:prstGeom prst="round2DiagRect">
+            <a:avLst/>
+          </a:prstGeom>
+          <a:noFill/>
+          <a:ln w="9525" cap="flat" cmpd="sng" algn="ctr">
+            <a:solidFill>
+              <a:schemeClr val="dk1"/>
+            </a:solidFill>
+            <a:prstDash val="solid"/>
+            <a:round/>
+            <a:headEnd type="none" w="med" len="med"/>
+            <a:tailEnd type="none" w="med" len="med"/>
+          </a:ln>
+        </p:spPr>
+        <p:style>
+          <a:lnRef idx="0">
+            <a:scrgbClr r="0" g="0" b="0"/>
+          </a:lnRef>
+          <a:fillRef idx="0">
+            <a:scrgbClr r="0" g="0" b="0"/>
+          </a:fillRef>
+          <a:effectRef idx="0">
+            <a:scrgbClr r="0" g="0" b="0"/>
+          </a:effectRef>
+          <a:fontRef idx="minor">
+            <a:schemeClr val="dk1"/>
+          </a:fontRef>
+        </p:style>
+        <p:txBody>
+          <a:bodyPr rtlCol="0" anchor="ctr"/>
+          <a:lstStyle/>
+          <a:p>
+            <a:pPr algn="ctr"/>
+            <a:endParaRPr lang="it-IT"/>
+          </a:p>
+        </p:txBody>
+      </p:sp>
+      <p:sp>
+        <p:nvSpPr>
+          <p:cNvPr id="24" name="Rettangolo con due angoli in diagonale arrotondati 23">
+            <a:extLst>
+              <a:ext uri="{FF2B5EF4-FFF2-40B4-BE49-F238E27FC236}">
+                <a16:creationId xmlns:a16="http://schemas.microsoft.com/office/drawing/2014/main" id="{6CAF0A36-A926-EE60-D107-F95F2182B5D5}"/>
+              </a:ext>
+            </a:extLst>
+          </p:cNvPr>
+          <p:cNvSpPr/>
+          <p:nvPr/>
+        </p:nvSpPr>
+        <p:spPr>
+          <a:xfrm rot="10800000">
+            <a:off x="3504186" y="1200645"/>
+            <a:ext cx="1709513" cy="2045366"/>
+          </a:xfrm>
+          <a:prstGeom prst="round2DiagRect">
+            <a:avLst/>
+          </a:prstGeom>
+          <a:noFill/>
+          <a:ln w="9525" cap="flat" cmpd="sng" algn="ctr">
+            <a:solidFill>
+              <a:schemeClr val="dk1"/>
+            </a:solidFill>
+            <a:prstDash val="solid"/>
+            <a:round/>
+            <a:headEnd type="none" w="med" len="med"/>
+            <a:tailEnd type="none" w="med" len="med"/>
+          </a:ln>
+        </p:spPr>
+        <p:style>
+          <a:lnRef idx="0">
+            <a:scrgbClr r="0" g="0" b="0"/>
+          </a:lnRef>
+          <a:fillRef idx="0">
+            <a:scrgbClr r="0" g="0" b="0"/>
+          </a:fillRef>
+          <a:effectRef idx="0">
+            <a:scrgbClr r="0" g="0" b="0"/>
+          </a:effectRef>
+          <a:fontRef idx="minor">
+            <a:schemeClr val="dk1"/>
+          </a:fontRef>
+        </p:style>
+        <p:txBody>
+          <a:bodyPr rtlCol="0" anchor="ctr"/>
+          <a:lstStyle/>
+          <a:p>
+            <a:pPr algn="ctr"/>
+            <a:endParaRPr lang="it-IT"/>
+          </a:p>
+        </p:txBody>
+      </p:sp>
+      <p:sp>
+        <p:nvSpPr>
+          <p:cNvPr id="22" name="Rettangolo con due angoli in diagonale arrotondati 21">
+            <a:extLst>
+              <a:ext uri="{FF2B5EF4-FFF2-40B4-BE49-F238E27FC236}">
+                <a16:creationId xmlns:a16="http://schemas.microsoft.com/office/drawing/2014/main" id="{8BDD4C40-246C-C670-62A2-4C36DCBBB7F5}"/>
+              </a:ext>
+            </a:extLst>
+          </p:cNvPr>
+          <p:cNvSpPr/>
+          <p:nvPr/>
+        </p:nvSpPr>
+        <p:spPr>
+          <a:xfrm>
+            <a:off x="3508951" y="3275937"/>
+            <a:ext cx="1700895" cy="2073867"/>
+          </a:xfrm>
+          <a:prstGeom prst="round2DiagRect">
+            <a:avLst/>
+          </a:prstGeom>
+          <a:noFill/>
+          <a:ln w="9525" cap="flat" cmpd="sng" algn="ctr">
+            <a:solidFill>
+              <a:schemeClr val="dk1"/>
+            </a:solidFill>
+            <a:prstDash val="solid"/>
+            <a:round/>
+            <a:headEnd type="none" w="med" len="med"/>
+            <a:tailEnd type="none" w="med" len="med"/>
+          </a:ln>
+        </p:spPr>
+        <p:style>
+          <a:lnRef idx="0">
+            <a:scrgbClr r="0" g="0" b="0"/>
+          </a:lnRef>
+          <a:fillRef idx="0">
+            <a:scrgbClr r="0" g="0" b="0"/>
+          </a:fillRef>
+          <a:effectRef idx="0">
+            <a:scrgbClr r="0" g="0" b="0"/>
+          </a:effectRef>
+          <a:fontRef idx="minor">
+            <a:schemeClr val="dk1"/>
+          </a:fontRef>
+        </p:style>
+        <p:txBody>
+          <a:bodyPr rtlCol="0" anchor="ctr"/>
+          <a:lstStyle/>
+          <a:p>
+            <a:pPr algn="ctr"/>
+            <a:endParaRPr lang="it-IT"/>
+          </a:p>
+        </p:txBody>
+      </p:sp>
+      <p:sp>
+        <p:nvSpPr>
+          <p:cNvPr id="21" name="Rettangolo con due angoli in diagonale arrotondati 20">
+            <a:extLst>
+              <a:ext uri="{FF2B5EF4-FFF2-40B4-BE49-F238E27FC236}">
+                <a16:creationId xmlns:a16="http://schemas.microsoft.com/office/drawing/2014/main" id="{6C5B6FB6-8044-6C7B-7BBE-0C440D50AFF0}"/>
+              </a:ext>
+            </a:extLst>
+          </p:cNvPr>
+          <p:cNvSpPr/>
+          <p:nvPr/>
+        </p:nvSpPr>
+        <p:spPr>
+          <a:xfrm>
+            <a:off x="1932167" y="5419962"/>
+            <a:ext cx="3280732" cy="1292662"/>
+          </a:xfrm>
+          <a:prstGeom prst="round2DiagRect">
+            <a:avLst/>
+          </a:prstGeom>
+          <a:noFill/>
+          <a:ln w="9525" cap="flat" cmpd="sng" algn="ctr">
+            <a:solidFill>
+              <a:schemeClr val="dk1"/>
+            </a:solidFill>
+            <a:prstDash val="solid"/>
+            <a:round/>
+            <a:headEnd type="none" w="med" len="med"/>
+            <a:tailEnd type="none" w="med" len="med"/>
+          </a:ln>
+        </p:spPr>
+        <p:style>
+          <a:lnRef idx="0">
+            <a:scrgbClr r="0" g="0" b="0"/>
+          </a:lnRef>
+          <a:fillRef idx="0">
+            <a:scrgbClr r="0" g="0" b="0"/>
+          </a:fillRef>
+          <a:effectRef idx="0">
+            <a:scrgbClr r="0" g="0" b="0"/>
+          </a:effectRef>
+          <a:fontRef idx="minor">
+            <a:schemeClr val="dk1"/>
+          </a:fontRef>
+        </p:style>
+        <p:txBody>
+          <a:bodyPr rtlCol="0" anchor="ctr"/>
+          <a:lstStyle/>
+          <a:p>
+            <a:pPr algn="ctr"/>
+            <a:endParaRPr lang="it-IT"/>
+          </a:p>
+        </p:txBody>
+      </p:sp>
+      <p:sp>
+        <p:nvSpPr>
+          <p:cNvPr id="25" name="Rettangolo con due angoli in diagonale arrotondati 24">
+            <a:extLst>
+              <a:ext uri="{FF2B5EF4-FFF2-40B4-BE49-F238E27FC236}">
+                <a16:creationId xmlns:a16="http://schemas.microsoft.com/office/drawing/2014/main" id="{8EF3F840-2AD9-5411-EC26-54C5477A8D11}"/>
+              </a:ext>
+            </a:extLst>
+          </p:cNvPr>
+          <p:cNvSpPr/>
+          <p:nvPr/>
+        </p:nvSpPr>
+        <p:spPr>
+          <a:xfrm>
+            <a:off x="5255082" y="1200648"/>
+            <a:ext cx="1658712" cy="4150580"/>
+          </a:xfrm>
+          <a:prstGeom prst="round2DiagRect">
+            <a:avLst/>
+          </a:prstGeom>
+          <a:noFill/>
+          <a:ln w="9525" cap="flat" cmpd="sng" algn="ctr">
+            <a:solidFill>
+              <a:schemeClr val="dk1"/>
+            </a:solidFill>
+            <a:prstDash val="solid"/>
+            <a:round/>
+            <a:headEnd type="none" w="med" len="med"/>
+            <a:tailEnd type="none" w="med" len="med"/>
+          </a:ln>
+        </p:spPr>
+        <p:style>
+          <a:lnRef idx="0">
+            <a:scrgbClr r="0" g="0" b="0"/>
+          </a:lnRef>
+          <a:fillRef idx="0">
+            <a:scrgbClr r="0" g="0" b="0"/>
+          </a:fillRef>
+          <a:effectRef idx="0">
+            <a:scrgbClr r="0" g="0" b="0"/>
+          </a:effectRef>
+          <a:fontRef idx="minor">
+            <a:schemeClr val="dk1"/>
+          </a:fontRef>
+        </p:style>
+        <p:txBody>
+          <a:bodyPr rtlCol="0" anchor="ctr"/>
+          <a:lstStyle/>
+          <a:p>
+            <a:pPr algn="ctr"/>
+            <a:endParaRPr lang="it-IT"/>
+          </a:p>
+        </p:txBody>
+      </p:sp>
+      <p:sp>
+        <p:nvSpPr>
           <p:cNvPr id="2" name="Title 1">
             <a:extLst>
               <a:ext uri="{FF2B5EF4-FFF2-40B4-BE49-F238E27FC236}">
@@ -10298,7 +10682,12 @@
             <p:ph type="title"/>
           </p:nvPr>
         </p:nvSpPr>
-        <p:spPr/>
+        <p:spPr>
+          <a:xfrm>
+            <a:off x="838200" y="119946"/>
+            <a:ext cx="10515600" cy="1325563"/>
+          </a:xfrm>
+        </p:spPr>
         <p:txBody>
           <a:bodyPr/>
           <a:lstStyle/>
@@ -10306,7 +10695,7 @@
             <a:pPr algn="ctr"/>
             <a:r>
               <a:rPr lang="en-US" dirty="0"/>
-              <a:t>Business Model</a:t>
+              <a:t>Business Model Canvas</a:t>
             </a:r>
             <a:endParaRPr lang="it-IT" dirty="0"/>
           </a:p>
@@ -10314,26 +10703,1942 @@
       </p:sp>
       <p:sp>
         <p:nvSpPr>
-          <p:cNvPr id="3" name="Content Placeholder 2">
-            <a:extLst>
-              <a:ext uri="{FF2B5EF4-FFF2-40B4-BE49-F238E27FC236}">
-                <a16:creationId xmlns:a16="http://schemas.microsoft.com/office/drawing/2014/main" id="{DB89865F-98D7-A88B-DD87-CF280D4CAD59}"/>
-              </a:ext>
-            </a:extLst>
-          </p:cNvPr>
-          <p:cNvSpPr>
-            <a:spLocks noGrp="1"/>
-          </p:cNvSpPr>
-          <p:nvPr>
-            <p:ph idx="1"/>
-          </p:nvPr>
-        </p:nvSpPr>
-        <p:spPr/>
-        <p:txBody>
-          <a:bodyPr/>
+          <p:cNvPr id="7" name="CasellaDiTesto 6">
+            <a:extLst>
+              <a:ext uri="{FF2B5EF4-FFF2-40B4-BE49-F238E27FC236}">
+                <a16:creationId xmlns:a16="http://schemas.microsoft.com/office/drawing/2014/main" id="{6473330D-FB36-EE6C-4B73-27AE42A4B0A0}"/>
+              </a:ext>
+            </a:extLst>
+          </p:cNvPr>
+          <p:cNvSpPr txBox="1"/>
+          <p:nvPr/>
+        </p:nvSpPr>
+        <p:spPr>
+          <a:xfrm>
+            <a:off x="8720833" y="2499355"/>
+            <a:ext cx="1733550" cy="1569660"/>
+          </a:xfrm>
+          <a:prstGeom prst="rect">
+            <a:avLst/>
+          </a:prstGeom>
+          <a:noFill/>
+        </p:spPr>
+        <p:txBody>
+          <a:bodyPr wrap="square" rtlCol="0">
+            <a:spAutoFit/>
+          </a:bodyPr>
           <a:lstStyle/>
           <a:p>
+            <a:pPr algn="l">
+              <a:buFont typeface="Arial" panose="020B0604020202020204" pitchFamily="34" charset="0"/>
+              <a:buChar char="•"/>
+            </a:pPr>
+            <a:r>
+              <a:rPr lang="it-IT" sz="1200" b="0" i="0" dirty="0">
+                <a:solidFill>
+                  <a:srgbClr val="C00000"/>
+                </a:solidFill>
+                <a:effectLst>
+                  <a:outerShdw blurRad="38100" dist="38100" dir="2700000" algn="tl">
+                    <a:srgbClr val="000000">
+                      <a:alpha val="43137"/>
+                    </a:srgbClr>
+                  </a:outerShdw>
+                </a:effectLst>
+                <a:latin typeface="Georgia" panose="02040502050405020303" pitchFamily="18" charset="0"/>
+              </a:rPr>
+              <a:t>Consumatori domestici</a:t>
+            </a:r>
+          </a:p>
+          <a:p>
+            <a:pPr algn="l">
+              <a:buFont typeface="Arial" panose="020B0604020202020204" pitchFamily="34" charset="0"/>
+              <a:buChar char="•"/>
+            </a:pPr>
+            <a:r>
+              <a:rPr lang="it-IT" sz="1200" b="0" i="0" dirty="0">
+                <a:solidFill>
+                  <a:srgbClr val="C00000"/>
+                </a:solidFill>
+                <a:effectLst>
+                  <a:outerShdw blurRad="38100" dist="38100" dir="2700000" algn="tl">
+                    <a:srgbClr val="000000">
+                      <a:alpha val="43137"/>
+                    </a:srgbClr>
+                  </a:outerShdw>
+                </a:effectLst>
+                <a:latin typeface="Georgia" panose="02040502050405020303" pitchFamily="18" charset="0"/>
+              </a:rPr>
+              <a:t>Professionisti della ristorazione</a:t>
+            </a:r>
+          </a:p>
+          <a:p>
+            <a:pPr algn="l">
+              <a:buFont typeface="Arial" panose="020B0604020202020204" pitchFamily="34" charset="0"/>
+              <a:buChar char="•"/>
+            </a:pPr>
+            <a:r>
+              <a:rPr lang="it-IT" sz="1200" b="0" i="0" dirty="0">
+                <a:solidFill>
+                  <a:srgbClr val="C00000"/>
+                </a:solidFill>
+                <a:effectLst>
+                  <a:outerShdw blurRad="38100" dist="38100" dir="2700000" algn="tl">
+                    <a:srgbClr val="000000">
+                      <a:alpha val="43137"/>
+                    </a:srgbClr>
+                  </a:outerShdw>
+                </a:effectLst>
+                <a:latin typeface="Georgia" panose="02040502050405020303" pitchFamily="18" charset="0"/>
+              </a:rPr>
+              <a:t>Costruttori e progettisti</a:t>
+            </a:r>
+          </a:p>
+          <a:p>
+            <a:pPr algn="l">
+              <a:buFont typeface="Arial" panose="020B0604020202020204" pitchFamily="34" charset="0"/>
+              <a:buChar char="•"/>
+            </a:pPr>
+            <a:r>
+              <a:rPr lang="it-IT" sz="1200" b="0" i="0" dirty="0">
+                <a:solidFill>
+                  <a:srgbClr val="C00000"/>
+                </a:solidFill>
+                <a:effectLst>
+                  <a:outerShdw blurRad="38100" dist="38100" dir="2700000" algn="tl">
+                    <a:srgbClr val="000000">
+                      <a:alpha val="43137"/>
+                    </a:srgbClr>
+                  </a:outerShdw>
+                </a:effectLst>
+                <a:latin typeface="Georgia" panose="02040502050405020303" pitchFamily="18" charset="0"/>
+              </a:rPr>
+              <a:t>Distributori e rivenditori</a:t>
+            </a:r>
+          </a:p>
+        </p:txBody>
+      </p:sp>
+      <p:sp>
+        <p:nvSpPr>
+          <p:cNvPr id="8" name="CasellaDiTesto 7">
+            <a:extLst>
+              <a:ext uri="{FF2B5EF4-FFF2-40B4-BE49-F238E27FC236}">
+                <a16:creationId xmlns:a16="http://schemas.microsoft.com/office/drawing/2014/main" id="{728E50DE-BA4A-5363-52A2-8E0B9510CB8F}"/>
+              </a:ext>
+            </a:extLst>
+          </p:cNvPr>
+          <p:cNvSpPr txBox="1"/>
+          <p:nvPr/>
+        </p:nvSpPr>
+        <p:spPr>
+          <a:xfrm>
+            <a:off x="5212899" y="1695451"/>
+            <a:ext cx="1733550" cy="2677656"/>
+          </a:xfrm>
+          <a:prstGeom prst="rect">
+            <a:avLst/>
+          </a:prstGeom>
+          <a:noFill/>
+        </p:spPr>
+        <p:txBody>
+          <a:bodyPr wrap="square" rtlCol="0">
+            <a:spAutoFit/>
+          </a:bodyPr>
+          <a:lstStyle/>
+          <a:p>
+            <a:pPr algn="l">
+              <a:buFont typeface="Arial" panose="020B0604020202020204" pitchFamily="34" charset="0"/>
+              <a:buChar char="•"/>
+            </a:pPr>
+            <a:r>
+              <a:rPr lang="it-IT" sz="1200" b="0" i="0" dirty="0">
+                <a:solidFill>
+                  <a:srgbClr val="00FFCC"/>
+                </a:solidFill>
+                <a:effectLst>
+                  <a:outerShdw blurRad="38100" dist="38100" dir="2700000" algn="tl">
+                    <a:srgbClr val="000000">
+                      <a:alpha val="43137"/>
+                    </a:srgbClr>
+                  </a:outerShdw>
+                </a:effectLst>
+                <a:latin typeface="Georgia" panose="02040502050405020303" pitchFamily="18" charset="0"/>
+              </a:rPr>
+              <a:t>Design innovativo di cappe da cucina</a:t>
+            </a:r>
+          </a:p>
+          <a:p>
+            <a:pPr algn="l">
+              <a:buFont typeface="Arial" panose="020B0604020202020204" pitchFamily="34" charset="0"/>
+              <a:buChar char="•"/>
+            </a:pPr>
+            <a:r>
+              <a:rPr lang="it-IT" sz="1200" b="0" i="0" dirty="0">
+                <a:solidFill>
+                  <a:srgbClr val="00FFCC"/>
+                </a:solidFill>
+                <a:effectLst>
+                  <a:outerShdw blurRad="38100" dist="38100" dir="2700000" algn="tl">
+                    <a:srgbClr val="000000">
+                      <a:alpha val="43137"/>
+                    </a:srgbClr>
+                  </a:outerShdw>
+                </a:effectLst>
+                <a:latin typeface="Georgia" panose="02040502050405020303" pitchFamily="18" charset="0"/>
+              </a:rPr>
+              <a:t>Prestazioni elevate e sistemi di aspirazione efficienti</a:t>
+            </a:r>
+          </a:p>
+          <a:p>
+            <a:pPr algn="l">
+              <a:buFont typeface="Arial" panose="020B0604020202020204" pitchFamily="34" charset="0"/>
+              <a:buChar char="•"/>
+            </a:pPr>
+            <a:r>
+              <a:rPr lang="it-IT" sz="1200" b="0" i="0" dirty="0">
+                <a:solidFill>
+                  <a:srgbClr val="00FFCC"/>
+                </a:solidFill>
+                <a:effectLst>
+                  <a:outerShdw blurRad="38100" dist="38100" dir="2700000" algn="tl">
+                    <a:srgbClr val="000000">
+                      <a:alpha val="43137"/>
+                    </a:srgbClr>
+                  </a:outerShdw>
+                </a:effectLst>
+                <a:latin typeface="Georgia" panose="02040502050405020303" pitchFamily="18" charset="0"/>
+              </a:rPr>
+              <a:t>Tecnologie all'avanguardia integrate</a:t>
+            </a:r>
+          </a:p>
+          <a:p>
+            <a:pPr algn="l">
+              <a:buFont typeface="Arial" panose="020B0604020202020204" pitchFamily="34" charset="0"/>
+              <a:buChar char="•"/>
+            </a:pPr>
+            <a:r>
+              <a:rPr lang="it-IT" sz="1200" b="0" i="0" dirty="0">
+                <a:solidFill>
+                  <a:srgbClr val="00FFCC"/>
+                </a:solidFill>
+                <a:effectLst>
+                  <a:outerShdw blurRad="38100" dist="38100" dir="2700000" algn="tl">
+                    <a:srgbClr val="000000">
+                      <a:alpha val="43137"/>
+                    </a:srgbClr>
+                  </a:outerShdw>
+                </a:effectLst>
+                <a:latin typeface="Georgia" panose="02040502050405020303" pitchFamily="18" charset="0"/>
+              </a:rPr>
+              <a:t>Soluzioni di ventilazione sostenibili e rispettose dell'ambiente</a:t>
+            </a:r>
+          </a:p>
+          <a:p>
+            <a:pPr algn="l">
+              <a:buFont typeface="Arial" panose="020B0604020202020204" pitchFamily="34" charset="0"/>
+              <a:buChar char="•"/>
+            </a:pPr>
+            <a:r>
+              <a:rPr lang="it-IT" sz="1200" b="0" i="0" dirty="0">
+                <a:solidFill>
+                  <a:srgbClr val="00FFCC"/>
+                </a:solidFill>
+                <a:effectLst>
+                  <a:outerShdw blurRad="38100" dist="38100" dir="2700000" algn="tl">
+                    <a:srgbClr val="000000">
+                      <a:alpha val="43137"/>
+                    </a:srgbClr>
+                  </a:outerShdw>
+                </a:effectLst>
+                <a:latin typeface="Georgia" panose="02040502050405020303" pitchFamily="18" charset="0"/>
+              </a:rPr>
+              <a:t>Esperienza e affidabilità nel settore</a:t>
+            </a:r>
+          </a:p>
+        </p:txBody>
+      </p:sp>
+      <p:sp>
+        <p:nvSpPr>
+          <p:cNvPr id="9" name="CasellaDiTesto 8">
+            <a:extLst>
+              <a:ext uri="{FF2B5EF4-FFF2-40B4-BE49-F238E27FC236}">
+                <a16:creationId xmlns:a16="http://schemas.microsoft.com/office/drawing/2014/main" id="{15E60705-CE7C-0E01-5CD2-FEDC9A86BAD9}"/>
+              </a:ext>
+            </a:extLst>
+          </p:cNvPr>
+          <p:cNvSpPr txBox="1"/>
+          <p:nvPr/>
+        </p:nvSpPr>
+        <p:spPr>
+          <a:xfrm>
+            <a:off x="3476296" y="3438635"/>
+            <a:ext cx="1658712" cy="1954381"/>
+          </a:xfrm>
+          <a:prstGeom prst="rect">
+            <a:avLst/>
+          </a:prstGeom>
+          <a:noFill/>
+        </p:spPr>
+        <p:txBody>
+          <a:bodyPr wrap="square" rtlCol="0">
+            <a:spAutoFit/>
+          </a:bodyPr>
+          <a:lstStyle/>
+          <a:p>
+            <a:pPr algn="l">
+              <a:buFont typeface="Arial" panose="020B0604020202020204" pitchFamily="34" charset="0"/>
+              <a:buChar char="•"/>
+            </a:pPr>
+            <a:r>
+              <a:rPr lang="it-IT" sz="1100" dirty="0">
+                <a:solidFill>
+                  <a:srgbClr val="00B0F0"/>
+                </a:solidFill>
+                <a:effectLst>
+                  <a:outerShdw blurRad="38100" dist="38100" dir="2700000" algn="tl">
+                    <a:srgbClr val="000000">
+                      <a:alpha val="43137"/>
+                    </a:srgbClr>
+                  </a:outerShdw>
+                </a:effectLst>
+                <a:latin typeface="Georgia" panose="02040502050405020303" pitchFamily="18" charset="0"/>
+              </a:rPr>
+              <a:t>Ricerca e sviluppo per innovazione e design</a:t>
+            </a:r>
+          </a:p>
+          <a:p>
+            <a:pPr algn="l">
+              <a:buFont typeface="Arial" panose="020B0604020202020204" pitchFamily="34" charset="0"/>
+              <a:buChar char="•"/>
+            </a:pPr>
+            <a:r>
+              <a:rPr lang="it-IT" sz="1100" dirty="0">
+                <a:solidFill>
+                  <a:srgbClr val="00B0F0"/>
+                </a:solidFill>
+                <a:effectLst>
+                  <a:outerShdw blurRad="38100" dist="38100" dir="2700000" algn="tl">
+                    <a:srgbClr val="000000">
+                      <a:alpha val="43137"/>
+                    </a:srgbClr>
+                  </a:outerShdw>
+                </a:effectLst>
+                <a:latin typeface="Georgia" panose="02040502050405020303" pitchFamily="18" charset="0"/>
+              </a:rPr>
+              <a:t>Capacità produttive per la produzione di cappe e sistemi di aspirazione</a:t>
+            </a:r>
+          </a:p>
+          <a:p>
+            <a:pPr algn="l">
+              <a:buFont typeface="Arial" panose="020B0604020202020204" pitchFamily="34" charset="0"/>
+              <a:buChar char="•"/>
+            </a:pPr>
+            <a:r>
+              <a:rPr lang="it-IT" sz="1100" dirty="0">
+                <a:solidFill>
+                  <a:srgbClr val="00B0F0"/>
+                </a:solidFill>
+                <a:effectLst>
+                  <a:outerShdw blurRad="38100" dist="38100" dir="2700000" algn="tl">
+                    <a:srgbClr val="000000">
+                      <a:alpha val="43137"/>
+                    </a:srgbClr>
+                  </a:outerShdw>
+                </a:effectLst>
+                <a:latin typeface="Georgia" panose="02040502050405020303" pitchFamily="18" charset="0"/>
+              </a:rPr>
+              <a:t>Know-how tecnologico e competenze specialistiche</a:t>
+            </a:r>
+          </a:p>
+          <a:p>
+            <a:pPr algn="l">
+              <a:buFont typeface="Arial" panose="020B0604020202020204" pitchFamily="34" charset="0"/>
+              <a:buChar char="•"/>
+            </a:pPr>
+            <a:r>
+              <a:rPr lang="it-IT" sz="1100" dirty="0">
+                <a:solidFill>
+                  <a:srgbClr val="00B0F0"/>
+                </a:solidFill>
+                <a:effectLst>
+                  <a:outerShdw blurRad="38100" dist="38100" dir="2700000" algn="tl">
+                    <a:srgbClr val="000000">
+                      <a:alpha val="43137"/>
+                    </a:srgbClr>
+                  </a:outerShdw>
+                </a:effectLst>
+                <a:latin typeface="Georgia" panose="02040502050405020303" pitchFamily="18" charset="0"/>
+              </a:rPr>
+              <a:t>Marchio e reputazione consolidati</a:t>
+            </a:r>
+          </a:p>
+        </p:txBody>
+      </p:sp>
+      <p:sp>
+        <p:nvSpPr>
+          <p:cNvPr id="10" name="CasellaDiTesto 9">
+            <a:extLst>
+              <a:ext uri="{FF2B5EF4-FFF2-40B4-BE49-F238E27FC236}">
+                <a16:creationId xmlns:a16="http://schemas.microsoft.com/office/drawing/2014/main" id="{9E57A76C-2ECA-E2E9-77EA-5AF36FCB9DF8}"/>
+              </a:ext>
+            </a:extLst>
+          </p:cNvPr>
+          <p:cNvSpPr txBox="1"/>
+          <p:nvPr/>
+        </p:nvSpPr>
+        <p:spPr>
+          <a:xfrm>
+            <a:off x="6966866" y="3738547"/>
+            <a:ext cx="1733550" cy="1615827"/>
+          </a:xfrm>
+          <a:prstGeom prst="rect">
+            <a:avLst/>
+          </a:prstGeom>
+          <a:noFill/>
+        </p:spPr>
+        <p:txBody>
+          <a:bodyPr wrap="square" rtlCol="0">
+            <a:spAutoFit/>
+          </a:bodyPr>
+          <a:lstStyle/>
+          <a:p>
+            <a:pPr algn="l">
+              <a:buFont typeface="Arial" panose="020B0604020202020204" pitchFamily="34" charset="0"/>
+              <a:buChar char="•"/>
+            </a:pPr>
+            <a:r>
+              <a:rPr lang="it-IT" sz="1100" b="0" i="0" dirty="0">
+                <a:solidFill>
+                  <a:srgbClr val="00FFCC"/>
+                </a:solidFill>
+                <a:effectLst>
+                  <a:outerShdw blurRad="38100" dist="38100" dir="2700000" algn="tl">
+                    <a:srgbClr val="000000">
+                      <a:alpha val="43137"/>
+                    </a:srgbClr>
+                  </a:outerShdw>
+                </a:effectLst>
+                <a:latin typeface="Georgia" panose="02040502050405020303" pitchFamily="18" charset="0"/>
+              </a:rPr>
+              <a:t>Vendita diretta attraverso showroom e negozi online</a:t>
+            </a:r>
+          </a:p>
+          <a:p>
+            <a:pPr algn="l">
+              <a:buFont typeface="Arial" panose="020B0604020202020204" pitchFamily="34" charset="0"/>
+              <a:buChar char="•"/>
+            </a:pPr>
+            <a:r>
+              <a:rPr lang="it-IT" sz="1100" b="0" i="0" dirty="0">
+                <a:solidFill>
+                  <a:srgbClr val="00FFCC"/>
+                </a:solidFill>
+                <a:effectLst>
+                  <a:outerShdw blurRad="38100" dist="38100" dir="2700000" algn="tl">
+                    <a:srgbClr val="000000">
+                      <a:alpha val="43137"/>
+                    </a:srgbClr>
+                  </a:outerShdw>
+                </a:effectLst>
+                <a:latin typeface="Georgia" panose="02040502050405020303" pitchFamily="18" charset="0"/>
+              </a:rPr>
+              <a:t>Distributori e rivenditori di elettrodomestici</a:t>
+            </a:r>
+          </a:p>
+          <a:p>
+            <a:pPr algn="l">
+              <a:buFont typeface="Arial" panose="020B0604020202020204" pitchFamily="34" charset="0"/>
+              <a:buChar char="•"/>
+            </a:pPr>
+            <a:r>
+              <a:rPr lang="it-IT" sz="1100" b="0" i="0" dirty="0">
+                <a:solidFill>
+                  <a:srgbClr val="00FFCC"/>
+                </a:solidFill>
+                <a:effectLst>
+                  <a:outerShdw blurRad="38100" dist="38100" dir="2700000" algn="tl">
+                    <a:srgbClr val="000000">
+                      <a:alpha val="43137"/>
+                    </a:srgbClr>
+                  </a:outerShdw>
+                </a:effectLst>
+                <a:latin typeface="Georgia" panose="02040502050405020303" pitchFamily="18" charset="0"/>
+              </a:rPr>
+              <a:t>Collaborazioni con produttori di cucine e arredatori</a:t>
+            </a:r>
+          </a:p>
+        </p:txBody>
+      </p:sp>
+      <p:sp>
+        <p:nvSpPr>
+          <p:cNvPr id="14" name="CasellaDiTesto 13">
+            <a:extLst>
+              <a:ext uri="{FF2B5EF4-FFF2-40B4-BE49-F238E27FC236}">
+                <a16:creationId xmlns:a16="http://schemas.microsoft.com/office/drawing/2014/main" id="{CAAC7308-23D0-4CBB-0221-45646BB218DC}"/>
+              </a:ext>
+            </a:extLst>
+          </p:cNvPr>
+          <p:cNvSpPr txBox="1"/>
+          <p:nvPr/>
+        </p:nvSpPr>
+        <p:spPr>
+          <a:xfrm>
+            <a:off x="6960942" y="1636506"/>
+            <a:ext cx="1819275" cy="1615827"/>
+          </a:xfrm>
+          <a:prstGeom prst="rect">
+            <a:avLst/>
+          </a:prstGeom>
+          <a:noFill/>
+        </p:spPr>
+        <p:txBody>
+          <a:bodyPr wrap="square" rtlCol="0">
+            <a:spAutoFit/>
+          </a:bodyPr>
+          <a:lstStyle/>
+          <a:p>
+            <a:pPr algn="l">
+              <a:buFont typeface="Arial" panose="020B0604020202020204" pitchFamily="34" charset="0"/>
+              <a:buChar char="•"/>
+            </a:pPr>
+            <a:r>
+              <a:rPr lang="it-IT" sz="1100" b="0" i="0" dirty="0">
+                <a:solidFill>
+                  <a:srgbClr val="C00000"/>
+                </a:solidFill>
+                <a:effectLst>
+                  <a:outerShdw blurRad="38100" dist="38100" dir="2700000" algn="tl">
+                    <a:srgbClr val="000000">
+                      <a:alpha val="43137"/>
+                    </a:srgbClr>
+                  </a:outerShdw>
+                </a:effectLst>
+                <a:latin typeface="Söhne"/>
+              </a:rPr>
+              <a:t>Assistenza </a:t>
+            </a:r>
+            <a:r>
+              <a:rPr lang="it-IT" sz="1100" b="0" i="0" dirty="0" err="1">
+                <a:solidFill>
+                  <a:srgbClr val="C00000"/>
+                </a:solidFill>
+                <a:effectLst>
+                  <a:outerShdw blurRad="38100" dist="38100" dir="2700000" algn="tl">
+                    <a:srgbClr val="000000">
+                      <a:alpha val="43137"/>
+                    </a:srgbClr>
+                  </a:outerShdw>
+                </a:effectLst>
+                <a:latin typeface="Söhne"/>
+              </a:rPr>
+              <a:t>pre</a:t>
+            </a:r>
+            <a:r>
+              <a:rPr lang="it-IT" sz="1100" b="0" i="0" dirty="0">
+                <a:solidFill>
+                  <a:srgbClr val="C00000"/>
+                </a:solidFill>
+                <a:effectLst>
+                  <a:outerShdw blurRad="38100" dist="38100" dir="2700000" algn="tl">
+                    <a:srgbClr val="000000">
+                      <a:alpha val="43137"/>
+                    </a:srgbClr>
+                  </a:outerShdw>
+                </a:effectLst>
+                <a:latin typeface="Söhne"/>
+              </a:rPr>
+              <a:t>-vendita per consulenze e specifiche tecniche</a:t>
+            </a:r>
+          </a:p>
+          <a:p>
+            <a:pPr algn="l">
+              <a:buFont typeface="Arial" panose="020B0604020202020204" pitchFamily="34" charset="0"/>
+              <a:buChar char="•"/>
+            </a:pPr>
+            <a:r>
+              <a:rPr lang="it-IT" sz="1100" b="0" i="0" dirty="0">
+                <a:solidFill>
+                  <a:srgbClr val="C00000"/>
+                </a:solidFill>
+                <a:effectLst>
+                  <a:outerShdw blurRad="38100" dist="38100" dir="2700000" algn="tl">
+                    <a:srgbClr val="000000">
+                      <a:alpha val="43137"/>
+                    </a:srgbClr>
+                  </a:outerShdw>
+                </a:effectLst>
+                <a:latin typeface="Söhne"/>
+              </a:rPr>
+              <a:t>Supporto post-vendita per installazione, manutenzione e riparazioni</a:t>
+            </a:r>
+          </a:p>
+          <a:p>
+            <a:pPr algn="l">
+              <a:buFont typeface="Arial" panose="020B0604020202020204" pitchFamily="34" charset="0"/>
+              <a:buChar char="•"/>
+            </a:pPr>
+            <a:r>
+              <a:rPr lang="it-IT" sz="1100" b="0" i="0" dirty="0">
+                <a:solidFill>
+                  <a:srgbClr val="C00000"/>
+                </a:solidFill>
+                <a:effectLst>
+                  <a:outerShdw blurRad="38100" dist="38100" dir="2700000" algn="tl">
+                    <a:srgbClr val="000000">
+                      <a:alpha val="43137"/>
+                    </a:srgbClr>
+                  </a:outerShdw>
+                </a:effectLst>
+                <a:latin typeface="Söhne"/>
+              </a:rPr>
+              <a:t>Servizi di consulenza per progetti di ventilazione personalizzati</a:t>
+            </a:r>
+          </a:p>
+        </p:txBody>
+      </p:sp>
+      <p:sp>
+        <p:nvSpPr>
+          <p:cNvPr id="15" name="CasellaDiTesto 14">
+            <a:extLst>
+              <a:ext uri="{FF2B5EF4-FFF2-40B4-BE49-F238E27FC236}">
+                <a16:creationId xmlns:a16="http://schemas.microsoft.com/office/drawing/2014/main" id="{7E1DE6CB-110B-CBC5-8096-5033B92E7DD6}"/>
+              </a:ext>
+            </a:extLst>
+          </p:cNvPr>
+          <p:cNvSpPr txBox="1"/>
+          <p:nvPr/>
+        </p:nvSpPr>
+        <p:spPr>
+          <a:xfrm>
+            <a:off x="1932167" y="5677066"/>
+            <a:ext cx="4110824" cy="1292662"/>
+          </a:xfrm>
+          <a:prstGeom prst="rect">
+            <a:avLst/>
+          </a:prstGeom>
+          <a:noFill/>
+        </p:spPr>
+        <p:txBody>
+          <a:bodyPr wrap="square" rtlCol="0">
+            <a:spAutoFit/>
+          </a:bodyPr>
+          <a:lstStyle/>
+          <a:p>
+            <a:pPr algn="l">
+              <a:buFont typeface="Arial" panose="020B0604020202020204" pitchFamily="34" charset="0"/>
+              <a:buChar char="•"/>
+            </a:pPr>
+            <a:r>
+              <a:rPr lang="it-IT" sz="1200" b="0" i="0" dirty="0">
+                <a:solidFill>
+                  <a:srgbClr val="276FBF"/>
+                </a:solidFill>
+                <a:effectLst>
+                  <a:outerShdw blurRad="38100" dist="38100" dir="2700000" algn="tl">
+                    <a:srgbClr val="000000">
+                      <a:alpha val="43137"/>
+                    </a:srgbClr>
+                  </a:outerShdw>
+                </a:effectLst>
+                <a:latin typeface="Söhne"/>
+              </a:rPr>
+              <a:t>Costi di produzione e materie prime</a:t>
+            </a:r>
+          </a:p>
+          <a:p>
+            <a:pPr algn="l">
+              <a:buFont typeface="Arial" panose="020B0604020202020204" pitchFamily="34" charset="0"/>
+              <a:buChar char="•"/>
+            </a:pPr>
+            <a:r>
+              <a:rPr lang="it-IT" sz="1200" b="0" i="0" dirty="0">
+                <a:solidFill>
+                  <a:srgbClr val="276FBF"/>
+                </a:solidFill>
+                <a:effectLst>
+                  <a:outerShdw blurRad="38100" dist="38100" dir="2700000" algn="tl">
+                    <a:srgbClr val="000000">
+                      <a:alpha val="43137"/>
+                    </a:srgbClr>
+                  </a:outerShdw>
+                </a:effectLst>
+                <a:latin typeface="Söhne"/>
+              </a:rPr>
+              <a:t>Costi di ricerca e sviluppo</a:t>
+            </a:r>
+          </a:p>
+          <a:p>
+            <a:pPr algn="l">
+              <a:buFont typeface="Arial" panose="020B0604020202020204" pitchFamily="34" charset="0"/>
+              <a:buChar char="•"/>
+            </a:pPr>
+            <a:r>
+              <a:rPr lang="it-IT" sz="1200" b="0" i="0" dirty="0">
+                <a:solidFill>
+                  <a:srgbClr val="276FBF"/>
+                </a:solidFill>
+                <a:effectLst>
+                  <a:outerShdw blurRad="38100" dist="38100" dir="2700000" algn="tl">
+                    <a:srgbClr val="000000">
+                      <a:alpha val="43137"/>
+                    </a:srgbClr>
+                  </a:outerShdw>
+                </a:effectLst>
+                <a:latin typeface="Söhne"/>
+              </a:rPr>
+              <a:t>Costi operativi per le strutture e le risorse umane</a:t>
+            </a:r>
+          </a:p>
+          <a:p>
+            <a:pPr algn="l">
+              <a:buFont typeface="Arial" panose="020B0604020202020204" pitchFamily="34" charset="0"/>
+              <a:buChar char="•"/>
+            </a:pPr>
+            <a:r>
+              <a:rPr lang="it-IT" sz="1200" b="0" i="0" dirty="0">
+                <a:solidFill>
+                  <a:srgbClr val="276FBF"/>
+                </a:solidFill>
+                <a:effectLst>
+                  <a:outerShdw blurRad="38100" dist="38100" dir="2700000" algn="tl">
+                    <a:srgbClr val="000000">
+                      <a:alpha val="43137"/>
+                    </a:srgbClr>
+                  </a:outerShdw>
+                </a:effectLst>
+                <a:latin typeface="Söhne"/>
+              </a:rPr>
+              <a:t>Costi di marketing e promozione</a:t>
+            </a:r>
+          </a:p>
+          <a:p>
+            <a:pPr algn="l">
+              <a:buFont typeface="Arial" panose="020B0604020202020204" pitchFamily="34" charset="0"/>
+              <a:buChar char="•"/>
+            </a:pPr>
+            <a:r>
+              <a:rPr lang="it-IT" sz="1200" b="0" i="0" dirty="0">
+                <a:solidFill>
+                  <a:srgbClr val="276FBF"/>
+                </a:solidFill>
+                <a:effectLst>
+                  <a:outerShdw blurRad="38100" dist="38100" dir="2700000" algn="tl">
+                    <a:srgbClr val="000000">
+                      <a:alpha val="43137"/>
+                    </a:srgbClr>
+                  </a:outerShdw>
+                </a:effectLst>
+                <a:latin typeface="Söhne"/>
+              </a:rPr>
+              <a:t>Costi di assistenza e supporto ai clienti</a:t>
+            </a:r>
+          </a:p>
+          <a:p>
+            <a:endParaRPr lang="it-IT" dirty="0"/>
+          </a:p>
+        </p:txBody>
+      </p:sp>
+      <p:sp>
+        <p:nvSpPr>
+          <p:cNvPr id="27" name="Rettangolo con due angoli in diagonale arrotondati 26">
+            <a:extLst>
+              <a:ext uri="{FF2B5EF4-FFF2-40B4-BE49-F238E27FC236}">
+                <a16:creationId xmlns:a16="http://schemas.microsoft.com/office/drawing/2014/main" id="{62753F7B-7B28-54FA-8F8A-F0939184CA5B}"/>
+              </a:ext>
+            </a:extLst>
+          </p:cNvPr>
+          <p:cNvSpPr/>
+          <p:nvPr/>
+        </p:nvSpPr>
+        <p:spPr>
+          <a:xfrm>
+            <a:off x="6966526" y="1200646"/>
+            <a:ext cx="1702590" cy="2045365"/>
+          </a:xfrm>
+          <a:prstGeom prst="round2DiagRect">
+            <a:avLst/>
+          </a:prstGeom>
+          <a:noFill/>
+          <a:ln w="9525" cap="flat" cmpd="sng" algn="ctr">
+            <a:solidFill>
+              <a:schemeClr val="dk1"/>
+            </a:solidFill>
+            <a:prstDash val="solid"/>
+            <a:round/>
+            <a:headEnd type="none" w="med" len="med"/>
+            <a:tailEnd type="none" w="med" len="med"/>
+          </a:ln>
+        </p:spPr>
+        <p:style>
+          <a:lnRef idx="0">
+            <a:scrgbClr r="0" g="0" b="0"/>
+          </a:lnRef>
+          <a:fillRef idx="0">
+            <a:scrgbClr r="0" g="0" b="0"/>
+          </a:fillRef>
+          <a:effectRef idx="0">
+            <a:scrgbClr r="0" g="0" b="0"/>
+          </a:effectRef>
+          <a:fontRef idx="minor">
+            <a:schemeClr val="dk1"/>
+          </a:fontRef>
+        </p:style>
+        <p:txBody>
+          <a:bodyPr rtlCol="0" anchor="ctr"/>
+          <a:lstStyle/>
+          <a:p>
+            <a:pPr algn="ctr"/>
             <a:endParaRPr lang="it-IT"/>
+          </a:p>
+        </p:txBody>
+      </p:sp>
+      <p:sp>
+        <p:nvSpPr>
+          <p:cNvPr id="28" name="Rettangolo con due angoli in diagonale arrotondati 27">
+            <a:extLst>
+              <a:ext uri="{FF2B5EF4-FFF2-40B4-BE49-F238E27FC236}">
+                <a16:creationId xmlns:a16="http://schemas.microsoft.com/office/drawing/2014/main" id="{3F69E313-E3AC-7927-9896-D1113F325F50}"/>
+              </a:ext>
+            </a:extLst>
+          </p:cNvPr>
+          <p:cNvSpPr/>
+          <p:nvPr/>
+        </p:nvSpPr>
+        <p:spPr>
+          <a:xfrm>
+            <a:off x="6969573" y="3284185"/>
+            <a:ext cx="1698188" cy="2063855"/>
+          </a:xfrm>
+          <a:prstGeom prst="round2DiagRect">
+            <a:avLst/>
+          </a:prstGeom>
+          <a:noFill/>
+          <a:ln w="9525" cap="flat" cmpd="sng" algn="ctr">
+            <a:solidFill>
+              <a:schemeClr val="dk1"/>
+            </a:solidFill>
+            <a:prstDash val="solid"/>
+            <a:round/>
+            <a:headEnd type="none" w="med" len="med"/>
+            <a:tailEnd type="none" w="med" len="med"/>
+          </a:ln>
+        </p:spPr>
+        <p:style>
+          <a:lnRef idx="0">
+            <a:scrgbClr r="0" g="0" b="0"/>
+          </a:lnRef>
+          <a:fillRef idx="0">
+            <a:scrgbClr r="0" g="0" b="0"/>
+          </a:fillRef>
+          <a:effectRef idx="0">
+            <a:scrgbClr r="0" g="0" b="0"/>
+          </a:effectRef>
+          <a:fontRef idx="minor">
+            <a:schemeClr val="dk1"/>
+          </a:fontRef>
+        </p:style>
+        <p:txBody>
+          <a:bodyPr rtlCol="0" anchor="ctr"/>
+          <a:lstStyle/>
+          <a:p>
+            <a:pPr algn="ctr"/>
+            <a:endParaRPr lang="it-IT"/>
+          </a:p>
+        </p:txBody>
+      </p:sp>
+      <p:pic>
+        <p:nvPicPr>
+          <p:cNvPr id="56" name="Elemento grafico 55" descr="Monete con riempimento a tinta unita">
+            <a:extLst>
+              <a:ext uri="{FF2B5EF4-FFF2-40B4-BE49-F238E27FC236}">
+                <a16:creationId xmlns:a16="http://schemas.microsoft.com/office/drawing/2014/main" id="{FDEE4057-89D8-4DAA-99EF-82E2A5630799}"/>
+              </a:ext>
+            </a:extLst>
+          </p:cNvPr>
+          <p:cNvPicPr>
+            <a:picLocks noChangeAspect="1"/>
+          </p:cNvPicPr>
+          <p:nvPr/>
+        </p:nvPicPr>
+        <p:blipFill>
+          <a:blip r:embed="rId2">
+            <a:extLst>
+              <a:ext uri="{28A0092B-C50C-407E-A947-70E740481C1C}">
+                <a14:useLocalDpi xmlns:a14="http://schemas.microsoft.com/office/drawing/2010/main" val="0"/>
+              </a:ext>
+              <a:ext uri="{96DAC541-7B7A-43D3-8B79-37D633B846F1}">
+                <asvg:svgBlip xmlns:asvg="http://schemas.microsoft.com/office/drawing/2016/SVG/main" r:embed="rId3"/>
+              </a:ext>
+            </a:extLst>
+          </a:blip>
+          <a:stretch>
+            <a:fillRect/>
+          </a:stretch>
+        </p:blipFill>
+        <p:spPr>
+          <a:xfrm>
+            <a:off x="9855511" y="5409743"/>
+            <a:ext cx="328720" cy="328720"/>
+          </a:xfrm>
+          <a:prstGeom prst="rect">
+            <a:avLst/>
+          </a:prstGeom>
+        </p:spPr>
+      </p:pic>
+      <p:pic>
+        <p:nvPicPr>
+          <p:cNvPr id="58" name="Elemento grafico 57" descr="Cuore con riempimento a tinta unita">
+            <a:extLst>
+              <a:ext uri="{FF2B5EF4-FFF2-40B4-BE49-F238E27FC236}">
+                <a16:creationId xmlns:a16="http://schemas.microsoft.com/office/drawing/2014/main" id="{0028DAC5-18DD-EA46-0A82-7007937D188F}"/>
+              </a:ext>
+            </a:extLst>
+          </p:cNvPr>
+          <p:cNvPicPr>
+            <a:picLocks noChangeAspect="1"/>
+          </p:cNvPicPr>
+          <p:nvPr/>
+        </p:nvPicPr>
+        <p:blipFill>
+          <a:blip r:embed="rId4">
+            <a:extLst>
+              <a:ext uri="{28A0092B-C50C-407E-A947-70E740481C1C}">
+                <a14:useLocalDpi xmlns:a14="http://schemas.microsoft.com/office/drawing/2010/main" val="0"/>
+              </a:ext>
+              <a:ext uri="{96DAC541-7B7A-43D3-8B79-37D633B846F1}">
+                <asvg:svgBlip xmlns:asvg="http://schemas.microsoft.com/office/drawing/2016/SVG/main" r:embed="rId5"/>
+              </a:ext>
+            </a:extLst>
+          </a:blip>
+          <a:stretch>
+            <a:fillRect/>
+          </a:stretch>
+        </p:blipFill>
+        <p:spPr>
+          <a:xfrm>
+            <a:off x="8338191" y="1215209"/>
+            <a:ext cx="335642" cy="335642"/>
+          </a:xfrm>
+          <a:prstGeom prst="rect">
+            <a:avLst/>
+          </a:prstGeom>
+        </p:spPr>
+      </p:pic>
+      <p:pic>
+        <p:nvPicPr>
+          <p:cNvPr id="1024" name="Elemento grafico 1023" descr="Lavoro con riempimento a tinta unita">
+            <a:extLst>
+              <a:ext uri="{FF2B5EF4-FFF2-40B4-BE49-F238E27FC236}">
+                <a16:creationId xmlns:a16="http://schemas.microsoft.com/office/drawing/2014/main" id="{8BDEF1D0-C7D6-9835-B69A-2BBE03907D86}"/>
+              </a:ext>
+            </a:extLst>
+          </p:cNvPr>
+          <p:cNvPicPr>
+            <a:picLocks noChangeAspect="1"/>
+          </p:cNvPicPr>
+          <p:nvPr/>
+        </p:nvPicPr>
+        <p:blipFill>
+          <a:blip r:embed="rId6">
+            <a:extLst>
+              <a:ext uri="{28A0092B-C50C-407E-A947-70E740481C1C}">
+                <a14:useLocalDpi xmlns:a14="http://schemas.microsoft.com/office/drawing/2010/main" val="0"/>
+              </a:ext>
+              <a:ext uri="{96DAC541-7B7A-43D3-8B79-37D633B846F1}">
+                <asvg:svgBlip xmlns:asvg="http://schemas.microsoft.com/office/drawing/2016/SVG/main" r:embed="rId7"/>
+              </a:ext>
+            </a:extLst>
+          </a:blip>
+          <a:stretch>
+            <a:fillRect/>
+          </a:stretch>
+        </p:blipFill>
+        <p:spPr>
+          <a:xfrm>
+            <a:off x="4883493" y="1225252"/>
+            <a:ext cx="288227" cy="288227"/>
+          </a:xfrm>
+          <a:prstGeom prst="rect">
+            <a:avLst/>
+          </a:prstGeom>
+        </p:spPr>
+      </p:pic>
+      <p:pic>
+        <p:nvPicPr>
+          <p:cNvPr id="1027" name="Elemento grafico 1026" descr="Barra multifunzione con riempimento a tinta unita">
+            <a:extLst>
+              <a:ext uri="{FF2B5EF4-FFF2-40B4-BE49-F238E27FC236}">
+                <a16:creationId xmlns:a16="http://schemas.microsoft.com/office/drawing/2014/main" id="{B23068C9-7767-113B-8797-EA88BF3A42BE}"/>
+              </a:ext>
+            </a:extLst>
+          </p:cNvPr>
+          <p:cNvPicPr>
+            <a:picLocks noChangeAspect="1"/>
+          </p:cNvPicPr>
+          <p:nvPr/>
+        </p:nvPicPr>
+        <p:blipFill>
+          <a:blip r:embed="rId8">
+            <a:extLst>
+              <a:ext uri="{28A0092B-C50C-407E-A947-70E740481C1C}">
+                <a14:useLocalDpi xmlns:a14="http://schemas.microsoft.com/office/drawing/2010/main" val="0"/>
+              </a:ext>
+              <a:ext uri="{96DAC541-7B7A-43D3-8B79-37D633B846F1}">
+                <asvg:svgBlip xmlns:asvg="http://schemas.microsoft.com/office/drawing/2016/SVG/main" r:embed="rId9"/>
+              </a:ext>
+            </a:extLst>
+          </a:blip>
+          <a:stretch>
+            <a:fillRect/>
+          </a:stretch>
+        </p:blipFill>
+        <p:spPr>
+          <a:xfrm>
+            <a:off x="6628416" y="1225252"/>
+            <a:ext cx="327561" cy="327561"/>
+          </a:xfrm>
+          <a:prstGeom prst="rect">
+            <a:avLst/>
+          </a:prstGeom>
+        </p:spPr>
+      </p:pic>
+      <p:pic>
+        <p:nvPicPr>
+          <p:cNvPr id="1031" name="Elemento grafico 1030" descr="Sala riunioni con riempimento a tinta unita">
+            <a:extLst>
+              <a:ext uri="{FF2B5EF4-FFF2-40B4-BE49-F238E27FC236}">
+                <a16:creationId xmlns:a16="http://schemas.microsoft.com/office/drawing/2014/main" id="{B0FDF498-F1EA-F5CF-4A93-BDFFA26169D3}"/>
+              </a:ext>
+            </a:extLst>
+          </p:cNvPr>
+          <p:cNvPicPr>
+            <a:picLocks noChangeAspect="1"/>
+          </p:cNvPicPr>
+          <p:nvPr/>
+        </p:nvPicPr>
+        <p:blipFill>
+          <a:blip r:embed="rId10">
+            <a:extLst>
+              <a:ext uri="{28A0092B-C50C-407E-A947-70E740481C1C}">
+                <a14:useLocalDpi xmlns:a14="http://schemas.microsoft.com/office/drawing/2010/main" val="0"/>
+              </a:ext>
+              <a:ext uri="{96DAC541-7B7A-43D3-8B79-37D633B846F1}">
+                <asvg:svgBlip xmlns:asvg="http://schemas.microsoft.com/office/drawing/2016/SVG/main" r:embed="rId11"/>
+              </a:ext>
+            </a:extLst>
+          </a:blip>
+          <a:stretch>
+            <a:fillRect/>
+          </a:stretch>
+        </p:blipFill>
+        <p:spPr>
+          <a:xfrm>
+            <a:off x="3078227" y="1180934"/>
+            <a:ext cx="404191" cy="404191"/>
+          </a:xfrm>
+          <a:prstGeom prst="rect">
+            <a:avLst/>
+          </a:prstGeom>
+        </p:spPr>
+      </p:pic>
+      <p:pic>
+        <p:nvPicPr>
+          <p:cNvPr id="1036" name="Elemento grafico 1035" descr="Consegna con riempimento a tinta unita">
+            <a:extLst>
+              <a:ext uri="{FF2B5EF4-FFF2-40B4-BE49-F238E27FC236}">
+                <a16:creationId xmlns:a16="http://schemas.microsoft.com/office/drawing/2014/main" id="{8CEE3D13-30A0-DE20-E854-DB9C3F76277A}"/>
+              </a:ext>
+            </a:extLst>
+          </p:cNvPr>
+          <p:cNvPicPr>
+            <a:picLocks noChangeAspect="1"/>
+          </p:cNvPicPr>
+          <p:nvPr/>
+        </p:nvPicPr>
+        <p:blipFill>
+          <a:blip r:embed="rId12">
+            <a:extLst>
+              <a:ext uri="{28A0092B-C50C-407E-A947-70E740481C1C}">
+                <a14:useLocalDpi xmlns:a14="http://schemas.microsoft.com/office/drawing/2010/main" val="0"/>
+              </a:ext>
+              <a:ext uri="{96DAC541-7B7A-43D3-8B79-37D633B846F1}">
+                <asvg:svgBlip xmlns:asvg="http://schemas.microsoft.com/office/drawing/2016/SVG/main" r:embed="rId13"/>
+              </a:ext>
+            </a:extLst>
+          </a:blip>
+          <a:stretch>
+            <a:fillRect/>
+          </a:stretch>
+        </p:blipFill>
+        <p:spPr>
+          <a:xfrm>
+            <a:off x="8224095" y="3308124"/>
+            <a:ext cx="404191" cy="404191"/>
+          </a:xfrm>
+          <a:prstGeom prst="rect">
+            <a:avLst/>
+          </a:prstGeom>
+        </p:spPr>
+      </p:pic>
+      <p:pic>
+        <p:nvPicPr>
+          <p:cNvPr id="1040" name="Elemento grafico 1039" descr="Etichetta con riempimento a tinta unita">
+            <a:extLst>
+              <a:ext uri="{FF2B5EF4-FFF2-40B4-BE49-F238E27FC236}">
+                <a16:creationId xmlns:a16="http://schemas.microsoft.com/office/drawing/2014/main" id="{3A5A41CE-2BAC-90FE-C3DA-10D8FF445407}"/>
+              </a:ext>
+            </a:extLst>
+          </p:cNvPr>
+          <p:cNvPicPr>
+            <a:picLocks noChangeAspect="1"/>
+          </p:cNvPicPr>
+          <p:nvPr/>
+        </p:nvPicPr>
+        <p:blipFill>
+          <a:blip r:embed="rId14">
+            <a:extLst>
+              <a:ext uri="{28A0092B-C50C-407E-A947-70E740481C1C}">
+                <a14:useLocalDpi xmlns:a14="http://schemas.microsoft.com/office/drawing/2010/main" val="0"/>
+              </a:ext>
+              <a:ext uri="{96DAC541-7B7A-43D3-8B79-37D633B846F1}">
+                <asvg:svgBlip xmlns:asvg="http://schemas.microsoft.com/office/drawing/2016/SVG/main" r:embed="rId15"/>
+              </a:ext>
+            </a:extLst>
+          </a:blip>
+          <a:stretch>
+            <a:fillRect/>
+          </a:stretch>
+        </p:blipFill>
+        <p:spPr>
+          <a:xfrm>
+            <a:off x="4815439" y="5417012"/>
+            <a:ext cx="404191" cy="404191"/>
+          </a:xfrm>
+          <a:prstGeom prst="rect">
+            <a:avLst/>
+          </a:prstGeom>
+        </p:spPr>
+      </p:pic>
+      <p:pic>
+        <p:nvPicPr>
+          <p:cNvPr id="1042" name="Elemento grafico 1041" descr="Gruppo di persone con riempimento a tinta unita">
+            <a:extLst>
+              <a:ext uri="{FF2B5EF4-FFF2-40B4-BE49-F238E27FC236}">
+                <a16:creationId xmlns:a16="http://schemas.microsoft.com/office/drawing/2014/main" id="{458BAAF8-157F-E1D7-C664-6D36677DD892}"/>
+              </a:ext>
+            </a:extLst>
+          </p:cNvPr>
+          <p:cNvPicPr>
+            <a:picLocks noChangeAspect="1"/>
+          </p:cNvPicPr>
+          <p:nvPr/>
+        </p:nvPicPr>
+        <p:blipFill>
+          <a:blip r:embed="rId16">
+            <a:extLst>
+              <a:ext uri="{28A0092B-C50C-407E-A947-70E740481C1C}">
+                <a14:useLocalDpi xmlns:a14="http://schemas.microsoft.com/office/drawing/2010/main" val="0"/>
+              </a:ext>
+              <a:ext uri="{96DAC541-7B7A-43D3-8B79-37D633B846F1}">
+                <asvg:svgBlip xmlns:asvg="http://schemas.microsoft.com/office/drawing/2016/SVG/main" r:embed="rId17"/>
+              </a:ext>
+            </a:extLst>
+          </a:blip>
+          <a:stretch>
+            <a:fillRect/>
+          </a:stretch>
+        </p:blipFill>
+        <p:spPr>
+          <a:xfrm>
+            <a:off x="9873435" y="1227013"/>
+            <a:ext cx="292873" cy="292873"/>
+          </a:xfrm>
+          <a:prstGeom prst="rect">
+            <a:avLst/>
+          </a:prstGeom>
+        </p:spPr>
+      </p:pic>
+      <p:pic>
+        <p:nvPicPr>
+          <p:cNvPr id="1044" name="Elemento grafico 1043" descr="Brainstorming con riempimento a tinta unita">
+            <a:extLst>
+              <a:ext uri="{FF2B5EF4-FFF2-40B4-BE49-F238E27FC236}">
+                <a16:creationId xmlns:a16="http://schemas.microsoft.com/office/drawing/2014/main" id="{86084FFB-B551-0E66-7FC5-8A120355814B}"/>
+              </a:ext>
+            </a:extLst>
+          </p:cNvPr>
+          <p:cNvPicPr>
+            <a:picLocks noChangeAspect="1"/>
+          </p:cNvPicPr>
+          <p:nvPr/>
+        </p:nvPicPr>
+        <p:blipFill>
+          <a:blip r:embed="rId18">
+            <a:extLst>
+              <a:ext uri="{28A0092B-C50C-407E-A947-70E740481C1C}">
+                <a14:useLocalDpi xmlns:a14="http://schemas.microsoft.com/office/drawing/2010/main" val="0"/>
+              </a:ext>
+              <a:ext uri="{96DAC541-7B7A-43D3-8B79-37D633B846F1}">
+                <asvg:svgBlip xmlns:asvg="http://schemas.microsoft.com/office/drawing/2016/SVG/main" r:embed="rId19"/>
+              </a:ext>
+            </a:extLst>
+          </a:blip>
+          <a:stretch>
+            <a:fillRect/>
+          </a:stretch>
+        </p:blipFill>
+        <p:spPr>
+          <a:xfrm>
+            <a:off x="4900248" y="3321415"/>
+            <a:ext cx="319382" cy="319382"/>
+          </a:xfrm>
+          <a:prstGeom prst="rect">
+            <a:avLst/>
+          </a:prstGeom>
+        </p:spPr>
+      </p:pic>
+      <p:sp>
+        <p:nvSpPr>
+          <p:cNvPr id="1045" name="CasellaDiTesto 1044">
+            <a:extLst>
+              <a:ext uri="{FF2B5EF4-FFF2-40B4-BE49-F238E27FC236}">
+                <a16:creationId xmlns:a16="http://schemas.microsoft.com/office/drawing/2014/main" id="{37938B84-5563-E1CF-E1EA-8C08356F7556}"/>
+              </a:ext>
+            </a:extLst>
+          </p:cNvPr>
+          <p:cNvSpPr txBox="1"/>
+          <p:nvPr/>
+        </p:nvSpPr>
+        <p:spPr>
+          <a:xfrm>
+            <a:off x="5307094" y="5657352"/>
+            <a:ext cx="4275085" cy="1292662"/>
+          </a:xfrm>
+          <a:prstGeom prst="rect">
+            <a:avLst/>
+          </a:prstGeom>
+          <a:noFill/>
+        </p:spPr>
+        <p:txBody>
+          <a:bodyPr wrap="square" rtlCol="0">
+            <a:spAutoFit/>
+          </a:bodyPr>
+          <a:lstStyle/>
+          <a:p>
+            <a:pPr algn="l">
+              <a:buFont typeface="Arial" panose="020B0604020202020204" pitchFamily="34" charset="0"/>
+              <a:buChar char="•"/>
+            </a:pPr>
+            <a:r>
+              <a:rPr lang="it-IT" sz="1200" b="0" i="0" dirty="0">
+                <a:solidFill>
+                  <a:srgbClr val="00B0F0"/>
+                </a:solidFill>
+                <a:effectLst>
+                  <a:outerShdw blurRad="38100" dist="38100" dir="2700000" algn="tl">
+                    <a:srgbClr val="000000">
+                      <a:alpha val="43137"/>
+                    </a:srgbClr>
+                  </a:outerShdw>
+                </a:effectLst>
+                <a:latin typeface="Söhne"/>
+              </a:rPr>
+              <a:t>Vendita diretta di cappe da cucina e sistemi di aspirazione</a:t>
+            </a:r>
+          </a:p>
+          <a:p>
+            <a:pPr algn="l">
+              <a:buFont typeface="Arial" panose="020B0604020202020204" pitchFamily="34" charset="0"/>
+              <a:buChar char="•"/>
+            </a:pPr>
+            <a:r>
+              <a:rPr lang="it-IT" sz="1200" b="0" i="0" dirty="0">
+                <a:solidFill>
+                  <a:srgbClr val="00B0F0"/>
+                </a:solidFill>
+                <a:effectLst>
+                  <a:outerShdw blurRad="38100" dist="38100" dir="2700000" algn="tl">
+                    <a:srgbClr val="000000">
+                      <a:alpha val="43137"/>
+                    </a:srgbClr>
+                  </a:outerShdw>
+                </a:effectLst>
+                <a:latin typeface="Söhne"/>
+              </a:rPr>
+              <a:t>Vendita di ricambi e accessori</a:t>
+            </a:r>
+          </a:p>
+          <a:p>
+            <a:pPr algn="l">
+              <a:buFont typeface="Arial" panose="020B0604020202020204" pitchFamily="34" charset="0"/>
+              <a:buChar char="•"/>
+            </a:pPr>
+            <a:r>
+              <a:rPr lang="it-IT" sz="1200" b="0" i="0" dirty="0">
+                <a:solidFill>
+                  <a:srgbClr val="00B0F0"/>
+                </a:solidFill>
+                <a:effectLst>
+                  <a:outerShdw blurRad="38100" dist="38100" dir="2700000" algn="tl">
+                    <a:srgbClr val="000000">
+                      <a:alpha val="43137"/>
+                    </a:srgbClr>
+                  </a:outerShdw>
+                </a:effectLst>
+                <a:latin typeface="Söhne"/>
+              </a:rPr>
+              <a:t>Servizi di manutenzione e assistenza</a:t>
+            </a:r>
+          </a:p>
+          <a:p>
+            <a:pPr algn="l">
+              <a:buFont typeface="Arial" panose="020B0604020202020204" pitchFamily="34" charset="0"/>
+              <a:buChar char="•"/>
+            </a:pPr>
+            <a:r>
+              <a:rPr lang="it-IT" sz="1200" b="0" i="0" dirty="0">
+                <a:solidFill>
+                  <a:srgbClr val="00B0F0"/>
+                </a:solidFill>
+                <a:effectLst>
+                  <a:outerShdw blurRad="38100" dist="38100" dir="2700000" algn="tl">
+                    <a:srgbClr val="000000">
+                      <a:alpha val="43137"/>
+                    </a:srgbClr>
+                  </a:outerShdw>
+                </a:effectLst>
+                <a:latin typeface="Söhne"/>
+              </a:rPr>
+              <a:t>Collaborazioni e partnership</a:t>
+            </a:r>
+          </a:p>
+          <a:p>
+            <a:pPr algn="l">
+              <a:buFont typeface="Arial" panose="020B0604020202020204" pitchFamily="34" charset="0"/>
+              <a:buChar char="•"/>
+            </a:pPr>
+            <a:r>
+              <a:rPr lang="it-IT" sz="1200" b="0" i="0" dirty="0">
+                <a:solidFill>
+                  <a:srgbClr val="00B0F0"/>
+                </a:solidFill>
+                <a:effectLst>
+                  <a:outerShdw blurRad="38100" dist="38100" dir="2700000" algn="tl">
+                    <a:srgbClr val="000000">
+                      <a:alpha val="43137"/>
+                    </a:srgbClr>
+                  </a:outerShdw>
+                </a:effectLst>
+                <a:latin typeface="Söhne"/>
+              </a:rPr>
+              <a:t>Licenze e royalties</a:t>
+            </a:r>
+          </a:p>
+          <a:p>
+            <a:endParaRPr lang="it-IT" dirty="0"/>
+          </a:p>
+        </p:txBody>
+      </p:sp>
+      <p:sp>
+        <p:nvSpPr>
+          <p:cNvPr id="1047" name="CasellaDiTesto 1046">
+            <a:extLst>
+              <a:ext uri="{FF2B5EF4-FFF2-40B4-BE49-F238E27FC236}">
+                <a16:creationId xmlns:a16="http://schemas.microsoft.com/office/drawing/2014/main" id="{6A362049-D5B5-1EFD-E2F6-B70D51D3C6E3}"/>
+              </a:ext>
+            </a:extLst>
+          </p:cNvPr>
+          <p:cNvSpPr txBox="1"/>
+          <p:nvPr/>
+        </p:nvSpPr>
+        <p:spPr>
+          <a:xfrm>
+            <a:off x="3500220" y="1474444"/>
+            <a:ext cx="1754862" cy="1969770"/>
+          </a:xfrm>
+          <a:prstGeom prst="rect">
+            <a:avLst/>
+          </a:prstGeom>
+          <a:noFill/>
+        </p:spPr>
+        <p:txBody>
+          <a:bodyPr wrap="square" rtlCol="0">
+            <a:spAutoFit/>
+          </a:bodyPr>
+          <a:lstStyle/>
+          <a:p>
+            <a:pPr algn="l">
+              <a:buFont typeface="Arial" panose="020B0604020202020204" pitchFamily="34" charset="0"/>
+              <a:buChar char="•"/>
+            </a:pPr>
+            <a:r>
+              <a:rPr lang="it-IT" sz="1100" b="0" i="0" dirty="0">
+                <a:solidFill>
+                  <a:srgbClr val="00FFCC"/>
+                </a:solidFill>
+                <a:effectLst>
+                  <a:outerShdw blurRad="38100" dist="38100" dir="2700000" algn="tl">
+                    <a:srgbClr val="000000">
+                      <a:alpha val="43137"/>
+                    </a:srgbClr>
+                  </a:outerShdw>
+                </a:effectLst>
+                <a:latin typeface="Söhne"/>
+              </a:rPr>
+              <a:t>Progettazione e sviluppo di cappe da cucina e sistemi di aspirazione</a:t>
+            </a:r>
+          </a:p>
+          <a:p>
+            <a:pPr algn="l">
+              <a:buFont typeface="Arial" panose="020B0604020202020204" pitchFamily="34" charset="0"/>
+              <a:buChar char="•"/>
+            </a:pPr>
+            <a:r>
+              <a:rPr lang="it-IT" sz="1100" b="0" i="0" dirty="0">
+                <a:solidFill>
+                  <a:srgbClr val="00FFCC"/>
+                </a:solidFill>
+                <a:effectLst>
+                  <a:outerShdw blurRad="38100" dist="38100" dir="2700000" algn="tl">
+                    <a:srgbClr val="000000">
+                      <a:alpha val="43137"/>
+                    </a:srgbClr>
+                  </a:outerShdw>
+                </a:effectLst>
+                <a:latin typeface="Söhne"/>
+              </a:rPr>
+              <a:t>Produzione e assemblaggio di prodotti</a:t>
+            </a:r>
+          </a:p>
+          <a:p>
+            <a:pPr algn="l">
+              <a:buFont typeface="Arial" panose="020B0604020202020204" pitchFamily="34" charset="0"/>
+              <a:buChar char="•"/>
+            </a:pPr>
+            <a:r>
+              <a:rPr lang="it-IT" sz="1100" b="0" i="0" dirty="0">
+                <a:solidFill>
+                  <a:srgbClr val="00FFCC"/>
+                </a:solidFill>
+                <a:effectLst>
+                  <a:outerShdw blurRad="38100" dist="38100" dir="2700000" algn="tl">
+                    <a:srgbClr val="000000">
+                      <a:alpha val="43137"/>
+                    </a:srgbClr>
+                  </a:outerShdw>
+                </a:effectLst>
+                <a:latin typeface="Söhne"/>
+              </a:rPr>
+              <a:t>Controllo qualità e test dei prodotti</a:t>
+            </a:r>
+          </a:p>
+          <a:p>
+            <a:pPr algn="l">
+              <a:buFont typeface="Arial" panose="020B0604020202020204" pitchFamily="34" charset="0"/>
+              <a:buChar char="•"/>
+            </a:pPr>
+            <a:r>
+              <a:rPr lang="it-IT" sz="1100" b="0" i="0" dirty="0">
+                <a:solidFill>
+                  <a:srgbClr val="00FFCC"/>
+                </a:solidFill>
+                <a:effectLst>
+                  <a:outerShdw blurRad="38100" dist="38100" dir="2700000" algn="tl">
+                    <a:srgbClr val="000000">
+                      <a:alpha val="43137"/>
+                    </a:srgbClr>
+                  </a:outerShdw>
+                </a:effectLst>
+                <a:latin typeface="Söhne"/>
+              </a:rPr>
+              <a:t>Ricerca e sviluppo di nuove tecnologie e soluzioni</a:t>
+            </a:r>
+          </a:p>
+          <a:p>
+            <a:endParaRPr lang="it-IT" sz="1200" dirty="0"/>
+          </a:p>
+        </p:txBody>
+      </p:sp>
+      <p:sp>
+        <p:nvSpPr>
+          <p:cNvPr id="1048" name="CasellaDiTesto 1047">
+            <a:extLst>
+              <a:ext uri="{FF2B5EF4-FFF2-40B4-BE49-F238E27FC236}">
+                <a16:creationId xmlns:a16="http://schemas.microsoft.com/office/drawing/2014/main" id="{B1614725-E266-7CFE-07E7-623F898DDD1E}"/>
+              </a:ext>
+            </a:extLst>
+          </p:cNvPr>
+          <p:cNvSpPr txBox="1"/>
+          <p:nvPr/>
+        </p:nvSpPr>
+        <p:spPr>
+          <a:xfrm>
+            <a:off x="1975190" y="2007210"/>
+            <a:ext cx="1408664" cy="2477601"/>
+          </a:xfrm>
+          <a:prstGeom prst="rect">
+            <a:avLst/>
+          </a:prstGeom>
+          <a:noFill/>
+        </p:spPr>
+        <p:txBody>
+          <a:bodyPr wrap="square" rtlCol="0">
+            <a:spAutoFit/>
+          </a:bodyPr>
+          <a:lstStyle/>
+          <a:p>
+            <a:pPr algn="l">
+              <a:buFont typeface="Arial" panose="020B0604020202020204" pitchFamily="34" charset="0"/>
+              <a:buChar char="•"/>
+            </a:pPr>
+            <a:r>
+              <a:rPr lang="it-IT" sz="1200" b="0" i="0" dirty="0">
+                <a:solidFill>
+                  <a:srgbClr val="00B0F0"/>
+                </a:solidFill>
+                <a:effectLst>
+                  <a:outerShdw blurRad="38100" dist="38100" dir="2700000" algn="tl">
+                    <a:srgbClr val="000000">
+                      <a:alpha val="43137"/>
+                    </a:srgbClr>
+                  </a:outerShdw>
+                </a:effectLst>
+                <a:latin typeface="Söhne"/>
+              </a:rPr>
+              <a:t>Fornitori di componenti e materiali</a:t>
+            </a:r>
+          </a:p>
+          <a:p>
+            <a:pPr algn="l">
+              <a:buFont typeface="Arial" panose="020B0604020202020204" pitchFamily="34" charset="0"/>
+              <a:buChar char="•"/>
+            </a:pPr>
+            <a:r>
+              <a:rPr lang="it-IT" sz="1200" b="0" i="0" dirty="0">
+                <a:solidFill>
+                  <a:srgbClr val="00B0F0"/>
+                </a:solidFill>
+                <a:effectLst>
+                  <a:outerShdw blurRad="38100" dist="38100" dir="2700000" algn="tl">
+                    <a:srgbClr val="000000">
+                      <a:alpha val="43137"/>
+                    </a:srgbClr>
+                  </a:outerShdw>
+                </a:effectLst>
+                <a:latin typeface="Söhne"/>
+              </a:rPr>
+              <a:t>Distributori e rivenditori</a:t>
+            </a:r>
+          </a:p>
+          <a:p>
+            <a:pPr algn="l">
+              <a:buFont typeface="Arial" panose="020B0604020202020204" pitchFamily="34" charset="0"/>
+              <a:buChar char="•"/>
+            </a:pPr>
+            <a:r>
+              <a:rPr lang="it-IT" sz="1200" b="0" i="0" dirty="0">
+                <a:solidFill>
+                  <a:srgbClr val="00B0F0"/>
+                </a:solidFill>
+                <a:effectLst>
+                  <a:outerShdw blurRad="38100" dist="38100" dir="2700000" algn="tl">
+                    <a:srgbClr val="000000">
+                      <a:alpha val="43137"/>
+                    </a:srgbClr>
+                  </a:outerShdw>
+                </a:effectLst>
+                <a:latin typeface="Söhne"/>
+              </a:rPr>
+              <a:t>Collaborazioni con produttori di cucine e arredatori</a:t>
+            </a:r>
+          </a:p>
+          <a:p>
+            <a:pPr algn="l">
+              <a:buFont typeface="Arial" panose="020B0604020202020204" pitchFamily="34" charset="0"/>
+              <a:buChar char="•"/>
+            </a:pPr>
+            <a:r>
+              <a:rPr lang="it-IT" sz="1200" b="0" i="0" dirty="0">
+                <a:solidFill>
+                  <a:srgbClr val="00B0F0"/>
+                </a:solidFill>
+                <a:effectLst>
+                  <a:outerShdw blurRad="38100" dist="38100" dir="2700000" algn="tl">
+                    <a:srgbClr val="000000">
+                      <a:alpha val="43137"/>
+                    </a:srgbClr>
+                  </a:outerShdw>
+                </a:effectLst>
+                <a:latin typeface="Söhne"/>
+              </a:rPr>
+              <a:t>Agenzie di design e consulenti</a:t>
+            </a:r>
+          </a:p>
+          <a:p>
+            <a:pPr algn="l">
+              <a:buFont typeface="Arial" panose="020B0604020202020204" pitchFamily="34" charset="0"/>
+              <a:buChar char="•"/>
+            </a:pPr>
+            <a:r>
+              <a:rPr lang="it-IT" sz="1200" b="0" i="0" dirty="0">
+                <a:solidFill>
+                  <a:srgbClr val="00B0F0"/>
+                </a:solidFill>
+                <a:effectLst>
+                  <a:outerShdw blurRad="38100" dist="38100" dir="2700000" algn="tl">
+                    <a:srgbClr val="000000">
+                      <a:alpha val="43137"/>
+                    </a:srgbClr>
+                  </a:outerShdw>
+                </a:effectLst>
+                <a:latin typeface="Söhne"/>
+              </a:rPr>
+              <a:t>Istituti di ricerca e sviluppo</a:t>
+            </a:r>
+          </a:p>
+          <a:p>
+            <a:endParaRPr lang="it-IT" sz="1100" dirty="0"/>
+          </a:p>
+        </p:txBody>
+      </p:sp>
+      <p:sp>
+        <p:nvSpPr>
+          <p:cNvPr id="1049" name="CasellaDiTesto 1048">
+            <a:extLst>
+              <a:ext uri="{FF2B5EF4-FFF2-40B4-BE49-F238E27FC236}">
+                <a16:creationId xmlns:a16="http://schemas.microsoft.com/office/drawing/2014/main" id="{2D5C23B0-95C3-7AC1-A877-11FDB02440C0}"/>
+              </a:ext>
+            </a:extLst>
+          </p:cNvPr>
+          <p:cNvSpPr txBox="1"/>
+          <p:nvPr/>
+        </p:nvSpPr>
+        <p:spPr>
+          <a:xfrm>
+            <a:off x="1993135" y="1243074"/>
+            <a:ext cx="1260201" cy="307777"/>
+          </a:xfrm>
+          <a:prstGeom prst="rect">
+            <a:avLst/>
+          </a:prstGeom>
+          <a:noFill/>
+        </p:spPr>
+        <p:txBody>
+          <a:bodyPr wrap="square" rtlCol="0">
+            <a:spAutoFit/>
+          </a:bodyPr>
+          <a:lstStyle/>
+          <a:p>
+            <a:r>
+              <a:rPr lang="it-IT" sz="1400" dirty="0"/>
+              <a:t>Key Partners</a:t>
+            </a:r>
+          </a:p>
+        </p:txBody>
+      </p:sp>
+      <p:sp>
+        <p:nvSpPr>
+          <p:cNvPr id="1050" name="CasellaDiTesto 1049">
+            <a:extLst>
+              <a:ext uri="{FF2B5EF4-FFF2-40B4-BE49-F238E27FC236}">
+                <a16:creationId xmlns:a16="http://schemas.microsoft.com/office/drawing/2014/main" id="{FA955AD7-A2F1-F076-A45F-AC1023197D81}"/>
+              </a:ext>
+            </a:extLst>
+          </p:cNvPr>
+          <p:cNvSpPr txBox="1"/>
+          <p:nvPr/>
+        </p:nvSpPr>
+        <p:spPr>
+          <a:xfrm>
+            <a:off x="3526691" y="1239264"/>
+            <a:ext cx="1153264" cy="307777"/>
+          </a:xfrm>
+          <a:prstGeom prst="rect">
+            <a:avLst/>
+          </a:prstGeom>
+          <a:noFill/>
+        </p:spPr>
+        <p:txBody>
+          <a:bodyPr wrap="none" rtlCol="0">
+            <a:spAutoFit/>
+          </a:bodyPr>
+          <a:lstStyle/>
+          <a:p>
+            <a:r>
+              <a:rPr lang="it-IT" sz="1400" dirty="0"/>
+              <a:t>Key Activities</a:t>
+            </a:r>
+          </a:p>
+        </p:txBody>
+      </p:sp>
+      <p:sp>
+        <p:nvSpPr>
+          <p:cNvPr id="1051" name="CasellaDiTesto 1050">
+            <a:extLst>
+              <a:ext uri="{FF2B5EF4-FFF2-40B4-BE49-F238E27FC236}">
+                <a16:creationId xmlns:a16="http://schemas.microsoft.com/office/drawing/2014/main" id="{44AC6982-CA23-6174-7328-2D02B8F9B8C8}"/>
+              </a:ext>
+            </a:extLst>
+          </p:cNvPr>
+          <p:cNvSpPr txBox="1"/>
+          <p:nvPr/>
+        </p:nvSpPr>
+        <p:spPr>
+          <a:xfrm>
+            <a:off x="3569495" y="3264073"/>
+            <a:ext cx="1224438" cy="307777"/>
+          </a:xfrm>
+          <a:prstGeom prst="rect">
+            <a:avLst/>
+          </a:prstGeom>
+          <a:noFill/>
+        </p:spPr>
+        <p:txBody>
+          <a:bodyPr wrap="none" rtlCol="0">
+            <a:spAutoFit/>
+          </a:bodyPr>
+          <a:lstStyle/>
+          <a:p>
+            <a:r>
+              <a:rPr lang="it-IT" sz="1400" dirty="0"/>
+              <a:t>Key </a:t>
+            </a:r>
+            <a:r>
+              <a:rPr lang="it-IT" sz="1400" dirty="0" err="1"/>
+              <a:t>Resources</a:t>
+            </a:r>
+            <a:endParaRPr lang="it-IT" sz="1400" dirty="0"/>
+          </a:p>
+        </p:txBody>
+      </p:sp>
+      <p:sp>
+        <p:nvSpPr>
+          <p:cNvPr id="1052" name="CasellaDiTesto 1051">
+            <a:extLst>
+              <a:ext uri="{FF2B5EF4-FFF2-40B4-BE49-F238E27FC236}">
+                <a16:creationId xmlns:a16="http://schemas.microsoft.com/office/drawing/2014/main" id="{36483CA0-A1AD-793A-EC8E-FDD8E17CE2AB}"/>
+              </a:ext>
+            </a:extLst>
+          </p:cNvPr>
+          <p:cNvSpPr txBox="1"/>
+          <p:nvPr/>
+        </p:nvSpPr>
+        <p:spPr>
+          <a:xfrm>
+            <a:off x="5360079" y="5415444"/>
+            <a:ext cx="1497725" cy="307777"/>
+          </a:xfrm>
+          <a:prstGeom prst="rect">
+            <a:avLst/>
+          </a:prstGeom>
+          <a:noFill/>
+        </p:spPr>
+        <p:txBody>
+          <a:bodyPr wrap="square" rtlCol="0">
+            <a:spAutoFit/>
+          </a:bodyPr>
+          <a:lstStyle/>
+          <a:p>
+            <a:r>
+              <a:rPr lang="it-IT" sz="1400" dirty="0"/>
+              <a:t>Revenue Streams</a:t>
+            </a:r>
+          </a:p>
+        </p:txBody>
+      </p:sp>
+      <p:sp>
+        <p:nvSpPr>
+          <p:cNvPr id="1053" name="CasellaDiTesto 1052">
+            <a:extLst>
+              <a:ext uri="{FF2B5EF4-FFF2-40B4-BE49-F238E27FC236}">
+                <a16:creationId xmlns:a16="http://schemas.microsoft.com/office/drawing/2014/main" id="{37DD3B4C-C8D8-1B58-53C0-036CC995EBE9}"/>
+              </a:ext>
+            </a:extLst>
+          </p:cNvPr>
+          <p:cNvSpPr txBox="1"/>
+          <p:nvPr/>
+        </p:nvSpPr>
+        <p:spPr>
+          <a:xfrm>
+            <a:off x="1945070" y="5417012"/>
+            <a:ext cx="1225464" cy="307777"/>
+          </a:xfrm>
+          <a:prstGeom prst="rect">
+            <a:avLst/>
+          </a:prstGeom>
+          <a:noFill/>
+        </p:spPr>
+        <p:txBody>
+          <a:bodyPr wrap="none" rtlCol="0">
+            <a:spAutoFit/>
+          </a:bodyPr>
+          <a:lstStyle/>
+          <a:p>
+            <a:r>
+              <a:rPr lang="it-IT" sz="1400" dirty="0"/>
+              <a:t>Cost </a:t>
+            </a:r>
+            <a:r>
+              <a:rPr lang="it-IT" sz="1400" dirty="0" err="1"/>
+              <a:t>Structure</a:t>
+            </a:r>
+            <a:endParaRPr lang="it-IT" sz="1400" dirty="0"/>
+          </a:p>
+        </p:txBody>
+      </p:sp>
+      <p:sp>
+        <p:nvSpPr>
+          <p:cNvPr id="1054" name="CasellaDiTesto 1053">
+            <a:extLst>
+              <a:ext uri="{FF2B5EF4-FFF2-40B4-BE49-F238E27FC236}">
+                <a16:creationId xmlns:a16="http://schemas.microsoft.com/office/drawing/2014/main" id="{ACE7A4DB-3A30-9E5F-0829-94C6838E950C}"/>
+              </a:ext>
+            </a:extLst>
+          </p:cNvPr>
+          <p:cNvSpPr txBox="1"/>
+          <p:nvPr/>
+        </p:nvSpPr>
+        <p:spPr>
+          <a:xfrm>
+            <a:off x="7041663" y="3278847"/>
+            <a:ext cx="1260201" cy="307777"/>
+          </a:xfrm>
+          <a:prstGeom prst="rect">
+            <a:avLst/>
+          </a:prstGeom>
+          <a:noFill/>
+        </p:spPr>
+        <p:txBody>
+          <a:bodyPr wrap="square" rtlCol="0">
+            <a:spAutoFit/>
+          </a:bodyPr>
+          <a:lstStyle/>
+          <a:p>
+            <a:r>
+              <a:rPr lang="it-IT" sz="1400" dirty="0" err="1"/>
+              <a:t>Channels</a:t>
+            </a:r>
+            <a:endParaRPr lang="it-IT" sz="1400" dirty="0"/>
+          </a:p>
+        </p:txBody>
+      </p:sp>
+      <p:sp>
+        <p:nvSpPr>
+          <p:cNvPr id="1055" name="CasellaDiTesto 1054">
+            <a:extLst>
+              <a:ext uri="{FF2B5EF4-FFF2-40B4-BE49-F238E27FC236}">
+                <a16:creationId xmlns:a16="http://schemas.microsoft.com/office/drawing/2014/main" id="{476A8873-34C1-5096-A151-294268A08381}"/>
+              </a:ext>
+            </a:extLst>
+          </p:cNvPr>
+          <p:cNvSpPr txBox="1"/>
+          <p:nvPr/>
+        </p:nvSpPr>
+        <p:spPr>
+          <a:xfrm>
+            <a:off x="5312832" y="1208049"/>
+            <a:ext cx="1260201" cy="523220"/>
+          </a:xfrm>
+          <a:prstGeom prst="rect">
+            <a:avLst/>
+          </a:prstGeom>
+          <a:noFill/>
+        </p:spPr>
+        <p:txBody>
+          <a:bodyPr wrap="square" rtlCol="0">
+            <a:spAutoFit/>
+          </a:bodyPr>
+          <a:lstStyle/>
+          <a:p>
+            <a:r>
+              <a:rPr lang="it-IT" sz="1400" dirty="0"/>
+              <a:t>Value </a:t>
+            </a:r>
+            <a:r>
+              <a:rPr lang="it-IT" sz="1400" dirty="0" err="1"/>
+              <a:t>Proposition</a:t>
+            </a:r>
+            <a:endParaRPr lang="it-IT" sz="1400" dirty="0"/>
+          </a:p>
+        </p:txBody>
+      </p:sp>
+      <p:sp>
+        <p:nvSpPr>
+          <p:cNvPr id="1056" name="CasellaDiTesto 1055">
+            <a:extLst>
+              <a:ext uri="{FF2B5EF4-FFF2-40B4-BE49-F238E27FC236}">
+                <a16:creationId xmlns:a16="http://schemas.microsoft.com/office/drawing/2014/main" id="{CC1D3233-A5B3-E91E-164A-C247206C2501}"/>
+              </a:ext>
+            </a:extLst>
+          </p:cNvPr>
+          <p:cNvSpPr txBox="1"/>
+          <p:nvPr/>
+        </p:nvSpPr>
+        <p:spPr>
+          <a:xfrm>
+            <a:off x="7047107" y="1207298"/>
+            <a:ext cx="1432821" cy="523220"/>
+          </a:xfrm>
+          <a:prstGeom prst="rect">
+            <a:avLst/>
+          </a:prstGeom>
+          <a:noFill/>
+        </p:spPr>
+        <p:txBody>
+          <a:bodyPr wrap="square" rtlCol="0">
+            <a:spAutoFit/>
+          </a:bodyPr>
+          <a:lstStyle/>
+          <a:p>
+            <a:r>
+              <a:rPr lang="it-IT" sz="1400" dirty="0"/>
+              <a:t>Customer </a:t>
+            </a:r>
+            <a:r>
+              <a:rPr lang="it-IT" sz="1400" dirty="0" err="1"/>
+              <a:t>Relationships</a:t>
+            </a:r>
+            <a:endParaRPr lang="it-IT" sz="1400" dirty="0"/>
+          </a:p>
+        </p:txBody>
+      </p:sp>
+      <p:sp>
+        <p:nvSpPr>
+          <p:cNvPr id="1057" name="CasellaDiTesto 1056">
+            <a:extLst>
+              <a:ext uri="{FF2B5EF4-FFF2-40B4-BE49-F238E27FC236}">
+                <a16:creationId xmlns:a16="http://schemas.microsoft.com/office/drawing/2014/main" id="{C53BD93F-7A12-0C90-E598-6D77C12D9508}"/>
+              </a:ext>
+            </a:extLst>
+          </p:cNvPr>
+          <p:cNvSpPr txBox="1"/>
+          <p:nvPr/>
+        </p:nvSpPr>
+        <p:spPr>
+          <a:xfrm>
+            <a:off x="8720833" y="1207299"/>
+            <a:ext cx="1260201" cy="523220"/>
+          </a:xfrm>
+          <a:prstGeom prst="rect">
+            <a:avLst/>
+          </a:prstGeom>
+          <a:noFill/>
+        </p:spPr>
+        <p:txBody>
+          <a:bodyPr wrap="square" rtlCol="0">
+            <a:spAutoFit/>
+          </a:bodyPr>
+          <a:lstStyle/>
+          <a:p>
+            <a:r>
+              <a:rPr lang="it-IT" sz="1400" dirty="0"/>
+              <a:t>Customer </a:t>
+            </a:r>
+            <a:r>
+              <a:rPr lang="it-IT" sz="1400" dirty="0" err="1"/>
+              <a:t>Segments</a:t>
+            </a:r>
+            <a:endParaRPr lang="it-IT" sz="1400" dirty="0"/>
           </a:p>
         </p:txBody>
       </p:sp>

--- a/I Due Moschettieri.pptx
+++ b/I Due Moschettieri.pptx
@@ -13,7 +13,13 @@
     <p:sldId id="262" r:id="rId7"/>
     <p:sldId id="263" r:id="rId8"/>
     <p:sldId id="264" r:id="rId9"/>
-    <p:sldId id="265" r:id="rId10"/>
+    <p:sldId id="269" r:id="rId10"/>
+    <p:sldId id="267" r:id="rId11"/>
+    <p:sldId id="270" r:id="rId12"/>
+    <p:sldId id="271" r:id="rId13"/>
+    <p:sldId id="272" r:id="rId14"/>
+    <p:sldId id="273" r:id="rId15"/>
+    <p:sldId id="266" r:id="rId16"/>
   </p:sldIdLst>
   <p:sldSz cx="12192000" cy="6858000"/>
   <p:notesSz cx="6858000" cy="9144000"/>
@@ -3002,7 +3008,7 @@
           <a:p>
             <a:fld id="{1EFCC690-7CBF-47E6-BE6E-0EC1C9E624CE}" type="datetimeFigureOut">
               <a:rPr lang="it-IT" smtClean="0"/>
-              <a:t>06/05/2023</a:t>
+              <a:t>08/05/2023</a:t>
             </a:fld>
             <a:endParaRPr lang="it-IT"/>
           </a:p>
@@ -3202,7 +3208,7 @@
           <a:p>
             <a:fld id="{1EFCC690-7CBF-47E6-BE6E-0EC1C9E624CE}" type="datetimeFigureOut">
               <a:rPr lang="it-IT" smtClean="0"/>
-              <a:t>06/05/2023</a:t>
+              <a:t>08/05/2023</a:t>
             </a:fld>
             <a:endParaRPr lang="it-IT"/>
           </a:p>
@@ -3412,7 +3418,7 @@
           <a:p>
             <a:fld id="{1EFCC690-7CBF-47E6-BE6E-0EC1C9E624CE}" type="datetimeFigureOut">
               <a:rPr lang="it-IT" smtClean="0"/>
-              <a:t>06/05/2023</a:t>
+              <a:t>08/05/2023</a:t>
             </a:fld>
             <a:endParaRPr lang="it-IT"/>
           </a:p>
@@ -3612,7 +3618,7 @@
           <a:p>
             <a:fld id="{1EFCC690-7CBF-47E6-BE6E-0EC1C9E624CE}" type="datetimeFigureOut">
               <a:rPr lang="it-IT" smtClean="0"/>
-              <a:t>06/05/2023</a:t>
+              <a:t>08/05/2023</a:t>
             </a:fld>
             <a:endParaRPr lang="it-IT"/>
           </a:p>
@@ -3888,7 +3894,7 @@
           <a:p>
             <a:fld id="{1EFCC690-7CBF-47E6-BE6E-0EC1C9E624CE}" type="datetimeFigureOut">
               <a:rPr lang="it-IT" smtClean="0"/>
-              <a:t>06/05/2023</a:t>
+              <a:t>08/05/2023</a:t>
             </a:fld>
             <a:endParaRPr lang="it-IT"/>
           </a:p>
@@ -4156,7 +4162,7 @@
           <a:p>
             <a:fld id="{1EFCC690-7CBF-47E6-BE6E-0EC1C9E624CE}" type="datetimeFigureOut">
               <a:rPr lang="it-IT" smtClean="0"/>
-              <a:t>06/05/2023</a:t>
+              <a:t>08/05/2023</a:t>
             </a:fld>
             <a:endParaRPr lang="it-IT"/>
           </a:p>
@@ -4571,7 +4577,7 @@
           <a:p>
             <a:fld id="{1EFCC690-7CBF-47E6-BE6E-0EC1C9E624CE}" type="datetimeFigureOut">
               <a:rPr lang="it-IT" smtClean="0"/>
-              <a:t>06/05/2023</a:t>
+              <a:t>08/05/2023</a:t>
             </a:fld>
             <a:endParaRPr lang="it-IT"/>
           </a:p>
@@ -4713,7 +4719,7 @@
           <a:p>
             <a:fld id="{1EFCC690-7CBF-47E6-BE6E-0EC1C9E624CE}" type="datetimeFigureOut">
               <a:rPr lang="it-IT" smtClean="0"/>
-              <a:t>06/05/2023</a:t>
+              <a:t>08/05/2023</a:t>
             </a:fld>
             <a:endParaRPr lang="it-IT"/>
           </a:p>
@@ -4826,7 +4832,7 @@
           <a:p>
             <a:fld id="{1EFCC690-7CBF-47E6-BE6E-0EC1C9E624CE}" type="datetimeFigureOut">
               <a:rPr lang="it-IT" smtClean="0"/>
-              <a:t>06/05/2023</a:t>
+              <a:t>08/05/2023</a:t>
             </a:fld>
             <a:endParaRPr lang="it-IT"/>
           </a:p>
@@ -5139,7 +5145,7 @@
           <a:p>
             <a:fld id="{1EFCC690-7CBF-47E6-BE6E-0EC1C9E624CE}" type="datetimeFigureOut">
               <a:rPr lang="it-IT" smtClean="0"/>
-              <a:t>06/05/2023</a:t>
+              <a:t>08/05/2023</a:t>
             </a:fld>
             <a:endParaRPr lang="it-IT"/>
           </a:p>
@@ -5428,7 +5434,7 @@
           <a:p>
             <a:fld id="{1EFCC690-7CBF-47E6-BE6E-0EC1C9E624CE}" type="datetimeFigureOut">
               <a:rPr lang="it-IT" smtClean="0"/>
-              <a:t>06/05/2023</a:t>
+              <a:t>08/05/2023</a:t>
             </a:fld>
             <a:endParaRPr lang="it-IT"/>
           </a:p>
@@ -5686,7 +5692,7 @@
           <a:p>
             <a:fld id="{1EFCC690-7CBF-47E6-BE6E-0EC1C9E624CE}" type="datetimeFigureOut">
               <a:rPr lang="it-IT" smtClean="0"/>
-              <a:t>06/05/2023</a:t>
+              <a:t>08/05/2023</a:t>
             </a:fld>
             <a:endParaRPr lang="it-IT"/>
           </a:p>
@@ -6639,6 +6645,2224 @@
 </p:sld>
 </file>
 
+<file path=ppt/slides/slide10.xml><?xml version="1.0" encoding="utf-8"?>
+<p:sld xmlns:a="http://schemas.openxmlformats.org/drawingml/2006/main" xmlns:r="http://schemas.openxmlformats.org/officeDocument/2006/relationships" xmlns:p="http://schemas.openxmlformats.org/presentationml/2006/main">
+  <p:cSld>
+    <p:spTree>
+      <p:nvGrpSpPr>
+        <p:cNvPr id="1" name=""/>
+        <p:cNvGrpSpPr/>
+        <p:nvPr/>
+      </p:nvGrpSpPr>
+      <p:grpSpPr>
+        <a:xfrm>
+          <a:off x="0" y="0"/>
+          <a:ext cx="0" cy="0"/>
+          <a:chOff x="0" y="0"/>
+          <a:chExt cx="0" cy="0"/>
+        </a:xfrm>
+      </p:grpSpPr>
+      <p:sp>
+        <p:nvSpPr>
+          <p:cNvPr id="4" name="Rettangolo con due angoli in diagonale arrotondati 3">
+            <a:extLst>
+              <a:ext uri="{FF2B5EF4-FFF2-40B4-BE49-F238E27FC236}">
+                <a16:creationId xmlns:a16="http://schemas.microsoft.com/office/drawing/2014/main" id="{0F1736EF-CA39-1E7F-11EE-6CA9705DF196}"/>
+              </a:ext>
+            </a:extLst>
+          </p:cNvPr>
+          <p:cNvSpPr/>
+          <p:nvPr/>
+        </p:nvSpPr>
+        <p:spPr>
+          <a:xfrm>
+            <a:off x="244290" y="363691"/>
+            <a:ext cx="11703419" cy="6130618"/>
+          </a:xfrm>
+          <a:prstGeom prst="round2DiagRect">
+            <a:avLst/>
+          </a:prstGeom>
+          <a:solidFill>
+            <a:schemeClr val="accent1">
+              <a:alpha val="50000"/>
+            </a:schemeClr>
+          </a:solidFill>
+          <a:ln>
+            <a:noFill/>
+          </a:ln>
+        </p:spPr>
+        <p:style>
+          <a:lnRef idx="0">
+            <a:scrgbClr r="0" g="0" b="0"/>
+          </a:lnRef>
+          <a:fillRef idx="0">
+            <a:scrgbClr r="0" g="0" b="0"/>
+          </a:fillRef>
+          <a:effectRef idx="0">
+            <a:scrgbClr r="0" g="0" b="0"/>
+          </a:effectRef>
+          <a:fontRef idx="minor">
+            <a:schemeClr val="lt1"/>
+          </a:fontRef>
+        </p:style>
+        <p:txBody>
+          <a:bodyPr rtlCol="0" anchor="ctr"/>
+          <a:lstStyle/>
+          <a:p>
+            <a:pPr algn="ctr"/>
+            <a:endParaRPr lang="it-IT" dirty="0"/>
+          </a:p>
+        </p:txBody>
+      </p:sp>
+      <p:sp>
+        <p:nvSpPr>
+          <p:cNvPr id="5" name="CasellaDiTesto 4">
+            <a:extLst>
+              <a:ext uri="{FF2B5EF4-FFF2-40B4-BE49-F238E27FC236}">
+                <a16:creationId xmlns:a16="http://schemas.microsoft.com/office/drawing/2014/main" id="{3744CFC2-6502-8DDE-92BB-94FCC5FA579B}"/>
+              </a:ext>
+            </a:extLst>
+          </p:cNvPr>
+          <p:cNvSpPr txBox="1"/>
+          <p:nvPr/>
+        </p:nvSpPr>
+        <p:spPr>
+          <a:xfrm>
+            <a:off x="756255" y="3050468"/>
+            <a:ext cx="10679488" cy="3508653"/>
+          </a:xfrm>
+          <a:prstGeom prst="rect">
+            <a:avLst/>
+          </a:prstGeom>
+          <a:noFill/>
+        </p:spPr>
+        <p:txBody>
+          <a:bodyPr wrap="square" rtlCol="0">
+            <a:spAutoFit/>
+          </a:bodyPr>
+          <a:lstStyle/>
+          <a:p>
+            <a:pPr algn="l">
+              <a:buFont typeface="+mj-lt"/>
+              <a:buAutoNum type="arabicPeriod"/>
+            </a:pPr>
+            <a:r>
+              <a:rPr lang="it-IT" sz="1400" b="0" i="0" dirty="0">
+                <a:solidFill>
+                  <a:srgbClr val="374151"/>
+                </a:solidFill>
+                <a:effectLst/>
+                <a:latin typeface="Söhne"/>
+              </a:rPr>
+              <a:t>Fornitori di materiali e componenti: Elica Spa collabora con fornitori di materiali e componenti chiave per la produzione dei suoi prodotti di ventilazione. Questi partner forniscono materiali di alta qualità e componenti essenziali per garantire la produzione di prodotti affidabili e performanti.</a:t>
+            </a:r>
+          </a:p>
+          <a:p>
+            <a:pPr algn="l">
+              <a:buFont typeface="+mj-lt"/>
+              <a:buAutoNum type="arabicPeriod"/>
+            </a:pPr>
+            <a:r>
+              <a:rPr lang="it-IT" sz="1400" b="0" i="0" dirty="0">
+                <a:solidFill>
+                  <a:srgbClr val="374151"/>
+                </a:solidFill>
+                <a:effectLst/>
+                <a:latin typeface="Söhne"/>
+              </a:rPr>
+              <a:t>Rivenditori e distributori: Elica Spa si affida a una rete di rivenditori e distributori per la distribuzione e la vendita dei suoi prodotti. Questi partner sono responsabili della commercializzazione, della promozione e della vendita dei prodotti di Elica Spa attraverso i loro canali di distribuzione, consentendo all'azienda di raggiungere un'ampia base di clienti.</a:t>
+            </a:r>
+          </a:p>
+          <a:p>
+            <a:pPr algn="l">
+              <a:buFont typeface="+mj-lt"/>
+              <a:buAutoNum type="arabicPeriod"/>
+            </a:pPr>
+            <a:r>
+              <a:rPr lang="it-IT" sz="1400" b="0" i="0" dirty="0">
+                <a:solidFill>
+                  <a:srgbClr val="374151"/>
+                </a:solidFill>
+                <a:effectLst/>
+                <a:latin typeface="Söhne"/>
+              </a:rPr>
+              <a:t>Costruttori di case: L'azienda collabora con costruttori di case e sviluppatori immobiliari per integrare i suoi prodotti di ventilazione nelle nuove abitazioni. Questa partnership consente a Elica Spa di essere coinvolta fin dalle prime fasi di progettazione e costruzione, assicurando l'integrazione ottimale dei suoi prodotti nel contesto delle nuove case.</a:t>
+            </a:r>
+          </a:p>
+          <a:p>
+            <a:pPr algn="l">
+              <a:buFont typeface="+mj-lt"/>
+              <a:buAutoNum type="arabicPeriod"/>
+            </a:pPr>
+            <a:r>
+              <a:rPr lang="it-IT" sz="1400" b="0" i="0" dirty="0">
+                <a:solidFill>
+                  <a:srgbClr val="374151"/>
+                </a:solidFill>
+                <a:effectLst/>
+                <a:latin typeface="Söhne"/>
+              </a:rPr>
+              <a:t>Progettisti di cucine: Elica Spa collabora con progettisti di cucine e professionisti dell'</a:t>
+            </a:r>
+            <a:r>
+              <a:rPr lang="it-IT" sz="1400" b="0" i="0" dirty="0" err="1">
+                <a:solidFill>
+                  <a:srgbClr val="374151"/>
+                </a:solidFill>
+                <a:effectLst/>
+                <a:latin typeface="Söhne"/>
+              </a:rPr>
+              <a:t>interior</a:t>
+            </a:r>
+            <a:r>
+              <a:rPr lang="it-IT" sz="1400" b="0" i="0" dirty="0">
+                <a:solidFill>
+                  <a:srgbClr val="374151"/>
+                </a:solidFill>
+                <a:effectLst/>
+                <a:latin typeface="Söhne"/>
+              </a:rPr>
+              <a:t> design per fornire soluzioni di ventilazione personalizzate e di design per progetti specifici. Questi partner contribuiscono a creare soluzioni integrate e esteticamente gradevoli che soddisfano le esigenze dei clienti e migliorano l'aspetto delle cucine.</a:t>
+            </a:r>
+          </a:p>
+          <a:p>
+            <a:pPr algn="l">
+              <a:buFont typeface="+mj-lt"/>
+              <a:buAutoNum type="arabicPeriod"/>
+            </a:pPr>
+            <a:r>
+              <a:rPr lang="it-IT" sz="1400" b="0" i="0" dirty="0">
+                <a:solidFill>
+                  <a:srgbClr val="374151"/>
+                </a:solidFill>
+                <a:effectLst/>
+                <a:latin typeface="Söhne"/>
+              </a:rPr>
+              <a:t>Centri di ricerca e sviluppo: Elica Spa può collaborare con centri di ricerca e sviluppo, istituti accademici o altre aziende specializzate per l'innovazione tecnologica e il progresso nella ventilazione domestica. Queste partnership possono contribuire allo sviluppo di nuove tecnologie, miglioramenti produttivi e all'implementazione di soluzioni all'avanguardia nel settore.</a:t>
+            </a:r>
+          </a:p>
+          <a:p>
+            <a:endParaRPr lang="it-IT" sz="1200" dirty="0"/>
+          </a:p>
+        </p:txBody>
+      </p:sp>
+      <p:sp>
+        <p:nvSpPr>
+          <p:cNvPr id="11" name="CasellaDiTesto 10">
+            <a:extLst>
+              <a:ext uri="{FF2B5EF4-FFF2-40B4-BE49-F238E27FC236}">
+                <a16:creationId xmlns:a16="http://schemas.microsoft.com/office/drawing/2014/main" id="{8EC34BB2-8A6C-D3A4-45EB-1D8587C8FEA9}"/>
+              </a:ext>
+            </a:extLst>
+          </p:cNvPr>
+          <p:cNvSpPr txBox="1"/>
+          <p:nvPr/>
+        </p:nvSpPr>
+        <p:spPr>
+          <a:xfrm>
+            <a:off x="1962253" y="2372808"/>
+            <a:ext cx="5126182" cy="369332"/>
+          </a:xfrm>
+          <a:prstGeom prst="rect">
+            <a:avLst/>
+          </a:prstGeom>
+          <a:noFill/>
+        </p:spPr>
+        <p:txBody>
+          <a:bodyPr wrap="square" rtlCol="0">
+            <a:spAutoFit/>
+          </a:bodyPr>
+          <a:lstStyle/>
+          <a:p>
+            <a:endParaRPr lang="it-IT" dirty="0"/>
+          </a:p>
+        </p:txBody>
+      </p:sp>
+      <p:pic>
+        <p:nvPicPr>
+          <p:cNvPr id="17" name="Immagine 16">
+            <a:extLst>
+              <a:ext uri="{FF2B5EF4-FFF2-40B4-BE49-F238E27FC236}">
+                <a16:creationId xmlns:a16="http://schemas.microsoft.com/office/drawing/2014/main" id="{5028C2C9-CCC8-EE34-AF7F-ADB7695CE275}"/>
+              </a:ext>
+            </a:extLst>
+          </p:cNvPr>
+          <p:cNvPicPr>
+            <a:picLocks noChangeAspect="1"/>
+          </p:cNvPicPr>
+          <p:nvPr/>
+        </p:nvPicPr>
+        <p:blipFill>
+          <a:blip r:embed="rId2"/>
+          <a:stretch>
+            <a:fillRect/>
+          </a:stretch>
+        </p:blipFill>
+        <p:spPr>
+          <a:xfrm>
+            <a:off x="6820589" y="506500"/>
+            <a:ext cx="5037838" cy="2401159"/>
+          </a:xfrm>
+          <a:prstGeom prst="rect">
+            <a:avLst/>
+          </a:prstGeom>
+        </p:spPr>
+      </p:pic>
+      <p:sp>
+        <p:nvSpPr>
+          <p:cNvPr id="18" name="CasellaDiTesto 17">
+            <a:extLst>
+              <a:ext uri="{FF2B5EF4-FFF2-40B4-BE49-F238E27FC236}">
+                <a16:creationId xmlns:a16="http://schemas.microsoft.com/office/drawing/2014/main" id="{B790A44D-6071-8413-94D6-70754B4B2BC1}"/>
+              </a:ext>
+            </a:extLst>
+          </p:cNvPr>
+          <p:cNvSpPr txBox="1"/>
+          <p:nvPr/>
+        </p:nvSpPr>
+        <p:spPr>
+          <a:xfrm>
+            <a:off x="1284927" y="1322360"/>
+            <a:ext cx="4889108" cy="769441"/>
+          </a:xfrm>
+          <a:prstGeom prst="rect">
+            <a:avLst/>
+          </a:prstGeom>
+          <a:noFill/>
+        </p:spPr>
+        <p:txBody>
+          <a:bodyPr wrap="square" rtlCol="0">
+            <a:spAutoFit/>
+          </a:bodyPr>
+          <a:lstStyle/>
+          <a:p>
+            <a:r>
+              <a:rPr lang="it-IT" sz="4400" dirty="0"/>
+              <a:t>Key Partners</a:t>
+            </a:r>
+          </a:p>
+        </p:txBody>
+      </p:sp>
+    </p:spTree>
+    <p:extLst>
+      <p:ext uri="{BB962C8B-B14F-4D97-AF65-F5344CB8AC3E}">
+        <p14:creationId xmlns:p14="http://schemas.microsoft.com/office/powerpoint/2010/main" val="618130327"/>
+      </p:ext>
+    </p:extLst>
+  </p:cSld>
+  <p:clrMapOvr>
+    <a:masterClrMapping/>
+  </p:clrMapOvr>
+</p:sld>
+</file>
+
+<file path=ppt/slides/slide11.xml><?xml version="1.0" encoding="utf-8"?>
+<p:sld xmlns:a="http://schemas.openxmlformats.org/drawingml/2006/main" xmlns:r="http://schemas.openxmlformats.org/officeDocument/2006/relationships" xmlns:p="http://schemas.openxmlformats.org/presentationml/2006/main">
+  <p:cSld>
+    <p:spTree>
+      <p:nvGrpSpPr>
+        <p:cNvPr id="1" name=""/>
+        <p:cNvGrpSpPr/>
+        <p:nvPr/>
+      </p:nvGrpSpPr>
+      <p:grpSpPr>
+        <a:xfrm>
+          <a:off x="0" y="0"/>
+          <a:ext cx="0" cy="0"/>
+          <a:chOff x="0" y="0"/>
+          <a:chExt cx="0" cy="0"/>
+        </a:xfrm>
+      </p:grpSpPr>
+      <p:sp>
+        <p:nvSpPr>
+          <p:cNvPr id="4" name="Rettangolo con due angoli in diagonale arrotondati 3">
+            <a:extLst>
+              <a:ext uri="{FF2B5EF4-FFF2-40B4-BE49-F238E27FC236}">
+                <a16:creationId xmlns:a16="http://schemas.microsoft.com/office/drawing/2014/main" id="{0F1736EF-CA39-1E7F-11EE-6CA9705DF196}"/>
+              </a:ext>
+            </a:extLst>
+          </p:cNvPr>
+          <p:cNvSpPr/>
+          <p:nvPr/>
+        </p:nvSpPr>
+        <p:spPr>
+          <a:xfrm>
+            <a:off x="147779" y="321008"/>
+            <a:ext cx="11620293" cy="6091076"/>
+          </a:xfrm>
+          <a:prstGeom prst="round2DiagRect">
+            <a:avLst/>
+          </a:prstGeom>
+          <a:solidFill>
+            <a:schemeClr val="accent1">
+              <a:alpha val="50000"/>
+            </a:schemeClr>
+          </a:solidFill>
+          <a:ln>
+            <a:noFill/>
+          </a:ln>
+        </p:spPr>
+        <p:style>
+          <a:lnRef idx="0">
+            <a:scrgbClr r="0" g="0" b="0"/>
+          </a:lnRef>
+          <a:fillRef idx="0">
+            <a:scrgbClr r="0" g="0" b="0"/>
+          </a:fillRef>
+          <a:effectRef idx="0">
+            <a:scrgbClr r="0" g="0" b="0"/>
+          </a:effectRef>
+          <a:fontRef idx="minor">
+            <a:schemeClr val="lt1"/>
+          </a:fontRef>
+        </p:style>
+        <p:txBody>
+          <a:bodyPr rtlCol="0" anchor="ctr"/>
+          <a:lstStyle/>
+          <a:p>
+            <a:pPr algn="ctr"/>
+            <a:endParaRPr lang="it-IT" dirty="0"/>
+          </a:p>
+        </p:txBody>
+      </p:sp>
+      <p:sp>
+        <p:nvSpPr>
+          <p:cNvPr id="5" name="CasellaDiTesto 4">
+            <a:extLst>
+              <a:ext uri="{FF2B5EF4-FFF2-40B4-BE49-F238E27FC236}">
+                <a16:creationId xmlns:a16="http://schemas.microsoft.com/office/drawing/2014/main" id="{3744CFC2-6502-8DDE-92BB-94FCC5FA579B}"/>
+              </a:ext>
+            </a:extLst>
+          </p:cNvPr>
+          <p:cNvSpPr txBox="1"/>
+          <p:nvPr/>
+        </p:nvSpPr>
+        <p:spPr>
+          <a:xfrm>
+            <a:off x="326979" y="2936006"/>
+            <a:ext cx="7110303" cy="3600986"/>
+          </a:xfrm>
+          <a:prstGeom prst="rect">
+            <a:avLst/>
+          </a:prstGeom>
+          <a:noFill/>
+        </p:spPr>
+        <p:txBody>
+          <a:bodyPr wrap="square" rtlCol="0">
+            <a:spAutoFit/>
+          </a:bodyPr>
+          <a:lstStyle/>
+          <a:p>
+            <a:pPr algn="l">
+              <a:buFont typeface="+mj-lt"/>
+              <a:buAutoNum type="arabicPeriod"/>
+            </a:pPr>
+            <a:r>
+              <a:rPr lang="it-IT" sz="1200" b="0" i="0" dirty="0">
+                <a:solidFill>
+                  <a:srgbClr val="374151"/>
+                </a:solidFill>
+                <a:effectLst/>
+                <a:latin typeface="Söhne"/>
+              </a:rPr>
+              <a:t>Innovazione tecnologica: Elica Spa si impegna a offrire prodotti di ventilazione all'avanguardia, utilizzando tecnologie innovative per garantire prestazioni superiori e funzionalità avanzate. La continua ricerca e sviluppo dell'azienda le consente di introdurre sul mercato soluzioni di ventilazione all'avanguardia che soddisfano le esigenze e le aspettative dei clienti.</a:t>
+            </a:r>
+          </a:p>
+          <a:p>
+            <a:pPr algn="l">
+              <a:buFont typeface="+mj-lt"/>
+              <a:buAutoNum type="arabicPeriod"/>
+            </a:pPr>
+            <a:r>
+              <a:rPr lang="it-IT" sz="1200" b="0" i="0" dirty="0">
+                <a:solidFill>
+                  <a:srgbClr val="374151"/>
+                </a:solidFill>
+                <a:effectLst/>
+                <a:latin typeface="Söhne"/>
+              </a:rPr>
+              <a:t>Design accattivante: Elica Spa si distingue per il design dei suoi prodotti di ventilazione. Oltre a offrire funzionalità e prestazioni elevate, i prodotti sono progettati con attenzione all'estetica e all'armonia con l'ambiente circostante, fornendo soluzioni di ventilazione che migliorano l'aspetto delle cucine e degli spazi abitativi.</a:t>
+            </a:r>
+          </a:p>
+          <a:p>
+            <a:pPr algn="l">
+              <a:buFont typeface="+mj-lt"/>
+              <a:buAutoNum type="arabicPeriod"/>
+            </a:pPr>
+            <a:r>
+              <a:rPr lang="it-IT" sz="1200" b="0" i="0" dirty="0">
+                <a:solidFill>
+                  <a:srgbClr val="374151"/>
+                </a:solidFill>
+                <a:effectLst/>
+                <a:latin typeface="Söhne"/>
+              </a:rPr>
+              <a:t>Qualità e affidabilità: Elica Spa si impegna a offrire prodotti di alta qualità e affidabili. La qualità dei materiali utilizzati e la precisione nella produzione garantiscono prodotti durevoli, sicuri e performanti. L'azienda effettua rigorosi controlli di qualità per assicurare che ogni prodotto risponda ai più elevati standard.</a:t>
+            </a:r>
+          </a:p>
+          <a:p>
+            <a:pPr algn="l">
+              <a:buFont typeface="+mj-lt"/>
+              <a:buAutoNum type="arabicPeriod"/>
+            </a:pPr>
+            <a:r>
+              <a:rPr lang="it-IT" sz="1200" b="0" i="0" dirty="0">
+                <a:solidFill>
+                  <a:srgbClr val="374151"/>
+                </a:solidFill>
+                <a:effectLst/>
+                <a:latin typeface="Söhne"/>
+              </a:rPr>
+              <a:t>Miglioramento della qualità dell'aria: Uno dei valori fondamentali di Elica Spa è migliorare la qualità dell'aria negli ambienti domestici. I suoi prodotti di ventilazione sono progettati per rimuovere efficacemente fumi, odori, vapori e agenti inquinanti, offrendo un ambiente più sano e confortevole per i clienti.</a:t>
+            </a:r>
+          </a:p>
+          <a:p>
+            <a:pPr algn="l">
+              <a:buFont typeface="+mj-lt"/>
+              <a:buAutoNum type="arabicPeriod"/>
+            </a:pPr>
+            <a:r>
+              <a:rPr lang="it-IT" sz="1200" b="0" i="0" dirty="0">
+                <a:solidFill>
+                  <a:srgbClr val="374151"/>
+                </a:solidFill>
+                <a:effectLst/>
+                <a:latin typeface="Söhne"/>
+              </a:rPr>
+              <a:t>Esperienza di cucina superiore: Elica Spa si impegna a fornire un'esperienza di cucina superiore ai suoi clienti. I suoi prodotti di ventilazione assicurano la rimozione efficiente dei fumi di cottura, garantendo una cucina pulita, senza odori e con una migliore circolazione dell'aria, creando un ambiente più piacevole e confortevole durante la preparazione dei pasti.</a:t>
+            </a:r>
+          </a:p>
+          <a:p>
+            <a:endParaRPr lang="it-IT" sz="1200" dirty="0"/>
+          </a:p>
+        </p:txBody>
+      </p:sp>
+      <p:sp>
+        <p:nvSpPr>
+          <p:cNvPr id="11" name="CasellaDiTesto 10">
+            <a:extLst>
+              <a:ext uri="{FF2B5EF4-FFF2-40B4-BE49-F238E27FC236}">
+                <a16:creationId xmlns:a16="http://schemas.microsoft.com/office/drawing/2014/main" id="{8EC34BB2-8A6C-D3A4-45EB-1D8587C8FEA9}"/>
+              </a:ext>
+            </a:extLst>
+          </p:cNvPr>
+          <p:cNvSpPr txBox="1"/>
+          <p:nvPr/>
+        </p:nvSpPr>
+        <p:spPr>
+          <a:xfrm>
+            <a:off x="1801091" y="2372808"/>
+            <a:ext cx="5126182" cy="369332"/>
+          </a:xfrm>
+          <a:prstGeom prst="rect">
+            <a:avLst/>
+          </a:prstGeom>
+          <a:noFill/>
+        </p:spPr>
+        <p:txBody>
+          <a:bodyPr wrap="square" rtlCol="0">
+            <a:spAutoFit/>
+          </a:bodyPr>
+          <a:lstStyle/>
+          <a:p>
+            <a:endParaRPr lang="it-IT" dirty="0"/>
+          </a:p>
+        </p:txBody>
+      </p:sp>
+      <p:sp>
+        <p:nvSpPr>
+          <p:cNvPr id="18" name="CasellaDiTesto 17">
+            <a:extLst>
+              <a:ext uri="{FF2B5EF4-FFF2-40B4-BE49-F238E27FC236}">
+                <a16:creationId xmlns:a16="http://schemas.microsoft.com/office/drawing/2014/main" id="{B790A44D-6071-8413-94D6-70754B4B2BC1}"/>
+              </a:ext>
+            </a:extLst>
+          </p:cNvPr>
+          <p:cNvSpPr txBox="1"/>
+          <p:nvPr/>
+        </p:nvSpPr>
+        <p:spPr>
+          <a:xfrm>
+            <a:off x="1435503" y="732392"/>
+            <a:ext cx="3891581" cy="1446550"/>
+          </a:xfrm>
+          <a:prstGeom prst="rect">
+            <a:avLst/>
+          </a:prstGeom>
+          <a:noFill/>
+        </p:spPr>
+        <p:txBody>
+          <a:bodyPr wrap="square" rtlCol="0">
+            <a:spAutoFit/>
+          </a:bodyPr>
+          <a:lstStyle/>
+          <a:p>
+            <a:r>
+              <a:rPr lang="it-IT" sz="4400" dirty="0"/>
+              <a:t>Value Proposition</a:t>
+            </a:r>
+          </a:p>
+        </p:txBody>
+      </p:sp>
+      <p:pic>
+        <p:nvPicPr>
+          <p:cNvPr id="2052" name="Picture 4" descr="ELICA Cappa a Parete, Linea VERTIGO WH/F/120, Classe Energetica B, Vetro  Bianco - PRF0079556C">
+            <a:extLst>
+              <a:ext uri="{FF2B5EF4-FFF2-40B4-BE49-F238E27FC236}">
+                <a16:creationId xmlns:a16="http://schemas.microsoft.com/office/drawing/2014/main" id="{CB0B9C7C-F15A-CE56-084A-B3A0870BB90F}"/>
+              </a:ext>
+            </a:extLst>
+          </p:cNvPr>
+          <p:cNvPicPr>
+            <a:picLocks noChangeAspect="1" noChangeArrowheads="1"/>
+          </p:cNvPicPr>
+          <p:nvPr/>
+        </p:nvPicPr>
+        <p:blipFill rotWithShape="1">
+          <a:blip r:embed="rId2">
+            <a:extLst>
+              <a:ext uri="{28A0092B-C50C-407E-A947-70E740481C1C}">
+                <a14:useLocalDpi xmlns:a14="http://schemas.microsoft.com/office/drawing/2010/main" val="0"/>
+              </a:ext>
+            </a:extLst>
+          </a:blip>
+          <a:srcRect l="4278" r="4077"/>
+          <a:stretch/>
+        </p:blipFill>
+        <p:spPr bwMode="auto">
+          <a:xfrm>
+            <a:off x="7584151" y="445916"/>
+            <a:ext cx="4064762" cy="3056510"/>
+          </a:xfrm>
+          <a:prstGeom prst="rect">
+            <a:avLst/>
+          </a:prstGeom>
+          <a:noFill/>
+          <a:extLst>
+            <a:ext uri="{909E8E84-426E-40DD-AFC4-6F175D3DCCD1}">
+              <a14:hiddenFill xmlns:a14="http://schemas.microsoft.com/office/drawing/2010/main">
+                <a:solidFill>
+                  <a:srgbClr val="FFFFFF"/>
+                </a:solidFill>
+              </a14:hiddenFill>
+            </a:ext>
+          </a:extLst>
+        </p:spPr>
+      </p:pic>
+    </p:spTree>
+    <p:extLst>
+      <p:ext uri="{BB962C8B-B14F-4D97-AF65-F5344CB8AC3E}">
+        <p14:creationId xmlns:p14="http://schemas.microsoft.com/office/powerpoint/2010/main" val="1456705679"/>
+      </p:ext>
+    </p:extLst>
+  </p:cSld>
+  <p:clrMapOvr>
+    <a:masterClrMapping/>
+  </p:clrMapOvr>
+</p:sld>
+</file>
+
+<file path=ppt/slides/slide12.xml><?xml version="1.0" encoding="utf-8"?>
+<p:sld xmlns:a="http://schemas.openxmlformats.org/drawingml/2006/main" xmlns:r="http://schemas.openxmlformats.org/officeDocument/2006/relationships" xmlns:p="http://schemas.openxmlformats.org/presentationml/2006/main">
+  <p:cSld>
+    <p:spTree>
+      <p:nvGrpSpPr>
+        <p:cNvPr id="1" name=""/>
+        <p:cNvGrpSpPr/>
+        <p:nvPr/>
+      </p:nvGrpSpPr>
+      <p:grpSpPr>
+        <a:xfrm>
+          <a:off x="0" y="0"/>
+          <a:ext cx="0" cy="0"/>
+          <a:chOff x="0" y="0"/>
+          <a:chExt cx="0" cy="0"/>
+        </a:xfrm>
+      </p:grpSpPr>
+      <p:sp>
+        <p:nvSpPr>
+          <p:cNvPr id="2" name="Title 1">
+            <a:extLst>
+              <a:ext uri="{FF2B5EF4-FFF2-40B4-BE49-F238E27FC236}">
+                <a16:creationId xmlns:a16="http://schemas.microsoft.com/office/drawing/2014/main" id="{AB96BDCC-BA03-1E18-F876-2527144CFFB0}"/>
+              </a:ext>
+            </a:extLst>
+          </p:cNvPr>
+          <p:cNvSpPr>
+            <a:spLocks noGrp="1"/>
+          </p:cNvSpPr>
+          <p:nvPr>
+            <p:ph type="title"/>
+          </p:nvPr>
+        </p:nvSpPr>
+        <p:spPr>
+          <a:xfrm>
+            <a:off x="838200" y="119946"/>
+            <a:ext cx="10515600" cy="1325563"/>
+          </a:xfrm>
+        </p:spPr>
+        <p:txBody>
+          <a:bodyPr/>
+          <a:lstStyle/>
+          <a:p>
+            <a:pPr algn="ctr"/>
+            <a:r>
+              <a:rPr lang="en-US" dirty="0"/>
+              <a:t>Business Model Canvas</a:t>
+            </a:r>
+            <a:endParaRPr lang="it-IT" dirty="0"/>
+          </a:p>
+        </p:txBody>
+      </p:sp>
+      <p:sp>
+        <p:nvSpPr>
+          <p:cNvPr id="4" name="Rettangolo con due angoli in diagonale arrotondati 3">
+            <a:extLst>
+              <a:ext uri="{FF2B5EF4-FFF2-40B4-BE49-F238E27FC236}">
+                <a16:creationId xmlns:a16="http://schemas.microsoft.com/office/drawing/2014/main" id="{0F1736EF-CA39-1E7F-11EE-6CA9705DF196}"/>
+              </a:ext>
+            </a:extLst>
+          </p:cNvPr>
+          <p:cNvSpPr/>
+          <p:nvPr/>
+        </p:nvSpPr>
+        <p:spPr>
+          <a:xfrm>
+            <a:off x="203199" y="1047245"/>
+            <a:ext cx="5892801" cy="5335082"/>
+          </a:xfrm>
+          <a:prstGeom prst="round2DiagRect">
+            <a:avLst/>
+          </a:prstGeom>
+          <a:solidFill>
+            <a:schemeClr val="accent1">
+              <a:alpha val="50000"/>
+            </a:schemeClr>
+          </a:solidFill>
+          <a:ln>
+            <a:noFill/>
+          </a:ln>
+        </p:spPr>
+        <p:style>
+          <a:lnRef idx="0">
+            <a:scrgbClr r="0" g="0" b="0"/>
+          </a:lnRef>
+          <a:fillRef idx="0">
+            <a:scrgbClr r="0" g="0" b="0"/>
+          </a:fillRef>
+          <a:effectRef idx="0">
+            <a:scrgbClr r="0" g="0" b="0"/>
+          </a:effectRef>
+          <a:fontRef idx="minor">
+            <a:schemeClr val="lt1"/>
+          </a:fontRef>
+        </p:style>
+        <p:txBody>
+          <a:bodyPr rtlCol="0" anchor="ctr"/>
+          <a:lstStyle/>
+          <a:p>
+            <a:pPr algn="ctr"/>
+            <a:endParaRPr lang="it-IT" dirty="0"/>
+          </a:p>
+        </p:txBody>
+      </p:sp>
+      <p:sp>
+        <p:nvSpPr>
+          <p:cNvPr id="11" name="CasellaDiTesto 10">
+            <a:extLst>
+              <a:ext uri="{FF2B5EF4-FFF2-40B4-BE49-F238E27FC236}">
+                <a16:creationId xmlns:a16="http://schemas.microsoft.com/office/drawing/2014/main" id="{8EC34BB2-8A6C-D3A4-45EB-1D8587C8FEA9}"/>
+              </a:ext>
+            </a:extLst>
+          </p:cNvPr>
+          <p:cNvSpPr txBox="1"/>
+          <p:nvPr/>
+        </p:nvSpPr>
+        <p:spPr>
+          <a:xfrm>
+            <a:off x="1801091" y="2372808"/>
+            <a:ext cx="2599553" cy="368218"/>
+          </a:xfrm>
+          <a:prstGeom prst="rect">
+            <a:avLst/>
+          </a:prstGeom>
+          <a:noFill/>
+        </p:spPr>
+        <p:txBody>
+          <a:bodyPr wrap="square" rtlCol="0">
+            <a:spAutoFit/>
+          </a:bodyPr>
+          <a:lstStyle/>
+          <a:p>
+            <a:endParaRPr lang="it-IT" dirty="0"/>
+          </a:p>
+        </p:txBody>
+      </p:sp>
+      <p:sp>
+        <p:nvSpPr>
+          <p:cNvPr id="18" name="CasellaDiTesto 17">
+            <a:extLst>
+              <a:ext uri="{FF2B5EF4-FFF2-40B4-BE49-F238E27FC236}">
+                <a16:creationId xmlns:a16="http://schemas.microsoft.com/office/drawing/2014/main" id="{B790A44D-6071-8413-94D6-70754B4B2BC1}"/>
+              </a:ext>
+            </a:extLst>
+          </p:cNvPr>
+          <p:cNvSpPr txBox="1"/>
+          <p:nvPr/>
+        </p:nvSpPr>
+        <p:spPr>
+          <a:xfrm>
+            <a:off x="615765" y="1185884"/>
+            <a:ext cx="2700090" cy="1323439"/>
+          </a:xfrm>
+          <a:prstGeom prst="rect">
+            <a:avLst/>
+          </a:prstGeom>
+          <a:noFill/>
+        </p:spPr>
+        <p:txBody>
+          <a:bodyPr wrap="square" rtlCol="0">
+            <a:spAutoFit/>
+          </a:bodyPr>
+          <a:lstStyle/>
+          <a:p>
+            <a:r>
+              <a:rPr lang="it-IT" sz="4000" dirty="0"/>
+              <a:t>Key </a:t>
+            </a:r>
+            <a:r>
+              <a:rPr lang="it-IT" sz="4000" dirty="0" err="1"/>
+              <a:t>resources</a:t>
+            </a:r>
+            <a:endParaRPr lang="it-IT" sz="4000" dirty="0"/>
+          </a:p>
+        </p:txBody>
+      </p:sp>
+      <p:sp>
+        <p:nvSpPr>
+          <p:cNvPr id="3" name="Rettangolo con due angoli in diagonale arrotondati 2">
+            <a:extLst>
+              <a:ext uri="{FF2B5EF4-FFF2-40B4-BE49-F238E27FC236}">
+                <a16:creationId xmlns:a16="http://schemas.microsoft.com/office/drawing/2014/main" id="{E5D4AC17-6AFB-15BB-D2D2-31CCBAA0B40B}"/>
+              </a:ext>
+            </a:extLst>
+          </p:cNvPr>
+          <p:cNvSpPr/>
+          <p:nvPr/>
+        </p:nvSpPr>
+        <p:spPr>
+          <a:xfrm>
+            <a:off x="6157525" y="1047245"/>
+            <a:ext cx="5892801" cy="5335082"/>
+          </a:xfrm>
+          <a:prstGeom prst="round2DiagRect">
+            <a:avLst/>
+          </a:prstGeom>
+          <a:solidFill>
+            <a:schemeClr val="accent1">
+              <a:alpha val="50000"/>
+            </a:schemeClr>
+          </a:solidFill>
+          <a:ln>
+            <a:noFill/>
+          </a:ln>
+        </p:spPr>
+        <p:style>
+          <a:lnRef idx="0">
+            <a:scrgbClr r="0" g="0" b="0"/>
+          </a:lnRef>
+          <a:fillRef idx="0">
+            <a:scrgbClr r="0" g="0" b="0"/>
+          </a:fillRef>
+          <a:effectRef idx="0">
+            <a:scrgbClr r="0" g="0" b="0"/>
+          </a:effectRef>
+          <a:fontRef idx="minor">
+            <a:schemeClr val="lt1"/>
+          </a:fontRef>
+        </p:style>
+        <p:txBody>
+          <a:bodyPr rtlCol="0" anchor="ctr"/>
+          <a:lstStyle/>
+          <a:p>
+            <a:pPr algn="ctr"/>
+            <a:endParaRPr lang="it-IT" dirty="0"/>
+          </a:p>
+        </p:txBody>
+      </p:sp>
+      <p:sp>
+        <p:nvSpPr>
+          <p:cNvPr id="6" name="CasellaDiTesto 5">
+            <a:extLst>
+              <a:ext uri="{FF2B5EF4-FFF2-40B4-BE49-F238E27FC236}">
+                <a16:creationId xmlns:a16="http://schemas.microsoft.com/office/drawing/2014/main" id="{17B8C239-918B-99CD-9FC1-3B16D7F93FCD}"/>
+              </a:ext>
+            </a:extLst>
+          </p:cNvPr>
+          <p:cNvSpPr txBox="1"/>
+          <p:nvPr/>
+        </p:nvSpPr>
+        <p:spPr>
+          <a:xfrm>
+            <a:off x="6508566" y="1201273"/>
+            <a:ext cx="2912527" cy="707886"/>
+          </a:xfrm>
+          <a:prstGeom prst="rect">
+            <a:avLst/>
+          </a:prstGeom>
+          <a:noFill/>
+        </p:spPr>
+        <p:txBody>
+          <a:bodyPr wrap="square" rtlCol="0">
+            <a:spAutoFit/>
+          </a:bodyPr>
+          <a:lstStyle/>
+          <a:p>
+            <a:r>
+              <a:rPr lang="it-IT" sz="4000" dirty="0"/>
+              <a:t>Key activities</a:t>
+            </a:r>
+          </a:p>
+        </p:txBody>
+      </p:sp>
+      <p:sp>
+        <p:nvSpPr>
+          <p:cNvPr id="8" name="CasellaDiTesto 7">
+            <a:extLst>
+              <a:ext uri="{FF2B5EF4-FFF2-40B4-BE49-F238E27FC236}">
+                <a16:creationId xmlns:a16="http://schemas.microsoft.com/office/drawing/2014/main" id="{7ED8FD6E-333B-D59C-B5F5-6D7AA134D77B}"/>
+              </a:ext>
+            </a:extLst>
+          </p:cNvPr>
+          <p:cNvSpPr txBox="1"/>
+          <p:nvPr/>
+        </p:nvSpPr>
+        <p:spPr>
+          <a:xfrm>
+            <a:off x="454123" y="2556917"/>
+            <a:ext cx="5113863" cy="3323987"/>
+          </a:xfrm>
+          <a:prstGeom prst="rect">
+            <a:avLst/>
+          </a:prstGeom>
+          <a:noFill/>
+        </p:spPr>
+        <p:txBody>
+          <a:bodyPr wrap="square" rtlCol="0">
+            <a:spAutoFit/>
+          </a:bodyPr>
+          <a:lstStyle/>
+          <a:p>
+            <a:pPr algn="l">
+              <a:buFont typeface="+mj-lt"/>
+              <a:buAutoNum type="arabicPeriod"/>
+            </a:pPr>
+            <a:r>
+              <a:rPr lang="it-IT" sz="1400" b="0" i="0" dirty="0">
+                <a:solidFill>
+                  <a:srgbClr val="374151"/>
+                </a:solidFill>
+                <a:effectLst/>
+                <a:latin typeface="Söhne"/>
+              </a:rPr>
+              <a:t>Ricerca e sviluppo: Elica Spa investe significativamente nella ricerca e sviluppo per innovare i suoi prodotti di ventilazione e rimanere all'avanguardia nel settore.</a:t>
+            </a:r>
+          </a:p>
+          <a:p>
+            <a:pPr algn="l">
+              <a:buFont typeface="+mj-lt"/>
+              <a:buAutoNum type="arabicPeriod"/>
+            </a:pPr>
+            <a:r>
+              <a:rPr lang="it-IT" sz="1400" b="0" i="0" dirty="0">
+                <a:solidFill>
+                  <a:srgbClr val="374151"/>
+                </a:solidFill>
+                <a:effectLst/>
+                <a:latin typeface="Söhne"/>
+              </a:rPr>
+              <a:t>Competenze tecniche: L'azienda dispone di un team di professionisti altamente qualificati nel campo della ventilazione e dell'ingegneria, che contribuiscono allo sviluppo e alla produzione di prodotti di alta qualità.</a:t>
+            </a:r>
+          </a:p>
+          <a:p>
+            <a:pPr algn="l">
+              <a:buFont typeface="+mj-lt"/>
+              <a:buAutoNum type="arabicPeriod"/>
+            </a:pPr>
+            <a:r>
+              <a:rPr lang="it-IT" sz="1400" b="0" i="0" dirty="0">
+                <a:solidFill>
+                  <a:srgbClr val="374151"/>
+                </a:solidFill>
+                <a:effectLst/>
+                <a:latin typeface="Söhne"/>
+              </a:rPr>
+              <a:t>Infrastrutture di produzione: Elica Spa possiede e gestisce le proprie strutture di produzione, che comprendono impianti, attrezzature specializzate e linee di assemblaggio, garantendo il controllo sulla qualità e l'efficienza produttiva.</a:t>
+            </a:r>
+          </a:p>
+          <a:p>
+            <a:pPr algn="l">
+              <a:buFont typeface="+mj-lt"/>
+              <a:buAutoNum type="arabicPeriod"/>
+            </a:pPr>
+            <a:r>
+              <a:rPr lang="it-IT" sz="1400" b="0" i="0" dirty="0">
+                <a:solidFill>
+                  <a:srgbClr val="374151"/>
+                </a:solidFill>
+                <a:effectLst/>
+                <a:latin typeface="Söhne"/>
+              </a:rPr>
+              <a:t>Marchio e reputazione: Il marchio consolidato e la reputazione di Elica Spa nel settore della ventilazione domestica sono risorse di grande valore, che le consentono di attrarre clienti fedeli e distinguersi dalla concorrenza</a:t>
+            </a:r>
+            <a:r>
+              <a:rPr lang="it-IT" sz="1200" b="0" i="0" dirty="0">
+                <a:solidFill>
+                  <a:srgbClr val="374151"/>
+                </a:solidFill>
+                <a:effectLst/>
+                <a:latin typeface="Söhne"/>
+              </a:rPr>
+              <a:t>.</a:t>
+            </a:r>
+          </a:p>
+        </p:txBody>
+      </p:sp>
+      <p:sp>
+        <p:nvSpPr>
+          <p:cNvPr id="9" name="CasellaDiTesto 8">
+            <a:extLst>
+              <a:ext uri="{FF2B5EF4-FFF2-40B4-BE49-F238E27FC236}">
+                <a16:creationId xmlns:a16="http://schemas.microsoft.com/office/drawing/2014/main" id="{0434280E-0F8B-4297-EB79-EF48AA764C35}"/>
+              </a:ext>
+            </a:extLst>
+          </p:cNvPr>
+          <p:cNvSpPr txBox="1"/>
+          <p:nvPr/>
+        </p:nvSpPr>
+        <p:spPr>
+          <a:xfrm>
+            <a:off x="6414662" y="2126029"/>
+            <a:ext cx="5323215" cy="3970318"/>
+          </a:xfrm>
+          <a:prstGeom prst="rect">
+            <a:avLst/>
+          </a:prstGeom>
+          <a:noFill/>
+        </p:spPr>
+        <p:txBody>
+          <a:bodyPr wrap="square" rtlCol="0">
+            <a:spAutoFit/>
+          </a:bodyPr>
+          <a:lstStyle/>
+          <a:p>
+            <a:pPr>
+              <a:buFont typeface="+mj-lt"/>
+              <a:buAutoNum type="arabicPeriod"/>
+            </a:pPr>
+            <a:r>
+              <a:rPr lang="it-IT" sz="1400" b="0" i="0" dirty="0">
+                <a:solidFill>
+                  <a:srgbClr val="374151"/>
+                </a:solidFill>
+                <a:effectLst/>
+                <a:latin typeface="Söhne"/>
+              </a:rPr>
+              <a:t>Progettazione e sviluppo di nuovi prodotti: Elica investe risorse significative nella ricerca, progettazione e sviluppo di nuovi prodotti innovativi nel campo delle cappe aspiranti, dei sistemi di ventilazione e delle soluzioni per la purificazione dell'aria.</a:t>
+            </a:r>
+            <a:endParaRPr lang="it-IT" sz="1400" b="0" i="0" u="sng" dirty="0">
+              <a:solidFill>
+                <a:srgbClr val="374151"/>
+              </a:solidFill>
+              <a:effectLst/>
+              <a:latin typeface="Söhne"/>
+            </a:endParaRPr>
+          </a:p>
+          <a:p>
+            <a:pPr algn="l">
+              <a:buFont typeface="+mj-lt"/>
+              <a:buAutoNum type="arabicPeriod"/>
+            </a:pPr>
+            <a:r>
+              <a:rPr lang="it-IT" sz="1400" b="0" i="0" dirty="0">
+                <a:solidFill>
+                  <a:srgbClr val="374151"/>
+                </a:solidFill>
+                <a:effectLst/>
+                <a:latin typeface="Söhne"/>
+              </a:rPr>
+              <a:t>Produzione e assemblaggio: Elica Spa gestisce internamente le attività di produzione e assemblaggio dei suoi prodotti di ventilazione, garantendo il controllo sulla qualità, l'efficienza e la personalizzazione dei prodotti.</a:t>
+            </a:r>
+          </a:p>
+          <a:p>
+            <a:pPr algn="l">
+              <a:buFont typeface="+mj-lt"/>
+              <a:buAutoNum type="arabicPeriod"/>
+            </a:pPr>
+            <a:r>
+              <a:rPr lang="it-IT" sz="1400" b="0" i="0" dirty="0">
+                <a:solidFill>
+                  <a:srgbClr val="374151"/>
+                </a:solidFill>
+                <a:effectLst/>
+                <a:latin typeface="Söhne"/>
+              </a:rPr>
+              <a:t>Marketing e vendite: Elica Spa svolge attività di marketing e vendite per promuovere i suoi prodotti, raggiungere nuovi clienti e mantenere relazioni di lungo termine con i clienti esistenti. Ciò include campagne pubblicitarie, partecipazione a fiere, gestione dei canali di distribuzione e supporto alle vendite.</a:t>
+            </a:r>
+          </a:p>
+          <a:p>
+            <a:pPr algn="l">
+              <a:buFont typeface="+mj-lt"/>
+              <a:buAutoNum type="arabicPeriod"/>
+            </a:pPr>
+            <a:r>
+              <a:rPr lang="it-IT" sz="1400" b="0" i="0" dirty="0">
+                <a:solidFill>
+                  <a:srgbClr val="374151"/>
+                </a:solidFill>
+                <a:effectLst/>
+                <a:latin typeface="Söhne"/>
+              </a:rPr>
+              <a:t>Servizio clienti e supporto post-vendita: Elica Spa fornisce un servizio clienti di qualità e supporto post-vendita per garantire la soddisfazione dei clienti. Ciò include assistenza tecnica, gestione delle richieste di garanzia, installazione e risoluzione di eventuali problemi o domande dei clienti.</a:t>
+            </a:r>
+          </a:p>
+        </p:txBody>
+      </p:sp>
+    </p:spTree>
+    <p:extLst>
+      <p:ext uri="{BB962C8B-B14F-4D97-AF65-F5344CB8AC3E}">
+        <p14:creationId xmlns:p14="http://schemas.microsoft.com/office/powerpoint/2010/main" val="1901404210"/>
+      </p:ext>
+    </p:extLst>
+  </p:cSld>
+  <p:clrMapOvr>
+    <a:masterClrMapping/>
+  </p:clrMapOvr>
+</p:sld>
+</file>
+
+<file path=ppt/slides/slide13.xml><?xml version="1.0" encoding="utf-8"?>
+<p:sld xmlns:a="http://schemas.openxmlformats.org/drawingml/2006/main" xmlns:r="http://schemas.openxmlformats.org/officeDocument/2006/relationships" xmlns:p="http://schemas.openxmlformats.org/presentationml/2006/main">
+  <p:cSld>
+    <p:spTree>
+      <p:nvGrpSpPr>
+        <p:cNvPr id="1" name=""/>
+        <p:cNvGrpSpPr/>
+        <p:nvPr/>
+      </p:nvGrpSpPr>
+      <p:grpSpPr>
+        <a:xfrm>
+          <a:off x="0" y="0"/>
+          <a:ext cx="0" cy="0"/>
+          <a:chOff x="0" y="0"/>
+          <a:chExt cx="0" cy="0"/>
+        </a:xfrm>
+      </p:grpSpPr>
+      <p:sp>
+        <p:nvSpPr>
+          <p:cNvPr id="4" name="Rettangolo con due angoli in diagonale arrotondati 3">
+            <a:extLst>
+              <a:ext uri="{FF2B5EF4-FFF2-40B4-BE49-F238E27FC236}">
+                <a16:creationId xmlns:a16="http://schemas.microsoft.com/office/drawing/2014/main" id="{0F1736EF-CA39-1E7F-11EE-6CA9705DF196}"/>
+              </a:ext>
+            </a:extLst>
+          </p:cNvPr>
+          <p:cNvSpPr/>
+          <p:nvPr/>
+        </p:nvSpPr>
+        <p:spPr>
+          <a:xfrm>
+            <a:off x="203199" y="212358"/>
+            <a:ext cx="5892801" cy="3540997"/>
+          </a:xfrm>
+          <a:prstGeom prst="round2DiagRect">
+            <a:avLst/>
+          </a:prstGeom>
+          <a:solidFill>
+            <a:schemeClr val="accent1">
+              <a:alpha val="50000"/>
+            </a:schemeClr>
+          </a:solidFill>
+          <a:ln>
+            <a:noFill/>
+          </a:ln>
+        </p:spPr>
+        <p:style>
+          <a:lnRef idx="0">
+            <a:scrgbClr r="0" g="0" b="0"/>
+          </a:lnRef>
+          <a:fillRef idx="0">
+            <a:scrgbClr r="0" g="0" b="0"/>
+          </a:fillRef>
+          <a:effectRef idx="0">
+            <a:scrgbClr r="0" g="0" b="0"/>
+          </a:effectRef>
+          <a:fontRef idx="minor">
+            <a:schemeClr val="lt1"/>
+          </a:fontRef>
+        </p:style>
+        <p:txBody>
+          <a:bodyPr rtlCol="0" anchor="ctr"/>
+          <a:lstStyle/>
+          <a:p>
+            <a:pPr algn="ctr"/>
+            <a:endParaRPr lang="it-IT" dirty="0"/>
+          </a:p>
+        </p:txBody>
+      </p:sp>
+      <p:sp>
+        <p:nvSpPr>
+          <p:cNvPr id="11" name="CasellaDiTesto 10">
+            <a:extLst>
+              <a:ext uri="{FF2B5EF4-FFF2-40B4-BE49-F238E27FC236}">
+                <a16:creationId xmlns:a16="http://schemas.microsoft.com/office/drawing/2014/main" id="{8EC34BB2-8A6C-D3A4-45EB-1D8587C8FEA9}"/>
+              </a:ext>
+            </a:extLst>
+          </p:cNvPr>
+          <p:cNvSpPr txBox="1"/>
+          <p:nvPr/>
+        </p:nvSpPr>
+        <p:spPr>
+          <a:xfrm>
+            <a:off x="1801091" y="1537921"/>
+            <a:ext cx="2599553" cy="368218"/>
+          </a:xfrm>
+          <a:prstGeom prst="rect">
+            <a:avLst/>
+          </a:prstGeom>
+          <a:noFill/>
+        </p:spPr>
+        <p:txBody>
+          <a:bodyPr wrap="square" rtlCol="0">
+            <a:spAutoFit/>
+          </a:bodyPr>
+          <a:lstStyle/>
+          <a:p>
+            <a:endParaRPr lang="it-IT" dirty="0"/>
+          </a:p>
+        </p:txBody>
+      </p:sp>
+      <p:sp>
+        <p:nvSpPr>
+          <p:cNvPr id="18" name="CasellaDiTesto 17">
+            <a:extLst>
+              <a:ext uri="{FF2B5EF4-FFF2-40B4-BE49-F238E27FC236}">
+                <a16:creationId xmlns:a16="http://schemas.microsoft.com/office/drawing/2014/main" id="{B790A44D-6071-8413-94D6-70754B4B2BC1}"/>
+              </a:ext>
+            </a:extLst>
+          </p:cNvPr>
+          <p:cNvSpPr txBox="1"/>
+          <p:nvPr/>
+        </p:nvSpPr>
+        <p:spPr>
+          <a:xfrm>
+            <a:off x="615765" y="350997"/>
+            <a:ext cx="2700090" cy="707886"/>
+          </a:xfrm>
+          <a:prstGeom prst="rect">
+            <a:avLst/>
+          </a:prstGeom>
+          <a:noFill/>
+        </p:spPr>
+        <p:txBody>
+          <a:bodyPr wrap="square" rtlCol="0">
+            <a:spAutoFit/>
+          </a:bodyPr>
+          <a:lstStyle/>
+          <a:p>
+            <a:r>
+              <a:rPr lang="it-IT" sz="4000" dirty="0" err="1"/>
+              <a:t>Channels</a:t>
+            </a:r>
+            <a:endParaRPr lang="it-IT" sz="4000" dirty="0"/>
+          </a:p>
+        </p:txBody>
+      </p:sp>
+      <p:sp>
+        <p:nvSpPr>
+          <p:cNvPr id="3" name="Rettangolo con due angoli in diagonale arrotondati 2">
+            <a:extLst>
+              <a:ext uri="{FF2B5EF4-FFF2-40B4-BE49-F238E27FC236}">
+                <a16:creationId xmlns:a16="http://schemas.microsoft.com/office/drawing/2014/main" id="{E5D4AC17-6AFB-15BB-D2D2-31CCBAA0B40B}"/>
+              </a:ext>
+            </a:extLst>
+          </p:cNvPr>
+          <p:cNvSpPr/>
+          <p:nvPr/>
+        </p:nvSpPr>
+        <p:spPr>
+          <a:xfrm>
+            <a:off x="6157525" y="212358"/>
+            <a:ext cx="5892801" cy="3540997"/>
+          </a:xfrm>
+          <a:prstGeom prst="round2DiagRect">
+            <a:avLst/>
+          </a:prstGeom>
+          <a:solidFill>
+            <a:schemeClr val="accent1">
+              <a:alpha val="50000"/>
+            </a:schemeClr>
+          </a:solidFill>
+          <a:ln>
+            <a:noFill/>
+          </a:ln>
+        </p:spPr>
+        <p:style>
+          <a:lnRef idx="0">
+            <a:scrgbClr r="0" g="0" b="0"/>
+          </a:lnRef>
+          <a:fillRef idx="0">
+            <a:scrgbClr r="0" g="0" b="0"/>
+          </a:fillRef>
+          <a:effectRef idx="0">
+            <a:scrgbClr r="0" g="0" b="0"/>
+          </a:effectRef>
+          <a:fontRef idx="minor">
+            <a:schemeClr val="lt1"/>
+          </a:fontRef>
+        </p:style>
+        <p:txBody>
+          <a:bodyPr rtlCol="0" anchor="ctr"/>
+          <a:lstStyle/>
+          <a:p>
+            <a:pPr algn="ctr"/>
+            <a:endParaRPr lang="it-IT" dirty="0"/>
+          </a:p>
+        </p:txBody>
+      </p:sp>
+      <p:sp>
+        <p:nvSpPr>
+          <p:cNvPr id="6" name="CasellaDiTesto 5">
+            <a:extLst>
+              <a:ext uri="{FF2B5EF4-FFF2-40B4-BE49-F238E27FC236}">
+                <a16:creationId xmlns:a16="http://schemas.microsoft.com/office/drawing/2014/main" id="{17B8C239-918B-99CD-9FC1-3B16D7F93FCD}"/>
+              </a:ext>
+            </a:extLst>
+          </p:cNvPr>
+          <p:cNvSpPr txBox="1"/>
+          <p:nvPr/>
+        </p:nvSpPr>
+        <p:spPr>
+          <a:xfrm>
+            <a:off x="6508566" y="366386"/>
+            <a:ext cx="5480235" cy="707886"/>
+          </a:xfrm>
+          <a:prstGeom prst="rect">
+            <a:avLst/>
+          </a:prstGeom>
+          <a:noFill/>
+        </p:spPr>
+        <p:txBody>
+          <a:bodyPr wrap="square" rtlCol="0">
+            <a:spAutoFit/>
+          </a:bodyPr>
+          <a:lstStyle/>
+          <a:p>
+            <a:r>
+              <a:rPr lang="it-IT" sz="4000" dirty="0"/>
+              <a:t>Customer </a:t>
+            </a:r>
+            <a:r>
+              <a:rPr lang="it-IT" sz="4000" dirty="0" err="1"/>
+              <a:t>relationships</a:t>
+            </a:r>
+            <a:endParaRPr lang="it-IT" sz="4000" dirty="0"/>
+          </a:p>
+        </p:txBody>
+      </p:sp>
+      <p:sp>
+        <p:nvSpPr>
+          <p:cNvPr id="8" name="CasellaDiTesto 7">
+            <a:extLst>
+              <a:ext uri="{FF2B5EF4-FFF2-40B4-BE49-F238E27FC236}">
+                <a16:creationId xmlns:a16="http://schemas.microsoft.com/office/drawing/2014/main" id="{7ED8FD6E-333B-D59C-B5F5-6D7AA134D77B}"/>
+              </a:ext>
+            </a:extLst>
+          </p:cNvPr>
+          <p:cNvSpPr txBox="1"/>
+          <p:nvPr/>
+        </p:nvSpPr>
+        <p:spPr>
+          <a:xfrm>
+            <a:off x="454123" y="1722030"/>
+            <a:ext cx="5113863" cy="2031325"/>
+          </a:xfrm>
+          <a:prstGeom prst="rect">
+            <a:avLst/>
+          </a:prstGeom>
+          <a:noFill/>
+        </p:spPr>
+        <p:txBody>
+          <a:bodyPr wrap="square" rtlCol="0">
+            <a:spAutoFit/>
+          </a:bodyPr>
+          <a:lstStyle/>
+          <a:p>
+            <a:pPr algn="l">
+              <a:buFont typeface="+mj-lt"/>
+              <a:buAutoNum type="arabicPeriod"/>
+            </a:pPr>
+            <a:r>
+              <a:rPr lang="it-IT" sz="1400" b="0" i="0" dirty="0">
+                <a:solidFill>
+                  <a:srgbClr val="374151"/>
+                </a:solidFill>
+                <a:effectLst/>
+                <a:latin typeface="Söhne"/>
+              </a:rPr>
+              <a:t>Canali di vendita diretti: Elica utilizza canali di vendita diretti, come i suoi punti vendita fisici, showroom o negozi online, per vendere direttamente i suoi prodotti ai clienti.</a:t>
+            </a:r>
+          </a:p>
+          <a:p>
+            <a:pPr algn="l">
+              <a:buFont typeface="+mj-lt"/>
+              <a:buAutoNum type="arabicPeriod"/>
+            </a:pPr>
+            <a:r>
+              <a:rPr lang="it-IT" sz="1400" b="0" i="0" dirty="0">
+                <a:solidFill>
+                  <a:srgbClr val="374151"/>
+                </a:solidFill>
+                <a:effectLst/>
+                <a:latin typeface="Söhne"/>
+              </a:rPr>
+              <a:t>Rivenditori e distributori di elettrodomestici: Elica collabora con rivenditori e distributori autorizzati per ampliare la sua presenza sul mercato e raggiungere una vasta base di clienti. Questi partner vendono i prodotti Elica attraverso i loro canali di distribuzione, come negozi di elettrodomestici o punti vendita specializzati.</a:t>
+            </a:r>
+          </a:p>
+          <a:p>
+            <a:pPr algn="l">
+              <a:buFont typeface="+mj-lt"/>
+              <a:buAutoNum type="arabicPeriod"/>
+            </a:pPr>
+            <a:endParaRPr lang="it-IT" sz="1400" b="0" i="0" dirty="0">
+              <a:solidFill>
+                <a:srgbClr val="374151"/>
+              </a:solidFill>
+              <a:effectLst/>
+              <a:latin typeface="Söhne"/>
+            </a:endParaRPr>
+          </a:p>
+        </p:txBody>
+      </p:sp>
+      <p:sp>
+        <p:nvSpPr>
+          <p:cNvPr id="9" name="CasellaDiTesto 8">
+            <a:extLst>
+              <a:ext uri="{FF2B5EF4-FFF2-40B4-BE49-F238E27FC236}">
+                <a16:creationId xmlns:a16="http://schemas.microsoft.com/office/drawing/2014/main" id="{0434280E-0F8B-4297-EB79-EF48AA764C35}"/>
+              </a:ext>
+            </a:extLst>
+          </p:cNvPr>
+          <p:cNvSpPr txBox="1"/>
+          <p:nvPr/>
+        </p:nvSpPr>
+        <p:spPr>
+          <a:xfrm>
+            <a:off x="6346924" y="1208994"/>
+            <a:ext cx="5323215" cy="2462213"/>
+          </a:xfrm>
+          <a:prstGeom prst="rect">
+            <a:avLst/>
+          </a:prstGeom>
+          <a:noFill/>
+        </p:spPr>
+        <p:txBody>
+          <a:bodyPr wrap="square" rtlCol="0">
+            <a:spAutoFit/>
+          </a:bodyPr>
+          <a:lstStyle/>
+          <a:p>
+            <a:pPr algn="l">
+              <a:buFont typeface="+mj-lt"/>
+              <a:buAutoNum type="arabicPeriod"/>
+            </a:pPr>
+            <a:r>
+              <a:rPr lang="it-IT" sz="1400" b="0" i="0" dirty="0">
+                <a:solidFill>
+                  <a:srgbClr val="374151"/>
+                </a:solidFill>
+                <a:effectLst/>
+                <a:latin typeface="Söhne"/>
+              </a:rPr>
+              <a:t>Assistenza </a:t>
+            </a:r>
+            <a:r>
+              <a:rPr lang="it-IT" sz="1400" b="0" i="0" dirty="0" err="1">
+                <a:solidFill>
+                  <a:srgbClr val="374151"/>
+                </a:solidFill>
+                <a:effectLst/>
+                <a:latin typeface="Söhne"/>
+              </a:rPr>
+              <a:t>pre</a:t>
+            </a:r>
+            <a:r>
+              <a:rPr lang="it-IT" sz="1400" b="0" i="0" dirty="0">
+                <a:solidFill>
+                  <a:srgbClr val="374151"/>
+                </a:solidFill>
+                <a:effectLst/>
+                <a:latin typeface="Söhne"/>
+              </a:rPr>
+              <a:t>-vendita: Elica fornisce assistenza ai clienti in fase di ricerca e selezione dei prodotti, aiutandoli a comprendere le caratteristiche e le prestazioni dei prodotti Elica e a trovare la soluzione migliore per le loro esigenze.</a:t>
+            </a:r>
+          </a:p>
+          <a:p>
+            <a:pPr algn="l">
+              <a:buFont typeface="+mj-lt"/>
+              <a:buAutoNum type="arabicPeriod"/>
+            </a:pPr>
+            <a:r>
+              <a:rPr lang="it-IT" sz="1400" b="0" i="0" dirty="0">
+                <a:solidFill>
+                  <a:srgbClr val="374151"/>
+                </a:solidFill>
+                <a:effectLst/>
+                <a:latin typeface="Söhne"/>
+              </a:rPr>
+              <a:t>Assistenza post-vendita: Elica fornisce un servizio di assistenza clienti per aiutare i clienti con la manutenzione, le riparazioni e la risoluzione di eventuali problemi con i prodotti Elica.</a:t>
+            </a:r>
+          </a:p>
+          <a:p>
+            <a:pPr algn="l">
+              <a:buFont typeface="+mj-lt"/>
+              <a:buAutoNum type="arabicPeriod"/>
+            </a:pPr>
+            <a:r>
+              <a:rPr lang="it-IT" sz="1400" b="0" i="0" dirty="0">
+                <a:solidFill>
+                  <a:srgbClr val="374151"/>
+                </a:solidFill>
+                <a:effectLst/>
+                <a:latin typeface="Söhne"/>
+              </a:rPr>
+              <a:t>Comunità online: Elica ha una forte presenza sui canali digitali e gestisce una comunità online, dove i clienti possono condividere esperienze, opinioni e suggerimenti con altri proprietari di prodotti Elica</a:t>
+            </a:r>
+          </a:p>
+        </p:txBody>
+      </p:sp>
+      <p:sp>
+        <p:nvSpPr>
+          <p:cNvPr id="5" name="Rettangolo con due angoli in diagonale arrotondati 4">
+            <a:extLst>
+              <a:ext uri="{FF2B5EF4-FFF2-40B4-BE49-F238E27FC236}">
+                <a16:creationId xmlns:a16="http://schemas.microsoft.com/office/drawing/2014/main" id="{E1133704-09B3-98D2-7F85-2B9027D340C1}"/>
+              </a:ext>
+            </a:extLst>
+          </p:cNvPr>
+          <p:cNvSpPr/>
+          <p:nvPr/>
+        </p:nvSpPr>
+        <p:spPr>
+          <a:xfrm>
+            <a:off x="233961" y="3888078"/>
+            <a:ext cx="11847127" cy="2846678"/>
+          </a:xfrm>
+          <a:prstGeom prst="round2DiagRect">
+            <a:avLst/>
+          </a:prstGeom>
+          <a:solidFill>
+            <a:schemeClr val="accent1">
+              <a:alpha val="50000"/>
+            </a:schemeClr>
+          </a:solidFill>
+          <a:ln>
+            <a:noFill/>
+          </a:ln>
+        </p:spPr>
+        <p:style>
+          <a:lnRef idx="0">
+            <a:scrgbClr r="0" g="0" b="0"/>
+          </a:lnRef>
+          <a:fillRef idx="0">
+            <a:scrgbClr r="0" g="0" b="0"/>
+          </a:fillRef>
+          <a:effectRef idx="0">
+            <a:scrgbClr r="0" g="0" b="0"/>
+          </a:effectRef>
+          <a:fontRef idx="minor">
+            <a:schemeClr val="lt1"/>
+          </a:fontRef>
+        </p:style>
+        <p:txBody>
+          <a:bodyPr rtlCol="0" anchor="ctr"/>
+          <a:lstStyle/>
+          <a:p>
+            <a:pPr algn="ctr"/>
+            <a:endParaRPr lang="it-IT" dirty="0"/>
+          </a:p>
+        </p:txBody>
+      </p:sp>
+      <p:sp>
+        <p:nvSpPr>
+          <p:cNvPr id="7" name="CasellaDiTesto 6">
+            <a:extLst>
+              <a:ext uri="{FF2B5EF4-FFF2-40B4-BE49-F238E27FC236}">
+                <a16:creationId xmlns:a16="http://schemas.microsoft.com/office/drawing/2014/main" id="{8409C6A1-79A4-9ECC-8439-4F3A31214326}"/>
+              </a:ext>
+            </a:extLst>
+          </p:cNvPr>
+          <p:cNvSpPr txBox="1"/>
+          <p:nvPr/>
+        </p:nvSpPr>
+        <p:spPr>
+          <a:xfrm>
+            <a:off x="503140" y="3847316"/>
+            <a:ext cx="5292918" cy="646331"/>
+          </a:xfrm>
+          <a:prstGeom prst="rect">
+            <a:avLst/>
+          </a:prstGeom>
+          <a:noFill/>
+        </p:spPr>
+        <p:txBody>
+          <a:bodyPr wrap="square" rtlCol="0">
+            <a:spAutoFit/>
+          </a:bodyPr>
+          <a:lstStyle/>
+          <a:p>
+            <a:r>
+              <a:rPr lang="it-IT" sz="3600" dirty="0"/>
+              <a:t>Customer </a:t>
+            </a:r>
+            <a:r>
+              <a:rPr lang="it-IT" sz="3600" dirty="0" err="1"/>
+              <a:t>Segments</a:t>
+            </a:r>
+            <a:endParaRPr lang="it-IT" sz="3600" dirty="0"/>
+          </a:p>
+        </p:txBody>
+      </p:sp>
+      <p:sp>
+        <p:nvSpPr>
+          <p:cNvPr id="12" name="CasellaDiTesto 11">
+            <a:extLst>
+              <a:ext uri="{FF2B5EF4-FFF2-40B4-BE49-F238E27FC236}">
+                <a16:creationId xmlns:a16="http://schemas.microsoft.com/office/drawing/2014/main" id="{8365CD94-AC17-08D5-F612-32B508435FAB}"/>
+              </a:ext>
+            </a:extLst>
+          </p:cNvPr>
+          <p:cNvSpPr txBox="1"/>
+          <p:nvPr/>
+        </p:nvSpPr>
+        <p:spPr>
+          <a:xfrm>
+            <a:off x="373711" y="4334354"/>
+            <a:ext cx="11615090" cy="2462213"/>
+          </a:xfrm>
+          <a:prstGeom prst="rect">
+            <a:avLst/>
+          </a:prstGeom>
+          <a:noFill/>
+        </p:spPr>
+        <p:txBody>
+          <a:bodyPr wrap="square" rtlCol="0">
+            <a:spAutoFit/>
+          </a:bodyPr>
+          <a:lstStyle/>
+          <a:p>
+            <a:pPr algn="l">
+              <a:buFont typeface="+mj-lt"/>
+              <a:buAutoNum type="arabicPeriod"/>
+            </a:pPr>
+            <a:r>
+              <a:rPr lang="it-IT" sz="1400" b="0" i="0" dirty="0">
+                <a:solidFill>
+                  <a:srgbClr val="374151"/>
+                </a:solidFill>
+                <a:effectLst/>
+                <a:latin typeface="Söhne"/>
+              </a:rPr>
+              <a:t>Clienti privati: Elica si rivolge a clienti privati che sono proprietari di abitazioni e che cercano soluzioni per la ventilazione e la purificazione dell'aria nelle loro cucine. Questi clienti includono sia proprietari di case nuove che di case in fase di ristrutturazione o aggiornamento. Elica offre una vasta gamma di cappe aspiranti e sistemi di ventilazione progettati per soddisfare le diverse esigenze di questo segmento di clientela.</a:t>
+            </a:r>
+          </a:p>
+          <a:p>
+            <a:pPr algn="l">
+              <a:buFont typeface="+mj-lt"/>
+              <a:buAutoNum type="arabicPeriod"/>
+            </a:pPr>
+            <a:r>
+              <a:rPr lang="it-IT" sz="1400" b="0" i="0" dirty="0">
+                <a:solidFill>
+                  <a:srgbClr val="374151"/>
+                </a:solidFill>
+                <a:effectLst/>
+                <a:latin typeface="Söhne"/>
+              </a:rPr>
+              <a:t>Rivenditori e distributori: Elica collabora con rivenditori e distributori che operano nel settore dell'elettronica di consumo e dell'arredamento per fornire i propri prodotti. Questo segmento di clientela include negozi di elettrodomestici, grandi magazzini, rivenditori specializzati e piattaforme di e-commerce. Elica lavora con questi partner per garantire la disponibilità dei propri prodotti sul mercato e raggiungere un'ampia base di clienti attraverso canali di distribuzione diversificati.</a:t>
+            </a:r>
+          </a:p>
+          <a:p>
+            <a:pPr algn="l">
+              <a:buFont typeface="+mj-lt"/>
+              <a:buAutoNum type="arabicPeriod"/>
+            </a:pPr>
+            <a:r>
+              <a:rPr lang="it-IT" sz="1400" b="0" i="0" dirty="0">
+                <a:solidFill>
+                  <a:srgbClr val="374151"/>
+                </a:solidFill>
+                <a:effectLst/>
+                <a:latin typeface="Söhne"/>
+              </a:rPr>
+              <a:t>Clienti commerciali: Oltre ai clienti privati, Elica si rivolge anche a clienti commerciali, come ristoranti, hotel, bar, caffetterie e altre attività di ristorazione. Questi clienti hanno bisogno di soluzioni di ventilazione e filtraggio dell'aria per le loro cucine commerciali, che richiedono prestazioni elevate e conformità normative specifiche. Elica offre prodotti e servizi personalizzati per soddisfare le esigenze di questo segmento di clientela, che spesso richiede soluzioni su misura e una maggiore potenza di aspirazione.</a:t>
+            </a:r>
+          </a:p>
+        </p:txBody>
+      </p:sp>
+    </p:spTree>
+    <p:extLst>
+      <p:ext uri="{BB962C8B-B14F-4D97-AF65-F5344CB8AC3E}">
+        <p14:creationId xmlns:p14="http://schemas.microsoft.com/office/powerpoint/2010/main" val="1980509947"/>
+      </p:ext>
+    </p:extLst>
+  </p:cSld>
+  <p:clrMapOvr>
+    <a:masterClrMapping/>
+  </p:clrMapOvr>
+</p:sld>
+</file>
+
+<file path=ppt/slides/slide14.xml><?xml version="1.0" encoding="utf-8"?>
+<p:sld xmlns:a="http://schemas.openxmlformats.org/drawingml/2006/main" xmlns:r="http://schemas.openxmlformats.org/officeDocument/2006/relationships" xmlns:p="http://schemas.openxmlformats.org/presentationml/2006/main">
+  <p:cSld>
+    <p:spTree>
+      <p:nvGrpSpPr>
+        <p:cNvPr id="1" name=""/>
+        <p:cNvGrpSpPr/>
+        <p:nvPr/>
+      </p:nvGrpSpPr>
+      <p:grpSpPr>
+        <a:xfrm>
+          <a:off x="0" y="0"/>
+          <a:ext cx="0" cy="0"/>
+          <a:chOff x="0" y="0"/>
+          <a:chExt cx="0" cy="0"/>
+        </a:xfrm>
+      </p:grpSpPr>
+      <p:sp>
+        <p:nvSpPr>
+          <p:cNvPr id="4" name="Rettangolo con due angoli in diagonale arrotondati 3">
+            <a:extLst>
+              <a:ext uri="{FF2B5EF4-FFF2-40B4-BE49-F238E27FC236}">
+                <a16:creationId xmlns:a16="http://schemas.microsoft.com/office/drawing/2014/main" id="{0F1736EF-CA39-1E7F-11EE-6CA9705DF196}"/>
+              </a:ext>
+            </a:extLst>
+          </p:cNvPr>
+          <p:cNvSpPr/>
+          <p:nvPr/>
+        </p:nvSpPr>
+        <p:spPr>
+          <a:xfrm>
+            <a:off x="89203" y="140796"/>
+            <a:ext cx="5892801" cy="6437767"/>
+          </a:xfrm>
+          <a:prstGeom prst="round2DiagRect">
+            <a:avLst/>
+          </a:prstGeom>
+          <a:solidFill>
+            <a:schemeClr val="accent1">
+              <a:alpha val="50000"/>
+            </a:schemeClr>
+          </a:solidFill>
+          <a:ln>
+            <a:noFill/>
+          </a:ln>
+        </p:spPr>
+        <p:style>
+          <a:lnRef idx="0">
+            <a:scrgbClr r="0" g="0" b="0"/>
+          </a:lnRef>
+          <a:fillRef idx="0">
+            <a:scrgbClr r="0" g="0" b="0"/>
+          </a:fillRef>
+          <a:effectRef idx="0">
+            <a:scrgbClr r="0" g="0" b="0"/>
+          </a:effectRef>
+          <a:fontRef idx="minor">
+            <a:schemeClr val="lt1"/>
+          </a:fontRef>
+        </p:style>
+        <p:txBody>
+          <a:bodyPr rtlCol="0" anchor="ctr"/>
+          <a:lstStyle/>
+          <a:p>
+            <a:pPr algn="ctr"/>
+            <a:endParaRPr lang="it-IT" dirty="0"/>
+          </a:p>
+        </p:txBody>
+      </p:sp>
+      <p:sp>
+        <p:nvSpPr>
+          <p:cNvPr id="11" name="CasellaDiTesto 10">
+            <a:extLst>
+              <a:ext uri="{FF2B5EF4-FFF2-40B4-BE49-F238E27FC236}">
+                <a16:creationId xmlns:a16="http://schemas.microsoft.com/office/drawing/2014/main" id="{8EC34BB2-8A6C-D3A4-45EB-1D8587C8FEA9}"/>
+              </a:ext>
+            </a:extLst>
+          </p:cNvPr>
+          <p:cNvSpPr txBox="1"/>
+          <p:nvPr/>
+        </p:nvSpPr>
+        <p:spPr>
+          <a:xfrm>
+            <a:off x="1687095" y="1466360"/>
+            <a:ext cx="2599553" cy="368218"/>
+          </a:xfrm>
+          <a:prstGeom prst="rect">
+            <a:avLst/>
+          </a:prstGeom>
+          <a:noFill/>
+        </p:spPr>
+        <p:txBody>
+          <a:bodyPr wrap="square" rtlCol="0">
+            <a:spAutoFit/>
+          </a:bodyPr>
+          <a:lstStyle/>
+          <a:p>
+            <a:endParaRPr lang="it-IT" dirty="0"/>
+          </a:p>
+        </p:txBody>
+      </p:sp>
+      <p:sp>
+        <p:nvSpPr>
+          <p:cNvPr id="18" name="CasellaDiTesto 17">
+            <a:extLst>
+              <a:ext uri="{FF2B5EF4-FFF2-40B4-BE49-F238E27FC236}">
+                <a16:creationId xmlns:a16="http://schemas.microsoft.com/office/drawing/2014/main" id="{B790A44D-6071-8413-94D6-70754B4B2BC1}"/>
+              </a:ext>
+            </a:extLst>
+          </p:cNvPr>
+          <p:cNvSpPr txBox="1"/>
+          <p:nvPr/>
+        </p:nvSpPr>
+        <p:spPr>
+          <a:xfrm>
+            <a:off x="501768" y="279436"/>
+            <a:ext cx="5274135" cy="707886"/>
+          </a:xfrm>
+          <a:prstGeom prst="rect">
+            <a:avLst/>
+          </a:prstGeom>
+          <a:noFill/>
+        </p:spPr>
+        <p:txBody>
+          <a:bodyPr wrap="square" rtlCol="0">
+            <a:spAutoFit/>
+          </a:bodyPr>
+          <a:lstStyle/>
+          <a:p>
+            <a:r>
+              <a:rPr lang="it-IT" sz="4000" dirty="0"/>
+              <a:t>Revenue streams</a:t>
+            </a:r>
+          </a:p>
+        </p:txBody>
+      </p:sp>
+      <p:sp>
+        <p:nvSpPr>
+          <p:cNvPr id="3" name="Rettangolo con due angoli in diagonale arrotondati 2">
+            <a:extLst>
+              <a:ext uri="{FF2B5EF4-FFF2-40B4-BE49-F238E27FC236}">
+                <a16:creationId xmlns:a16="http://schemas.microsoft.com/office/drawing/2014/main" id="{E5D4AC17-6AFB-15BB-D2D2-31CCBAA0B40B}"/>
+              </a:ext>
+            </a:extLst>
+          </p:cNvPr>
+          <p:cNvSpPr/>
+          <p:nvPr/>
+        </p:nvSpPr>
+        <p:spPr>
+          <a:xfrm>
+            <a:off x="6157525" y="140795"/>
+            <a:ext cx="5892801" cy="6437767"/>
+          </a:xfrm>
+          <a:prstGeom prst="round2DiagRect">
+            <a:avLst/>
+          </a:prstGeom>
+          <a:solidFill>
+            <a:schemeClr val="accent1">
+              <a:alpha val="50000"/>
+            </a:schemeClr>
+          </a:solidFill>
+          <a:ln>
+            <a:noFill/>
+          </a:ln>
+        </p:spPr>
+        <p:style>
+          <a:lnRef idx="0">
+            <a:scrgbClr r="0" g="0" b="0"/>
+          </a:lnRef>
+          <a:fillRef idx="0">
+            <a:scrgbClr r="0" g="0" b="0"/>
+          </a:fillRef>
+          <a:effectRef idx="0">
+            <a:scrgbClr r="0" g="0" b="0"/>
+          </a:effectRef>
+          <a:fontRef idx="minor">
+            <a:schemeClr val="lt1"/>
+          </a:fontRef>
+        </p:style>
+        <p:txBody>
+          <a:bodyPr rtlCol="0" anchor="ctr"/>
+          <a:lstStyle/>
+          <a:p>
+            <a:pPr algn="ctr"/>
+            <a:endParaRPr lang="it-IT" dirty="0"/>
+          </a:p>
+        </p:txBody>
+      </p:sp>
+      <p:sp>
+        <p:nvSpPr>
+          <p:cNvPr id="6" name="CasellaDiTesto 5">
+            <a:extLst>
+              <a:ext uri="{FF2B5EF4-FFF2-40B4-BE49-F238E27FC236}">
+                <a16:creationId xmlns:a16="http://schemas.microsoft.com/office/drawing/2014/main" id="{17B8C239-918B-99CD-9FC1-3B16D7F93FCD}"/>
+              </a:ext>
+            </a:extLst>
+          </p:cNvPr>
+          <p:cNvSpPr txBox="1"/>
+          <p:nvPr/>
+        </p:nvSpPr>
+        <p:spPr>
+          <a:xfrm>
+            <a:off x="6596031" y="240820"/>
+            <a:ext cx="4337013" cy="707886"/>
+          </a:xfrm>
+          <a:prstGeom prst="rect">
+            <a:avLst/>
+          </a:prstGeom>
+          <a:noFill/>
+        </p:spPr>
+        <p:txBody>
+          <a:bodyPr wrap="square" rtlCol="0">
+            <a:spAutoFit/>
+          </a:bodyPr>
+          <a:lstStyle/>
+          <a:p>
+            <a:r>
+              <a:rPr lang="it-IT" sz="4000" dirty="0"/>
+              <a:t>Cost </a:t>
+            </a:r>
+            <a:r>
+              <a:rPr lang="it-IT" sz="4000" dirty="0" err="1"/>
+              <a:t>structure</a:t>
+            </a:r>
+            <a:endParaRPr lang="it-IT" sz="4000" dirty="0"/>
+          </a:p>
+        </p:txBody>
+      </p:sp>
+      <p:sp>
+        <p:nvSpPr>
+          <p:cNvPr id="8" name="CasellaDiTesto 7">
+            <a:extLst>
+              <a:ext uri="{FF2B5EF4-FFF2-40B4-BE49-F238E27FC236}">
+                <a16:creationId xmlns:a16="http://schemas.microsoft.com/office/drawing/2014/main" id="{7ED8FD6E-333B-D59C-B5F5-6D7AA134D77B}"/>
+              </a:ext>
+            </a:extLst>
+          </p:cNvPr>
+          <p:cNvSpPr txBox="1"/>
+          <p:nvPr/>
+        </p:nvSpPr>
+        <p:spPr>
+          <a:xfrm>
+            <a:off x="326247" y="839436"/>
+            <a:ext cx="5113863" cy="5509200"/>
+          </a:xfrm>
+          <a:prstGeom prst="rect">
+            <a:avLst/>
+          </a:prstGeom>
+          <a:noFill/>
+        </p:spPr>
+        <p:txBody>
+          <a:bodyPr wrap="square" rtlCol="0">
+            <a:spAutoFit/>
+          </a:bodyPr>
+          <a:lstStyle/>
+          <a:p>
+            <a:pPr algn="l">
+              <a:buFont typeface="+mj-lt"/>
+              <a:buAutoNum type="arabicPeriod"/>
+            </a:pPr>
+            <a:r>
+              <a:rPr lang="it-IT" sz="1300" b="0" i="0" dirty="0">
+                <a:solidFill>
+                  <a:srgbClr val="374151"/>
+                </a:solidFill>
+                <a:effectLst/>
+                <a:latin typeface="Söhne"/>
+              </a:rPr>
+              <a:t>Vendita diretta dei prodotti: Elica genera entrate attraverso la vendita diretta dei suoi prodotti ai clienti finali. Questo include la vendita di cappe aspiranti, sistemi di ventilazione e soluzioni per la purificazione dell'aria attraverso i propri negozi fisici, showroom e negozio online. Le entrate derivanti dalla vendita diretta sono basate sul prezzo di vendita dei prodotti e sul volume delle vendite effettuate.</a:t>
+            </a:r>
+          </a:p>
+          <a:p>
+            <a:pPr algn="l">
+              <a:buFont typeface="+mj-lt"/>
+              <a:buAutoNum type="arabicPeriod"/>
+            </a:pPr>
+            <a:r>
+              <a:rPr lang="it-IT" sz="1300" b="0" i="0" dirty="0">
+                <a:solidFill>
+                  <a:srgbClr val="374151"/>
+                </a:solidFill>
+                <a:effectLst/>
+                <a:latin typeface="Söhne"/>
+              </a:rPr>
+              <a:t>Vendita ai rivenditori e distributori: Elica genera ricavi attraverso la vendita dei suoi prodotti ai rivenditori e distributori autorizzati. Questo flusso di ricavi dipende dalla quantità di prodotti venduti ai partner di distribuzione, che a loro volta li rivendono ai clienti finali. La ricchezza dipende dal margine tra il prezzo di vendita all'ingrosso ai rivenditori e il costo di produzione dei prodotti.</a:t>
+            </a:r>
+          </a:p>
+          <a:p>
+            <a:pPr algn="l">
+              <a:buFont typeface="+mj-lt"/>
+              <a:buAutoNum type="arabicPeriod"/>
+            </a:pPr>
+            <a:r>
+              <a:rPr lang="it-IT" sz="1300" b="0" i="0" dirty="0">
+                <a:solidFill>
+                  <a:srgbClr val="374151"/>
+                </a:solidFill>
+                <a:effectLst/>
+                <a:latin typeface="Söhne"/>
+              </a:rPr>
+              <a:t>Servizi di assistenza e manutenzione: Elica può generare entrate attraverso la fornitura di servizi di assistenza e manutenzione dei suoi prodotti. Questi servizi includono l'installazione professionale dei prodotti Elica presso i clienti, la manutenzione periodica e l'assistenza tecnica per risolvere problemi o fornire supporto post-vendita. Le entrate derivanti da questi servizi possono essere basate su tariffe orarie, contratti di manutenzione o pacchetti di servizi aggiuntivi.</a:t>
+            </a:r>
+          </a:p>
+          <a:p>
+            <a:pPr algn="l">
+              <a:buFont typeface="+mj-lt"/>
+              <a:buAutoNum type="arabicPeriod"/>
+            </a:pPr>
+            <a:r>
+              <a:rPr lang="it-IT" sz="1300" b="0" i="0" dirty="0">
+                <a:solidFill>
+                  <a:srgbClr val="374151"/>
+                </a:solidFill>
+                <a:effectLst/>
+                <a:latin typeface="Söhne"/>
+              </a:rPr>
+              <a:t>Licenze e royalties: Elica può generare entrate attraverso partnership strategiche e accordi di licenza con altre aziende. Questi accordi potrebbero includere la concessione di licenze per l'uso della tecnologia Elica da parte di altre aziende o la collaborazione per lo sviluppo congiunto di nuovi prodotti. Le entrate da partnership e accordi di licenza possono derivare da royalty, pagamenti di licenza o quote di vendita dei prodotti congiunti.</a:t>
+            </a:r>
+          </a:p>
+          <a:p>
+            <a:pPr algn="l">
+              <a:buFont typeface="+mj-lt"/>
+              <a:buAutoNum type="arabicPeriod"/>
+            </a:pPr>
+            <a:endParaRPr lang="it-IT" sz="1400" b="0" i="0" dirty="0">
+              <a:solidFill>
+                <a:srgbClr val="374151"/>
+              </a:solidFill>
+              <a:effectLst/>
+              <a:latin typeface="Söhne"/>
+            </a:endParaRPr>
+          </a:p>
+        </p:txBody>
+      </p:sp>
+      <p:sp>
+        <p:nvSpPr>
+          <p:cNvPr id="9" name="CasellaDiTesto 8">
+            <a:extLst>
+              <a:ext uri="{FF2B5EF4-FFF2-40B4-BE49-F238E27FC236}">
+                <a16:creationId xmlns:a16="http://schemas.microsoft.com/office/drawing/2014/main" id="{0434280E-0F8B-4297-EB79-EF48AA764C35}"/>
+              </a:ext>
+            </a:extLst>
+          </p:cNvPr>
+          <p:cNvSpPr txBox="1"/>
+          <p:nvPr/>
+        </p:nvSpPr>
+        <p:spPr>
+          <a:xfrm>
+            <a:off x="6307167" y="839436"/>
+            <a:ext cx="5323215" cy="5293757"/>
+          </a:xfrm>
+          <a:prstGeom prst="rect">
+            <a:avLst/>
+          </a:prstGeom>
+          <a:noFill/>
+        </p:spPr>
+        <p:txBody>
+          <a:bodyPr wrap="square" rtlCol="0">
+            <a:spAutoFit/>
+          </a:bodyPr>
+          <a:lstStyle/>
+          <a:p>
+            <a:pPr algn="l">
+              <a:buFont typeface="+mj-lt"/>
+              <a:buAutoNum type="arabicPeriod"/>
+            </a:pPr>
+            <a:r>
+              <a:rPr lang="it-IT" sz="1300" b="0" i="0" dirty="0">
+                <a:solidFill>
+                  <a:srgbClr val="374151"/>
+                </a:solidFill>
+                <a:effectLst/>
+                <a:latin typeface="Söhne"/>
+              </a:rPr>
+              <a:t>Costi di produzione: Elica affronta costi di produzione associati alla fabbricazione dei suoi prodotti, compresi i costi dei materiali, della manodopera e delle forniture necessarie per la produzione. Questi costi possono includere l'acquisto di componenti, la gestione delle linee di produzione, la logistica dei materiali e la gestione dell'inventario.</a:t>
+            </a:r>
+          </a:p>
+          <a:p>
+            <a:pPr algn="l">
+              <a:buFont typeface="+mj-lt"/>
+              <a:buAutoNum type="arabicPeriod"/>
+            </a:pPr>
+            <a:r>
+              <a:rPr lang="it-IT" sz="1300" b="0" i="0" dirty="0">
+                <a:solidFill>
+                  <a:srgbClr val="374151"/>
+                </a:solidFill>
+                <a:effectLst/>
+                <a:latin typeface="Söhne"/>
+              </a:rPr>
+              <a:t>Costi di ricerca e sviluppo: Elica investe in attività di ricerca e sviluppo per innovare i propri prodotti e sviluppare nuove soluzioni tecnologiche nel settore delle cappe aspiranti, dei sistemi di ventilazione e della purificazione dell'aria. Questi costi possono comprendere i salari e i benefici dei ricercatori e degli ingegneri, l'acquisto di attrezzature e materiali di laboratorio, i test di prototipi e gli eventuali costi legati a brevetti o licenze.</a:t>
+            </a:r>
+          </a:p>
+          <a:p>
+            <a:pPr algn="l">
+              <a:buFont typeface="+mj-lt"/>
+              <a:buAutoNum type="arabicPeriod"/>
+            </a:pPr>
+            <a:r>
+              <a:rPr lang="it-IT" sz="1300" b="0" i="0" dirty="0">
+                <a:solidFill>
+                  <a:srgbClr val="374151"/>
+                </a:solidFill>
+                <a:effectLst/>
+                <a:latin typeface="Söhne"/>
+              </a:rPr>
+              <a:t>Costi di marketing e pubblicità: Elica affronta costi associati alle attività di marketing e pubblicità per promuovere i propri prodotti e aumentare la consapevolezza del marchio. Questi costi possono includere campagne pubblicitarie, spot televisivi, annunci stampati, marketing digitale, partecipazione a fiere e eventi del settore, creazione di contenuti promozionali e gestione di campagne sui social media.</a:t>
+            </a:r>
+          </a:p>
+          <a:p>
+            <a:pPr algn="l">
+              <a:buFont typeface="+mj-lt"/>
+              <a:buAutoNum type="arabicPeriod"/>
+            </a:pPr>
+            <a:r>
+              <a:rPr lang="it-IT" sz="1300" b="0" i="0" dirty="0">
+                <a:solidFill>
+                  <a:srgbClr val="374151"/>
+                </a:solidFill>
+                <a:effectLst/>
+                <a:latin typeface="Söhne"/>
+              </a:rPr>
+              <a:t>Costi di distribuzione e vendita: Elica sostiene costi legati alla distribuzione e alla vendita dei suoi prodotti. Ciò include i costi di gestione della rete di distribuzione, l'adeguamento logistico, le spese di spedizione e consegna dei prodotti ai clienti, nonché i costi del personale di vendita, come le provvigioni e i salari dei rappresentanti di vendita.</a:t>
+            </a:r>
+          </a:p>
+          <a:p>
+            <a:pPr algn="l">
+              <a:buFont typeface="+mj-lt"/>
+              <a:buAutoNum type="arabicPeriod"/>
+            </a:pPr>
+            <a:r>
+              <a:rPr lang="it-IT" sz="1300" b="0" i="0" dirty="0">
+                <a:solidFill>
+                  <a:srgbClr val="374151"/>
+                </a:solidFill>
+                <a:effectLst/>
+                <a:latin typeface="Söhne"/>
+              </a:rPr>
+              <a:t>Costi amministrativi e generali: Elica affronta costi amministrativi e generali, che includono i costi dei dipendenti amministrativi, la gestione delle risorse umane, i servizi legali e contabili, gli affitti degli uffici, le spese di viaggio e le utenze.</a:t>
+            </a:r>
+          </a:p>
+        </p:txBody>
+      </p:sp>
+    </p:spTree>
+    <p:extLst>
+      <p:ext uri="{BB962C8B-B14F-4D97-AF65-F5344CB8AC3E}">
+        <p14:creationId xmlns:p14="http://schemas.microsoft.com/office/powerpoint/2010/main" val="2792979935"/>
+      </p:ext>
+    </p:extLst>
+  </p:cSld>
+  <p:clrMapOvr>
+    <a:masterClrMapping/>
+  </p:clrMapOvr>
+</p:sld>
+</file>
+
+<file path=ppt/slides/slide15.xml><?xml version="1.0" encoding="utf-8"?>
+<p:sld xmlns:a="http://schemas.openxmlformats.org/drawingml/2006/main" xmlns:r="http://schemas.openxmlformats.org/officeDocument/2006/relationships" xmlns:p="http://schemas.openxmlformats.org/presentationml/2006/main">
+  <p:cSld>
+    <p:spTree>
+      <p:nvGrpSpPr>
+        <p:cNvPr id="1" name=""/>
+        <p:cNvGrpSpPr/>
+        <p:nvPr/>
+      </p:nvGrpSpPr>
+      <p:grpSpPr>
+        <a:xfrm>
+          <a:off x="0" y="0"/>
+          <a:ext cx="0" cy="0"/>
+          <a:chOff x="0" y="0"/>
+          <a:chExt cx="0" cy="0"/>
+        </a:xfrm>
+      </p:grpSpPr>
+      <p:sp>
+        <p:nvSpPr>
+          <p:cNvPr id="2" name="Titolo 1">
+            <a:extLst>
+              <a:ext uri="{FF2B5EF4-FFF2-40B4-BE49-F238E27FC236}">
+                <a16:creationId xmlns:a16="http://schemas.microsoft.com/office/drawing/2014/main" id="{1B36BA9A-41A3-6369-B628-C5BF474907C6}"/>
+              </a:ext>
+            </a:extLst>
+          </p:cNvPr>
+          <p:cNvSpPr>
+            <a:spLocks noGrp="1"/>
+          </p:cNvSpPr>
+          <p:nvPr>
+            <p:ph type="title"/>
+          </p:nvPr>
+        </p:nvSpPr>
+        <p:spPr/>
+        <p:txBody>
+          <a:bodyPr/>
+          <a:lstStyle/>
+          <a:p>
+            <a:pPr algn="ctr"/>
+            <a:r>
+              <a:rPr lang="it-IT" dirty="0"/>
+              <a:t>Flussi di cassa</a:t>
+            </a:r>
+          </a:p>
+        </p:txBody>
+      </p:sp>
+      <p:sp>
+        <p:nvSpPr>
+          <p:cNvPr id="3" name="Segnaposto contenuto 2">
+            <a:extLst>
+              <a:ext uri="{FF2B5EF4-FFF2-40B4-BE49-F238E27FC236}">
+                <a16:creationId xmlns:a16="http://schemas.microsoft.com/office/drawing/2014/main" id="{0851FA5F-EC70-0B19-2D18-ACBE947F07AE}"/>
+              </a:ext>
+            </a:extLst>
+          </p:cNvPr>
+          <p:cNvSpPr>
+            <a:spLocks noGrp="1"/>
+          </p:cNvSpPr>
+          <p:nvPr>
+            <p:ph idx="1"/>
+          </p:nvPr>
+        </p:nvSpPr>
+        <p:spPr/>
+        <p:txBody>
+          <a:bodyPr/>
+          <a:lstStyle/>
+          <a:p>
+            <a:endParaRPr lang="it-IT" dirty="0"/>
+          </a:p>
+        </p:txBody>
+      </p:sp>
+    </p:spTree>
+    <p:extLst>
+      <p:ext uri="{BB962C8B-B14F-4D97-AF65-F5344CB8AC3E}">
+        <p14:creationId xmlns:p14="http://schemas.microsoft.com/office/powerpoint/2010/main" val="2892318698"/>
+      </p:ext>
+    </p:extLst>
+  </p:cSld>
+  <p:clrMapOvr>
+    <a:masterClrMapping/>
+  </p:clrMapOvr>
+</p:sld>
+</file>
+
 <file path=ppt/slides/slide2.xml><?xml version="1.0" encoding="utf-8"?>
 <p:sld xmlns:a="http://schemas.openxmlformats.org/drawingml/2006/main" xmlns:r="http://schemas.openxmlformats.org/officeDocument/2006/relationships" xmlns:p="http://schemas.openxmlformats.org/presentationml/2006/main">
   <p:cSld>
@@ -10716,7 +12940,7 @@
         <p:spPr>
           <a:xfrm>
             <a:off x="8720833" y="2499355"/>
-            <a:ext cx="1733550" cy="1569660"/>
+            <a:ext cx="1733550" cy="1384995"/>
           </a:xfrm>
           <a:prstGeom prst="rect">
             <a:avLst/>
@@ -10747,7 +12971,7 @@
                 </a:effectLst>
                 <a:latin typeface="Georgia" panose="02040502050405020303" pitchFamily="18" charset="0"/>
               </a:rPr>
-              <a:t>Consumatori domestici</a:t>
+              <a:t>Clienti privati</a:t>
             </a:r>
           </a:p>
           <a:p>
@@ -10833,7 +13057,7 @@
         <p:spPr>
           <a:xfrm>
             <a:off x="5212899" y="1695451"/>
-            <a:ext cx="1733550" cy="2677656"/>
+            <a:ext cx="1733550" cy="1569660"/>
           </a:xfrm>
           <a:prstGeom prst="rect">
             <a:avLst/>
@@ -10846,7 +13070,95 @@
           </a:bodyPr>
           <a:lstStyle/>
           <a:p>
-            <a:pPr algn="l">
+            <a:pPr marL="171450" indent="-171450" algn="l">
+              <a:buFont typeface="Arial" panose="020B0604020202020204" pitchFamily="34" charset="0"/>
+              <a:buChar char="•"/>
+            </a:pPr>
+            <a:r>
+              <a:rPr lang="it-IT" sz="1200" b="0" i="0" dirty="0">
+                <a:solidFill>
+                  <a:srgbClr val="00FFCC"/>
+                </a:solidFill>
+                <a:effectLst>
+                  <a:outerShdw blurRad="38100" dist="38100" dir="2700000" algn="tl">
+                    <a:srgbClr val="000000">
+                      <a:alpha val="43137"/>
+                    </a:srgbClr>
+                  </a:outerShdw>
+                </a:effectLst>
+                <a:latin typeface="Söhne"/>
+              </a:rPr>
+              <a:t>Innovazione tecnologica</a:t>
+            </a:r>
+          </a:p>
+          <a:p>
+            <a:pPr marL="171450" indent="-171450" algn="l">
+              <a:buFont typeface="Arial" panose="020B0604020202020204" pitchFamily="34" charset="0"/>
+              <a:buChar char="•"/>
+            </a:pPr>
+            <a:r>
+              <a:rPr lang="it-IT" sz="1200" b="0" i="0" dirty="0">
+                <a:solidFill>
+                  <a:srgbClr val="00FFCC"/>
+                </a:solidFill>
+                <a:effectLst>
+                  <a:outerShdw blurRad="38100" dist="38100" dir="2700000" algn="tl">
+                    <a:srgbClr val="000000">
+                      <a:alpha val="43137"/>
+                    </a:srgbClr>
+                  </a:outerShdw>
+                </a:effectLst>
+                <a:latin typeface="Söhne"/>
+              </a:rPr>
+              <a:t>Design accattivante</a:t>
+            </a:r>
+          </a:p>
+          <a:p>
+            <a:pPr marL="171450" indent="-171450" algn="l">
+              <a:buFont typeface="Arial" panose="020B0604020202020204" pitchFamily="34" charset="0"/>
+              <a:buChar char="•"/>
+            </a:pPr>
+            <a:r>
+              <a:rPr lang="it-IT" sz="1200" b="0" i="0" dirty="0">
+                <a:solidFill>
+                  <a:srgbClr val="00FFCC"/>
+                </a:solidFill>
+                <a:effectLst>
+                  <a:outerShdw blurRad="38100" dist="38100" dir="2700000" algn="tl">
+                    <a:srgbClr val="000000">
+                      <a:alpha val="43137"/>
+                    </a:srgbClr>
+                  </a:outerShdw>
+                </a:effectLst>
+                <a:latin typeface="Söhne"/>
+              </a:rPr>
+              <a:t>Qualità e affidabilità</a:t>
+            </a:r>
+          </a:p>
+          <a:p>
+            <a:pPr marL="171450" indent="-171450" algn="l">
+              <a:buFont typeface="Arial" panose="020B0604020202020204" pitchFamily="34" charset="0"/>
+              <a:buChar char="•"/>
+            </a:pPr>
+            <a:r>
+              <a:rPr lang="it-IT" sz="1200" b="0" i="0" dirty="0">
+                <a:solidFill>
+                  <a:srgbClr val="00FFCC"/>
+                </a:solidFill>
+                <a:effectLst>
+                  <a:outerShdw blurRad="38100" dist="38100" dir="2700000" algn="tl">
+                    <a:srgbClr val="000000">
+                      <a:alpha val="43137"/>
+                    </a:srgbClr>
+                  </a:outerShdw>
+                </a:effectLst>
+                <a:latin typeface="Söhne"/>
+              </a:rPr>
+              <a:t>Miglioramento della qualità dell'aria</a:t>
+            </a:r>
+          </a:p>
+          <a:p>
+            <a:pPr marL="171450" indent="-171450" algn="l">
               <a:buFont typeface="Arial" panose="020B0604020202020204" pitchFamily="34" charset="0"/>
               <a:buChar char="•"/>
             </a:pPr>
@@ -10864,18 +13176,47 @@
                 </a:effectLst>
                 <a:latin typeface="Georgia" panose="02040502050405020303" pitchFamily="18" charset="0"/>
               </a:rPr>
-              <a:t>Design innovativo di cappe da cucina</a:t>
-            </a:r>
-          </a:p>
+              <a:t>Esperienza di cucina superiore</a:t>
+            </a:r>
+          </a:p>
+        </p:txBody>
+      </p:sp>
+      <p:sp>
+        <p:nvSpPr>
+          <p:cNvPr id="9" name="CasellaDiTesto 8">
+            <a:extLst>
+              <a:ext uri="{FF2B5EF4-FFF2-40B4-BE49-F238E27FC236}">
+                <a16:creationId xmlns:a16="http://schemas.microsoft.com/office/drawing/2014/main" id="{15E60705-CE7C-0E01-5CD2-FEDC9A86BAD9}"/>
+              </a:ext>
+            </a:extLst>
+          </p:cNvPr>
+          <p:cNvSpPr txBox="1"/>
+          <p:nvPr/>
+        </p:nvSpPr>
+        <p:spPr>
+          <a:xfrm>
+            <a:off x="3512004" y="3763980"/>
+            <a:ext cx="1658712" cy="938719"/>
+          </a:xfrm>
+          <a:prstGeom prst="rect">
+            <a:avLst/>
+          </a:prstGeom>
+          <a:noFill/>
+        </p:spPr>
+        <p:txBody>
+          <a:bodyPr wrap="square" rtlCol="0">
+            <a:spAutoFit/>
+          </a:bodyPr>
+          <a:lstStyle/>
           <a:p>
             <a:pPr algn="l">
               <a:buFont typeface="Arial" panose="020B0604020202020204" pitchFamily="34" charset="0"/>
               <a:buChar char="•"/>
             </a:pPr>
             <a:r>
-              <a:rPr lang="it-IT" sz="1200" b="0" i="0" dirty="0">
-                <a:solidFill>
-                  <a:srgbClr val="00FFCC"/>
+              <a:rPr lang="it-IT" sz="1100" dirty="0">
+                <a:solidFill>
+                  <a:srgbClr val="00B0F0"/>
                 </a:solidFill>
                 <a:effectLst>
                   <a:outerShdw blurRad="38100" dist="38100" dir="2700000" algn="tl">
@@ -10886,7 +13227,7 @@
                 </a:effectLst>
                 <a:latin typeface="Georgia" panose="02040502050405020303" pitchFamily="18" charset="0"/>
               </a:rPr>
-              <a:t>Prestazioni elevate e sistemi di aspirazione efficienti</a:t>
+              <a:t>Ricerca e sviluppo </a:t>
             </a:r>
           </a:p>
           <a:p>
@@ -10895,9 +13236,9 @@
               <a:buChar char="•"/>
             </a:pPr>
             <a:r>
-              <a:rPr lang="it-IT" sz="1200" b="0" i="0" dirty="0">
-                <a:solidFill>
-                  <a:srgbClr val="00FFCC"/>
+              <a:rPr lang="it-IT" sz="1100" dirty="0">
+                <a:solidFill>
+                  <a:srgbClr val="00B0F0"/>
                 </a:solidFill>
                 <a:effectLst>
                   <a:outerShdw blurRad="38100" dist="38100" dir="2700000" algn="tl">
@@ -10908,7 +13249,7 @@
                 </a:effectLst>
                 <a:latin typeface="Georgia" panose="02040502050405020303" pitchFamily="18" charset="0"/>
               </a:rPr>
-              <a:t>Tecnologie all'avanguardia integrate</a:t>
+              <a:t>Competenze tecniche</a:t>
             </a:r>
           </a:p>
           <a:p>
@@ -10917,9 +13258,9 @@
               <a:buChar char="•"/>
             </a:pPr>
             <a:r>
-              <a:rPr lang="it-IT" sz="1200" b="0" i="0" dirty="0">
-                <a:solidFill>
-                  <a:srgbClr val="00FFCC"/>
+              <a:rPr lang="it-IT" sz="1100" dirty="0">
+                <a:solidFill>
+                  <a:srgbClr val="00B0F0"/>
                 </a:solidFill>
                 <a:effectLst>
                   <a:outerShdw blurRad="38100" dist="38100" dir="2700000" algn="tl">
@@ -10930,7 +13271,7 @@
                 </a:effectLst>
                 <a:latin typeface="Georgia" panose="02040502050405020303" pitchFamily="18" charset="0"/>
               </a:rPr>
-              <a:t>Soluzioni di ventilazione sostenibili e rispettose dell'ambiente</a:t>
+              <a:t>Infrastrutture di produzione</a:t>
             </a:r>
           </a:p>
           <a:p>
@@ -10939,9 +13280,9 @@
               <a:buChar char="•"/>
             </a:pPr>
             <a:r>
-              <a:rPr lang="it-IT" sz="1200" b="0" i="0" dirty="0">
-                <a:solidFill>
-                  <a:srgbClr val="00FFCC"/>
+              <a:rPr lang="it-IT" sz="1100" dirty="0">
+                <a:solidFill>
+                  <a:srgbClr val="00B0F0"/>
                 </a:solidFill>
                 <a:effectLst>
                   <a:outerShdw blurRad="38100" dist="38100" dir="2700000" algn="tl">
@@ -10952,17 +13293,17 @@
                 </a:effectLst>
                 <a:latin typeface="Georgia" panose="02040502050405020303" pitchFamily="18" charset="0"/>
               </a:rPr>
-              <a:t>Esperienza e affidabilità nel settore</a:t>
-            </a:r>
-          </a:p>
-        </p:txBody>
-      </p:sp>
-      <p:sp>
-        <p:nvSpPr>
-          <p:cNvPr id="9" name="CasellaDiTesto 8">
-            <a:extLst>
-              <a:ext uri="{FF2B5EF4-FFF2-40B4-BE49-F238E27FC236}">
-                <a16:creationId xmlns:a16="http://schemas.microsoft.com/office/drawing/2014/main" id="{15E60705-CE7C-0E01-5CD2-FEDC9A86BAD9}"/>
+              <a:t>Marchio e reputazione </a:t>
+            </a:r>
+          </a:p>
+        </p:txBody>
+      </p:sp>
+      <p:sp>
+        <p:nvSpPr>
+          <p:cNvPr id="10" name="CasellaDiTesto 9">
+            <a:extLst>
+              <a:ext uri="{FF2B5EF4-FFF2-40B4-BE49-F238E27FC236}">
+                <a16:creationId xmlns:a16="http://schemas.microsoft.com/office/drawing/2014/main" id="{9E57A76C-2ECA-E2E9-77EA-5AF36FCB9DF8}"/>
               </a:ext>
             </a:extLst>
           </p:cNvPr>
@@ -10971,8 +13312,8 @@
         </p:nvSpPr>
         <p:spPr>
           <a:xfrm>
-            <a:off x="3476296" y="3438635"/>
-            <a:ext cx="1658712" cy="1954381"/>
+            <a:off x="6966866" y="3738547"/>
+            <a:ext cx="1733550" cy="769441"/>
           </a:xfrm>
           <a:prstGeom prst="rect">
             <a:avLst/>
@@ -10990,9 +13331,9 @@
               <a:buChar char="•"/>
             </a:pPr>
             <a:r>
-              <a:rPr lang="it-IT" sz="1100" dirty="0">
-                <a:solidFill>
-                  <a:srgbClr val="00B0F0"/>
+              <a:rPr lang="it-IT" sz="1100" b="0" i="0" dirty="0">
+                <a:solidFill>
+                  <a:srgbClr val="00FFCC"/>
                 </a:solidFill>
                 <a:effectLst>
                   <a:outerShdw blurRad="38100" dist="38100" dir="2700000" algn="tl">
@@ -11003,7 +13344,7 @@
                 </a:effectLst>
                 <a:latin typeface="Georgia" panose="02040502050405020303" pitchFamily="18" charset="0"/>
               </a:rPr>
-              <a:t>Ricerca e sviluppo per innovazione e design</a:t>
+              <a:t>Vendita diretta</a:t>
             </a:r>
           </a:p>
           <a:p>
@@ -11012,9 +13353,9 @@
               <a:buChar char="•"/>
             </a:pPr>
             <a:r>
-              <a:rPr lang="it-IT" sz="1100" dirty="0">
-                <a:solidFill>
-                  <a:srgbClr val="00B0F0"/>
+              <a:rPr lang="it-IT" sz="1100" b="0" i="0" dirty="0">
+                <a:solidFill>
+                  <a:srgbClr val="00FFCC"/>
                 </a:solidFill>
                 <a:effectLst>
                   <a:outerShdw blurRad="38100" dist="38100" dir="2700000" algn="tl">
@@ -11025,61 +13366,17 @@
                 </a:effectLst>
                 <a:latin typeface="Georgia" panose="02040502050405020303" pitchFamily="18" charset="0"/>
               </a:rPr>
-              <a:t>Capacità produttive per la produzione di cappe e sistemi di aspirazione</a:t>
-            </a:r>
-          </a:p>
-          <a:p>
-            <a:pPr algn="l">
-              <a:buFont typeface="Arial" panose="020B0604020202020204" pitchFamily="34" charset="0"/>
-              <a:buChar char="•"/>
-            </a:pPr>
-            <a:r>
-              <a:rPr lang="it-IT" sz="1100" dirty="0">
-                <a:solidFill>
-                  <a:srgbClr val="00B0F0"/>
-                </a:solidFill>
-                <a:effectLst>
-                  <a:outerShdw blurRad="38100" dist="38100" dir="2700000" algn="tl">
-                    <a:srgbClr val="000000">
-                      <a:alpha val="43137"/>
-                    </a:srgbClr>
-                  </a:outerShdw>
-                </a:effectLst>
-                <a:latin typeface="Georgia" panose="02040502050405020303" pitchFamily="18" charset="0"/>
-              </a:rPr>
-              <a:t>Know-how tecnologico e competenze specialistiche</a:t>
-            </a:r>
-          </a:p>
-          <a:p>
-            <a:pPr algn="l">
-              <a:buFont typeface="Arial" panose="020B0604020202020204" pitchFamily="34" charset="0"/>
-              <a:buChar char="•"/>
-            </a:pPr>
-            <a:r>
-              <a:rPr lang="it-IT" sz="1100" dirty="0">
-                <a:solidFill>
-                  <a:srgbClr val="00B0F0"/>
-                </a:solidFill>
-                <a:effectLst>
-                  <a:outerShdw blurRad="38100" dist="38100" dir="2700000" algn="tl">
-                    <a:srgbClr val="000000">
-                      <a:alpha val="43137"/>
-                    </a:srgbClr>
-                  </a:outerShdw>
-                </a:effectLst>
-                <a:latin typeface="Georgia" panose="02040502050405020303" pitchFamily="18" charset="0"/>
-              </a:rPr>
-              <a:t>Marchio e reputazione consolidati</a:t>
-            </a:r>
-          </a:p>
-        </p:txBody>
-      </p:sp>
-      <p:sp>
-        <p:nvSpPr>
-          <p:cNvPr id="10" name="CasellaDiTesto 9">
-            <a:extLst>
-              <a:ext uri="{FF2B5EF4-FFF2-40B4-BE49-F238E27FC236}">
-                <a16:creationId xmlns:a16="http://schemas.microsoft.com/office/drawing/2014/main" id="{9E57A76C-2ECA-E2E9-77EA-5AF36FCB9DF8}"/>
+              <a:t>Distributori e rivenditori di elettrodomestici</a:t>
+            </a:r>
+          </a:p>
+        </p:txBody>
+      </p:sp>
+      <p:sp>
+        <p:nvSpPr>
+          <p:cNvPr id="14" name="CasellaDiTesto 13">
+            <a:extLst>
+              <a:ext uri="{FF2B5EF4-FFF2-40B4-BE49-F238E27FC236}">
+                <a16:creationId xmlns:a16="http://schemas.microsoft.com/office/drawing/2014/main" id="{CAAC7308-23D0-4CBB-0221-45646BB218DC}"/>
               </a:ext>
             </a:extLst>
           </p:cNvPr>
@@ -11088,103 +13385,8 @@
         </p:nvSpPr>
         <p:spPr>
           <a:xfrm>
-            <a:off x="6966866" y="3738547"/>
-            <a:ext cx="1733550" cy="1615827"/>
-          </a:xfrm>
-          <a:prstGeom prst="rect">
-            <a:avLst/>
-          </a:prstGeom>
-          <a:noFill/>
-        </p:spPr>
-        <p:txBody>
-          <a:bodyPr wrap="square" rtlCol="0">
-            <a:spAutoFit/>
-          </a:bodyPr>
-          <a:lstStyle/>
-          <a:p>
-            <a:pPr algn="l">
-              <a:buFont typeface="Arial" panose="020B0604020202020204" pitchFamily="34" charset="0"/>
-              <a:buChar char="•"/>
-            </a:pPr>
-            <a:r>
-              <a:rPr lang="it-IT" sz="1100" b="0" i="0" dirty="0">
-                <a:solidFill>
-                  <a:srgbClr val="00FFCC"/>
-                </a:solidFill>
-                <a:effectLst>
-                  <a:outerShdw blurRad="38100" dist="38100" dir="2700000" algn="tl">
-                    <a:srgbClr val="000000">
-                      <a:alpha val="43137"/>
-                    </a:srgbClr>
-                  </a:outerShdw>
-                </a:effectLst>
-                <a:latin typeface="Georgia" panose="02040502050405020303" pitchFamily="18" charset="0"/>
-              </a:rPr>
-              <a:t>Vendita diretta attraverso showroom e negozi online</a:t>
-            </a:r>
-          </a:p>
-          <a:p>
-            <a:pPr algn="l">
-              <a:buFont typeface="Arial" panose="020B0604020202020204" pitchFamily="34" charset="0"/>
-              <a:buChar char="•"/>
-            </a:pPr>
-            <a:r>
-              <a:rPr lang="it-IT" sz="1100" b="0" i="0" dirty="0">
-                <a:solidFill>
-                  <a:srgbClr val="00FFCC"/>
-                </a:solidFill>
-                <a:effectLst>
-                  <a:outerShdw blurRad="38100" dist="38100" dir="2700000" algn="tl">
-                    <a:srgbClr val="000000">
-                      <a:alpha val="43137"/>
-                    </a:srgbClr>
-                  </a:outerShdw>
-                </a:effectLst>
-                <a:latin typeface="Georgia" panose="02040502050405020303" pitchFamily="18" charset="0"/>
-              </a:rPr>
-              <a:t>Distributori e rivenditori di elettrodomestici</a:t>
-            </a:r>
-          </a:p>
-          <a:p>
-            <a:pPr algn="l">
-              <a:buFont typeface="Arial" panose="020B0604020202020204" pitchFamily="34" charset="0"/>
-              <a:buChar char="•"/>
-            </a:pPr>
-            <a:r>
-              <a:rPr lang="it-IT" sz="1100" b="0" i="0" dirty="0">
-                <a:solidFill>
-                  <a:srgbClr val="00FFCC"/>
-                </a:solidFill>
-                <a:effectLst>
-                  <a:outerShdw blurRad="38100" dist="38100" dir="2700000" algn="tl">
-                    <a:srgbClr val="000000">
-                      <a:alpha val="43137"/>
-                    </a:srgbClr>
-                  </a:outerShdw>
-                </a:effectLst>
-                <a:latin typeface="Georgia" panose="02040502050405020303" pitchFamily="18" charset="0"/>
-              </a:rPr>
-              <a:t>Collaborazioni con produttori di cucine e arredatori</a:t>
-            </a:r>
-          </a:p>
-        </p:txBody>
-      </p:sp>
-      <p:sp>
-        <p:nvSpPr>
-          <p:cNvPr id="14" name="CasellaDiTesto 13">
-            <a:extLst>
-              <a:ext uri="{FF2B5EF4-FFF2-40B4-BE49-F238E27FC236}">
-                <a16:creationId xmlns:a16="http://schemas.microsoft.com/office/drawing/2014/main" id="{CAAC7308-23D0-4CBB-0221-45646BB218DC}"/>
-              </a:ext>
-            </a:extLst>
-          </p:cNvPr>
-          <p:cNvSpPr txBox="1"/>
-          <p:nvPr/>
-        </p:nvSpPr>
-        <p:spPr>
-          <a:xfrm>
             <a:off x="6960942" y="1636506"/>
-            <a:ext cx="1819275" cy="1615827"/>
+            <a:ext cx="1819275" cy="600164"/>
           </a:xfrm>
           <a:prstGeom prst="rect">
             <a:avLst/>
@@ -11247,7 +13449,7 @@
                 </a:effectLst>
                 <a:latin typeface="Söhne"/>
               </a:rPr>
-              <a:t>-vendita per consulenze e specifiche tecniche</a:t>
+              <a:t>-vendita </a:t>
             </a:r>
           </a:p>
           <a:p>
@@ -11269,7 +13471,7 @@
                 </a:effectLst>
                 <a:latin typeface="Söhne"/>
               </a:rPr>
-              <a:t>Supporto post-vendita per installazione, manutenzione e riparazioni</a:t>
+              <a:t>Supporto post-vendita</a:t>
             </a:r>
           </a:p>
           <a:p>
@@ -11291,7 +13493,7 @@
                 </a:effectLst>
                 <a:latin typeface="Söhne"/>
               </a:rPr>
-              <a:t>Servizi di consulenza per progetti di ventilazione personalizzati</a:t>
+              <a:t>Comunità online</a:t>
             </a:r>
           </a:p>
         </p:txBody>
@@ -11311,7 +13513,7 @@
         <p:spPr>
           <a:xfrm>
             <a:off x="1932167" y="5677066"/>
-            <a:ext cx="4110824" cy="1292662"/>
+            <a:ext cx="4110824" cy="1015663"/>
           </a:xfrm>
           <a:prstGeom prst="rect">
             <a:avLst/>
@@ -11342,7 +13544,7 @@
                 </a:effectLst>
                 <a:latin typeface="Söhne"/>
               </a:rPr>
-              <a:t>Costi di produzione e materie prime</a:t>
+              <a:t>Costi di produzione</a:t>
             </a:r>
           </a:p>
           <a:p>
@@ -11386,7 +13588,7 @@
                 </a:effectLst>
                 <a:latin typeface="Söhne"/>
               </a:rPr>
-              <a:t>Costi operativi per le strutture e le risorse umane</a:t>
+              <a:t>Costi di marketing e pubblicità</a:t>
             </a:r>
           </a:p>
           <a:p>
@@ -11408,7 +13610,7 @@
                 </a:effectLst>
                 <a:latin typeface="Söhne"/>
               </a:rPr>
-              <a:t>Costi di marketing e promozione</a:t>
+              <a:t>Costi di distribuzione e vendita</a:t>
             </a:r>
           </a:p>
           <a:p>
@@ -11417,7 +13619,7 @@
               <a:buChar char="•"/>
             </a:pPr>
             <a:r>
-              <a:rPr lang="it-IT" sz="1200" b="0" i="0" dirty="0">
+              <a:rPr lang="it-IT" sz="1200" dirty="0">
                 <a:solidFill>
                   <a:srgbClr val="276FBF"/>
                 </a:solidFill>
@@ -11430,11 +13632,21 @@
                 </a:effectLst>
                 <a:latin typeface="Söhne"/>
               </a:rPr>
-              <a:t>Costi di assistenza e supporto ai clienti</a:t>
-            </a:r>
-          </a:p>
-          <a:p>
-            <a:endParaRPr lang="it-IT" dirty="0"/>
+              <a:t>Costi amministrativi e generali</a:t>
+            </a:r>
+            <a:endParaRPr lang="it-IT" sz="1200" b="0" i="0" dirty="0">
+              <a:solidFill>
+                <a:srgbClr val="276FBF"/>
+              </a:solidFill>
+              <a:effectLst>
+                <a:outerShdw blurRad="38100" dist="38100" dir="2700000" algn="tl">
+                  <a:srgbClr val="000000">
+                    <a:alpha val="43137"/>
+                  </a:srgbClr>
+                </a:outerShdw>
+              </a:effectLst>
+              <a:latin typeface="Söhne"/>
+            </a:endParaRPr>
           </a:p>
         </p:txBody>
       </p:sp>
@@ -11911,8 +14123,8 @@
         </p:nvSpPr>
         <p:spPr>
           <a:xfrm>
-            <a:off x="5307094" y="5657352"/>
-            <a:ext cx="4275085" cy="1292662"/>
+            <a:off x="5360079" y="5632748"/>
+            <a:ext cx="4275085" cy="1107996"/>
           </a:xfrm>
           <a:prstGeom prst="rect">
             <a:avLst/>
@@ -11943,7 +14155,7 @@
                 </a:effectLst>
                 <a:latin typeface="Söhne"/>
               </a:rPr>
-              <a:t>Vendita diretta di cappe da cucina e sistemi di aspirazione</a:t>
+              <a:t>Vendita diretta di prodotti</a:t>
             </a:r>
           </a:p>
           <a:p>
@@ -11965,7 +14177,7 @@
                 </a:effectLst>
                 <a:latin typeface="Söhne"/>
               </a:rPr>
-              <a:t>Vendita di ricambi e accessori</a:t>
+              <a:t>Vendita ai rivenditori e distributori</a:t>
             </a:r>
           </a:p>
           <a:p>
@@ -11987,7 +14199,7 @@
                 </a:effectLst>
                 <a:latin typeface="Söhne"/>
               </a:rPr>
-              <a:t>Servizi di manutenzione e assistenza</a:t>
+              <a:t>Servizi di assistenza e manutenzione</a:t>
             </a:r>
           </a:p>
           <a:p>
@@ -12009,18 +14221,50 @@
                 </a:effectLst>
                 <a:latin typeface="Söhne"/>
               </a:rPr>
-              <a:t>Collaborazioni e partnership</a:t>
-            </a:r>
-          </a:p>
+              <a:t>Licenze e royalties</a:t>
+            </a:r>
+          </a:p>
+          <a:p>
+            <a:endParaRPr lang="it-IT" dirty="0"/>
+          </a:p>
+        </p:txBody>
+      </p:sp>
+      <p:sp>
+        <p:nvSpPr>
+          <p:cNvPr id="1047" name="CasellaDiTesto 1046">
+            <a:extLst>
+              <a:ext uri="{FF2B5EF4-FFF2-40B4-BE49-F238E27FC236}">
+                <a16:creationId xmlns:a16="http://schemas.microsoft.com/office/drawing/2014/main" id="{6A362049-D5B5-1EFD-E2F6-B70D51D3C6E3}"/>
+              </a:ext>
+            </a:extLst>
+          </p:cNvPr>
+          <p:cNvSpPr txBox="1"/>
+          <p:nvPr/>
+        </p:nvSpPr>
+        <p:spPr>
+          <a:xfrm>
+            <a:off x="3504898" y="1690815"/>
+            <a:ext cx="1754862" cy="1461939"/>
+          </a:xfrm>
+          <a:prstGeom prst="rect">
+            <a:avLst/>
+          </a:prstGeom>
+          <a:noFill/>
+        </p:spPr>
+        <p:txBody>
+          <a:bodyPr wrap="square" rtlCol="0">
+            <a:spAutoFit/>
+          </a:bodyPr>
+          <a:lstStyle/>
           <a:p>
             <a:pPr algn="l">
               <a:buFont typeface="Arial" panose="020B0604020202020204" pitchFamily="34" charset="0"/>
               <a:buChar char="•"/>
             </a:pPr>
             <a:r>
-              <a:rPr lang="it-IT" sz="1200" b="0" i="0" dirty="0">
-                <a:solidFill>
-                  <a:srgbClr val="00B0F0"/>
+              <a:rPr lang="it-IT" sz="1100" b="0" i="0" dirty="0">
+                <a:solidFill>
+                  <a:srgbClr val="00FFCC"/>
                 </a:solidFill>
                 <a:effectLst>
                   <a:outerShdw blurRad="38100" dist="38100" dir="2700000" algn="tl">
@@ -12031,48 +14275,10 @@
                 </a:effectLst>
                 <a:latin typeface="Söhne"/>
               </a:rPr>
-              <a:t>Licenze e royalties</a:t>
-            </a:r>
-          </a:p>
-          <a:p>
-            <a:endParaRPr lang="it-IT" dirty="0"/>
-          </a:p>
-        </p:txBody>
-      </p:sp>
-      <p:sp>
-        <p:nvSpPr>
-          <p:cNvPr id="1047" name="CasellaDiTesto 1046">
-            <a:extLst>
-              <a:ext uri="{FF2B5EF4-FFF2-40B4-BE49-F238E27FC236}">
-                <a16:creationId xmlns:a16="http://schemas.microsoft.com/office/drawing/2014/main" id="{6A362049-D5B5-1EFD-E2F6-B70D51D3C6E3}"/>
-              </a:ext>
-            </a:extLst>
-          </p:cNvPr>
-          <p:cNvSpPr txBox="1"/>
-          <p:nvPr/>
-        </p:nvSpPr>
-        <p:spPr>
-          <a:xfrm>
-            <a:off x="3500220" y="1474444"/>
-            <a:ext cx="1754862" cy="1969770"/>
-          </a:xfrm>
-          <a:prstGeom prst="rect">
-            <a:avLst/>
-          </a:prstGeom>
-          <a:noFill/>
-        </p:spPr>
-        <p:txBody>
-          <a:bodyPr wrap="square" rtlCol="0">
-            <a:spAutoFit/>
-          </a:bodyPr>
-          <a:lstStyle/>
-          <a:p>
-            <a:pPr algn="l">
-              <a:buFont typeface="Arial" panose="020B0604020202020204" pitchFamily="34" charset="0"/>
-              <a:buChar char="•"/>
-            </a:pPr>
-            <a:r>
-              <a:rPr lang="it-IT" sz="1100" b="0" i="0" dirty="0">
+              <a:t>Progettazione e sviluppo di </a:t>
+            </a:r>
+            <a:r>
+              <a:rPr lang="it-IT" sz="1100" dirty="0">
                 <a:solidFill>
                   <a:srgbClr val="00FFCC"/>
                 </a:solidFill>
@@ -12085,7 +14291,7 @@
                 </a:effectLst>
                 <a:latin typeface="Söhne"/>
               </a:rPr>
-              <a:t>Progettazione e sviluppo di cappe da cucina e sistemi di aspirazione</a:t>
+              <a:t>nuovi prodotti</a:t>
             </a:r>
           </a:p>
           <a:p>
@@ -12107,7 +14313,7 @@
                 </a:effectLst>
                 <a:latin typeface="Söhne"/>
               </a:rPr>
-              <a:t>Produzione e assemblaggio di prodotti</a:t>
+              <a:t>Produzione e assemblaggio</a:t>
             </a:r>
           </a:p>
           <a:p>
@@ -12129,7 +14335,7 @@
                 </a:effectLst>
                 <a:latin typeface="Söhne"/>
               </a:rPr>
-              <a:t>Controllo qualità e test dei prodotti</a:t>
+              <a:t>Marketing e vendite</a:t>
             </a:r>
           </a:p>
           <a:p>
@@ -12151,7 +14357,7 @@
                 </a:effectLst>
                 <a:latin typeface="Söhne"/>
               </a:rPr>
-              <a:t>Ricerca e sviluppo di nuove tecnologie e soluzioni</a:t>
+              <a:t>Servizio clienti e supporto post-vendita</a:t>
             </a:r>
           </a:p>
           <a:p>
@@ -12174,7 +14380,7 @@
         <p:spPr>
           <a:xfrm>
             <a:off x="1975190" y="2007210"/>
-            <a:ext cx="1408664" cy="2477601"/>
+            <a:ext cx="1408664" cy="2108269"/>
           </a:xfrm>
           <a:prstGeom prst="rect">
             <a:avLst/>
@@ -12249,7 +14455,7 @@
                 </a:effectLst>
                 <a:latin typeface="Söhne"/>
               </a:rPr>
-              <a:t>Collaborazioni con produttori di cucine e arredatori</a:t>
+              <a:t>Costruttori di case</a:t>
             </a:r>
           </a:p>
           <a:p>
@@ -12271,7 +14477,7 @@
                 </a:effectLst>
                 <a:latin typeface="Söhne"/>
               </a:rPr>
-              <a:t>Agenzie di design e consulenti</a:t>
+              <a:t>Progettisti di cucine</a:t>
             </a:r>
           </a:p>
           <a:p>
@@ -12401,13 +14607,8 @@
           <a:p>
             <a:r>
               <a:rPr lang="it-IT" sz="1400" dirty="0"/>
-              <a:t>Key </a:t>
-            </a:r>
-            <a:r>
-              <a:rPr lang="it-IT" sz="1400" dirty="0" err="1"/>
-              <a:t>Resources</a:t>
-            </a:r>
-            <a:endParaRPr lang="it-IT" sz="1400" dirty="0"/>
+              <a:t>Key Resources</a:t>
+            </a:r>
           </a:p>
         </p:txBody>
       </p:sp>
@@ -12476,13 +14677,8 @@
           <a:p>
             <a:r>
               <a:rPr lang="it-IT" sz="1400" dirty="0"/>
-              <a:t>Cost </a:t>
-            </a:r>
-            <a:r>
-              <a:rPr lang="it-IT" sz="1400" dirty="0" err="1"/>
-              <a:t>Structure</a:t>
-            </a:r>
-            <a:endParaRPr lang="it-IT" sz="1400" dirty="0"/>
+              <a:t>Cost Structure</a:t>
+            </a:r>
           </a:p>
         </p:txBody>
       </p:sp>
@@ -12515,10 +14711,9 @@
           <a:lstStyle/>
           <a:p>
             <a:r>
-              <a:rPr lang="it-IT" sz="1400" dirty="0" err="1"/>
+              <a:rPr lang="it-IT" sz="1400" dirty="0"/>
               <a:t>Channels</a:t>
             </a:r>
-            <a:endParaRPr lang="it-IT" sz="1400" dirty="0"/>
           </a:p>
         </p:txBody>
       </p:sp>
@@ -12552,13 +14747,8 @@
           <a:p>
             <a:r>
               <a:rPr lang="it-IT" sz="1400" dirty="0"/>
-              <a:t>Value </a:t>
-            </a:r>
-            <a:r>
-              <a:rPr lang="it-IT" sz="1400" dirty="0" err="1"/>
-              <a:t>Proposition</a:t>
-            </a:r>
-            <a:endParaRPr lang="it-IT" sz="1400" dirty="0"/>
+              <a:t>Value Proposition</a:t>
+            </a:r>
           </a:p>
         </p:txBody>
       </p:sp>
@@ -12592,13 +14782,8 @@
           <a:p>
             <a:r>
               <a:rPr lang="it-IT" sz="1400" dirty="0"/>
-              <a:t>Customer </a:t>
-            </a:r>
-            <a:r>
-              <a:rPr lang="it-IT" sz="1400" dirty="0" err="1"/>
-              <a:t>Relationships</a:t>
-            </a:r>
-            <a:endParaRPr lang="it-IT" sz="1400" dirty="0"/>
+              <a:t>Customer Relationships</a:t>
+            </a:r>
           </a:p>
         </p:txBody>
       </p:sp>
@@ -12632,20 +14817,15 @@
           <a:p>
             <a:r>
               <a:rPr lang="it-IT" sz="1400" dirty="0"/>
-              <a:t>Customer </a:t>
-            </a:r>
-            <a:r>
-              <a:rPr lang="it-IT" sz="1400" dirty="0" err="1"/>
-              <a:t>Segments</a:t>
-            </a:r>
-            <a:endParaRPr lang="it-IT" sz="1400" dirty="0"/>
+              <a:t>Customer Segments</a:t>
+            </a:r>
           </a:p>
         </p:txBody>
       </p:sp>
     </p:spTree>
     <p:extLst>
       <p:ext uri="{BB962C8B-B14F-4D97-AF65-F5344CB8AC3E}">
-        <p14:creationId xmlns:p14="http://schemas.microsoft.com/office/powerpoint/2010/main" val="3488849015"/>
+        <p14:creationId xmlns:p14="http://schemas.microsoft.com/office/powerpoint/2010/main" val="1183172068"/>
       </p:ext>
     </p:extLst>
   </p:cSld>

--- a/I Due Moschettieri.pptx
+++ b/I Due Moschettieri.pptx
@@ -7281,41 +7281,6 @@
       </p:grpSpPr>
       <p:sp>
         <p:nvSpPr>
-          <p:cNvPr id="2" name="Title 1">
-            <a:extLst>
-              <a:ext uri="{FF2B5EF4-FFF2-40B4-BE49-F238E27FC236}">
-                <a16:creationId xmlns:a16="http://schemas.microsoft.com/office/drawing/2014/main" id="{AB96BDCC-BA03-1E18-F876-2527144CFFB0}"/>
-              </a:ext>
-            </a:extLst>
-          </p:cNvPr>
-          <p:cNvSpPr>
-            <a:spLocks noGrp="1"/>
-          </p:cNvSpPr>
-          <p:nvPr>
-            <p:ph type="title"/>
-          </p:nvPr>
-        </p:nvSpPr>
-        <p:spPr>
-          <a:xfrm>
-            <a:off x="838200" y="119946"/>
-            <a:ext cx="10515600" cy="1325563"/>
-          </a:xfrm>
-        </p:spPr>
-        <p:txBody>
-          <a:bodyPr/>
-          <a:lstStyle/>
-          <a:p>
-            <a:pPr algn="ctr"/>
-            <a:r>
-              <a:rPr lang="en-US" dirty="0"/>
-              <a:t>Business Model Canvas</a:t>
-            </a:r>
-            <a:endParaRPr lang="it-IT" dirty="0"/>
-          </a:p>
-        </p:txBody>
-      </p:sp>
-      <p:sp>
-        <p:nvSpPr>
           <p:cNvPr id="4" name="Rettangolo con due angoli in diagonale arrotondati 3">
             <a:extLst>
               <a:ext uri="{FF2B5EF4-FFF2-40B4-BE49-F238E27FC236}">
@@ -7772,7 +7737,7 @@
         </p:nvSpPr>
         <p:spPr>
           <a:xfrm>
-            <a:off x="203199" y="212358"/>
+            <a:off x="203198" y="61433"/>
             <a:ext cx="5892801" cy="3540997"/>
           </a:xfrm>
           <a:prstGeom prst="round2DiagRect">
@@ -7824,7 +7789,7 @@
         </p:nvSpPr>
         <p:spPr>
           <a:xfrm>
-            <a:off x="1801091" y="1537921"/>
+            <a:off x="1801090" y="1386996"/>
             <a:ext cx="2599553" cy="368218"/>
           </a:xfrm>
           <a:prstGeom prst="rect">
@@ -7856,7 +7821,7 @@
         </p:nvSpPr>
         <p:spPr>
           <a:xfrm>
-            <a:off x="615765" y="350997"/>
+            <a:off x="615764" y="200072"/>
             <a:ext cx="2700090" cy="707886"/>
           </a:xfrm>
           <a:prstGeom prst="rect">
@@ -7892,7 +7857,7 @@
         </p:nvSpPr>
         <p:spPr>
           <a:xfrm>
-            <a:off x="6157525" y="212358"/>
+            <a:off x="6157524" y="61433"/>
             <a:ext cx="5892801" cy="3540997"/>
           </a:xfrm>
           <a:prstGeom prst="round2DiagRect">
@@ -7944,7 +7909,7 @@
         </p:nvSpPr>
         <p:spPr>
           <a:xfrm>
-            <a:off x="6508566" y="366386"/>
+            <a:off x="6508565" y="215461"/>
             <a:ext cx="5480235" cy="707886"/>
           </a:xfrm>
           <a:prstGeom prst="rect">
@@ -7984,7 +7949,7 @@
         </p:nvSpPr>
         <p:spPr>
           <a:xfrm>
-            <a:off x="454123" y="1722030"/>
+            <a:off x="454122" y="1571105"/>
             <a:ext cx="5113863" cy="2031325"/>
           </a:xfrm>
           <a:prstGeom prst="rect">
@@ -8058,7 +8023,7 @@
         </p:nvSpPr>
         <p:spPr>
           <a:xfrm>
-            <a:off x="6346924" y="1208994"/>
+            <a:off x="6346923" y="1058069"/>
             <a:ext cx="5323215" cy="2462213"/>
           </a:xfrm>
           <a:prstGeom prst="rect">
@@ -8155,8 +8120,8 @@
         </p:nvSpPr>
         <p:spPr>
           <a:xfrm>
-            <a:off x="233961" y="3888078"/>
-            <a:ext cx="11847127" cy="2846678"/>
+            <a:off x="203198" y="3655004"/>
+            <a:ext cx="11847127" cy="3140664"/>
           </a:xfrm>
           <a:prstGeom prst="round2DiagRect">
             <a:avLst/>
@@ -8207,7 +8172,7 @@
         </p:nvSpPr>
         <p:spPr>
           <a:xfrm>
-            <a:off x="503140" y="3847316"/>
+            <a:off x="454122" y="3741069"/>
             <a:ext cx="5292918" cy="646331"/>
           </a:xfrm>
           <a:prstGeom prst="rect">
@@ -8247,7 +8212,7 @@
         </p:nvSpPr>
         <p:spPr>
           <a:xfrm>
-            <a:off x="373711" y="4334354"/>
+            <a:off x="342948" y="4395266"/>
             <a:ext cx="11615090" cy="2462213"/>
           </a:xfrm>
           <a:prstGeom prst="rect">
@@ -8310,6 +8275,53 @@
           </a:p>
         </p:txBody>
       </p:sp>
+      <p:pic>
+        <p:nvPicPr>
+          <p:cNvPr id="2050" name="Picture 2" descr="Camion e autocarri: al via gli incentivi statali | Segugio.it">
+            <a:extLst>
+              <a:ext uri="{FF2B5EF4-FFF2-40B4-BE49-F238E27FC236}">
+                <a16:creationId xmlns:a16="http://schemas.microsoft.com/office/drawing/2014/main" id="{253D75DC-18A5-AC96-A3EC-08BEF2A4D11A}"/>
+              </a:ext>
+            </a:extLst>
+          </p:cNvPr>
+          <p:cNvPicPr>
+            <a:picLocks noChangeAspect="1" noChangeArrowheads="1"/>
+          </p:cNvPicPr>
+          <p:nvPr/>
+        </p:nvPicPr>
+        <p:blipFill>
+          <a:blip r:embed="rId2">
+            <a:extLst>
+              <a:ext uri="{28A0092B-C50C-407E-A947-70E740481C1C}">
+                <a14:useLocalDpi xmlns:a14="http://schemas.microsoft.com/office/drawing/2010/main" val="0"/>
+              </a:ext>
+            </a:extLst>
+          </a:blip>
+          <a:srcRect/>
+          <a:stretch>
+            <a:fillRect/>
+          </a:stretch>
+        </p:blipFill>
+        <p:spPr bwMode="auto">
+          <a:xfrm>
+            <a:off x="3825928" y="62332"/>
+            <a:ext cx="2268748" cy="1508773"/>
+          </a:xfrm>
+          <a:prstGeom prst="rect">
+            <a:avLst/>
+          </a:prstGeom>
+          <a:noFill/>
+          <a:extLst>
+            <a:ext uri="{909E8E84-426E-40DD-AFC4-6F175D3DCCD1}">
+              <a14:hiddenFill xmlns:a14="http://schemas.microsoft.com/office/drawing/2010/main">
+                <a:solidFill>
+                  <a:srgbClr val="FFFFFF"/>
+                </a:solidFill>
+              </a14:hiddenFill>
+            </a:ext>
+          </a:extLst>
+        </p:spPr>
+      </p:pic>
     </p:spTree>
     <p:extLst>
       <p:ext uri="{BB962C8B-B14F-4D97-AF65-F5344CB8AC3E}">
@@ -8766,6 +8778,100 @@
           </a:p>
         </p:txBody>
       </p:sp>
+      <p:pic>
+        <p:nvPicPr>
+          <p:cNvPr id="1028" name="Picture 4" descr="Cosa sono i soldi">
+            <a:extLst>
+              <a:ext uri="{FF2B5EF4-FFF2-40B4-BE49-F238E27FC236}">
+                <a16:creationId xmlns:a16="http://schemas.microsoft.com/office/drawing/2014/main" id="{7E3C628C-1D92-5429-AEFD-D4D58D1F3353}"/>
+              </a:ext>
+            </a:extLst>
+          </p:cNvPr>
+          <p:cNvPicPr>
+            <a:picLocks noChangeAspect="1" noChangeArrowheads="1"/>
+          </p:cNvPicPr>
+          <p:nvPr/>
+        </p:nvPicPr>
+        <p:blipFill>
+          <a:blip r:embed="rId2">
+            <a:extLst>
+              <a:ext uri="{28A0092B-C50C-407E-A947-70E740481C1C}">
+                <a14:useLocalDpi xmlns:a14="http://schemas.microsoft.com/office/drawing/2010/main" val="0"/>
+              </a:ext>
+            </a:extLst>
+          </a:blip>
+          <a:srcRect/>
+          <a:stretch>
+            <a:fillRect/>
+          </a:stretch>
+        </p:blipFill>
+        <p:spPr bwMode="auto">
+          <a:xfrm flipH="1">
+            <a:off x="4642717" y="140795"/>
+            <a:ext cx="1339287" cy="753545"/>
+          </a:xfrm>
+          <a:prstGeom prst="rect">
+            <a:avLst/>
+          </a:prstGeom>
+          <a:noFill/>
+          <a:extLst>
+            <a:ext uri="{909E8E84-426E-40DD-AFC4-6F175D3DCCD1}">
+              <a14:hiddenFill xmlns:a14="http://schemas.microsoft.com/office/drawing/2010/main">
+                <a:solidFill>
+                  <a:srgbClr val="FFFFFF"/>
+                </a:solidFill>
+              </a14:hiddenFill>
+            </a:ext>
+          </a:extLst>
+        </p:spPr>
+      </p:pic>
+      <p:pic>
+        <p:nvPicPr>
+          <p:cNvPr id="1030" name="Picture 6" descr="Bouncing price' technique – good or bad? – Price2Spy® Blog">
+            <a:extLst>
+              <a:ext uri="{FF2B5EF4-FFF2-40B4-BE49-F238E27FC236}">
+                <a16:creationId xmlns:a16="http://schemas.microsoft.com/office/drawing/2014/main" id="{59C077D1-B944-3909-F5F0-B616316615EF}"/>
+              </a:ext>
+            </a:extLst>
+          </p:cNvPr>
+          <p:cNvPicPr>
+            <a:picLocks noChangeAspect="1" noChangeArrowheads="1"/>
+          </p:cNvPicPr>
+          <p:nvPr/>
+        </p:nvPicPr>
+        <p:blipFill>
+          <a:blip r:embed="rId3">
+            <a:extLst>
+              <a:ext uri="{28A0092B-C50C-407E-A947-70E740481C1C}">
+                <a14:useLocalDpi xmlns:a14="http://schemas.microsoft.com/office/drawing/2010/main" val="0"/>
+              </a:ext>
+            </a:extLst>
+          </a:blip>
+          <a:srcRect/>
+          <a:stretch>
+            <a:fillRect/>
+          </a:stretch>
+        </p:blipFill>
+        <p:spPr bwMode="auto">
+          <a:xfrm>
+            <a:off x="10902578" y="140795"/>
+            <a:ext cx="1147748" cy="753545"/>
+          </a:xfrm>
+          <a:prstGeom prst="rect">
+            <a:avLst/>
+          </a:prstGeom>
+          <a:noFill/>
+          <a:extLst>
+            <a:ext uri="{909E8E84-426E-40DD-AFC4-6F175D3DCCD1}">
+              <a14:hiddenFill xmlns:a14="http://schemas.microsoft.com/office/drawing/2010/main">
+                <a:solidFill>
+                  <a:srgbClr val="FFFFFF"/>
+                </a:solidFill>
+              </a14:hiddenFill>
+            </a:ext>
+          </a:extLst>
+        </p:spPr>
+      </p:pic>
     </p:spTree>
     <p:extLst>
       <p:ext uri="{BB962C8B-B14F-4D97-AF65-F5344CB8AC3E}">
